--- a/presentations/Modern Computing.pptx
+++ b/presentations/Modern Computing.pptx
@@ -5,7 +5,7 @@
     <p:sldMasterId id="2147483669" r:id="rId1"/>
   </p:sldMasterIdLst>
   <p:notesMasterIdLst>
-    <p:notesMasterId r:id="rId46"/>
+    <p:notesMasterId r:id="rId44"/>
   </p:notesMasterIdLst>
   <p:sldIdLst>
     <p:sldId id="256" r:id="rId2"/>
@@ -16,42 +16,40 @@
     <p:sldId id="262" r:id="rId7"/>
     <p:sldId id="260" r:id="rId8"/>
     <p:sldId id="278" r:id="rId9"/>
-    <p:sldId id="276" r:id="rId10"/>
-    <p:sldId id="281" r:id="rId11"/>
-    <p:sldId id="288" r:id="rId12"/>
-    <p:sldId id="289" r:id="rId13"/>
-    <p:sldId id="271" r:id="rId14"/>
-    <p:sldId id="273" r:id="rId15"/>
-    <p:sldId id="274" r:id="rId16"/>
-    <p:sldId id="261" r:id="rId17"/>
-    <p:sldId id="266" r:id="rId18"/>
-    <p:sldId id="263" r:id="rId19"/>
-    <p:sldId id="264" r:id="rId20"/>
-    <p:sldId id="282" r:id="rId21"/>
-    <p:sldId id="265" r:id="rId22"/>
-    <p:sldId id="272" r:id="rId23"/>
-    <p:sldId id="283" r:id="rId24"/>
-    <p:sldId id="287" r:id="rId25"/>
-    <p:sldId id="286" r:id="rId26"/>
-    <p:sldId id="267" r:id="rId27"/>
-    <p:sldId id="285" r:id="rId28"/>
-    <p:sldId id="268" r:id="rId29"/>
-    <p:sldId id="269" r:id="rId30"/>
-    <p:sldId id="270" r:id="rId31"/>
-    <p:sldId id="290" r:id="rId32"/>
-    <p:sldId id="292" r:id="rId33"/>
-    <p:sldId id="280" r:id="rId34"/>
-    <p:sldId id="293" r:id="rId35"/>
-    <p:sldId id="295" r:id="rId36"/>
-    <p:sldId id="291" r:id="rId37"/>
-    <p:sldId id="294" r:id="rId38"/>
-    <p:sldId id="298" r:id="rId39"/>
-    <p:sldId id="299" r:id="rId40"/>
-    <p:sldId id="300" r:id="rId41"/>
-    <p:sldId id="301" r:id="rId42"/>
-    <p:sldId id="302" r:id="rId43"/>
-    <p:sldId id="303" r:id="rId44"/>
-    <p:sldId id="275" r:id="rId45"/>
+    <p:sldId id="304" r:id="rId10"/>
+    <p:sldId id="276" r:id="rId11"/>
+    <p:sldId id="281" r:id="rId12"/>
+    <p:sldId id="288" r:id="rId13"/>
+    <p:sldId id="289" r:id="rId14"/>
+    <p:sldId id="261" r:id="rId15"/>
+    <p:sldId id="266" r:id="rId16"/>
+    <p:sldId id="263" r:id="rId17"/>
+    <p:sldId id="264" r:id="rId18"/>
+    <p:sldId id="282" r:id="rId19"/>
+    <p:sldId id="265" r:id="rId20"/>
+    <p:sldId id="272" r:id="rId21"/>
+    <p:sldId id="283" r:id="rId22"/>
+    <p:sldId id="287" r:id="rId23"/>
+    <p:sldId id="286" r:id="rId24"/>
+    <p:sldId id="267" r:id="rId25"/>
+    <p:sldId id="285" r:id="rId26"/>
+    <p:sldId id="268" r:id="rId27"/>
+    <p:sldId id="269" r:id="rId28"/>
+    <p:sldId id="270" r:id="rId29"/>
+    <p:sldId id="290" r:id="rId30"/>
+    <p:sldId id="292" r:id="rId31"/>
+    <p:sldId id="280" r:id="rId32"/>
+    <p:sldId id="293" r:id="rId33"/>
+    <p:sldId id="295" r:id="rId34"/>
+    <p:sldId id="291" r:id="rId35"/>
+    <p:sldId id="294" r:id="rId36"/>
+    <p:sldId id="298" r:id="rId37"/>
+    <p:sldId id="299" r:id="rId38"/>
+    <p:sldId id="300" r:id="rId39"/>
+    <p:sldId id="301" r:id="rId40"/>
+    <p:sldId id="302" r:id="rId41"/>
+    <p:sldId id="303" r:id="rId42"/>
+    <p:sldId id="275" r:id="rId43"/>
   </p:sldIdLst>
   <p:sldSz cx="9144000" cy="6858000" type="screen4x3"/>
   <p:notesSz cx="6858000" cy="9144000"/>
@@ -240,7 +238,7 @@
           <a:p>
             <a:fld id="{4DF0DEF9-CF53-407B-BB1F-ECAB7603E458}" type="datetimeFigureOut">
               <a:rPr lang="en-US" smtClean="0"/>
-              <a:t>11/6/2013</a:t>
+              <a:t>1/4/2014</a:t>
             </a:fld>
             <a:endParaRPr lang="en-US"/>
           </a:p>
@@ -665,7 +663,7 @@
           <a:p>
             <a:fld id="{BD230D4F-C3EB-4AF4-809D-43587FCC13EB}" type="slidenum">
               <a:rPr lang="en-US" smtClean="0"/>
-              <a:t>34</a:t>
+              <a:t>32</a:t>
             </a:fld>
             <a:endParaRPr lang="en-US"/>
           </a:p>
@@ -773,7 +771,7 @@
           <a:p>
             <a:fld id="{BD230D4F-C3EB-4AF4-809D-43587FCC13EB}" type="slidenum">
               <a:rPr lang="en-US" smtClean="0"/>
-              <a:t>36</a:t>
+              <a:t>34</a:t>
             </a:fld>
             <a:endParaRPr lang="en-US"/>
           </a:p>
@@ -954,7 +952,7 @@
           <a:p>
             <a:fld id="{ECD19FB2-3AAB-4D03-B13A-2960828C78E3}" type="datetimeFigureOut">
               <a:rPr lang="en-US" smtClean="0"/>
-              <a:t>11/6/2013</a:t>
+              <a:t>1/4/2014</a:t>
             </a:fld>
             <a:endParaRPr lang="en-US" dirty="0"/>
           </a:p>
@@ -1241,7 +1239,7 @@
           <a:p>
             <a:fld id="{1B80C674-7DFC-42FE-B9CD-82963CDB1557}" type="datetimeFigureOut">
               <a:rPr lang="en-US" smtClean="0"/>
-              <a:t>11/6/2013</a:t>
+              <a:t>1/4/2014</a:t>
             </a:fld>
             <a:endParaRPr lang="en-US" dirty="0"/>
           </a:p>
@@ -1438,7 +1436,7 @@
           <a:p>
             <a:fld id="{2076456F-F47D-4F25-8053-2A695DA0CA7D}" type="datetimeFigureOut">
               <a:rPr lang="en-US" smtClean="0"/>
-              <a:t>11/6/2013</a:t>
+              <a:t>1/4/2014</a:t>
             </a:fld>
             <a:endParaRPr lang="en-US" dirty="0"/>
           </a:p>
@@ -1704,7 +1702,7 @@
           <a:p>
             <a:fld id="{5D6C7379-69CC-4837-9905-BEBA22830C8A}" type="datetimeFigureOut">
               <a:rPr lang="en-US" smtClean="0"/>
-              <a:t>11/6/2013</a:t>
+              <a:t>1/4/2014</a:t>
             </a:fld>
             <a:endParaRPr lang="en-US" dirty="0"/>
           </a:p>
@@ -2135,7 +2133,7 @@
           <a:p>
             <a:fld id="{49EB8B7E-8AEE-4F10-BFEE-C999AD004D36}" type="datetimeFigureOut">
               <a:rPr lang="en-US" smtClean="0"/>
-              <a:t>11/6/2013</a:t>
+              <a:t>1/4/2014</a:t>
             </a:fld>
             <a:endParaRPr lang="en-US" dirty="0"/>
           </a:p>
@@ -2686,7 +2684,7 @@
           <a:p>
             <a:fld id="{8668F3F9-58BC-440B-B37B-805B9055EF92}" type="datetimeFigureOut">
               <a:rPr lang="en-US" smtClean="0"/>
-              <a:t>11/6/2013</a:t>
+              <a:t>1/4/2014</a:t>
             </a:fld>
             <a:endParaRPr lang="en-US" dirty="0"/>
           </a:p>
@@ -3522,7 +3520,7 @@
           <a:p>
             <a:fld id="{0D5A53AF-48EA-489D-8260-9DCAB666386A}" type="datetimeFigureOut">
               <a:rPr lang="en-US" smtClean="0"/>
-              <a:t>11/6/2013</a:t>
+              <a:t>1/4/2014</a:t>
             </a:fld>
             <a:endParaRPr lang="en-US" dirty="0"/>
           </a:p>
@@ -3697,7 +3695,7 @@
           <a:p>
             <a:fld id="{0DED02AE-B9A4-47BD-AF8E-97E16144138B}" type="datetimeFigureOut">
               <a:rPr lang="en-US" smtClean="0"/>
-              <a:t>11/6/2013</a:t>
+              <a:t>1/4/2014</a:t>
             </a:fld>
             <a:endParaRPr lang="en-US" dirty="0"/>
           </a:p>
@@ -3882,7 +3880,7 @@
           <a:p>
             <a:fld id="{CF0FD78B-DB02-4362-BCDC-98A55456977C}" type="datetimeFigureOut">
               <a:rPr lang="en-US" smtClean="0"/>
-              <a:t>11/6/2013</a:t>
+              <a:t>1/4/2014</a:t>
             </a:fld>
             <a:endParaRPr lang="en-US" dirty="0"/>
           </a:p>
@@ -4089,7 +4087,7 @@
           <a:p>
             <a:fld id="{99916976-5D93-46E4-A98A-FAD63E4D0EA8}" type="datetimeFigureOut">
               <a:rPr lang="en-US" smtClean="0"/>
-              <a:t>11/6/2013</a:t>
+              <a:t>1/4/2014</a:t>
             </a:fld>
             <a:endParaRPr lang="en-US" dirty="0"/>
           </a:p>
@@ -4358,7 +4356,7 @@
           <a:p>
             <a:fld id="{0F39F4F5-F4D2-4D2A-AB60-88D37ADCB869}" type="datetimeFigureOut">
               <a:rPr lang="en-US" smtClean="0"/>
-              <a:t>11/6/2013</a:t>
+              <a:t>1/4/2014</a:t>
             </a:fld>
             <a:endParaRPr lang="en-US" dirty="0"/>
           </a:p>
@@ -4602,7 +4600,7 @@
           <a:p>
             <a:fld id="{D23BC6CE-6D1E-47E5-8859-F31AC5380EB2}" type="datetimeFigureOut">
               <a:rPr lang="en-US" smtClean="0"/>
-              <a:t>11/6/2013</a:t>
+              <a:t>1/4/2014</a:t>
             </a:fld>
             <a:endParaRPr lang="en-US" dirty="0"/>
           </a:p>
@@ -5009,7 +5007,7 @@
           <a:p>
             <a:fld id="{B1B4E7C4-4DA4-404D-9965-B13F2DD7D8BF}" type="datetimeFigureOut">
               <a:rPr lang="en-US" smtClean="0"/>
-              <a:t>11/6/2013</a:t>
+              <a:t>1/4/2014</a:t>
             </a:fld>
             <a:endParaRPr lang="en-US" dirty="0"/>
           </a:p>
@@ -5132,7 +5130,7 @@
           <a:p>
             <a:fld id="{476FB7AA-4A53-424F-AD41-70827B6504BA}" type="datetimeFigureOut">
               <a:rPr lang="en-US" smtClean="0"/>
-              <a:t>11/6/2013</a:t>
+              <a:t>1/4/2014</a:t>
             </a:fld>
             <a:endParaRPr lang="en-US" dirty="0"/>
           </a:p>
@@ -5232,7 +5230,7 @@
           <a:p>
             <a:fld id="{E7884882-FB12-4BC8-9960-9AD8104D7FAE}" type="datetimeFigureOut">
               <a:rPr lang="en-US" smtClean="0"/>
-              <a:t>11/6/2013</a:t>
+              <a:t>1/4/2014</a:t>
             </a:fld>
             <a:endParaRPr lang="en-US" dirty="0"/>
           </a:p>
@@ -5512,7 +5510,7 @@
           <a:p>
             <a:fld id="{F7D1BD23-6E54-4D9D-AD88-A2813C73CC25}" type="datetimeFigureOut">
               <a:rPr lang="en-US" smtClean="0"/>
-              <a:t>11/6/2013</a:t>
+              <a:t>1/4/2014</a:t>
             </a:fld>
             <a:endParaRPr lang="en-US" dirty="0"/>
           </a:p>
@@ -5800,7 +5798,7 @@
           <a:p>
             <a:fld id="{1471A834-4F3C-4AF9-9C74-05EC35A0F292}" type="datetimeFigureOut">
               <a:rPr lang="en-US" smtClean="0"/>
-              <a:t>11/6/2013</a:t>
+              <a:t>1/4/2014</a:t>
             </a:fld>
             <a:endParaRPr lang="en-US" dirty="0"/>
           </a:p>
@@ -6045,7 +6043,7 @@
           <a:p>
             <a:fld id="{51CF1133-3259-4C45-BABA-5B62D9C6F78D}" type="datetimeFigureOut">
               <a:rPr lang="en-US" smtClean="0"/>
-              <a:t>11/6/2013</a:t>
+              <a:t>1/4/2014</a:t>
             </a:fld>
             <a:endParaRPr lang="en-US" dirty="0"/>
           </a:p>
@@ -7122,7 +7120,7 @@
           <a:p>
             <a:r>
               <a:rPr lang="en-US" dirty="0" smtClean="0"/>
-              <a:t>a shell</a:t>
+              <a:t>One slide about computer hardware</a:t>
             </a:r>
             <a:endParaRPr lang="en-US" dirty="0"/>
           </a:p>
@@ -7144,111 +7142,135 @@
           <a:lstStyle/>
           <a:p>
             <a:r>
-              <a:rPr lang="en-US" dirty="0"/>
-              <a:t>A program that interprets </a:t>
-            </a:r>
-            <a:r>
-              <a:rPr lang="en-US" dirty="0" smtClean="0"/>
-              <a:t>commands</a:t>
-            </a:r>
-          </a:p>
-          <a:p>
-            <a:r>
-              <a:rPr lang="en-US" dirty="0" smtClean="0"/>
-              <a:t>Not an OS</a:t>
+              <a:rPr lang="en-US" dirty="0" smtClean="0"/>
+              <a:t>CPU – </a:t>
+            </a:r>
+            <a:r>
+              <a:rPr lang="en-US" u="sng" dirty="0" smtClean="0"/>
+              <a:t>C</a:t>
+            </a:r>
+            <a:r>
+              <a:rPr lang="en-US" dirty="0" smtClean="0"/>
+              <a:t>entral </a:t>
+            </a:r>
+            <a:r>
+              <a:rPr lang="en-US" u="sng" dirty="0" smtClean="0"/>
+              <a:t>P</a:t>
+            </a:r>
+            <a:r>
+              <a:rPr lang="en-US" dirty="0" smtClean="0"/>
+              <a:t>rocessing </a:t>
+            </a:r>
+            <a:r>
+              <a:rPr lang="en-US" u="sng" dirty="0" smtClean="0"/>
+              <a:t>U</a:t>
+            </a:r>
+            <a:r>
+              <a:rPr lang="en-US" dirty="0" smtClean="0"/>
+              <a:t>nit</a:t>
             </a:r>
           </a:p>
           <a:p>
             <a:pPr lvl="1"/>
             <a:r>
               <a:rPr lang="en-US" dirty="0" smtClean="0"/>
-              <a:t>An interface to OS to run commands.</a:t>
-            </a:r>
-          </a:p>
-          <a:p>
-            <a:pPr marL="342900" lvl="1" indent="0">
-              <a:buNone/>
-            </a:pPr>
+              <a:t>Usually where your numbers get crunched</a:t>
+            </a:r>
+          </a:p>
+          <a:p>
+            <a:pPr lvl="1"/>
+            <a:r>
+              <a:rPr lang="en-US" dirty="0" smtClean="0"/>
+              <a:t>Modern computers usually have several</a:t>
+            </a:r>
+          </a:p>
+          <a:p>
+            <a:pPr lvl="1"/>
             <a:endParaRPr lang="en-US" dirty="0" smtClean="0"/>
           </a:p>
           <a:p>
             <a:r>
               <a:rPr lang="en-US" dirty="0" smtClean="0"/>
-              <a:t>bash: the </a:t>
-            </a:r>
-            <a:r>
-              <a:rPr lang="en-US" b="1" u="sng" dirty="0" smtClean="0"/>
-              <a:t>B</a:t>
-            </a:r>
-            <a:r>
-              <a:rPr lang="en-US" dirty="0" smtClean="0"/>
-              <a:t>ourne </a:t>
-            </a:r>
-            <a:r>
-              <a:rPr lang="en-US" b="1" u="sng" dirty="0" smtClean="0"/>
+              <a:t>RAM – </a:t>
+            </a:r>
+            <a:r>
+              <a:rPr lang="en-US" u="sng" dirty="0" smtClean="0"/>
+              <a:t>R</a:t>
+            </a:r>
+            <a:r>
+              <a:rPr lang="en-US" dirty="0" smtClean="0"/>
+              <a:t>andom </a:t>
+            </a:r>
+            <a:r>
+              <a:rPr lang="en-US" u="sng" dirty="0" smtClean="0"/>
               <a:t>A</a:t>
             </a:r>
             <a:r>
               <a:rPr lang="en-US" dirty="0" smtClean="0"/>
-              <a:t>gain </a:t>
-            </a:r>
-            <a:r>
-              <a:rPr lang="en-US" b="1" u="sng" dirty="0" smtClean="0"/>
-              <a:t>Sh</a:t>
-            </a:r>
-            <a:r>
-              <a:rPr lang="en-US" dirty="0" smtClean="0"/>
-              <a:t>ell</a:t>
+              <a:t>ccess </a:t>
+            </a:r>
+            <a:r>
+              <a:rPr lang="en-US" u="sng" dirty="0" smtClean="0"/>
+              <a:t>M</a:t>
+            </a:r>
+            <a:r>
+              <a:rPr lang="en-US" dirty="0" smtClean="0"/>
+              <a:t>emory</a:t>
             </a:r>
           </a:p>
           <a:p>
             <a:pPr lvl="1"/>
             <a:r>
               <a:rPr lang="en-US" dirty="0" smtClean="0"/>
-              <a:t>Free </a:t>
-            </a:r>
-            <a:r>
-              <a:rPr lang="en-US" dirty="0"/>
-              <a:t>replacement to </a:t>
-            </a:r>
-            <a:r>
-              <a:rPr lang="en-US" dirty="0" smtClean="0"/>
-              <a:t>Steve Bourne’s Shell</a:t>
-            </a:r>
-          </a:p>
-          <a:p>
-            <a:pPr marL="342900" lvl="1" indent="0">
-              <a:buNone/>
-            </a:pPr>
+              <a:t>Fast place to work, but volatile and small</a:t>
+            </a:r>
+          </a:p>
+          <a:p>
+            <a:pPr lvl="1"/>
+            <a:r>
+              <a:rPr lang="en-US" dirty="0" smtClean="0"/>
+              <a:t>Think of this as a small desktop surface</a:t>
+            </a:r>
+          </a:p>
+          <a:p>
+            <a:pPr lvl="1"/>
             <a:endParaRPr lang="en-US" dirty="0" smtClean="0"/>
           </a:p>
           <a:p>
             <a:r>
+              <a:rPr lang="en-US" dirty="0" smtClean="0"/>
+              <a:t>Disk – Hard Drives, Solid State Drives</a:t>
+            </a:r>
+          </a:p>
+          <a:p>
+            <a:pPr lvl="1"/>
+            <a:r>
+              <a:rPr lang="en-US" dirty="0" smtClean="0"/>
+              <a:t>Stable, long(</a:t>
+            </a:r>
+            <a:r>
               <a:rPr lang="en-US" dirty="0" err="1" smtClean="0"/>
-              <a:t>ssh</a:t>
-            </a:r>
-            <a:r>
-              <a:rPr lang="en-US" dirty="0" smtClean="0"/>
-              <a:t>: Secure Shell</a:t>
+              <a:t>er</a:t>
+            </a:r>
+            <a:r>
+              <a:rPr lang="en-US" dirty="0" smtClean="0"/>
+              <a:t>) term storage</a:t>
             </a:r>
           </a:p>
           <a:p>
             <a:pPr lvl="1"/>
             <a:r>
               <a:rPr lang="en-US" dirty="0" smtClean="0"/>
-              <a:t>cryptographic </a:t>
-            </a:r>
-            <a:r>
-              <a:rPr lang="en-US" dirty="0"/>
-              <a:t>network protocol for secure data communication</a:t>
-            </a:r>
+              <a:t>Think of this as a filing cabinet</a:t>
+            </a:r>
+            <a:endParaRPr lang="en-US" dirty="0"/>
           </a:p>
         </p:txBody>
       </p:sp>
     </p:spTree>
     <p:extLst>
       <p:ext uri="{BB962C8B-B14F-4D97-AF65-F5344CB8AC3E}">
-        <p14:creationId xmlns:p14="http://schemas.microsoft.com/office/powerpoint/2010/main" val="3106845283"/>
+        <p14:creationId xmlns:p14="http://schemas.microsoft.com/office/powerpoint/2010/main" val="1878948955"/>
       </p:ext>
     </p:extLst>
   </p:cSld>
@@ -7292,7 +7314,7 @@
           <a:p>
             <a:r>
               <a:rPr lang="en-US" dirty="0" smtClean="0"/>
-              <a:t>Shell tricks</a:t>
+              <a:t>a shell</a:t>
             </a:r>
             <a:endParaRPr lang="en-US" dirty="0"/>
           </a:p>
@@ -7308,34 +7330,35 @@
             <p:ph idx="1"/>
           </p:nvPr>
         </p:nvSpPr>
-        <p:spPr>
-          <a:xfrm>
-            <a:off x="628650" y="1825625"/>
-            <a:ext cx="8248650" cy="4351338"/>
-          </a:xfrm>
-        </p:spPr>
-        <p:txBody>
-          <a:bodyPr>
-            <a:normAutofit/>
-          </a:bodyPr>
-          <a:lstStyle/>
-          <a:p>
-            <a:r>
-              <a:rPr lang="en-US" dirty="0" smtClean="0"/>
-              <a:t>what was that command?</a:t>
-            </a:r>
-          </a:p>
-          <a:p>
-            <a:pPr marL="0" indent="0">
-              <a:buNone/>
-            </a:pPr>
-            <a:r>
-              <a:rPr lang="en-US" dirty="0" smtClean="0"/>
-              <a:t>$ history</a:t>
-            </a:r>
-          </a:p>
-          <a:p>
-            <a:pPr marL="0" indent="0">
+        <p:spPr/>
+        <p:txBody>
+          <a:bodyPr/>
+          <a:lstStyle/>
+          <a:p>
+            <a:r>
+              <a:rPr lang="en-US" dirty="0"/>
+              <a:t>A program that interprets </a:t>
+            </a:r>
+            <a:r>
+              <a:rPr lang="en-US" dirty="0" smtClean="0"/>
+              <a:t>commands</a:t>
+            </a:r>
+          </a:p>
+          <a:p>
+            <a:r>
+              <a:rPr lang="en-US" dirty="0" smtClean="0"/>
+              <a:t>Not an OS</a:t>
+            </a:r>
+          </a:p>
+          <a:p>
+            <a:pPr lvl="1"/>
+            <a:r>
+              <a:rPr lang="en-US" dirty="0" smtClean="0"/>
+              <a:t>An interface to OS to run commands.</a:t>
+            </a:r>
+          </a:p>
+          <a:p>
+            <a:pPr marL="342900" lvl="1" indent="0">
               <a:buNone/>
             </a:pPr>
             <a:endParaRPr lang="en-US" dirty="0" smtClean="0"/>
@@ -7343,48 +7366,81 @@
           <a:p>
             <a:r>
               <a:rPr lang="en-US" dirty="0" smtClean="0"/>
-              <a:t>last command: up/down arrows</a:t>
-            </a:r>
-          </a:p>
-          <a:p>
+              <a:t>bash: the </a:t>
+            </a:r>
+            <a:r>
+              <a:rPr lang="en-US" b="1" u="sng" dirty="0" smtClean="0"/>
+              <a:t>B</a:t>
+            </a:r>
+            <a:r>
+              <a:rPr lang="en-US" dirty="0" smtClean="0"/>
+              <a:t>ourne </a:t>
+            </a:r>
+            <a:r>
+              <a:rPr lang="en-US" b="1" u="sng" dirty="0" smtClean="0"/>
+              <a:t>A</a:t>
+            </a:r>
+            <a:r>
+              <a:rPr lang="en-US" dirty="0" smtClean="0"/>
+              <a:t>gain </a:t>
+            </a:r>
+            <a:r>
+              <a:rPr lang="en-US" b="1" u="sng" dirty="0" smtClean="0"/>
+              <a:t>Sh</a:t>
+            </a:r>
+            <a:r>
+              <a:rPr lang="en-US" dirty="0" smtClean="0"/>
+              <a:t>ell</a:t>
+            </a:r>
+          </a:p>
+          <a:p>
+            <a:pPr lvl="1"/>
+            <a:r>
+              <a:rPr lang="en-US" dirty="0" smtClean="0"/>
+              <a:t>Free </a:t>
+            </a:r>
+            <a:r>
+              <a:rPr lang="en-US" dirty="0"/>
+              <a:t>replacement to </a:t>
+            </a:r>
+            <a:r>
+              <a:rPr lang="en-US" dirty="0" smtClean="0"/>
+              <a:t>Steve Bourne’s Shell</a:t>
+            </a:r>
+          </a:p>
+          <a:p>
+            <a:pPr marL="342900" lvl="1" indent="0">
+              <a:buNone/>
+            </a:pPr>
             <a:endParaRPr lang="en-US" dirty="0" smtClean="0"/>
           </a:p>
           <a:p>
             <a:r>
-              <a:rPr lang="en-US" dirty="0" smtClean="0"/>
-              <a:t>tab completion!</a:t>
-            </a:r>
-          </a:p>
-          <a:p>
-            <a:endParaRPr lang="en-US" dirty="0" smtClean="0"/>
-          </a:p>
-          <a:p>
-            <a:r>
-              <a:rPr lang="en-US" dirty="0" smtClean="0"/>
-              <a:t>ctrl-r to search command history</a:t>
-            </a:r>
-          </a:p>
-          <a:p>
-            <a:endParaRPr lang="en-US" dirty="0"/>
-          </a:p>
-          <a:p>
-            <a:r>
-              <a:rPr lang="en-US" dirty="0" smtClean="0"/>
-              <a:t>ctrl-a/ctrl-e jump to beginning/end of line</a:t>
-            </a:r>
-          </a:p>
-          <a:p>
-            <a:pPr marL="0" indent="0">
-              <a:buNone/>
-            </a:pPr>
-            <a:endParaRPr lang="en-US" dirty="0"/>
+              <a:rPr lang="en-US" dirty="0" err="1" smtClean="0"/>
+              <a:t>ssh</a:t>
+            </a:r>
+            <a:r>
+              <a:rPr lang="en-US" dirty="0" smtClean="0"/>
+              <a:t>: Secure Shell</a:t>
+            </a:r>
+          </a:p>
+          <a:p>
+            <a:pPr lvl="1"/>
+            <a:r>
+              <a:rPr lang="en-US" dirty="0" smtClean="0"/>
+              <a:t>cryptographic </a:t>
+            </a:r>
+            <a:r>
+              <a:rPr lang="en-US" dirty="0"/>
+              <a:t>network protocol for secure data communication</a:t>
+            </a:r>
           </a:p>
         </p:txBody>
       </p:sp>
     </p:spTree>
     <p:extLst>
       <p:ext uri="{BB962C8B-B14F-4D97-AF65-F5344CB8AC3E}">
-        <p14:creationId xmlns:p14="http://schemas.microsoft.com/office/powerpoint/2010/main" val="461253557"/>
+        <p14:creationId xmlns:p14="http://schemas.microsoft.com/office/powerpoint/2010/main" val="3106845283"/>
       </p:ext>
     </p:extLst>
   </p:cSld>
@@ -7444,23 +7500,30 @@
             <p:ph idx="1"/>
           </p:nvPr>
         </p:nvSpPr>
-        <p:spPr/>
-        <p:txBody>
-          <a:bodyPr/>
-          <a:lstStyle/>
-          <a:p>
-            <a:r>
-              <a:rPr lang="en-US" dirty="0" smtClean="0"/>
-              <a:t>Stop!!!</a:t>
-            </a:r>
-          </a:p>
-          <a:p>
-            <a:pPr marL="0" indent="0">
-              <a:buNone/>
-            </a:pPr>
-            <a:r>
-              <a:rPr lang="en-US" dirty="0" smtClean="0"/>
-              <a:t>ctrl-c for break or interrupt</a:t>
+        <p:spPr>
+          <a:xfrm>
+            <a:off x="628650" y="1825625"/>
+            <a:ext cx="8248650" cy="4351338"/>
+          </a:xfrm>
+        </p:spPr>
+        <p:txBody>
+          <a:bodyPr>
+            <a:normAutofit/>
+          </a:bodyPr>
+          <a:lstStyle/>
+          <a:p>
+            <a:r>
+              <a:rPr lang="en-US" dirty="0" smtClean="0"/>
+              <a:t>what was that command?</a:t>
+            </a:r>
+          </a:p>
+          <a:p>
+            <a:pPr marL="0" indent="0">
+              <a:buNone/>
+            </a:pPr>
+            <a:r>
+              <a:rPr lang="en-US" dirty="0" smtClean="0"/>
+              <a:t>$ history</a:t>
             </a:r>
           </a:p>
           <a:p>
@@ -7472,16 +7535,7 @@
           <a:p>
             <a:r>
               <a:rPr lang="en-US" dirty="0" smtClean="0"/>
-              <a:t>We’re done here</a:t>
-            </a:r>
-          </a:p>
-          <a:p>
-            <a:pPr marL="0" indent="0">
-              <a:buNone/>
-            </a:pPr>
-            <a:r>
-              <a:rPr lang="en-US" dirty="0" smtClean="0"/>
-              <a:t>ctrl-d for end of transmission</a:t>
+              <a:t>last command: up/down arrows</a:t>
             </a:r>
           </a:p>
           <a:p>
@@ -7490,22 +7544,26 @@
           <a:p>
             <a:r>
               <a:rPr lang="en-US" dirty="0" smtClean="0"/>
-              <a:t>I want a real tab character!</a:t>
-            </a:r>
-          </a:p>
-          <a:p>
-            <a:pPr marL="0" indent="0">
-              <a:buNone/>
-            </a:pPr>
-            <a:r>
-              <a:rPr lang="en-US" dirty="0" smtClean="0"/>
-              <a:t>ctrl-v to insert literal </a:t>
-            </a:r>
-            <a:r>
-              <a:rPr lang="en-US" dirty="0" err="1" smtClean="0"/>
-              <a:t>keypress</a:t>
-            </a:r>
+              <a:t>tab completion!</a:t>
+            </a:r>
+          </a:p>
+          <a:p>
             <a:endParaRPr lang="en-US" dirty="0" smtClean="0"/>
+          </a:p>
+          <a:p>
+            <a:r>
+              <a:rPr lang="en-US" dirty="0" smtClean="0"/>
+              <a:t>ctrl-r to search command history</a:t>
+            </a:r>
+          </a:p>
+          <a:p>
+            <a:endParaRPr lang="en-US" dirty="0"/>
+          </a:p>
+          <a:p>
+            <a:r>
+              <a:rPr lang="en-US" dirty="0" smtClean="0"/>
+              <a:t>ctrl-a/ctrl-e jump to beginning/end of line</a:t>
+            </a:r>
           </a:p>
           <a:p>
             <a:pPr marL="0" indent="0">
@@ -7518,7 +7576,7 @@
     </p:spTree>
     <p:extLst>
       <p:ext uri="{BB962C8B-B14F-4D97-AF65-F5344CB8AC3E}">
-        <p14:creationId xmlns:p14="http://schemas.microsoft.com/office/powerpoint/2010/main" val="3106086643"/>
+        <p14:creationId xmlns:p14="http://schemas.microsoft.com/office/powerpoint/2010/main" val="461253557"/>
       </p:ext>
     </p:extLst>
   </p:cSld>
@@ -7562,7 +7620,7 @@
           <a:p>
             <a:r>
               <a:rPr lang="en-US" dirty="0" smtClean="0"/>
-              <a:t>Let’s log in!</a:t>
+              <a:t>Shell tricks</a:t>
             </a:r>
             <a:endParaRPr lang="en-US" dirty="0"/>
           </a:p>
@@ -7578,40 +7636,24 @@
             <p:ph idx="1"/>
           </p:nvPr>
         </p:nvSpPr>
-        <p:spPr>
-          <a:xfrm>
-            <a:off x="840000" y="1690688"/>
-            <a:ext cx="7675350" cy="4767261"/>
-          </a:xfrm>
-        </p:spPr>
-        <p:txBody>
-          <a:bodyPr>
-            <a:noAutofit/>
-          </a:bodyPr>
-          <a:lstStyle/>
-          <a:p>
-            <a:pPr marL="0" indent="0">
-              <a:buNone/>
-            </a:pPr>
-            <a:r>
-              <a:rPr lang="en-US" dirty="0" smtClean="0"/>
-              <a:t>Windows:</a:t>
-            </a:r>
-          </a:p>
-          <a:p>
-            <a:pPr marL="0" indent="0">
-              <a:buNone/>
-            </a:pPr>
-            <a:r>
-              <a:rPr lang="en-US" dirty="0" smtClean="0"/>
-              <a:t>open putty</a:t>
-            </a:r>
-          </a:p>
-          <a:p>
-            <a:pPr marL="0" indent="0">
-              <a:buNone/>
-            </a:pPr>
-            <a:endParaRPr lang="en-US" dirty="0"/>
+        <p:spPr/>
+        <p:txBody>
+          <a:bodyPr/>
+          <a:lstStyle/>
+          <a:p>
+            <a:r>
+              <a:rPr lang="en-US" dirty="0" smtClean="0"/>
+              <a:t>Stop!!!</a:t>
+            </a:r>
+          </a:p>
+          <a:p>
+            <a:pPr marL="0" indent="0">
+              <a:buNone/>
+            </a:pPr>
+            <a:r>
+              <a:rPr lang="en-US" dirty="0" smtClean="0"/>
+              <a:t>ctrl-c for break or interrupt</a:t>
+            </a:r>
           </a:p>
           <a:p>
             <a:pPr marL="0" indent="0">
@@ -7620,27 +7662,41 @@
             <a:endParaRPr lang="en-US" dirty="0" smtClean="0"/>
           </a:p>
           <a:p>
-            <a:pPr marL="0" indent="0">
-              <a:buNone/>
-            </a:pPr>
-            <a:endParaRPr lang="en-US" dirty="0"/>
-          </a:p>
-          <a:p>
-            <a:pPr marL="0" indent="0">
-              <a:buNone/>
-            </a:pPr>
+            <a:r>
+              <a:rPr lang="en-US" dirty="0" smtClean="0"/>
+              <a:t>We’re done here</a:t>
+            </a:r>
+          </a:p>
+          <a:p>
+            <a:pPr marL="0" indent="0">
+              <a:buNone/>
+            </a:pPr>
+            <a:r>
+              <a:rPr lang="en-US" dirty="0" smtClean="0"/>
+              <a:t>ctrl-d for end of transmission</a:t>
+            </a:r>
+          </a:p>
+          <a:p>
             <a:endParaRPr lang="en-US" dirty="0" smtClean="0"/>
           </a:p>
           <a:p>
-            <a:pPr marL="0" indent="0">
-              <a:buNone/>
-            </a:pPr>
-            <a:endParaRPr lang="en-US" dirty="0"/>
-          </a:p>
-          <a:p>
-            <a:pPr marL="0" indent="0">
-              <a:buNone/>
-            </a:pPr>
+            <a:r>
+              <a:rPr lang="en-US" dirty="0" smtClean="0"/>
+              <a:t>I want a real tab character!</a:t>
+            </a:r>
+          </a:p>
+          <a:p>
+            <a:pPr marL="0" indent="0">
+              <a:buNone/>
+            </a:pPr>
+            <a:r>
+              <a:rPr lang="en-US" dirty="0" smtClean="0"/>
+              <a:t>ctrl-v to insert literal </a:t>
+            </a:r>
+            <a:r>
+              <a:rPr lang="en-US" dirty="0" err="1" smtClean="0"/>
+              <a:t>keypress</a:t>
+            </a:r>
             <a:endParaRPr lang="en-US" dirty="0" smtClean="0"/>
           </a:p>
           <a:p>
@@ -7649,293 +7705,22 @@
             </a:pPr>
             <a:endParaRPr lang="en-US" dirty="0"/>
           </a:p>
-          <a:p>
-            <a:pPr marL="0" indent="0">
-              <a:buNone/>
-            </a:pPr>
-            <a:endParaRPr lang="en-US" dirty="0" smtClean="0"/>
-          </a:p>
-          <a:p>
-            <a:pPr marL="0" indent="0">
-              <a:buNone/>
-            </a:pPr>
-            <a:r>
-              <a:rPr lang="en-US" dirty="0" smtClean="0"/>
-              <a:t>Username: de225</a:t>
-            </a:r>
-            <a:endParaRPr lang="en-US" dirty="0"/>
-          </a:p>
-        </p:txBody>
-      </p:sp>
-      <p:pic>
-        <p:nvPicPr>
-          <p:cNvPr id="4" name="Picture 3"/>
-          <p:cNvPicPr>
-            <a:picLocks noChangeAspect="1"/>
-          </p:cNvPicPr>
-          <p:nvPr/>
-        </p:nvPicPr>
-        <p:blipFill>
-          <a:blip r:embed="rId2"/>
-          <a:stretch>
-            <a:fillRect/>
-          </a:stretch>
-        </p:blipFill>
-        <p:spPr>
-          <a:xfrm>
-            <a:off x="840000" y="2710751"/>
-            <a:ext cx="7675350" cy="3120747"/>
-          </a:xfrm>
-          <a:prstGeom prst="rect">
-            <a:avLst/>
-          </a:prstGeom>
-        </p:spPr>
-      </p:pic>
+        </p:txBody>
+      </p:sp>
     </p:spTree>
     <p:extLst>
       <p:ext uri="{BB962C8B-B14F-4D97-AF65-F5344CB8AC3E}">
-        <p14:creationId xmlns:p14="http://schemas.microsoft.com/office/powerpoint/2010/main" val="2989913516"/>
+        <p14:creationId xmlns:p14="http://schemas.microsoft.com/office/powerpoint/2010/main" val="3106086643"/>
       </p:ext>
     </p:extLst>
   </p:cSld>
   <p:clrMapOvr>
     <a:masterClrMapping/>
   </p:clrMapOvr>
-  <p:timing>
-    <p:tnLst>
-      <p:par>
-        <p:cTn id="1" dur="indefinite" restart="never" nodeType="tmRoot"/>
-      </p:par>
-    </p:tnLst>
-  </p:timing>
 </p:sld>
 </file>
 
 <file path=ppt/slides/slide14.xml><?xml version="1.0" encoding="utf-8"?>
-<p:sld xmlns:a="http://schemas.openxmlformats.org/drawingml/2006/main" xmlns:r="http://schemas.openxmlformats.org/officeDocument/2006/relationships" xmlns:p="http://schemas.openxmlformats.org/presentationml/2006/main">
-  <p:cSld>
-    <p:spTree>
-      <p:nvGrpSpPr>
-        <p:cNvPr id="1" name=""/>
-        <p:cNvGrpSpPr/>
-        <p:nvPr/>
-      </p:nvGrpSpPr>
-      <p:grpSpPr>
-        <a:xfrm>
-          <a:off x="0" y="0"/>
-          <a:ext cx="0" cy="0"/>
-          <a:chOff x="0" y="0"/>
-          <a:chExt cx="0" cy="0"/>
-        </a:xfrm>
-      </p:grpSpPr>
-      <p:sp>
-        <p:nvSpPr>
-          <p:cNvPr id="2" name="Title 1"/>
-          <p:cNvSpPr>
-            <a:spLocks noGrp="1"/>
-          </p:cNvSpPr>
-          <p:nvPr>
-            <p:ph type="title"/>
-          </p:nvPr>
-        </p:nvSpPr>
-        <p:spPr/>
-        <p:txBody>
-          <a:bodyPr/>
-          <a:lstStyle/>
-          <a:p>
-            <a:r>
-              <a:rPr lang="en-US" dirty="0"/>
-              <a:t>Let’s log in!</a:t>
-            </a:r>
-          </a:p>
-        </p:txBody>
-      </p:sp>
-      <p:sp>
-        <p:nvSpPr>
-          <p:cNvPr id="3" name="Content Placeholder 2"/>
-          <p:cNvSpPr>
-            <a:spLocks noGrp="1"/>
-          </p:cNvSpPr>
-          <p:nvPr>
-            <p:ph idx="1"/>
-          </p:nvPr>
-        </p:nvSpPr>
-        <p:spPr/>
-        <p:txBody>
-          <a:bodyPr/>
-          <a:lstStyle/>
-          <a:p>
-            <a:pPr marL="0" indent="0">
-              <a:buNone/>
-            </a:pPr>
-            <a:r>
-              <a:rPr lang="en-US" dirty="0" smtClean="0"/>
-              <a:t>Macs:</a:t>
-            </a:r>
-          </a:p>
-          <a:p>
-            <a:pPr marL="0" indent="0">
-              <a:buNone/>
-            </a:pPr>
-            <a:r>
-              <a:rPr lang="en-US" dirty="0" smtClean="0"/>
-              <a:t>Open </a:t>
-            </a:r>
-            <a:r>
-              <a:rPr lang="en-US" dirty="0" err="1" smtClean="0"/>
-              <a:t>terminal.app</a:t>
-            </a:r>
-            <a:endParaRPr lang="en-US" dirty="0" smtClean="0"/>
-          </a:p>
-          <a:p>
-            <a:pPr marL="0" indent="0">
-              <a:buNone/>
-            </a:pPr>
-            <a:endParaRPr lang="en-US" dirty="0"/>
-          </a:p>
-          <a:p>
-            <a:pPr marL="0" indent="0">
-              <a:buNone/>
-            </a:pPr>
-            <a:r>
-              <a:rPr lang="en-US" dirty="0" smtClean="0"/>
-              <a:t>$ </a:t>
-            </a:r>
-            <a:r>
-              <a:rPr lang="en-US" dirty="0" err="1" smtClean="0"/>
-              <a:t>ssh</a:t>
-            </a:r>
-            <a:r>
-              <a:rPr lang="en-US" dirty="0" smtClean="0"/>
-              <a:t> de225@louise.hpc.yale.edu</a:t>
-            </a:r>
-          </a:p>
-        </p:txBody>
-      </p:sp>
-    </p:spTree>
-    <p:extLst>
-      <p:ext uri="{BB962C8B-B14F-4D97-AF65-F5344CB8AC3E}">
-        <p14:creationId xmlns:p14="http://schemas.microsoft.com/office/powerpoint/2010/main" val="3090162844"/>
-      </p:ext>
-    </p:extLst>
-  </p:cSld>
-  <p:clrMapOvr>
-    <a:masterClrMapping/>
-  </p:clrMapOvr>
-  <p:timing>
-    <p:tnLst>
-      <p:par>
-        <p:cTn id="1" dur="indefinite" restart="never" nodeType="tmRoot"/>
-      </p:par>
-    </p:tnLst>
-  </p:timing>
-</p:sld>
-</file>
-
-<file path=ppt/slides/slide15.xml><?xml version="1.0" encoding="utf-8"?>
-<p:sld xmlns:a="http://schemas.openxmlformats.org/drawingml/2006/main" xmlns:r="http://schemas.openxmlformats.org/officeDocument/2006/relationships" xmlns:p="http://schemas.openxmlformats.org/presentationml/2006/main">
-  <p:cSld>
-    <p:spTree>
-      <p:nvGrpSpPr>
-        <p:cNvPr id="1" name=""/>
-        <p:cNvGrpSpPr/>
-        <p:nvPr/>
-      </p:nvGrpSpPr>
-      <p:grpSpPr>
-        <a:xfrm>
-          <a:off x="0" y="0"/>
-          <a:ext cx="0" cy="0"/>
-          <a:chOff x="0" y="0"/>
-          <a:chExt cx="0" cy="0"/>
-        </a:xfrm>
-      </p:grpSpPr>
-      <p:sp>
-        <p:nvSpPr>
-          <p:cNvPr id="2" name="Title 1"/>
-          <p:cNvSpPr>
-            <a:spLocks noGrp="1"/>
-          </p:cNvSpPr>
-          <p:nvPr>
-            <p:ph type="title"/>
-          </p:nvPr>
-        </p:nvSpPr>
-        <p:spPr/>
-        <p:txBody>
-          <a:bodyPr/>
-          <a:lstStyle/>
-          <a:p>
-            <a:r>
-              <a:rPr lang="en-US" dirty="0" smtClean="0"/>
-              <a:t>Everyone!</a:t>
-            </a:r>
-            <a:endParaRPr lang="en-US" dirty="0"/>
-          </a:p>
-        </p:txBody>
-      </p:sp>
-      <p:sp>
-        <p:nvSpPr>
-          <p:cNvPr id="3" name="Content Placeholder 2"/>
-          <p:cNvSpPr>
-            <a:spLocks noGrp="1"/>
-          </p:cNvSpPr>
-          <p:nvPr>
-            <p:ph idx="1"/>
-          </p:nvPr>
-        </p:nvSpPr>
-        <p:spPr>
-          <a:xfrm>
-            <a:off x="840000" y="3200399"/>
-            <a:ext cx="7675350" cy="2976563"/>
-          </a:xfrm>
-        </p:spPr>
-        <p:txBody>
-          <a:bodyPr/>
-          <a:lstStyle/>
-          <a:p>
-            <a:pPr marL="0" indent="0">
-              <a:buNone/>
-            </a:pPr>
-            <a:r>
-              <a:rPr lang="en-US" dirty="0" smtClean="0"/>
-              <a:t>[de225@login-0-0 </a:t>
-            </a:r>
-            <a:r>
-              <a:rPr lang="en-US" dirty="0"/>
-              <a:t>~]$ ./</a:t>
-            </a:r>
-            <a:r>
-              <a:rPr lang="en-US" dirty="0" err="1" smtClean="0"/>
-              <a:t>get_started</a:t>
-            </a:r>
-            <a:r>
-              <a:rPr lang="en-US" dirty="0" smtClean="0"/>
-              <a:t> &lt;name&gt;</a:t>
-            </a:r>
-            <a:endParaRPr lang="en-US" dirty="0"/>
-          </a:p>
-        </p:txBody>
-      </p:sp>
-    </p:spTree>
-    <p:extLst>
-      <p:ext uri="{BB962C8B-B14F-4D97-AF65-F5344CB8AC3E}">
-        <p14:creationId xmlns:p14="http://schemas.microsoft.com/office/powerpoint/2010/main" val="1380536564"/>
-      </p:ext>
-    </p:extLst>
-  </p:cSld>
-  <p:clrMapOvr>
-    <a:masterClrMapping/>
-  </p:clrMapOvr>
-  <p:timing>
-    <p:tnLst>
-      <p:par>
-        <p:cTn id="1" dur="indefinite" restart="never" nodeType="tmRoot"/>
-      </p:par>
-    </p:tnLst>
-  </p:timing>
-</p:sld>
-</file>
-
-<file path=ppt/slides/slide16.xml><?xml version="1.0" encoding="utf-8"?>
 <p:sld xmlns:a="http://schemas.openxmlformats.org/drawingml/2006/main" xmlns:r="http://schemas.openxmlformats.org/officeDocument/2006/relationships" xmlns:p="http://schemas.openxmlformats.org/presentationml/2006/main">
   <p:cSld>
     <p:spTree>
@@ -8492,7 +8277,7 @@
 </p:sld>
 </file>
 
-<file path=ppt/slides/slide17.xml><?xml version="1.0" encoding="utf-8"?>
+<file path=ppt/slides/slide15.xml><?xml version="1.0" encoding="utf-8"?>
 <p:sld xmlns:a="http://schemas.openxmlformats.org/drawingml/2006/main" xmlns:r="http://schemas.openxmlformats.org/officeDocument/2006/relationships" xmlns:p="http://schemas.openxmlformats.org/presentationml/2006/main">
   <p:cSld>
     <p:spTree>
@@ -8708,7 +8493,7 @@
 </p:sld>
 </file>
 
-<file path=ppt/slides/slide18.xml><?xml version="1.0" encoding="utf-8"?>
+<file path=ppt/slides/slide16.xml><?xml version="1.0" encoding="utf-8"?>
 <p:sld xmlns:a="http://schemas.openxmlformats.org/drawingml/2006/main" xmlns:r="http://schemas.openxmlformats.org/officeDocument/2006/relationships" xmlns:p="http://schemas.openxmlformats.org/presentationml/2006/main">
   <p:cSld>
     <p:spTree>
@@ -8960,7 +8745,7 @@
 </p:sld>
 </file>
 
-<file path=ppt/slides/slide19.xml><?xml version="1.0" encoding="utf-8"?>
+<file path=ppt/slides/slide17.xml><?xml version="1.0" encoding="utf-8"?>
 <p:sld xmlns:a="http://schemas.openxmlformats.org/drawingml/2006/main" xmlns:r="http://schemas.openxmlformats.org/officeDocument/2006/relationships" xmlns:p="http://schemas.openxmlformats.org/presentationml/2006/main">
   <p:cSld>
     <p:spTree>
@@ -9877,155 +9662,7 @@
 </p:sld>
 </file>
 
-<file path=ppt/slides/slide2.xml><?xml version="1.0" encoding="utf-8"?>
-<p:sld xmlns:a="http://schemas.openxmlformats.org/drawingml/2006/main" xmlns:r="http://schemas.openxmlformats.org/officeDocument/2006/relationships" xmlns:p="http://schemas.openxmlformats.org/presentationml/2006/main">
-  <p:cSld>
-    <p:spTree>
-      <p:nvGrpSpPr>
-        <p:cNvPr id="1" name=""/>
-        <p:cNvGrpSpPr/>
-        <p:nvPr/>
-      </p:nvGrpSpPr>
-      <p:grpSpPr>
-        <a:xfrm>
-          <a:off x="0" y="0"/>
-          <a:ext cx="0" cy="0"/>
-          <a:chOff x="0" y="0"/>
-          <a:chExt cx="0" cy="0"/>
-        </a:xfrm>
-      </p:grpSpPr>
-      <p:sp>
-        <p:nvSpPr>
-          <p:cNvPr id="2" name="Title 1"/>
-          <p:cNvSpPr>
-            <a:spLocks noGrp="1"/>
-          </p:cNvSpPr>
-          <p:nvPr>
-            <p:ph type="title"/>
-          </p:nvPr>
-        </p:nvSpPr>
-        <p:spPr/>
-        <p:txBody>
-          <a:bodyPr/>
-          <a:lstStyle/>
-          <a:p>
-            <a:r>
-              <a:rPr lang="en-US" dirty="0" smtClean="0"/>
-              <a:t>Outline</a:t>
-            </a:r>
-            <a:endParaRPr lang="en-US" dirty="0"/>
-          </a:p>
-        </p:txBody>
-      </p:sp>
-      <p:sp>
-        <p:nvSpPr>
-          <p:cNvPr id="3" name="Content Placeholder 2"/>
-          <p:cNvSpPr>
-            <a:spLocks noGrp="1"/>
-          </p:cNvSpPr>
-          <p:nvPr>
-            <p:ph idx="1"/>
-          </p:nvPr>
-        </p:nvSpPr>
-        <p:spPr>
-          <a:xfrm>
-            <a:off x="840000" y="1825624"/>
-            <a:ext cx="7675350" cy="4708525"/>
-          </a:xfrm>
-        </p:spPr>
-        <p:txBody>
-          <a:bodyPr>
-            <a:normAutofit/>
-          </a:bodyPr>
-          <a:lstStyle/>
-          <a:p>
-            <a:r>
-              <a:rPr lang="en-US" dirty="0" smtClean="0"/>
-              <a:t>Intro</a:t>
-            </a:r>
-          </a:p>
-          <a:p>
-            <a:r>
-              <a:rPr lang="en-US" dirty="0" smtClean="0"/>
-              <a:t>Underlying concepts</a:t>
-            </a:r>
-          </a:p>
-          <a:p>
-            <a:r>
-              <a:rPr lang="en-US" dirty="0" smtClean="0"/>
-              <a:t>Where’s the mouse?</a:t>
-            </a:r>
-          </a:p>
-          <a:p>
-            <a:r>
-              <a:rPr lang="en-US" dirty="0" smtClean="0"/>
-              <a:t>Looking around</a:t>
-            </a:r>
-          </a:p>
-          <a:p>
-            <a:pPr lvl="1"/>
-            <a:r>
-              <a:rPr lang="en-US" dirty="0" smtClean="0"/>
-              <a:t>Permissions</a:t>
-            </a:r>
-          </a:p>
-          <a:p>
-            <a:r>
-              <a:rPr lang="en-US" dirty="0" smtClean="0"/>
-              <a:t>Getting around</a:t>
-            </a:r>
-          </a:p>
-          <a:p>
-            <a:r>
-              <a:rPr lang="en-US" dirty="0" smtClean="0"/>
-              <a:t>File commands</a:t>
-            </a:r>
-          </a:p>
-          <a:p>
-            <a:pPr lvl="1"/>
-            <a:r>
-              <a:rPr lang="en-US" dirty="0" smtClean="0"/>
-              <a:t>File I/O</a:t>
-            </a:r>
-          </a:p>
-          <a:p>
-            <a:r>
-              <a:rPr lang="en-US" dirty="0" smtClean="0"/>
-              <a:t>Redirection</a:t>
-            </a:r>
-          </a:p>
-          <a:p>
-            <a:r>
-              <a:rPr lang="en-US" dirty="0" smtClean="0"/>
-              <a:t>pipelines</a:t>
-            </a:r>
-          </a:p>
-          <a:p>
-            <a:endParaRPr lang="en-US" dirty="0"/>
-          </a:p>
-        </p:txBody>
-      </p:sp>
-    </p:spTree>
-    <p:extLst>
-      <p:ext uri="{BB962C8B-B14F-4D97-AF65-F5344CB8AC3E}">
-        <p14:creationId xmlns:p14="http://schemas.microsoft.com/office/powerpoint/2010/main" val="1877784081"/>
-      </p:ext>
-    </p:extLst>
-  </p:cSld>
-  <p:clrMapOvr>
-    <a:masterClrMapping/>
-  </p:clrMapOvr>
-  <p:timing>
-    <p:tnLst>
-      <p:par>
-        <p:cTn id="1" dur="indefinite" restart="never" nodeType="tmRoot"/>
-      </p:par>
-    </p:tnLst>
-  </p:timing>
-</p:sld>
-</file>
-
-<file path=ppt/slides/slide20.xml><?xml version="1.0" encoding="utf-8"?>
+<file path=ppt/slides/slide18.xml><?xml version="1.0" encoding="utf-8"?>
 <p:sld xmlns:a="http://schemas.openxmlformats.org/drawingml/2006/main" xmlns:r="http://schemas.openxmlformats.org/officeDocument/2006/relationships" xmlns:p="http://schemas.openxmlformats.org/presentationml/2006/main">
   <p:cSld>
     <p:spTree>
@@ -10191,7 +9828,7 @@
 </p:sld>
 </file>
 
-<file path=ppt/slides/slide21.xml><?xml version="1.0" encoding="utf-8"?>
+<file path=ppt/slides/slide19.xml><?xml version="1.0" encoding="utf-8"?>
 <p:sld xmlns:a="http://schemas.openxmlformats.org/drawingml/2006/main" xmlns:r="http://schemas.openxmlformats.org/officeDocument/2006/relationships" xmlns:p="http://schemas.openxmlformats.org/presentationml/2006/main">
   <p:cSld>
     <p:spTree>
@@ -10517,6 +10154,490 @@
 </p:sld>
 </file>
 
+<file path=ppt/slides/slide2.xml><?xml version="1.0" encoding="utf-8"?>
+<p:sld xmlns:a="http://schemas.openxmlformats.org/drawingml/2006/main" xmlns:r="http://schemas.openxmlformats.org/officeDocument/2006/relationships" xmlns:p="http://schemas.openxmlformats.org/presentationml/2006/main">
+  <p:cSld>
+    <p:spTree>
+      <p:nvGrpSpPr>
+        <p:cNvPr id="1" name=""/>
+        <p:cNvGrpSpPr/>
+        <p:nvPr/>
+      </p:nvGrpSpPr>
+      <p:grpSpPr>
+        <a:xfrm>
+          <a:off x="0" y="0"/>
+          <a:ext cx="0" cy="0"/>
+          <a:chOff x="0" y="0"/>
+          <a:chExt cx="0" cy="0"/>
+        </a:xfrm>
+      </p:grpSpPr>
+      <p:sp>
+        <p:nvSpPr>
+          <p:cNvPr id="2" name="Title 1"/>
+          <p:cNvSpPr>
+            <a:spLocks noGrp="1"/>
+          </p:cNvSpPr>
+          <p:nvPr>
+            <p:ph type="title"/>
+          </p:nvPr>
+        </p:nvSpPr>
+        <p:spPr/>
+        <p:txBody>
+          <a:bodyPr/>
+          <a:lstStyle/>
+          <a:p>
+            <a:r>
+              <a:rPr lang="en-US" dirty="0" smtClean="0"/>
+              <a:t>Outline</a:t>
+            </a:r>
+            <a:endParaRPr lang="en-US" dirty="0"/>
+          </a:p>
+        </p:txBody>
+      </p:sp>
+      <p:sp>
+        <p:nvSpPr>
+          <p:cNvPr id="3" name="Content Placeholder 2"/>
+          <p:cNvSpPr>
+            <a:spLocks noGrp="1"/>
+          </p:cNvSpPr>
+          <p:nvPr>
+            <p:ph idx="1"/>
+          </p:nvPr>
+        </p:nvSpPr>
+        <p:spPr>
+          <a:xfrm>
+            <a:off x="840000" y="1825624"/>
+            <a:ext cx="7675350" cy="4708525"/>
+          </a:xfrm>
+        </p:spPr>
+        <p:txBody>
+          <a:bodyPr>
+            <a:normAutofit/>
+          </a:bodyPr>
+          <a:lstStyle/>
+          <a:p>
+            <a:r>
+              <a:rPr lang="en-US" dirty="0" smtClean="0"/>
+              <a:t>Intro</a:t>
+            </a:r>
+          </a:p>
+          <a:p>
+            <a:r>
+              <a:rPr lang="en-US" dirty="0" smtClean="0"/>
+              <a:t>Underlying concepts</a:t>
+            </a:r>
+          </a:p>
+          <a:p>
+            <a:r>
+              <a:rPr lang="en-US" dirty="0" smtClean="0"/>
+              <a:t>Where’s the mouse?</a:t>
+            </a:r>
+          </a:p>
+          <a:p>
+            <a:r>
+              <a:rPr lang="en-US" dirty="0" smtClean="0"/>
+              <a:t>Looking around</a:t>
+            </a:r>
+          </a:p>
+          <a:p>
+            <a:pPr lvl="1"/>
+            <a:r>
+              <a:rPr lang="en-US" dirty="0" smtClean="0"/>
+              <a:t>Permissions</a:t>
+            </a:r>
+          </a:p>
+          <a:p>
+            <a:r>
+              <a:rPr lang="en-US" dirty="0" smtClean="0"/>
+              <a:t>Getting around</a:t>
+            </a:r>
+          </a:p>
+          <a:p>
+            <a:r>
+              <a:rPr lang="en-US" dirty="0" smtClean="0"/>
+              <a:t>File commands</a:t>
+            </a:r>
+          </a:p>
+          <a:p>
+            <a:pPr lvl="1"/>
+            <a:r>
+              <a:rPr lang="en-US" dirty="0" smtClean="0"/>
+              <a:t>File I/O</a:t>
+            </a:r>
+          </a:p>
+          <a:p>
+            <a:r>
+              <a:rPr lang="en-US" dirty="0" smtClean="0"/>
+              <a:t>Redirection</a:t>
+            </a:r>
+          </a:p>
+          <a:p>
+            <a:r>
+              <a:rPr lang="en-US" dirty="0" smtClean="0"/>
+              <a:t>pipelines</a:t>
+            </a:r>
+          </a:p>
+          <a:p>
+            <a:endParaRPr lang="en-US" dirty="0"/>
+          </a:p>
+        </p:txBody>
+      </p:sp>
+    </p:spTree>
+    <p:extLst>
+      <p:ext uri="{BB962C8B-B14F-4D97-AF65-F5344CB8AC3E}">
+        <p14:creationId xmlns:p14="http://schemas.microsoft.com/office/powerpoint/2010/main" val="1877784081"/>
+      </p:ext>
+    </p:extLst>
+  </p:cSld>
+  <p:clrMapOvr>
+    <a:masterClrMapping/>
+  </p:clrMapOvr>
+  <p:timing>
+    <p:tnLst>
+      <p:par>
+        <p:cTn id="1" dur="indefinite" restart="never" nodeType="tmRoot"/>
+      </p:par>
+    </p:tnLst>
+  </p:timing>
+</p:sld>
+</file>
+
+<file path=ppt/slides/slide20.xml><?xml version="1.0" encoding="utf-8"?>
+<p:sld xmlns:a="http://schemas.openxmlformats.org/drawingml/2006/main" xmlns:r="http://schemas.openxmlformats.org/officeDocument/2006/relationships" xmlns:p="http://schemas.openxmlformats.org/presentationml/2006/main">
+  <p:cSld>
+    <p:spTree>
+      <p:nvGrpSpPr>
+        <p:cNvPr id="1" name=""/>
+        <p:cNvGrpSpPr/>
+        <p:nvPr/>
+      </p:nvGrpSpPr>
+      <p:grpSpPr>
+        <a:xfrm>
+          <a:off x="0" y="0"/>
+          <a:ext cx="0" cy="0"/>
+          <a:chOff x="0" y="0"/>
+          <a:chExt cx="0" cy="0"/>
+        </a:xfrm>
+      </p:grpSpPr>
+      <p:sp>
+        <p:nvSpPr>
+          <p:cNvPr id="2" name="Title 1"/>
+          <p:cNvSpPr>
+            <a:spLocks noGrp="1"/>
+          </p:cNvSpPr>
+          <p:nvPr>
+            <p:ph type="title"/>
+          </p:nvPr>
+        </p:nvSpPr>
+        <p:spPr/>
+        <p:txBody>
+          <a:bodyPr>
+            <a:normAutofit fontScale="90000"/>
+          </a:bodyPr>
+          <a:lstStyle/>
+          <a:p>
+            <a:r>
+              <a:rPr lang="en-US" dirty="0" smtClean="0"/>
+              <a:t>Path shortcuts:</a:t>
+            </a:r>
+            <a:br>
+              <a:rPr lang="en-US" dirty="0" smtClean="0"/>
+            </a:br>
+            <a:r>
+              <a:rPr lang="en-US" dirty="0"/>
+              <a:t>there’s no place like ~</a:t>
+            </a:r>
+          </a:p>
+        </p:txBody>
+      </p:sp>
+      <p:sp>
+        <p:nvSpPr>
+          <p:cNvPr id="3" name="Content Placeholder 2"/>
+          <p:cNvSpPr>
+            <a:spLocks noGrp="1"/>
+          </p:cNvSpPr>
+          <p:nvPr>
+            <p:ph idx="1"/>
+          </p:nvPr>
+        </p:nvSpPr>
+        <p:spPr/>
+        <p:txBody>
+          <a:bodyPr/>
+          <a:lstStyle/>
+          <a:p>
+            <a:pPr marL="0" indent="0">
+              <a:buNone/>
+            </a:pPr>
+            <a:endParaRPr lang="en-US" dirty="0" smtClean="0"/>
+          </a:p>
+          <a:p>
+            <a:pPr marL="0" indent="0">
+              <a:buNone/>
+            </a:pPr>
+            <a:r>
+              <a:rPr lang="en-US" dirty="0" smtClean="0"/>
+              <a:t>. or ./ #this directory</a:t>
+            </a:r>
+          </a:p>
+          <a:p>
+            <a:pPr marL="0" indent="0">
+              <a:buNone/>
+            </a:pPr>
+            <a:r>
+              <a:rPr lang="en-US" dirty="0" smtClean="0"/>
+              <a:t>.. or ../ #the directory “above”</a:t>
+            </a:r>
+          </a:p>
+          <a:p>
+            <a:pPr marL="0" indent="0">
+              <a:buNone/>
+            </a:pPr>
+            <a:r>
+              <a:rPr lang="en-US" dirty="0" smtClean="0"/>
+              <a:t>~ #your home</a:t>
+            </a:r>
+          </a:p>
+          <a:p>
+            <a:pPr marL="0" indent="0">
+              <a:buNone/>
+            </a:pPr>
+            <a:r>
+              <a:rPr lang="en-US" dirty="0" smtClean="0"/>
+              <a:t>~be59 #home directory for user be59</a:t>
+            </a:r>
+          </a:p>
+          <a:p>
+            <a:pPr marL="0" indent="0">
+              <a:buNone/>
+            </a:pPr>
+            <a:r>
+              <a:rPr lang="en-US" dirty="0" smtClean="0"/>
+              <a:t>cd ~ #go home</a:t>
+            </a:r>
+          </a:p>
+          <a:p>
+            <a:pPr marL="0" indent="0">
+              <a:buNone/>
+            </a:pPr>
+            <a:r>
+              <a:rPr lang="en-US" dirty="0" smtClean="0"/>
+              <a:t>cd #also takes you home</a:t>
+            </a:r>
+          </a:p>
+          <a:p>
+            <a:pPr marL="0" indent="0">
+              <a:buNone/>
+            </a:pPr>
+            <a:r>
+              <a:rPr lang="en-US" dirty="0" smtClean="0"/>
+              <a:t>cd - #go to the last directory</a:t>
+            </a:r>
+          </a:p>
+          <a:p>
+            <a:pPr marL="0" indent="0">
+              <a:buNone/>
+            </a:pPr>
+            <a:endParaRPr lang="en-US" dirty="0"/>
+          </a:p>
+        </p:txBody>
+      </p:sp>
+    </p:spTree>
+    <p:extLst>
+      <p:ext uri="{BB962C8B-B14F-4D97-AF65-F5344CB8AC3E}">
+        <p14:creationId xmlns:p14="http://schemas.microsoft.com/office/powerpoint/2010/main" val="3867067869"/>
+      </p:ext>
+    </p:extLst>
+  </p:cSld>
+  <p:clrMapOvr>
+    <a:masterClrMapping/>
+  </p:clrMapOvr>
+  <p:timing>
+    <p:tnLst>
+      <p:par>
+        <p:cTn id="1" dur="indefinite" restart="never" nodeType="tmRoot"/>
+      </p:par>
+    </p:tnLst>
+  </p:timing>
+</p:sld>
+</file>
+
+<file path=ppt/slides/slide21.xml><?xml version="1.0" encoding="utf-8"?>
+<p:sld xmlns:a="http://schemas.openxmlformats.org/drawingml/2006/main" xmlns:r="http://schemas.openxmlformats.org/officeDocument/2006/relationships" xmlns:p="http://schemas.openxmlformats.org/presentationml/2006/main">
+  <p:cSld>
+    <p:spTree>
+      <p:nvGrpSpPr>
+        <p:cNvPr id="1" name=""/>
+        <p:cNvGrpSpPr/>
+        <p:nvPr/>
+      </p:nvGrpSpPr>
+      <p:grpSpPr>
+        <a:xfrm>
+          <a:off x="0" y="0"/>
+          <a:ext cx="0" cy="0"/>
+          <a:chOff x="0" y="0"/>
+          <a:chExt cx="0" cy="0"/>
+        </a:xfrm>
+      </p:grpSpPr>
+      <p:sp>
+        <p:nvSpPr>
+          <p:cNvPr id="2" name="Title 1"/>
+          <p:cNvSpPr>
+            <a:spLocks noGrp="1"/>
+          </p:cNvSpPr>
+          <p:nvPr>
+            <p:ph type="title"/>
+          </p:nvPr>
+        </p:nvSpPr>
+        <p:spPr/>
+        <p:txBody>
+          <a:bodyPr/>
+          <a:lstStyle/>
+          <a:p>
+            <a:r>
+              <a:rPr lang="en-US" dirty="0" smtClean="0"/>
+              <a:t>Moving &amp; Copying Files</a:t>
+            </a:r>
+            <a:endParaRPr lang="en-US" dirty="0"/>
+          </a:p>
+        </p:txBody>
+      </p:sp>
+      <p:sp>
+        <p:nvSpPr>
+          <p:cNvPr id="3" name="Content Placeholder 2"/>
+          <p:cNvSpPr>
+            <a:spLocks noGrp="1"/>
+          </p:cNvSpPr>
+          <p:nvPr>
+            <p:ph idx="1"/>
+          </p:nvPr>
+        </p:nvSpPr>
+        <p:spPr>
+          <a:xfrm>
+            <a:off x="840000" y="1848485"/>
+            <a:ext cx="7675350" cy="4351338"/>
+          </a:xfrm>
+        </p:spPr>
+        <p:txBody>
+          <a:bodyPr/>
+          <a:lstStyle/>
+          <a:p>
+            <a:r>
+              <a:rPr lang="en-US" dirty="0" smtClean="0"/>
+              <a:t>Copy a file</a:t>
+            </a:r>
+          </a:p>
+          <a:p>
+            <a:pPr marL="0" indent="0">
+              <a:buNone/>
+            </a:pPr>
+            <a:r>
+              <a:rPr lang="en-US" dirty="0" smtClean="0"/>
+              <a:t>$ </a:t>
+            </a:r>
+            <a:r>
+              <a:rPr lang="en-US" dirty="0" err="1" smtClean="0"/>
+              <a:t>cp</a:t>
+            </a:r>
+            <a:r>
+              <a:rPr lang="en-US" dirty="0" smtClean="0"/>
+              <a:t> </a:t>
+            </a:r>
+            <a:r>
+              <a:rPr lang="en-US" dirty="0"/>
+              <a:t>file.txt </a:t>
+            </a:r>
+            <a:r>
+              <a:rPr lang="en-US" dirty="0" smtClean="0"/>
+              <a:t>new_file.txt</a:t>
+            </a:r>
+          </a:p>
+          <a:p>
+            <a:pPr marL="0" indent="0">
+              <a:buNone/>
+            </a:pPr>
+            <a:endParaRPr lang="en-US" dirty="0" smtClean="0"/>
+          </a:p>
+          <a:p>
+            <a:r>
+              <a:rPr lang="en-US" dirty="0" smtClean="0"/>
+              <a:t>Moving and renaming is the same thing!</a:t>
+            </a:r>
+          </a:p>
+          <a:p>
+            <a:pPr marL="0" indent="0">
+              <a:buNone/>
+            </a:pPr>
+            <a:r>
+              <a:rPr lang="en-US" dirty="0" smtClean="0"/>
+              <a:t>$ mv new_file.txt </a:t>
+            </a:r>
+            <a:r>
+              <a:rPr lang="en-US" dirty="0" err="1" smtClean="0"/>
+              <a:t>another_new_file</a:t>
+            </a:r>
+            <a:endParaRPr lang="en-US" dirty="0" smtClean="0"/>
+          </a:p>
+          <a:p>
+            <a:pPr marL="0" indent="0">
+              <a:buNone/>
+            </a:pPr>
+            <a:endParaRPr lang="en-US" dirty="0" smtClean="0"/>
+          </a:p>
+          <a:p>
+            <a:r>
+              <a:rPr lang="en-US" dirty="0" smtClean="0"/>
+              <a:t>Making a directory</a:t>
+            </a:r>
+          </a:p>
+          <a:p>
+            <a:pPr marL="0" indent="0">
+              <a:buNone/>
+            </a:pPr>
+            <a:r>
+              <a:rPr lang="en-US" dirty="0" smtClean="0"/>
+              <a:t>$ </a:t>
+            </a:r>
+            <a:r>
+              <a:rPr lang="en-US" dirty="0" err="1" smtClean="0"/>
+              <a:t>mkdir</a:t>
+            </a:r>
+            <a:r>
+              <a:rPr lang="en-US" dirty="0" smtClean="0"/>
+              <a:t> </a:t>
+            </a:r>
+            <a:r>
+              <a:rPr lang="en-US" dirty="0" err="1" smtClean="0"/>
+              <a:t>my_new_dir</a:t>
+            </a:r>
+            <a:endParaRPr lang="en-US" dirty="0" smtClean="0"/>
+          </a:p>
+          <a:p>
+            <a:pPr marL="0" indent="0">
+              <a:buNone/>
+            </a:pPr>
+            <a:endParaRPr lang="en-US" dirty="0" smtClean="0"/>
+          </a:p>
+          <a:p>
+            <a:pPr marL="0" indent="0">
+              <a:buNone/>
+            </a:pPr>
+            <a:endParaRPr lang="en-US" dirty="0"/>
+          </a:p>
+        </p:txBody>
+      </p:sp>
+    </p:spTree>
+    <p:extLst>
+      <p:ext uri="{BB962C8B-B14F-4D97-AF65-F5344CB8AC3E}">
+        <p14:creationId xmlns:p14="http://schemas.microsoft.com/office/powerpoint/2010/main" val="2077864274"/>
+      </p:ext>
+    </p:extLst>
+  </p:cSld>
+  <p:clrMapOvr>
+    <a:masterClrMapping/>
+  </p:clrMapOvr>
+</p:sld>
+</file>
+
 <file path=ppt/slides/slide22.xml><?xml version="1.0" encoding="utf-8"?>
 <p:sld xmlns:a="http://schemas.openxmlformats.org/drawingml/2006/main" xmlns:r="http://schemas.openxmlformats.org/officeDocument/2006/relationships" xmlns:p="http://schemas.openxmlformats.org/presentationml/2006/main">
   <p:cSld>
@@ -10546,39 +10667,75 @@
         </p:nvSpPr>
         <p:spPr/>
         <p:txBody>
-          <a:bodyPr>
-            <a:normAutofit fontScale="90000"/>
-          </a:bodyPr>
-          <a:lstStyle/>
-          <a:p>
-            <a:r>
-              <a:rPr lang="en-US" dirty="0" smtClean="0"/>
-              <a:t>Path shortcuts:</a:t>
-            </a:r>
-            <a:br>
-              <a:rPr lang="en-US" dirty="0" smtClean="0"/>
-            </a:br>
+          <a:bodyPr/>
+          <a:lstStyle/>
+          <a:p>
+            <a:r>
+              <a:rPr lang="en-US" dirty="0" smtClean="0"/>
+              <a:t>Viewing Files: cat, head and tail</a:t>
+            </a:r>
+            <a:endParaRPr lang="en-US" dirty="0"/>
+          </a:p>
+        </p:txBody>
+      </p:sp>
+      <p:sp>
+        <p:nvSpPr>
+          <p:cNvPr id="3" name="Content Placeholder 2"/>
+          <p:cNvSpPr>
+            <a:spLocks noGrp="1"/>
+          </p:cNvSpPr>
+          <p:nvPr>
+            <p:ph idx="1"/>
+          </p:nvPr>
+        </p:nvSpPr>
+        <p:spPr/>
+        <p:txBody>
+          <a:bodyPr/>
+          <a:lstStyle/>
+          <a:p>
+            <a:pPr marL="0" indent="0">
+              <a:buNone/>
+            </a:pPr>
+            <a:r>
+              <a:rPr lang="en-US" dirty="0" smtClean="0"/>
+              <a:t>#spit out the WHOLE file</a:t>
+            </a:r>
+          </a:p>
+          <a:p>
+            <a:pPr marL="0" indent="0">
+              <a:buNone/>
+            </a:pPr>
+            <a:r>
+              <a:rPr lang="en-US" dirty="0" smtClean="0"/>
+              <a:t>$ cat </a:t>
+            </a:r>
             <a:r>
               <a:rPr lang="en-US" dirty="0"/>
-              <a:t>there’s no place like ~</a:t>
-            </a:r>
-          </a:p>
-        </p:txBody>
-      </p:sp>
-      <p:sp>
-        <p:nvSpPr>
-          <p:cNvPr id="3" name="Content Placeholder 2"/>
-          <p:cNvSpPr>
-            <a:spLocks noGrp="1"/>
-          </p:cNvSpPr>
-          <p:nvPr>
-            <p:ph idx="1"/>
-          </p:nvPr>
-        </p:nvSpPr>
-        <p:spPr/>
-        <p:txBody>
-          <a:bodyPr/>
-          <a:lstStyle/>
+              <a:t>file.txt </a:t>
+            </a:r>
+          </a:p>
+          <a:p>
+            <a:pPr marL="0" indent="0">
+              <a:buNone/>
+            </a:pPr>
+            <a:r>
+              <a:rPr lang="en-US" dirty="0"/>
+              <a:t>this is a file!</a:t>
+            </a:r>
+          </a:p>
+          <a:p>
+            <a:pPr marL="0" indent="0">
+              <a:buNone/>
+            </a:pPr>
+            <a:r>
+              <a:rPr lang="en-US" dirty="0"/>
+              <a:t>it contains two lines of text</a:t>
+            </a:r>
+            <a:r>
+              <a:rPr lang="en-US" dirty="0" smtClean="0"/>
+              <a:t>.</a:t>
+            </a:r>
+          </a:p>
           <a:p>
             <a:pPr marL="0" indent="0">
               <a:buNone/>
@@ -10591,75 +10748,43 @@
             </a:pPr>
             <a:r>
               <a:rPr lang="en-US" dirty="0" smtClean="0"/>
-              <a:t>. or ./ #this directory</a:t>
-            </a:r>
-          </a:p>
-          <a:p>
-            <a:pPr marL="0" indent="0">
-              <a:buNone/>
-            </a:pPr>
-            <a:r>
-              <a:rPr lang="en-US" dirty="0" smtClean="0"/>
-              <a:t>.. or ../ #the directory “above”</a:t>
-            </a:r>
-          </a:p>
-          <a:p>
-            <a:pPr marL="0" indent="0">
-              <a:buNone/>
-            </a:pPr>
-            <a:r>
-              <a:rPr lang="en-US" dirty="0" smtClean="0"/>
-              <a:t>~ #your home</a:t>
-            </a:r>
-          </a:p>
-          <a:p>
-            <a:pPr marL="0" indent="0">
-              <a:buNone/>
-            </a:pPr>
-            <a:r>
-              <a:rPr lang="en-US" dirty="0" smtClean="0"/>
-              <a:t>~be59 #home directory for user be59</a:t>
-            </a:r>
-          </a:p>
-          <a:p>
-            <a:pPr marL="0" indent="0">
-              <a:buNone/>
-            </a:pPr>
-            <a:r>
-              <a:rPr lang="en-US" dirty="0" smtClean="0"/>
-              <a:t>cd ~ #go home</a:t>
-            </a:r>
-          </a:p>
-          <a:p>
-            <a:pPr marL="0" indent="0">
-              <a:buNone/>
-            </a:pPr>
-            <a:r>
-              <a:rPr lang="en-US" dirty="0" smtClean="0"/>
-              <a:t>cd #also takes you home</a:t>
-            </a:r>
-          </a:p>
-          <a:p>
-            <a:pPr marL="0" indent="0">
-              <a:buNone/>
-            </a:pPr>
-            <a:r>
-              <a:rPr lang="en-US" dirty="0" smtClean="0"/>
-              <a:t>cd - #go to the last directory</a:t>
-            </a:r>
-          </a:p>
-          <a:p>
-            <a:pPr marL="0" indent="0">
-              <a:buNone/>
-            </a:pPr>
-            <a:endParaRPr lang="en-US" dirty="0"/>
+              <a:t>$ cat </a:t>
+            </a:r>
+            <a:r>
+              <a:rPr lang="en-US" dirty="0"/>
+              <a:t>file2.txt </a:t>
+            </a:r>
+            <a:endParaRPr lang="en-US" dirty="0" smtClean="0"/>
+          </a:p>
+          <a:p>
+            <a:pPr marL="0" indent="0">
+              <a:buNone/>
+            </a:pPr>
+            <a:r>
+              <a:rPr lang="en-US" dirty="0" smtClean="0"/>
+              <a:t>this </a:t>
+            </a:r>
+            <a:r>
+              <a:rPr lang="en-US" dirty="0"/>
+              <a:t>is another file</a:t>
+            </a:r>
+            <a:r>
+              <a:rPr lang="en-US" dirty="0" smtClean="0"/>
+              <a:t>.</a:t>
+            </a:r>
+          </a:p>
+          <a:p>
+            <a:pPr marL="0" indent="0">
+              <a:buNone/>
+            </a:pPr>
+            <a:endParaRPr lang="en-US" dirty="0" smtClean="0"/>
           </a:p>
         </p:txBody>
       </p:sp>
     </p:spTree>
     <p:extLst>
       <p:ext uri="{BB962C8B-B14F-4D97-AF65-F5344CB8AC3E}">
-        <p14:creationId xmlns:p14="http://schemas.microsoft.com/office/powerpoint/2010/main" val="3867067869"/>
+        <p14:creationId xmlns:p14="http://schemas.microsoft.com/office/powerpoint/2010/main" val="3238301181"/>
       </p:ext>
     </p:extLst>
   </p:cSld>
@@ -10710,7 +10835,7 @@
           <a:p>
             <a:r>
               <a:rPr lang="en-US" dirty="0" smtClean="0"/>
-              <a:t>Moving &amp; Copying Files</a:t>
+              <a:t>Viewing Files: cat, head and tail</a:t>
             </a:r>
             <a:endParaRPr lang="en-US" dirty="0"/>
           </a:p>
@@ -10726,44 +10851,52 @@
             <p:ph idx="1"/>
           </p:nvPr>
         </p:nvSpPr>
-        <p:spPr>
-          <a:xfrm>
-            <a:off x="840000" y="1848485"/>
-            <a:ext cx="7675350" cy="4351338"/>
-          </a:xfrm>
-        </p:spPr>
+        <p:spPr/>
         <p:txBody>
           <a:bodyPr/>
           <a:lstStyle/>
           <a:p>
-            <a:r>
-              <a:rPr lang="en-US" dirty="0" smtClean="0"/>
-              <a:t>Copy a file</a:t>
-            </a:r>
-          </a:p>
-          <a:p>
-            <a:pPr marL="0" indent="0">
-              <a:buNone/>
-            </a:pPr>
-            <a:r>
-              <a:rPr lang="en-US" dirty="0" smtClean="0"/>
-              <a:t>$ </a:t>
-            </a:r>
-            <a:r>
-              <a:rPr lang="en-US" dirty="0" err="1" smtClean="0"/>
-              <a:t>cp</a:t>
-            </a:r>
-            <a:r>
-              <a:rPr lang="en-US" dirty="0" smtClean="0"/>
-              <a:t> </a:t>
+            <a:pPr marL="0" indent="0">
+              <a:buNone/>
+            </a:pPr>
+            <a:r>
+              <a:rPr lang="en-US" dirty="0" smtClean="0"/>
+              <a:t>#spit out the first 10 lines of file</a:t>
+            </a:r>
+          </a:p>
+          <a:p>
+            <a:pPr marL="0" indent="0">
+              <a:buNone/>
+            </a:pPr>
+            <a:r>
+              <a:rPr lang="en-US" dirty="0" smtClean="0"/>
+              <a:t>$ head </a:t>
             </a:r>
             <a:r>
               <a:rPr lang="en-US" dirty="0"/>
               <a:t>file.txt </a:t>
             </a:r>
-            <a:r>
-              <a:rPr lang="en-US" dirty="0" smtClean="0"/>
-              <a:t>new_file.txt</a:t>
+          </a:p>
+          <a:p>
+            <a:pPr marL="0" indent="0">
+              <a:buNone/>
+            </a:pPr>
+            <a:r>
+              <a:rPr lang="en-US" dirty="0"/>
+              <a:t>this is a file!</a:t>
+            </a:r>
+          </a:p>
+          <a:p>
+            <a:pPr marL="0" indent="0">
+              <a:buNone/>
+            </a:pPr>
+            <a:r>
+              <a:rPr lang="en-US" dirty="0"/>
+              <a:t>it contains two lines of text</a:t>
+            </a:r>
+            <a:r>
+              <a:rPr lang="en-US" dirty="0" smtClean="0"/>
+              <a:t>.</a:t>
             </a:r>
           </a:p>
           <a:p>
@@ -10773,83 +10906,66 @@
             <a:endParaRPr lang="en-US" dirty="0" smtClean="0"/>
           </a:p>
           <a:p>
-            <a:r>
-              <a:rPr lang="en-US" dirty="0" smtClean="0"/>
-              <a:t>Moving and renaming is the same thing!</a:t>
-            </a:r>
-          </a:p>
-          <a:p>
-            <a:pPr marL="0" indent="0">
-              <a:buNone/>
-            </a:pPr>
-            <a:r>
-              <a:rPr lang="en-US" dirty="0" smtClean="0"/>
-              <a:t>$ mv new_file.txt </a:t>
-            </a:r>
-            <a:r>
-              <a:rPr lang="en-US" dirty="0" err="1" smtClean="0"/>
-              <a:t>another_new_file</a:t>
-            </a:r>
-            <a:endParaRPr lang="en-US" dirty="0" smtClean="0"/>
-          </a:p>
-          <a:p>
-            <a:pPr marL="0" indent="0">
-              <a:buNone/>
-            </a:pPr>
-            <a:endParaRPr lang="en-US" dirty="0" smtClean="0"/>
-          </a:p>
-          <a:p>
-            <a:r>
-              <a:rPr lang="en-US" dirty="0" smtClean="0"/>
-              <a:t>Making a directory</a:t>
-            </a:r>
-          </a:p>
-          <a:p>
-            <a:pPr marL="0" indent="0">
-              <a:buNone/>
-            </a:pPr>
-            <a:r>
-              <a:rPr lang="en-US" dirty="0" smtClean="0"/>
-              <a:t>$ </a:t>
-            </a:r>
-            <a:r>
-              <a:rPr lang="en-US" dirty="0" err="1" smtClean="0"/>
-              <a:t>mkdir</a:t>
-            </a:r>
-            <a:r>
-              <a:rPr lang="en-US" dirty="0" smtClean="0"/>
-              <a:t> </a:t>
-            </a:r>
-            <a:r>
-              <a:rPr lang="en-US" dirty="0" err="1" smtClean="0"/>
-              <a:t>my_new_dir</a:t>
-            </a:r>
-            <a:endParaRPr lang="en-US" dirty="0" smtClean="0"/>
-          </a:p>
-          <a:p>
-            <a:pPr marL="0" indent="0">
-              <a:buNone/>
-            </a:pPr>
-            <a:endParaRPr lang="en-US" dirty="0" smtClean="0"/>
-          </a:p>
-          <a:p>
-            <a:pPr marL="0" indent="0">
-              <a:buNone/>
-            </a:pPr>
-            <a:endParaRPr lang="en-US" dirty="0"/>
+            <a:pPr marL="0" indent="0">
+              <a:buNone/>
+            </a:pPr>
+            <a:r>
+              <a:rPr lang="en-US" dirty="0" smtClean="0"/>
+              <a:t>#try this!</a:t>
+            </a:r>
+          </a:p>
+          <a:p>
+            <a:pPr marL="0" indent="0">
+              <a:buNone/>
+            </a:pPr>
+            <a:r>
+              <a:rPr lang="en-US" dirty="0" smtClean="0"/>
+              <a:t>$ head sample_2.fastq</a:t>
+            </a:r>
+          </a:p>
+          <a:p>
+            <a:pPr marL="0" indent="0">
+              <a:buNone/>
+            </a:pPr>
+            <a:endParaRPr lang="en-US" dirty="0"/>
+          </a:p>
+          <a:p>
+            <a:pPr marL="0" indent="0">
+              <a:buNone/>
+            </a:pPr>
+            <a:r>
+              <a:rPr lang="en-US" dirty="0" smtClean="0"/>
+              <a:t>#first N lines</a:t>
+            </a:r>
+          </a:p>
+          <a:p>
+            <a:pPr marL="0" indent="0">
+              <a:buNone/>
+            </a:pPr>
+            <a:r>
+              <a:rPr lang="en-US" dirty="0" smtClean="0"/>
+              <a:t>$ head –n 100 sample4.fastq</a:t>
+            </a:r>
           </a:p>
         </p:txBody>
       </p:sp>
     </p:spTree>
     <p:extLst>
       <p:ext uri="{BB962C8B-B14F-4D97-AF65-F5344CB8AC3E}">
-        <p14:creationId xmlns:p14="http://schemas.microsoft.com/office/powerpoint/2010/main" val="2077864274"/>
+        <p14:creationId xmlns:p14="http://schemas.microsoft.com/office/powerpoint/2010/main" val="2608552231"/>
       </p:ext>
     </p:extLst>
   </p:cSld>
   <p:clrMapOvr>
     <a:masterClrMapping/>
   </p:clrMapOvr>
+  <p:timing>
+    <p:tnLst>
+      <p:par>
+        <p:cTn id="1" dur="indefinite" restart="never" nodeType="tmRoot"/>
+      </p:par>
+    </p:tnLst>
+  </p:timing>
 </p:sld>
 </file>
 
@@ -10913,93 +11029,63 @@
             </a:pPr>
             <a:r>
               <a:rPr lang="en-US" dirty="0" smtClean="0"/>
-              <a:t>#spit out the WHOLE file</a:t>
-            </a:r>
-          </a:p>
-          <a:p>
-            <a:pPr marL="0" indent="0">
-              <a:buNone/>
-            </a:pPr>
-            <a:r>
-              <a:rPr lang="en-US" dirty="0" smtClean="0"/>
-              <a:t>$ cat </a:t>
-            </a:r>
+              <a:t>#spit out the last 10 lines</a:t>
+            </a:r>
+          </a:p>
+          <a:p>
+            <a:pPr marL="0" indent="0">
+              <a:buNone/>
+            </a:pPr>
             <a:r>
               <a:rPr lang="en-US" dirty="0"/>
-              <a:t>file.txt </a:t>
-            </a:r>
-          </a:p>
-          <a:p>
-            <a:pPr marL="0" indent="0">
-              <a:buNone/>
-            </a:pPr>
+              <a:t>#try this!</a:t>
+            </a:r>
+          </a:p>
+          <a:p>
+            <a:pPr marL="0" indent="0">
+              <a:buNone/>
+            </a:pPr>
+            <a:r>
+              <a:rPr lang="en-US" dirty="0" smtClean="0"/>
+              <a:t>tail sample_2.fastq</a:t>
+            </a:r>
+            <a:endParaRPr lang="en-US" dirty="0"/>
+          </a:p>
+          <a:p>
+            <a:pPr marL="0" indent="0">
+              <a:buNone/>
+            </a:pPr>
+            <a:endParaRPr lang="en-US" dirty="0"/>
+          </a:p>
+          <a:p>
+            <a:pPr marL="0" indent="0">
+              <a:buNone/>
+            </a:pPr>
+            <a:r>
+              <a:rPr lang="en-US" dirty="0" smtClean="0"/>
+              <a:t>#last N </a:t>
+            </a:r>
             <a:r>
               <a:rPr lang="en-US" dirty="0"/>
-              <a:t>this is a file!</a:t>
-            </a:r>
-          </a:p>
-          <a:p>
-            <a:pPr marL="0" indent="0">
-              <a:buNone/>
-            </a:pPr>
-            <a:r>
-              <a:rPr lang="en-US" dirty="0"/>
-              <a:t>it contains two lines of text</a:t>
-            </a:r>
-            <a:r>
-              <a:rPr lang="en-US" dirty="0" smtClean="0"/>
-              <a:t>.</a:t>
-            </a:r>
-          </a:p>
-          <a:p>
-            <a:pPr marL="0" indent="0">
-              <a:buNone/>
-            </a:pPr>
-            <a:endParaRPr lang="en-US" dirty="0" smtClean="0"/>
-          </a:p>
-          <a:p>
-            <a:pPr marL="0" indent="0">
-              <a:buNone/>
-            </a:pPr>
-            <a:r>
-              <a:rPr lang="en-US" dirty="0" smtClean="0"/>
-              <a:t>$ cat </a:t>
-            </a:r>
-            <a:r>
-              <a:rPr lang="en-US" dirty="0"/>
-              <a:t>file2.txt </a:t>
-            </a:r>
-            <a:endParaRPr lang="en-US" dirty="0" smtClean="0"/>
-          </a:p>
-          <a:p>
-            <a:pPr marL="0" indent="0">
-              <a:buNone/>
-            </a:pPr>
-            <a:r>
-              <a:rPr lang="en-US" dirty="0" smtClean="0"/>
-              <a:t>this </a:t>
-            </a:r>
-            <a:r>
-              <a:rPr lang="en-US" dirty="0"/>
-              <a:t>is another file</a:t>
-            </a:r>
-            <a:r>
-              <a:rPr lang="en-US" dirty="0" smtClean="0"/>
-              <a:t>.</a:t>
-            </a:r>
-          </a:p>
-          <a:p>
-            <a:pPr marL="0" indent="0">
-              <a:buNone/>
-            </a:pPr>
-            <a:endParaRPr lang="en-US" dirty="0" smtClean="0"/>
+              <a:t>lines</a:t>
+            </a:r>
+          </a:p>
+          <a:p>
+            <a:pPr marL="0" indent="0">
+              <a:buNone/>
+            </a:pPr>
+            <a:r>
+              <a:rPr lang="en-US" dirty="0" smtClean="0"/>
+              <a:t>tail –n 50 sample_2.fastq</a:t>
+            </a:r>
+            <a:endParaRPr lang="en-US" dirty="0"/>
           </a:p>
         </p:txBody>
       </p:sp>
     </p:spTree>
     <p:extLst>
       <p:ext uri="{BB962C8B-B14F-4D97-AF65-F5344CB8AC3E}">
-        <p14:creationId xmlns:p14="http://schemas.microsoft.com/office/powerpoint/2010/main" val="3238301181"/>
+        <p14:creationId xmlns:p14="http://schemas.microsoft.com/office/powerpoint/2010/main" val="1919357496"/>
       </p:ext>
     </p:extLst>
   </p:cSld>
@@ -11050,7 +11136,7 @@
           <a:p>
             <a:r>
               <a:rPr lang="en-US" dirty="0" smtClean="0"/>
-              <a:t>Viewing Files: cat, head and tail</a:t>
+              <a:t>less is more</a:t>
             </a:r>
             <a:endParaRPr lang="en-US" dirty="0"/>
           </a:p>
@@ -11075,43 +11161,25 @@
               <a:buNone/>
             </a:pPr>
             <a:r>
-              <a:rPr lang="en-US" dirty="0" smtClean="0"/>
-              <a:t>#spit out the first 10 lines of file</a:t>
-            </a:r>
-          </a:p>
-          <a:p>
-            <a:pPr marL="0" indent="0">
-              <a:buNone/>
-            </a:pPr>
-            <a:r>
-              <a:rPr lang="en-US" dirty="0" smtClean="0"/>
-              <a:t>$ head </a:t>
-            </a:r>
-            <a:r>
               <a:rPr lang="en-US" dirty="0"/>
-              <a:t>file.txt </a:t>
-            </a:r>
-          </a:p>
-          <a:p>
-            <a:pPr marL="0" indent="0">
-              <a:buNone/>
-            </a:pPr>
+              <a:t>#interactive file viewing</a:t>
+            </a:r>
+          </a:p>
+          <a:p>
+            <a:pPr marL="0" indent="0">
+              <a:buNone/>
+            </a:pPr>
+            <a:r>
+              <a:rPr lang="en-US" dirty="0" smtClean="0"/>
+              <a:t>$ </a:t>
+            </a:r>
             <a:r>
               <a:rPr lang="en-US" dirty="0"/>
-              <a:t>this is a file!</a:t>
-            </a:r>
-          </a:p>
-          <a:p>
-            <a:pPr marL="0" indent="0">
-              <a:buNone/>
-            </a:pPr>
-            <a:r>
-              <a:rPr lang="en-US" dirty="0"/>
-              <a:t>it contains two lines of text</a:t>
-            </a:r>
-            <a:r>
-              <a:rPr lang="en-US" dirty="0" smtClean="0"/>
-              <a:t>.</a:t>
+              <a:t>less </a:t>
+            </a:r>
+            <a:r>
+              <a:rPr lang="en-US" dirty="0" smtClean="0"/>
+              <a:t>file.txt</a:t>
             </a:r>
           </a:p>
           <a:p>
@@ -11126,61 +11194,63 @@
             </a:pPr>
             <a:r>
               <a:rPr lang="en-US" dirty="0" smtClean="0"/>
-              <a:t>#try this!</a:t>
-            </a:r>
-          </a:p>
-          <a:p>
-            <a:pPr marL="0" indent="0">
-              <a:buNone/>
-            </a:pPr>
-            <a:r>
-              <a:rPr lang="en-US" dirty="0" smtClean="0"/>
-              <a:t>$ head sample_2.fastq</a:t>
-            </a:r>
-          </a:p>
-          <a:p>
-            <a:pPr marL="0" indent="0">
-              <a:buNone/>
-            </a:pPr>
-            <a:endParaRPr lang="en-US" dirty="0"/>
-          </a:p>
-          <a:p>
-            <a:pPr marL="0" indent="0">
-              <a:buNone/>
-            </a:pPr>
-            <a:r>
-              <a:rPr lang="en-US" dirty="0" smtClean="0"/>
-              <a:t>#first N lines</a:t>
-            </a:r>
-          </a:p>
-          <a:p>
-            <a:pPr marL="0" indent="0">
-              <a:buNone/>
-            </a:pPr>
-            <a:r>
-              <a:rPr lang="en-US" dirty="0" smtClean="0"/>
-              <a:t>$ head –n 100 sample4.fastq</a:t>
-            </a:r>
+              <a:t>arrow keys to navigate</a:t>
+            </a:r>
+          </a:p>
+          <a:p>
+            <a:pPr marL="0" indent="0">
+              <a:buNone/>
+            </a:pPr>
+            <a:r>
+              <a:rPr lang="en-US" dirty="0" smtClean="0"/>
+              <a:t>-S to stop wrapping long lines</a:t>
+            </a:r>
+          </a:p>
+          <a:p>
+            <a:pPr marL="0" indent="0">
+              <a:buNone/>
+            </a:pPr>
+            <a:r>
+              <a:rPr lang="en-US" dirty="0" smtClean="0"/>
+              <a:t>g and G to go to the start/end of file</a:t>
+            </a:r>
+          </a:p>
+          <a:p>
+            <a:pPr marL="0" indent="0">
+              <a:buNone/>
+            </a:pPr>
+            <a:r>
+              <a:rPr lang="en-US" dirty="0" smtClean="0"/>
+              <a:t>%50 to go to the middle of the file</a:t>
+            </a:r>
+          </a:p>
+          <a:p>
+            <a:pPr marL="0" indent="0">
+              <a:buNone/>
+            </a:pPr>
+            <a:r>
+              <a:rPr lang="en-US" dirty="0" smtClean="0"/>
+              <a:t>q to quit</a:t>
+            </a:r>
+          </a:p>
+          <a:p>
+            <a:pPr marL="0" indent="0">
+              <a:buNone/>
+            </a:pPr>
+            <a:endParaRPr lang="en-US" dirty="0"/>
           </a:p>
         </p:txBody>
       </p:sp>
     </p:spTree>
     <p:extLst>
       <p:ext uri="{BB962C8B-B14F-4D97-AF65-F5344CB8AC3E}">
-        <p14:creationId xmlns:p14="http://schemas.microsoft.com/office/powerpoint/2010/main" val="2608552231"/>
+        <p14:creationId xmlns:p14="http://schemas.microsoft.com/office/powerpoint/2010/main" val="2822930211"/>
       </p:ext>
     </p:extLst>
   </p:cSld>
   <p:clrMapOvr>
     <a:masterClrMapping/>
   </p:clrMapOvr>
-  <p:timing>
-    <p:tnLst>
-      <p:par>
-        <p:cTn id="1" dur="indefinite" restart="never" nodeType="tmRoot"/>
-      </p:par>
-    </p:tnLst>
-  </p:timing>
 </p:sld>
 </file>
 
@@ -11218,7 +11288,15 @@
           <a:p>
             <a:r>
               <a:rPr lang="en-US" dirty="0" smtClean="0"/>
-              <a:t>Viewing Files: cat, head and tail</a:t>
+              <a:t>Files! </a:t>
+            </a:r>
+            <a:r>
+              <a:rPr lang="en-US" dirty="0" err="1" smtClean="0"/>
+              <a:t>Wildc</a:t>
+            </a:r>
+            <a:r>
+              <a:rPr lang="en-US" dirty="0" smtClean="0"/>
+              <a:t>*ds!</a:t>
             </a:r>
             <a:endParaRPr lang="en-US" dirty="0"/>
           </a:p>
@@ -11234,7 +11312,12 @@
             <p:ph idx="1"/>
           </p:nvPr>
         </p:nvSpPr>
-        <p:spPr/>
+        <p:spPr>
+          <a:xfrm>
+            <a:off x="840000" y="1825625"/>
+            <a:ext cx="8227800" cy="4351338"/>
+          </a:xfrm>
+        </p:spPr>
         <p:txBody>
           <a:bodyPr/>
           <a:lstStyle/>
@@ -11244,63 +11327,96 @@
             </a:pPr>
             <a:r>
               <a:rPr lang="en-US" dirty="0" smtClean="0"/>
-              <a:t>#spit out the last 10 lines</a:t>
-            </a:r>
-          </a:p>
-          <a:p>
-            <a:pPr marL="0" indent="0">
-              <a:buNone/>
-            </a:pPr>
+              <a:t>$ </a:t>
+            </a:r>
             <a:r>
               <a:rPr lang="en-US" dirty="0"/>
-              <a:t>#try this!</a:t>
-            </a:r>
-          </a:p>
-          <a:p>
-            <a:pPr marL="0" indent="0">
-              <a:buNone/>
-            </a:pPr>
-            <a:r>
-              <a:rPr lang="en-US" dirty="0" smtClean="0"/>
-              <a:t>tail sample_2.fastq</a:t>
-            </a:r>
-            <a:endParaRPr lang="en-US" dirty="0"/>
-          </a:p>
-          <a:p>
-            <a:pPr marL="0" indent="0">
-              <a:buNone/>
-            </a:pPr>
-            <a:endParaRPr lang="en-US" dirty="0"/>
-          </a:p>
-          <a:p>
-            <a:pPr marL="0" indent="0">
-              <a:buNone/>
-            </a:pPr>
-            <a:r>
-              <a:rPr lang="en-US" dirty="0" smtClean="0"/>
-              <a:t>#last N </a:t>
-            </a:r>
+              <a:t>cat file.txt file2.txt </a:t>
+            </a:r>
+          </a:p>
+          <a:p>
+            <a:pPr marL="0" indent="0">
+              <a:buNone/>
+            </a:pPr>
             <a:r>
               <a:rPr lang="en-US" dirty="0"/>
-              <a:t>lines</a:t>
-            </a:r>
-          </a:p>
-          <a:p>
-            <a:pPr marL="0" indent="0">
-              <a:buNone/>
-            </a:pPr>
-            <a:r>
-              <a:rPr lang="en-US" dirty="0" smtClean="0"/>
-              <a:t>tail –n 50 sample_2.fastq</a:t>
-            </a:r>
-            <a:endParaRPr lang="en-US" dirty="0"/>
+              <a:t>this is a file!</a:t>
+            </a:r>
+          </a:p>
+          <a:p>
+            <a:pPr marL="0" indent="0">
+              <a:buNone/>
+            </a:pPr>
+            <a:r>
+              <a:rPr lang="en-US" dirty="0"/>
+              <a:t>it contains two lines of text.</a:t>
+            </a:r>
+          </a:p>
+          <a:p>
+            <a:pPr marL="0" indent="0">
+              <a:buNone/>
+            </a:pPr>
+            <a:r>
+              <a:rPr lang="en-US" dirty="0"/>
+              <a:t>this is another file</a:t>
+            </a:r>
+            <a:r>
+              <a:rPr lang="en-US" dirty="0" smtClean="0"/>
+              <a:t>.</a:t>
+            </a:r>
+          </a:p>
+          <a:p>
+            <a:pPr marL="0" indent="0">
+              <a:buNone/>
+            </a:pPr>
+            <a:endParaRPr lang="en-US" dirty="0"/>
+          </a:p>
+          <a:p>
+            <a:pPr marL="0" indent="0">
+              <a:buNone/>
+            </a:pPr>
+            <a:r>
+              <a:rPr lang="en-US" dirty="0" smtClean="0"/>
+              <a:t>$ </a:t>
+            </a:r>
+            <a:r>
+              <a:rPr lang="en-US" dirty="0"/>
+              <a:t>cat file*</a:t>
+            </a:r>
+          </a:p>
+          <a:p>
+            <a:pPr marL="0" indent="0">
+              <a:buNone/>
+            </a:pPr>
+            <a:r>
+              <a:rPr lang="en-US" dirty="0"/>
+              <a:t>this is another file.</a:t>
+            </a:r>
+          </a:p>
+          <a:p>
+            <a:pPr marL="0" indent="0">
+              <a:buNone/>
+            </a:pPr>
+            <a:r>
+              <a:rPr lang="en-US" dirty="0"/>
+              <a:t>this is a file!</a:t>
+            </a:r>
+          </a:p>
+          <a:p>
+            <a:pPr marL="0" indent="0">
+              <a:buNone/>
+            </a:pPr>
+            <a:r>
+              <a:rPr lang="en-US" dirty="0"/>
+              <a:t>it contains two lines of text.</a:t>
+            </a:r>
           </a:p>
         </p:txBody>
       </p:sp>
     </p:spTree>
     <p:extLst>
       <p:ext uri="{BB962C8B-B14F-4D97-AF65-F5344CB8AC3E}">
-        <p14:creationId xmlns:p14="http://schemas.microsoft.com/office/powerpoint/2010/main" val="1919357496"/>
+        <p14:creationId xmlns:p14="http://schemas.microsoft.com/office/powerpoint/2010/main" val="3465365028"/>
       </p:ext>
     </p:extLst>
   </p:cSld>
@@ -11344,14 +11460,19 @@
             <p:ph type="title"/>
           </p:nvPr>
         </p:nvSpPr>
-        <p:spPr/>
+        <p:spPr>
+          <a:xfrm>
+            <a:off x="628650" y="365126"/>
+            <a:ext cx="8115300" cy="1325563"/>
+          </a:xfrm>
+        </p:spPr>
         <p:txBody>
           <a:bodyPr/>
           <a:lstStyle/>
           <a:p>
             <a:r>
               <a:rPr lang="en-US" dirty="0" smtClean="0"/>
-              <a:t>less is more</a:t>
+              <a:t>Wildcards everywhere</a:t>
             </a:r>
             <a:endParaRPr lang="en-US" dirty="0"/>
           </a:p>
@@ -11367,7 +11488,12 @@
             <p:ph idx="1"/>
           </p:nvPr>
         </p:nvSpPr>
-        <p:spPr/>
+        <p:spPr>
+          <a:xfrm>
+            <a:off x="840000" y="2171699"/>
+            <a:ext cx="7675350" cy="4005263"/>
+          </a:xfrm>
+        </p:spPr>
         <p:txBody>
           <a:bodyPr/>
           <a:lstStyle/>
@@ -11376,9 +11502,37 @@
               <a:buNone/>
             </a:pPr>
             <a:r>
+              <a:rPr lang="en-US" dirty="0" smtClean="0"/>
+              <a:t>$ </a:t>
+            </a:r>
+            <a:r>
+              <a:rPr lang="en-US" dirty="0" err="1"/>
+              <a:t>ls</a:t>
+            </a:r>
+            <a:r>
               <a:rPr lang="en-US" dirty="0"/>
-              <a:t>#interactive file viewing</a:t>
-            </a:r>
+              <a:t> *.</a:t>
+            </a:r>
+            <a:r>
+              <a:rPr lang="en-US" dirty="0" err="1"/>
+              <a:t>fa</a:t>
+            </a:r>
+            <a:endParaRPr lang="en-US" dirty="0"/>
+          </a:p>
+          <a:p>
+            <a:pPr marL="0" indent="0">
+              <a:buNone/>
+            </a:pPr>
+            <a:r>
+              <a:rPr lang="en-US" dirty="0"/>
+              <a:t>seq1.fa  seq2.fa</a:t>
+            </a:r>
+          </a:p>
+          <a:p>
+            <a:pPr marL="0" indent="0">
+              <a:buNone/>
+            </a:pPr>
+            <a:endParaRPr lang="en-US" dirty="0"/>
           </a:p>
           <a:p>
             <a:pPr marL="0" indent="0">
@@ -11390,82 +11544,69 @@
             </a:r>
             <a:r>
               <a:rPr lang="en-US" dirty="0"/>
-              <a:t>less </a:t>
-            </a:r>
-            <a:r>
-              <a:rPr lang="en-US" dirty="0" smtClean="0"/>
-              <a:t>file.txt</a:t>
-            </a:r>
-          </a:p>
-          <a:p>
-            <a:pPr marL="0" indent="0">
-              <a:buNone/>
-            </a:pPr>
-            <a:endParaRPr lang="en-US" dirty="0" smtClean="0"/>
-          </a:p>
-          <a:p>
-            <a:pPr marL="0" indent="0">
-              <a:buNone/>
-            </a:pPr>
-            <a:r>
-              <a:rPr lang="en-US" dirty="0" smtClean="0"/>
-              <a:t>arrow keys to navigate</a:t>
-            </a:r>
-          </a:p>
-          <a:p>
-            <a:pPr marL="0" indent="0">
-              <a:buNone/>
-            </a:pPr>
-            <a:r>
-              <a:rPr lang="en-US" dirty="0" smtClean="0"/>
-              <a:t>-S to stop wrapping long lines</a:t>
-            </a:r>
-          </a:p>
-          <a:p>
-            <a:pPr marL="0" indent="0">
-              <a:buNone/>
-            </a:pPr>
-            <a:r>
-              <a:rPr lang="en-US" dirty="0" smtClean="0"/>
-              <a:t>g and G to go to the start/end of file</a:t>
-            </a:r>
-          </a:p>
-          <a:p>
-            <a:pPr marL="0" indent="0">
-              <a:buNone/>
-            </a:pPr>
-            <a:r>
-              <a:rPr lang="en-US" dirty="0" smtClean="0"/>
-              <a:t>%50 to go to the middle of the file</a:t>
-            </a:r>
-          </a:p>
-          <a:p>
-            <a:pPr marL="0" indent="0">
-              <a:buNone/>
-            </a:pPr>
-            <a:r>
-              <a:rPr lang="en-US" dirty="0" smtClean="0"/>
-              <a:t>q to quit</a:t>
-            </a:r>
-          </a:p>
-          <a:p>
-            <a:pPr marL="0" indent="0">
-              <a:buNone/>
-            </a:pPr>
-            <a:endParaRPr lang="en-US" dirty="0"/>
+              <a:t>cat *.</a:t>
+            </a:r>
+            <a:r>
+              <a:rPr lang="en-US" dirty="0" err="1"/>
+              <a:t>fa</a:t>
+            </a:r>
+            <a:endParaRPr lang="en-US" dirty="0"/>
+          </a:p>
+          <a:p>
+            <a:pPr marL="0" indent="0">
+              <a:buNone/>
+            </a:pPr>
+            <a:r>
+              <a:rPr lang="en-US" dirty="0"/>
+              <a:t>&gt;seq1</a:t>
+            </a:r>
+          </a:p>
+          <a:p>
+            <a:pPr marL="0" indent="0">
+              <a:buNone/>
+            </a:pPr>
+            <a:r>
+              <a:rPr lang="en-US" dirty="0"/>
+              <a:t>CGATCGATGCATCGTAGCTAGCTAGCTAGCTGA</a:t>
+            </a:r>
+          </a:p>
+          <a:p>
+            <a:pPr marL="0" indent="0">
+              <a:buNone/>
+            </a:pPr>
+            <a:r>
+              <a:rPr lang="en-US" dirty="0"/>
+              <a:t>&gt;seq2</a:t>
+            </a:r>
+          </a:p>
+          <a:p>
+            <a:pPr marL="0" indent="0">
+              <a:buNone/>
+            </a:pPr>
+            <a:r>
+              <a:rPr lang="en-US" dirty="0"/>
+              <a:t>GTCGACTGCAGTCAGTCAGTCTAGCTAGCAGCTCA</a:t>
+            </a:r>
           </a:p>
         </p:txBody>
       </p:sp>
     </p:spTree>
     <p:extLst>
       <p:ext uri="{BB962C8B-B14F-4D97-AF65-F5344CB8AC3E}">
-        <p14:creationId xmlns:p14="http://schemas.microsoft.com/office/powerpoint/2010/main" val="2822930211"/>
+        <p14:creationId xmlns:p14="http://schemas.microsoft.com/office/powerpoint/2010/main" val="1503789975"/>
       </p:ext>
     </p:extLst>
   </p:cSld>
   <p:clrMapOvr>
     <a:masterClrMapping/>
   </p:clrMapOvr>
+  <p:timing>
+    <p:tnLst>
+      <p:par>
+        <p:cTn id="1" dur="indefinite" restart="never" nodeType="tmRoot"/>
+      </p:par>
+    </p:tnLst>
+  </p:timing>
 </p:sld>
 </file>
 
@@ -11502,18 +11643,10 @@
           <a:lstStyle/>
           <a:p>
             <a:r>
-              <a:rPr lang="en-US" dirty="0" smtClean="0"/>
-              <a:t>Files! </a:t>
-            </a:r>
-            <a:r>
-              <a:rPr lang="en-US" dirty="0" err="1" smtClean="0"/>
-              <a:t>Wildc</a:t>
-            </a:r>
-            <a:r>
-              <a:rPr lang="en-US" dirty="0" smtClean="0"/>
-              <a:t>*ds!</a:t>
-            </a:r>
-            <a:endParaRPr lang="en-US" dirty="0"/>
+              <a:rPr lang="en-US" i="1" dirty="0" smtClean="0"/>
+              <a:t>caveat actor</a:t>
+            </a:r>
+            <a:endParaRPr lang="en-US" i="1" dirty="0"/>
           </a:p>
         </p:txBody>
       </p:sp>
@@ -11529,520 +11662,8 @@
         </p:nvSpPr>
         <p:spPr>
           <a:xfrm>
-            <a:off x="840000" y="1825625"/>
-            <a:ext cx="8227800" cy="4351338"/>
-          </a:xfrm>
-        </p:spPr>
-        <p:txBody>
-          <a:bodyPr/>
-          <a:lstStyle/>
-          <a:p>
-            <a:pPr marL="0" indent="0">
-              <a:buNone/>
-            </a:pPr>
-            <a:r>
-              <a:rPr lang="en-US" dirty="0" smtClean="0"/>
-              <a:t>$ </a:t>
-            </a:r>
-            <a:r>
-              <a:rPr lang="en-US" dirty="0"/>
-              <a:t>cat file.txt file2.txt </a:t>
-            </a:r>
-          </a:p>
-          <a:p>
-            <a:pPr marL="0" indent="0">
-              <a:buNone/>
-            </a:pPr>
-            <a:r>
-              <a:rPr lang="en-US" dirty="0"/>
-              <a:t>this is a file!</a:t>
-            </a:r>
-          </a:p>
-          <a:p>
-            <a:pPr marL="0" indent="0">
-              <a:buNone/>
-            </a:pPr>
-            <a:r>
-              <a:rPr lang="en-US" dirty="0"/>
-              <a:t>it contains two lines of text.</a:t>
-            </a:r>
-          </a:p>
-          <a:p>
-            <a:pPr marL="0" indent="0">
-              <a:buNone/>
-            </a:pPr>
-            <a:r>
-              <a:rPr lang="en-US" dirty="0"/>
-              <a:t>this is another file</a:t>
-            </a:r>
-            <a:r>
-              <a:rPr lang="en-US" dirty="0" smtClean="0"/>
-              <a:t>.</a:t>
-            </a:r>
-          </a:p>
-          <a:p>
-            <a:pPr marL="0" indent="0">
-              <a:buNone/>
-            </a:pPr>
-            <a:endParaRPr lang="en-US" dirty="0"/>
-          </a:p>
-          <a:p>
-            <a:pPr marL="0" indent="0">
-              <a:buNone/>
-            </a:pPr>
-            <a:r>
-              <a:rPr lang="en-US" dirty="0" smtClean="0"/>
-              <a:t>$ </a:t>
-            </a:r>
-            <a:r>
-              <a:rPr lang="en-US" dirty="0"/>
-              <a:t>cat file*</a:t>
-            </a:r>
-          </a:p>
-          <a:p>
-            <a:pPr marL="0" indent="0">
-              <a:buNone/>
-            </a:pPr>
-            <a:r>
-              <a:rPr lang="en-US" dirty="0"/>
-              <a:t>this is another file.</a:t>
-            </a:r>
-          </a:p>
-          <a:p>
-            <a:pPr marL="0" indent="0">
-              <a:buNone/>
-            </a:pPr>
-            <a:r>
-              <a:rPr lang="en-US" dirty="0"/>
-              <a:t>this is a file!</a:t>
-            </a:r>
-          </a:p>
-          <a:p>
-            <a:pPr marL="0" indent="0">
-              <a:buNone/>
-            </a:pPr>
-            <a:r>
-              <a:rPr lang="en-US" dirty="0"/>
-              <a:t>it contains two lines of text.</a:t>
-            </a:r>
-          </a:p>
-        </p:txBody>
-      </p:sp>
-    </p:spTree>
-    <p:extLst>
-      <p:ext uri="{BB962C8B-B14F-4D97-AF65-F5344CB8AC3E}">
-        <p14:creationId xmlns:p14="http://schemas.microsoft.com/office/powerpoint/2010/main" val="3465365028"/>
-      </p:ext>
-    </p:extLst>
-  </p:cSld>
-  <p:clrMapOvr>
-    <a:masterClrMapping/>
-  </p:clrMapOvr>
-  <p:timing>
-    <p:tnLst>
-      <p:par>
-        <p:cTn id="1" dur="indefinite" restart="never" nodeType="tmRoot"/>
-      </p:par>
-    </p:tnLst>
-  </p:timing>
-</p:sld>
-</file>
-
-<file path=ppt/slides/slide29.xml><?xml version="1.0" encoding="utf-8"?>
-<p:sld xmlns:a="http://schemas.openxmlformats.org/drawingml/2006/main" xmlns:r="http://schemas.openxmlformats.org/officeDocument/2006/relationships" xmlns:p="http://schemas.openxmlformats.org/presentationml/2006/main">
-  <p:cSld>
-    <p:spTree>
-      <p:nvGrpSpPr>
-        <p:cNvPr id="1" name=""/>
-        <p:cNvGrpSpPr/>
-        <p:nvPr/>
-      </p:nvGrpSpPr>
-      <p:grpSpPr>
-        <a:xfrm>
-          <a:off x="0" y="0"/>
-          <a:ext cx="0" cy="0"/>
-          <a:chOff x="0" y="0"/>
-          <a:chExt cx="0" cy="0"/>
-        </a:xfrm>
-      </p:grpSpPr>
-      <p:sp>
-        <p:nvSpPr>
-          <p:cNvPr id="2" name="Title 1"/>
-          <p:cNvSpPr>
-            <a:spLocks noGrp="1"/>
-          </p:cNvSpPr>
-          <p:nvPr>
-            <p:ph type="title"/>
-          </p:nvPr>
-        </p:nvSpPr>
-        <p:spPr>
-          <a:xfrm>
-            <a:off x="628650" y="365126"/>
-            <a:ext cx="8115300" cy="1325563"/>
-          </a:xfrm>
-        </p:spPr>
-        <p:txBody>
-          <a:bodyPr/>
-          <a:lstStyle/>
-          <a:p>
-            <a:r>
-              <a:rPr lang="en-US" dirty="0" smtClean="0"/>
-              <a:t>Wildcards everywhere</a:t>
-            </a:r>
-            <a:endParaRPr lang="en-US" dirty="0"/>
-          </a:p>
-        </p:txBody>
-      </p:sp>
-      <p:sp>
-        <p:nvSpPr>
-          <p:cNvPr id="3" name="Content Placeholder 2"/>
-          <p:cNvSpPr>
-            <a:spLocks noGrp="1"/>
-          </p:cNvSpPr>
-          <p:nvPr>
-            <p:ph idx="1"/>
-          </p:nvPr>
-        </p:nvSpPr>
-        <p:spPr>
-          <a:xfrm>
-            <a:off x="840000" y="2171699"/>
-            <a:ext cx="7675350" cy="4005263"/>
-          </a:xfrm>
-        </p:spPr>
-        <p:txBody>
-          <a:bodyPr/>
-          <a:lstStyle/>
-          <a:p>
-            <a:pPr marL="0" indent="0">
-              <a:buNone/>
-            </a:pPr>
-            <a:r>
-              <a:rPr lang="en-US" dirty="0" smtClean="0"/>
-              <a:t>$ </a:t>
-            </a:r>
-            <a:r>
-              <a:rPr lang="en-US" dirty="0" err="1"/>
-              <a:t>ls</a:t>
-            </a:r>
-            <a:r>
-              <a:rPr lang="en-US" dirty="0"/>
-              <a:t> *.</a:t>
-            </a:r>
-            <a:r>
-              <a:rPr lang="en-US" dirty="0" err="1"/>
-              <a:t>fa</a:t>
-            </a:r>
-            <a:endParaRPr lang="en-US" dirty="0"/>
-          </a:p>
-          <a:p>
-            <a:pPr marL="0" indent="0">
-              <a:buNone/>
-            </a:pPr>
-            <a:r>
-              <a:rPr lang="en-US" dirty="0"/>
-              <a:t>seq1.fa  seq2.fa</a:t>
-            </a:r>
-          </a:p>
-          <a:p>
-            <a:pPr marL="0" indent="0">
-              <a:buNone/>
-            </a:pPr>
-            <a:endParaRPr lang="en-US" dirty="0"/>
-          </a:p>
-          <a:p>
-            <a:pPr marL="0" indent="0">
-              <a:buNone/>
-            </a:pPr>
-            <a:r>
-              <a:rPr lang="en-US" dirty="0" smtClean="0"/>
-              <a:t>$ </a:t>
-            </a:r>
-            <a:r>
-              <a:rPr lang="en-US" dirty="0"/>
-              <a:t>cat *.</a:t>
-            </a:r>
-            <a:r>
-              <a:rPr lang="en-US" dirty="0" err="1"/>
-              <a:t>fa</a:t>
-            </a:r>
-            <a:endParaRPr lang="en-US" dirty="0"/>
-          </a:p>
-          <a:p>
-            <a:pPr marL="0" indent="0">
-              <a:buNone/>
-            </a:pPr>
-            <a:r>
-              <a:rPr lang="en-US" dirty="0"/>
-              <a:t>&gt;seq1</a:t>
-            </a:r>
-          </a:p>
-          <a:p>
-            <a:pPr marL="0" indent="0">
-              <a:buNone/>
-            </a:pPr>
-            <a:r>
-              <a:rPr lang="en-US" dirty="0"/>
-              <a:t>CGATCGATGCATCGTAGCTAGCTAGCTAGCTGA</a:t>
-            </a:r>
-          </a:p>
-          <a:p>
-            <a:pPr marL="0" indent="0">
-              <a:buNone/>
-            </a:pPr>
-            <a:r>
-              <a:rPr lang="en-US" dirty="0"/>
-              <a:t>&gt;seq2</a:t>
-            </a:r>
-          </a:p>
-          <a:p>
-            <a:pPr marL="0" indent="0">
-              <a:buNone/>
-            </a:pPr>
-            <a:r>
-              <a:rPr lang="en-US" dirty="0"/>
-              <a:t>GTCGACTGCAGTCAGTCAGTCTAGCTAGCAGCTCA</a:t>
-            </a:r>
-          </a:p>
-        </p:txBody>
-      </p:sp>
-    </p:spTree>
-    <p:extLst>
-      <p:ext uri="{BB962C8B-B14F-4D97-AF65-F5344CB8AC3E}">
-        <p14:creationId xmlns:p14="http://schemas.microsoft.com/office/powerpoint/2010/main" val="1503789975"/>
-      </p:ext>
-    </p:extLst>
-  </p:cSld>
-  <p:clrMapOvr>
-    <a:masterClrMapping/>
-  </p:clrMapOvr>
-  <p:timing>
-    <p:tnLst>
-      <p:par>
-        <p:cTn id="1" dur="indefinite" restart="never" nodeType="tmRoot"/>
-      </p:par>
-    </p:tnLst>
-  </p:timing>
-</p:sld>
-</file>
-
-<file path=ppt/slides/slide3.xml><?xml version="1.0" encoding="utf-8"?>
-<p:sld xmlns:a="http://schemas.openxmlformats.org/drawingml/2006/main" xmlns:r="http://schemas.openxmlformats.org/officeDocument/2006/relationships" xmlns:p="http://schemas.openxmlformats.org/presentationml/2006/main">
-  <p:cSld>
-    <p:spTree>
-      <p:nvGrpSpPr>
-        <p:cNvPr id="1" name=""/>
-        <p:cNvGrpSpPr/>
-        <p:nvPr/>
-      </p:nvGrpSpPr>
-      <p:grpSpPr>
-        <a:xfrm>
-          <a:off x="0" y="0"/>
-          <a:ext cx="0" cy="0"/>
-          <a:chOff x="0" y="0"/>
-          <a:chExt cx="0" cy="0"/>
-        </a:xfrm>
-      </p:grpSpPr>
-      <p:sp>
-        <p:nvSpPr>
-          <p:cNvPr id="2" name="Title 1"/>
-          <p:cNvSpPr>
-            <a:spLocks noGrp="1"/>
-          </p:cNvSpPr>
-          <p:nvPr>
-            <p:ph type="title"/>
-          </p:nvPr>
-        </p:nvSpPr>
-        <p:spPr/>
-        <p:txBody>
-          <a:bodyPr/>
-          <a:lstStyle/>
-          <a:p>
-            <a:r>
-              <a:rPr lang="en-US" dirty="0" smtClean="0"/>
-              <a:t>Some Conventions</a:t>
-            </a:r>
-            <a:endParaRPr lang="en-US" dirty="0"/>
-          </a:p>
-        </p:txBody>
-      </p:sp>
-      <p:sp>
-        <p:nvSpPr>
-          <p:cNvPr id="3" name="Content Placeholder 2"/>
-          <p:cNvSpPr>
-            <a:spLocks noGrp="1"/>
-          </p:cNvSpPr>
-          <p:nvPr>
-            <p:ph idx="1"/>
-          </p:nvPr>
-        </p:nvSpPr>
-        <p:spPr/>
-        <p:txBody>
-          <a:bodyPr>
-            <a:normAutofit lnSpcReduction="10000"/>
-          </a:bodyPr>
-          <a:lstStyle/>
-          <a:p>
-            <a:r>
-              <a:rPr lang="en-US" dirty="0" smtClean="0"/>
-              <a:t>Descriptions</a:t>
-            </a:r>
-          </a:p>
-          <a:p>
-            <a:pPr marL="0" indent="0">
-              <a:buNone/>
-            </a:pPr>
-            <a:endParaRPr lang="en-US" dirty="0" smtClean="0">
-              <a:latin typeface="Source Code Pro Semibold" panose="020B0609030403020204" pitchFamily="49" charset="0"/>
-            </a:endParaRPr>
-          </a:p>
-          <a:p>
-            <a:pPr marL="0" indent="0">
-              <a:buNone/>
-            </a:pPr>
-            <a:r>
-              <a:rPr lang="en-US" dirty="0" smtClean="0">
-                <a:latin typeface="Source Code Pro Semibold" panose="020B0609030403020204" pitchFamily="49" charset="0"/>
-              </a:rPr>
-              <a:t>$ command</a:t>
-            </a:r>
-          </a:p>
-          <a:p>
-            <a:pPr marL="0" indent="0">
-              <a:buNone/>
-            </a:pPr>
-            <a:endParaRPr lang="en-US" sz="4000" dirty="0"/>
-          </a:p>
-          <a:p>
-            <a:pPr marL="0" indent="0">
-              <a:buNone/>
-            </a:pPr>
-            <a:r>
-              <a:rPr lang="en-US" sz="4000" dirty="0" smtClean="0">
-                <a:latin typeface="Source Code Pro Semibold" panose="020B0609030403020204" pitchFamily="49" charset="0"/>
-              </a:rPr>
-              <a:t>1Il|iO0oB8</a:t>
-            </a:r>
-            <a:endParaRPr lang="en-US" dirty="0" smtClean="0">
-              <a:latin typeface="Source Code Pro Semibold" panose="020B0609030403020204" pitchFamily="49" charset="0"/>
-            </a:endParaRPr>
-          </a:p>
-          <a:p>
-            <a:pPr marL="0" indent="0">
-              <a:buNone/>
-            </a:pPr>
-            <a:r>
-              <a:rPr lang="en-US" sz="4000" dirty="0" smtClean="0">
-                <a:latin typeface="Calibri" panose="020F0502020204030204" pitchFamily="34" charset="0"/>
-              </a:rPr>
-              <a:t>1Il|iO0oB8</a:t>
-            </a:r>
-          </a:p>
-          <a:p>
-            <a:pPr marL="0" indent="0">
-              <a:buNone/>
-            </a:pPr>
-            <a:endParaRPr lang="en-US" dirty="0" smtClean="0">
-              <a:latin typeface="Source Code Pro Semibold" panose="020B0609030403020204" pitchFamily="49" charset="0"/>
-            </a:endParaRPr>
-          </a:p>
-          <a:p>
-            <a:pPr marL="0" indent="0">
-              <a:buNone/>
-            </a:pPr>
-            <a:endParaRPr lang="en-US" dirty="0" smtClean="0">
-              <a:latin typeface="Source Code Pro Semibold" panose="020B0609030403020204" pitchFamily="49" charset="0"/>
-            </a:endParaRPr>
-          </a:p>
-          <a:p>
-            <a:pPr marL="0" indent="0">
-              <a:buNone/>
-            </a:pPr>
-            <a:r>
-              <a:rPr lang="en-US" dirty="0" smtClean="0">
-                <a:latin typeface="Source Code Pro Semibold" panose="020B0609030403020204" pitchFamily="49" charset="0"/>
-              </a:rPr>
-              <a:t>#comments</a:t>
-            </a:r>
-            <a:endParaRPr lang="en-US" dirty="0">
-              <a:latin typeface="Source Code Pro Semibold" panose="020B0609030403020204" pitchFamily="49" charset="0"/>
-            </a:endParaRPr>
-          </a:p>
-        </p:txBody>
-      </p:sp>
-    </p:spTree>
-    <p:extLst>
-      <p:ext uri="{BB962C8B-B14F-4D97-AF65-F5344CB8AC3E}">
-        <p14:creationId xmlns:p14="http://schemas.microsoft.com/office/powerpoint/2010/main" val="1607220874"/>
-      </p:ext>
-    </p:extLst>
-  </p:cSld>
-  <p:clrMapOvr>
-    <a:masterClrMapping/>
-  </p:clrMapOvr>
-  <p:timing>
-    <p:tnLst>
-      <p:par>
-        <p:cTn id="1" dur="indefinite" restart="never" nodeType="tmRoot"/>
-      </p:par>
-    </p:tnLst>
-  </p:timing>
-</p:sld>
-</file>
-
-<file path=ppt/slides/slide30.xml><?xml version="1.0" encoding="utf-8"?>
-<p:sld xmlns:a="http://schemas.openxmlformats.org/drawingml/2006/main" xmlns:r="http://schemas.openxmlformats.org/officeDocument/2006/relationships" xmlns:p="http://schemas.openxmlformats.org/presentationml/2006/main">
-  <p:cSld>
-    <p:spTree>
-      <p:nvGrpSpPr>
-        <p:cNvPr id="1" name=""/>
-        <p:cNvGrpSpPr/>
-        <p:nvPr/>
-      </p:nvGrpSpPr>
-      <p:grpSpPr>
-        <a:xfrm>
-          <a:off x="0" y="0"/>
-          <a:ext cx="0" cy="0"/>
-          <a:chOff x="0" y="0"/>
-          <a:chExt cx="0" cy="0"/>
-        </a:xfrm>
-      </p:grpSpPr>
-      <p:sp>
-        <p:nvSpPr>
-          <p:cNvPr id="2" name="Title 1"/>
-          <p:cNvSpPr>
-            <a:spLocks noGrp="1"/>
-          </p:cNvSpPr>
-          <p:nvPr>
-            <p:ph type="title"/>
-          </p:nvPr>
-        </p:nvSpPr>
-        <p:spPr/>
-        <p:txBody>
-          <a:bodyPr/>
-          <a:lstStyle/>
-          <a:p>
-            <a:r>
-              <a:rPr lang="en-US" i="1" dirty="0" smtClean="0"/>
-              <a:t>caveat actor</a:t>
-            </a:r>
-            <a:endParaRPr lang="en-US" i="1" dirty="0"/>
-          </a:p>
-        </p:txBody>
-      </p:sp>
-      <p:sp>
-        <p:nvSpPr>
-          <p:cNvPr id="3" name="Content Placeholder 2"/>
-          <p:cNvSpPr>
-            <a:spLocks noGrp="1"/>
-          </p:cNvSpPr>
-          <p:nvPr>
-            <p:ph idx="1"/>
-          </p:nvPr>
-        </p:nvSpPr>
-        <p:spPr>
-          <a:xfrm>
-            <a:off x="840000" y="1825624"/>
-            <a:ext cx="7923000" cy="4765675"/>
+            <a:off x="840000" y="1690690"/>
+            <a:ext cx="7923000" cy="4900610"/>
           </a:xfrm>
         </p:spPr>
         <p:txBody>
@@ -12275,8 +11896,8 @@
         </p:blipFill>
         <p:spPr bwMode="auto">
           <a:xfrm>
-            <a:off x="4976085" y="4038600"/>
-            <a:ext cx="2755675" cy="2687634"/>
+            <a:off x="5267487" y="3759105"/>
+            <a:ext cx="3052548" cy="2977177"/>
           </a:xfrm>
           <a:prstGeom prst="rect">
             <a:avLst/>
@@ -12313,7 +11934,7 @@
 </p:sld>
 </file>
 
-<file path=ppt/slides/slide31.xml><?xml version="1.0" encoding="utf-8"?>
+<file path=ppt/slides/slide29.xml><?xml version="1.0" encoding="utf-8"?>
 <p:sld xmlns:a="http://schemas.openxmlformats.org/drawingml/2006/main" xmlns:r="http://schemas.openxmlformats.org/officeDocument/2006/relationships" xmlns:p="http://schemas.openxmlformats.org/presentationml/2006/main">
   <p:cSld>
     <p:spTree>
@@ -12554,7 +12175,7 @@
 </p:sld>
 </file>
 
-<file path=ppt/slides/slide32.xml><?xml version="1.0" encoding="utf-8"?>
+<file path=ppt/slides/slide3.xml><?xml version="1.0" encoding="utf-8"?>
 <p:sld xmlns:a="http://schemas.openxmlformats.org/drawingml/2006/main" xmlns:r="http://schemas.openxmlformats.org/officeDocument/2006/relationships" xmlns:p="http://schemas.openxmlformats.org/presentationml/2006/main">
   <p:cSld>
     <p:spTree>
@@ -12588,7 +12209,7 @@
           <a:p>
             <a:r>
               <a:rPr lang="en-US" dirty="0" smtClean="0"/>
-              <a:t>The Escape character</a:t>
+              <a:t>Some Conventions</a:t>
             </a:r>
             <a:endParaRPr lang="en-US" dirty="0"/>
           </a:p>
@@ -12606,96 +12227,119 @@
         </p:nvSpPr>
         <p:spPr/>
         <p:txBody>
-          <a:bodyPr/>
-          <a:lstStyle/>
-          <a:p>
-            <a:pPr marL="0" indent="0">
-              <a:buNone/>
-            </a:pPr>
-            <a:r>
-              <a:rPr lang="en-US" dirty="0" smtClean="0"/>
-              <a:t>often the “\” character</a:t>
-            </a:r>
-          </a:p>
-          <a:p>
-            <a:pPr marL="0" indent="0">
-              <a:buNone/>
-            </a:pPr>
-            <a:endParaRPr lang="en-US" dirty="0" smtClean="0"/>
-          </a:p>
-          <a:p>
-            <a:pPr marL="0" indent="0">
-              <a:buNone/>
-            </a:pPr>
-            <a:r>
-              <a:rPr lang="en-US" dirty="0" smtClean="0"/>
-              <a:t>It means ignore what meaning the next character usually has in this context</a:t>
-            </a:r>
-          </a:p>
-          <a:p>
-            <a:pPr marL="0" indent="0">
-              <a:buNone/>
-            </a:pPr>
-            <a:endParaRPr lang="en-US" dirty="0"/>
-          </a:p>
-          <a:p>
-            <a:pPr marL="0" indent="0">
-              <a:buNone/>
-            </a:pPr>
-            <a:r>
-              <a:rPr lang="en-US" dirty="0" smtClean="0"/>
-              <a:t>\t, \n, \*, \., \</a:t>
-            </a:r>
-          </a:p>
-          <a:p>
-            <a:pPr marL="0" indent="0">
-              <a:buNone/>
-            </a:pPr>
-            <a:r>
-              <a:rPr lang="en-US" dirty="0" smtClean="0"/>
-              <a:t>\</a:t>
-            </a:r>
-          </a:p>
-          <a:p>
-            <a:pPr marL="0" indent="0">
-              <a:buNone/>
-            </a:pPr>
-            <a:r>
-              <a:rPr lang="en-US" dirty="0" smtClean="0"/>
-              <a:t>\</a:t>
-            </a:r>
-          </a:p>
-          <a:p>
-            <a:pPr marL="0" indent="0">
-              <a:buNone/>
-            </a:pPr>
-            <a:r>
-              <a:rPr lang="en-US" smtClean="0"/>
-              <a:t>\</a:t>
-            </a:r>
-          </a:p>
-          <a:p>
-            <a:pPr marL="0" indent="0">
-              <a:buNone/>
-            </a:pPr>
-            <a:endParaRPr lang="en-US" dirty="0"/>
+          <a:bodyPr>
+            <a:normAutofit lnSpcReduction="10000"/>
+          </a:bodyPr>
+          <a:lstStyle/>
+          <a:p>
+            <a:r>
+              <a:rPr lang="en-US" dirty="0" smtClean="0"/>
+              <a:t>Descriptions</a:t>
+            </a:r>
+          </a:p>
+          <a:p>
+            <a:pPr marL="0" indent="0">
+              <a:buNone/>
+            </a:pPr>
+            <a:endParaRPr lang="en-US" dirty="0" smtClean="0">
+              <a:latin typeface="Source Code Pro Semibold" panose="020B0609030403020204" pitchFamily="49" charset="0"/>
+            </a:endParaRPr>
+          </a:p>
+          <a:p>
+            <a:pPr marL="0" indent="0">
+              <a:buNone/>
+            </a:pPr>
+            <a:r>
+              <a:rPr lang="en-US" dirty="0" smtClean="0">
+                <a:latin typeface="Source Code Pro Semibold" panose="020B0609030403020204" pitchFamily="49" charset="0"/>
+              </a:rPr>
+              <a:t>$ command</a:t>
+            </a:r>
+          </a:p>
+          <a:p>
+            <a:pPr marL="0" indent="0">
+              <a:buNone/>
+            </a:pPr>
+            <a:endParaRPr lang="en-US" sz="4000" dirty="0"/>
+          </a:p>
+          <a:p>
+            <a:pPr marL="0" indent="0">
+              <a:buNone/>
+            </a:pPr>
+            <a:r>
+              <a:rPr lang="en-US" sz="4000" dirty="0" smtClean="0">
+                <a:latin typeface="Source Code Pro Semibold" panose="020B0609030403020204" pitchFamily="49" charset="0"/>
+              </a:rPr>
+              <a:t>1Il|iO0oB8</a:t>
+            </a:r>
+            <a:endParaRPr lang="en-US" dirty="0" smtClean="0">
+              <a:latin typeface="Source Code Pro Semibold" panose="020B0609030403020204" pitchFamily="49" charset="0"/>
+            </a:endParaRPr>
+          </a:p>
+          <a:p>
+            <a:pPr marL="0" indent="0">
+              <a:buNone/>
+            </a:pPr>
+            <a:r>
+              <a:rPr lang="en-US" sz="4000" dirty="0" smtClean="0">
+                <a:latin typeface="Calibri" panose="020F0502020204030204" pitchFamily="34" charset="0"/>
+              </a:rPr>
+              <a:t>1Il|iO0oB8</a:t>
+            </a:r>
+          </a:p>
+          <a:p>
+            <a:pPr marL="0" indent="0">
+              <a:buNone/>
+            </a:pPr>
+            <a:endParaRPr lang="en-US" dirty="0" smtClean="0">
+              <a:latin typeface="Source Code Pro Semibold" panose="020B0609030403020204" pitchFamily="49" charset="0"/>
+            </a:endParaRPr>
+          </a:p>
+          <a:p>
+            <a:pPr marL="0" indent="0">
+              <a:buNone/>
+            </a:pPr>
+            <a:endParaRPr lang="en-US" dirty="0" smtClean="0">
+              <a:latin typeface="Source Code Pro Semibold" panose="020B0609030403020204" pitchFamily="49" charset="0"/>
+            </a:endParaRPr>
+          </a:p>
+          <a:p>
+            <a:pPr marL="0" indent="0">
+              <a:buNone/>
+            </a:pPr>
+            <a:r>
+              <a:rPr lang="en-US" dirty="0" smtClean="0">
+                <a:latin typeface="Source Code Pro Semibold" panose="020B0609030403020204" pitchFamily="49" charset="0"/>
+              </a:rPr>
+              <a:t>#comments</a:t>
+            </a:r>
+            <a:endParaRPr lang="en-US" dirty="0">
+              <a:latin typeface="Source Code Pro Semibold" panose="020B0609030403020204" pitchFamily="49" charset="0"/>
+            </a:endParaRPr>
           </a:p>
         </p:txBody>
       </p:sp>
     </p:spTree>
     <p:extLst>
       <p:ext uri="{BB962C8B-B14F-4D97-AF65-F5344CB8AC3E}">
-        <p14:creationId xmlns:p14="http://schemas.microsoft.com/office/powerpoint/2010/main" val="933242205"/>
+        <p14:creationId xmlns:p14="http://schemas.microsoft.com/office/powerpoint/2010/main" val="1607220874"/>
       </p:ext>
     </p:extLst>
   </p:cSld>
   <p:clrMapOvr>
     <a:masterClrMapping/>
   </p:clrMapOvr>
+  <p:timing>
+    <p:tnLst>
+      <p:par>
+        <p:cTn id="1" dur="indefinite" restart="never" nodeType="tmRoot"/>
+      </p:par>
+    </p:tnLst>
+  </p:timing>
 </p:sld>
 </file>
 
-<file path=ppt/slides/slide33.xml><?xml version="1.0" encoding="utf-8"?>
+<file path=ppt/slides/slide30.xml><?xml version="1.0" encoding="utf-8"?>
 <p:sld xmlns:a="http://schemas.openxmlformats.org/drawingml/2006/main" xmlns:r="http://schemas.openxmlformats.org/officeDocument/2006/relationships" xmlns:p="http://schemas.openxmlformats.org/presentationml/2006/main">
   <p:cSld>
     <p:spTree>
@@ -12729,6 +12373,147 @@
           <a:p>
             <a:r>
               <a:rPr lang="en-US" dirty="0" smtClean="0"/>
+              <a:t>The Escape character</a:t>
+            </a:r>
+            <a:endParaRPr lang="en-US" dirty="0"/>
+          </a:p>
+        </p:txBody>
+      </p:sp>
+      <p:sp>
+        <p:nvSpPr>
+          <p:cNvPr id="3" name="Content Placeholder 2"/>
+          <p:cNvSpPr>
+            <a:spLocks noGrp="1"/>
+          </p:cNvSpPr>
+          <p:nvPr>
+            <p:ph idx="1"/>
+          </p:nvPr>
+        </p:nvSpPr>
+        <p:spPr/>
+        <p:txBody>
+          <a:bodyPr/>
+          <a:lstStyle/>
+          <a:p>
+            <a:pPr marL="0" indent="0">
+              <a:buNone/>
+            </a:pPr>
+            <a:r>
+              <a:rPr lang="en-US" dirty="0" smtClean="0"/>
+              <a:t>often the “\” character</a:t>
+            </a:r>
+          </a:p>
+          <a:p>
+            <a:pPr marL="0" indent="0">
+              <a:buNone/>
+            </a:pPr>
+            <a:endParaRPr lang="en-US" dirty="0" smtClean="0"/>
+          </a:p>
+          <a:p>
+            <a:pPr marL="0" indent="0">
+              <a:buNone/>
+            </a:pPr>
+            <a:r>
+              <a:rPr lang="en-US" dirty="0" smtClean="0"/>
+              <a:t>It means ignore what meaning the next character usually has in this context</a:t>
+            </a:r>
+          </a:p>
+          <a:p>
+            <a:pPr marL="0" indent="0">
+              <a:buNone/>
+            </a:pPr>
+            <a:endParaRPr lang="en-US" dirty="0"/>
+          </a:p>
+          <a:p>
+            <a:pPr marL="0" indent="0">
+              <a:buNone/>
+            </a:pPr>
+            <a:r>
+              <a:rPr lang="en-US" dirty="0" smtClean="0"/>
+              <a:t>\t, \n, \*, \., \</a:t>
+            </a:r>
+          </a:p>
+          <a:p>
+            <a:pPr marL="0" indent="0">
+              <a:buNone/>
+            </a:pPr>
+            <a:r>
+              <a:rPr lang="en-US" dirty="0" smtClean="0"/>
+              <a:t>\</a:t>
+            </a:r>
+          </a:p>
+          <a:p>
+            <a:pPr marL="0" indent="0">
+              <a:buNone/>
+            </a:pPr>
+            <a:r>
+              <a:rPr lang="en-US" dirty="0" smtClean="0"/>
+              <a:t>\</a:t>
+            </a:r>
+          </a:p>
+          <a:p>
+            <a:pPr marL="0" indent="0">
+              <a:buNone/>
+            </a:pPr>
+            <a:r>
+              <a:rPr lang="en-US" smtClean="0"/>
+              <a:t>\</a:t>
+            </a:r>
+          </a:p>
+          <a:p>
+            <a:pPr marL="0" indent="0">
+              <a:buNone/>
+            </a:pPr>
+            <a:endParaRPr lang="en-US" dirty="0"/>
+          </a:p>
+        </p:txBody>
+      </p:sp>
+    </p:spTree>
+    <p:extLst>
+      <p:ext uri="{BB962C8B-B14F-4D97-AF65-F5344CB8AC3E}">
+        <p14:creationId xmlns:p14="http://schemas.microsoft.com/office/powerpoint/2010/main" val="933242205"/>
+      </p:ext>
+    </p:extLst>
+  </p:cSld>
+  <p:clrMapOvr>
+    <a:masterClrMapping/>
+  </p:clrMapOvr>
+</p:sld>
+</file>
+
+<file path=ppt/slides/slide31.xml><?xml version="1.0" encoding="utf-8"?>
+<p:sld xmlns:a="http://schemas.openxmlformats.org/drawingml/2006/main" xmlns:r="http://schemas.openxmlformats.org/officeDocument/2006/relationships" xmlns:p="http://schemas.openxmlformats.org/presentationml/2006/main">
+  <p:cSld>
+    <p:spTree>
+      <p:nvGrpSpPr>
+        <p:cNvPr id="1" name=""/>
+        <p:cNvGrpSpPr/>
+        <p:nvPr/>
+      </p:nvGrpSpPr>
+      <p:grpSpPr>
+        <a:xfrm>
+          <a:off x="0" y="0"/>
+          <a:ext cx="0" cy="0"/>
+          <a:chOff x="0" y="0"/>
+          <a:chExt cx="0" cy="0"/>
+        </a:xfrm>
+      </p:grpSpPr>
+      <p:sp>
+        <p:nvSpPr>
+          <p:cNvPr id="2" name="Title 1"/>
+          <p:cNvSpPr>
+            <a:spLocks noGrp="1"/>
+          </p:cNvSpPr>
+          <p:nvPr>
+            <p:ph type="title"/>
+          </p:nvPr>
+        </p:nvSpPr>
+        <p:spPr/>
+        <p:txBody>
+          <a:bodyPr/>
+          <a:lstStyle/>
+          <a:p>
+            <a:r>
+              <a:rPr lang="en-US" dirty="0" smtClean="0"/>
               <a:t>File Editing</a:t>
             </a:r>
             <a:endParaRPr lang="en-US" dirty="0"/>
@@ -13000,7 +12785,7 @@
 </p:sld>
 </file>
 
-<file path=ppt/slides/slide34.xml><?xml version="1.0" encoding="utf-8"?>
+<file path=ppt/slides/slide32.xml><?xml version="1.0" encoding="utf-8"?>
 <p:sld xmlns:a="http://schemas.openxmlformats.org/drawingml/2006/main" xmlns:r="http://schemas.openxmlformats.org/officeDocument/2006/relationships" xmlns:p="http://schemas.openxmlformats.org/presentationml/2006/main">
   <p:cSld>
     <p:spTree>
@@ -13077,7 +12862,7 @@
 </p:sld>
 </file>
 
-<file path=ppt/slides/slide35.xml><?xml version="1.0" encoding="utf-8"?>
+<file path=ppt/slides/slide33.xml><?xml version="1.0" encoding="utf-8"?>
 <p:sld xmlns:a="http://schemas.openxmlformats.org/drawingml/2006/main" xmlns:r="http://schemas.openxmlformats.org/officeDocument/2006/relationships" xmlns:p="http://schemas.openxmlformats.org/presentationml/2006/main">
   <p:cSld>
     <p:spTree>
@@ -13232,7 +13017,7 @@
 </p:sld>
 </file>
 
-<file path=ppt/slides/slide36.xml><?xml version="1.0" encoding="utf-8"?>
+<file path=ppt/slides/slide34.xml><?xml version="1.0" encoding="utf-8"?>
 <p:sld xmlns:a="http://schemas.openxmlformats.org/drawingml/2006/main" xmlns:r="http://schemas.openxmlformats.org/officeDocument/2006/relationships" xmlns:p="http://schemas.openxmlformats.org/presentationml/2006/main">
   <p:cSld>
     <p:spTree>
@@ -13803,6 +13588,367 @@
     <p:extLst>
       <p:ext uri="{BB962C8B-B14F-4D97-AF65-F5344CB8AC3E}">
         <p14:creationId xmlns:p14="http://schemas.microsoft.com/office/powerpoint/2010/main" val="646018153"/>
+      </p:ext>
+    </p:extLst>
+  </p:cSld>
+  <p:clrMapOvr>
+    <a:masterClrMapping/>
+  </p:clrMapOvr>
+</p:sld>
+</file>
+
+<file path=ppt/slides/slide35.xml><?xml version="1.0" encoding="utf-8"?>
+<p:sld xmlns:a="http://schemas.openxmlformats.org/drawingml/2006/main" xmlns:r="http://schemas.openxmlformats.org/officeDocument/2006/relationships" xmlns:p="http://schemas.openxmlformats.org/presentationml/2006/main">
+  <p:cSld>
+    <p:spTree>
+      <p:nvGrpSpPr>
+        <p:cNvPr id="1" name=""/>
+        <p:cNvGrpSpPr/>
+        <p:nvPr/>
+      </p:nvGrpSpPr>
+      <p:grpSpPr>
+        <a:xfrm>
+          <a:off x="0" y="0"/>
+          <a:ext cx="0" cy="0"/>
+          <a:chOff x="0" y="0"/>
+          <a:chExt cx="0" cy="0"/>
+        </a:xfrm>
+      </p:grpSpPr>
+      <p:sp>
+        <p:nvSpPr>
+          <p:cNvPr id="2" name="Title 1"/>
+          <p:cNvSpPr>
+            <a:spLocks noGrp="1"/>
+          </p:cNvSpPr>
+          <p:nvPr>
+            <p:ph type="title"/>
+          </p:nvPr>
+        </p:nvSpPr>
+        <p:spPr/>
+        <p:txBody>
+          <a:bodyPr/>
+          <a:lstStyle/>
+          <a:p>
+            <a:r>
+              <a:rPr lang="en-US" dirty="0" err="1" smtClean="0"/>
+              <a:t>awk</a:t>
+            </a:r>
+            <a:endParaRPr lang="en-US" dirty="0"/>
+          </a:p>
+        </p:txBody>
+      </p:sp>
+      <p:sp>
+        <p:nvSpPr>
+          <p:cNvPr id="3" name="Content Placeholder 2"/>
+          <p:cNvSpPr>
+            <a:spLocks noGrp="1"/>
+          </p:cNvSpPr>
+          <p:nvPr>
+            <p:ph idx="1"/>
+          </p:nvPr>
+        </p:nvSpPr>
+        <p:spPr/>
+        <p:txBody>
+          <a:bodyPr/>
+          <a:lstStyle/>
+          <a:p>
+            <a:r>
+              <a:rPr lang="en-US" dirty="0" smtClean="0"/>
+              <a:t>Manipulating field-separated data</a:t>
+            </a:r>
+          </a:p>
+          <a:p>
+            <a:r>
+              <a:rPr lang="en-US" dirty="0" smtClean="0"/>
+              <a:t>More advanced </a:t>
+            </a:r>
+            <a:r>
+              <a:rPr lang="en-US" dirty="0"/>
+              <a:t>features superseded </a:t>
+            </a:r>
+            <a:r>
+              <a:rPr lang="en-US" dirty="0" smtClean="0"/>
+              <a:t>by modern languages like </a:t>
+            </a:r>
+            <a:r>
+              <a:rPr lang="en-US" dirty="0" err="1" smtClean="0"/>
+              <a:t>perl</a:t>
+            </a:r>
+            <a:r>
+              <a:rPr lang="en-US" dirty="0" smtClean="0"/>
+              <a:t>/python</a:t>
+            </a:r>
+          </a:p>
+          <a:p>
+            <a:r>
+              <a:rPr lang="en-US" dirty="0" smtClean="0"/>
+              <a:t>Gives you symbols for each column</a:t>
+            </a:r>
+          </a:p>
+          <a:p>
+            <a:pPr lvl="1"/>
+            <a:r>
+              <a:rPr lang="en-US" dirty="0" smtClean="0"/>
+              <a:t>$number 0-&gt; original line</a:t>
+            </a:r>
+          </a:p>
+          <a:p>
+            <a:pPr lvl="1"/>
+            <a:r>
+              <a:rPr lang="en-US" dirty="0" smtClean="0"/>
+              <a:t>$1 -&gt; first column</a:t>
+            </a:r>
+          </a:p>
+          <a:p>
+            <a:pPr marL="0" indent="0">
+              <a:buNone/>
+            </a:pPr>
+            <a:endParaRPr lang="en-US" dirty="0" smtClean="0"/>
+          </a:p>
+          <a:p>
+            <a:pPr marL="0" indent="0">
+              <a:buNone/>
+            </a:pPr>
+            <a:r>
+              <a:rPr lang="en-US" dirty="0" smtClean="0"/>
+              <a:t>#same as cat:</a:t>
+            </a:r>
+            <a:endParaRPr lang="en-US" dirty="0"/>
+          </a:p>
+          <a:p>
+            <a:pPr marL="0" indent="0">
+              <a:buNone/>
+            </a:pPr>
+            <a:r>
+              <a:rPr lang="en-US" dirty="0"/>
+              <a:t>$ </a:t>
+            </a:r>
+            <a:r>
+              <a:rPr lang="en-US" dirty="0" err="1"/>
+              <a:t>awk</a:t>
+            </a:r>
+            <a:r>
+              <a:rPr lang="en-US" dirty="0"/>
+              <a:t> '{print}' </a:t>
+            </a:r>
+            <a:r>
+              <a:rPr lang="en-US" dirty="0" smtClean="0"/>
+              <a:t>Chip2comb_001b.sam</a:t>
+            </a:r>
+          </a:p>
+          <a:p>
+            <a:pPr marL="0" indent="0">
+              <a:buNone/>
+            </a:pPr>
+            <a:endParaRPr lang="en-US" dirty="0" smtClean="0"/>
+          </a:p>
+        </p:txBody>
+      </p:sp>
+    </p:spTree>
+    <p:extLst>
+      <p:ext uri="{BB962C8B-B14F-4D97-AF65-F5344CB8AC3E}">
+        <p14:creationId xmlns:p14="http://schemas.microsoft.com/office/powerpoint/2010/main" val="793196873"/>
+      </p:ext>
+    </p:extLst>
+  </p:cSld>
+  <p:clrMapOvr>
+    <a:masterClrMapping/>
+  </p:clrMapOvr>
+</p:sld>
+</file>
+
+<file path=ppt/slides/slide36.xml><?xml version="1.0" encoding="utf-8"?>
+<p:sld xmlns:a="http://schemas.openxmlformats.org/drawingml/2006/main" xmlns:r="http://schemas.openxmlformats.org/officeDocument/2006/relationships" xmlns:p="http://schemas.openxmlformats.org/presentationml/2006/main">
+  <p:cSld>
+    <p:spTree>
+      <p:nvGrpSpPr>
+        <p:cNvPr id="1" name=""/>
+        <p:cNvGrpSpPr/>
+        <p:nvPr/>
+      </p:nvGrpSpPr>
+      <p:grpSpPr>
+        <a:xfrm>
+          <a:off x="0" y="0"/>
+          <a:ext cx="0" cy="0"/>
+          <a:chOff x="0" y="0"/>
+          <a:chExt cx="0" cy="0"/>
+        </a:xfrm>
+      </p:grpSpPr>
+      <p:sp>
+        <p:nvSpPr>
+          <p:cNvPr id="2" name="Title 1"/>
+          <p:cNvSpPr>
+            <a:spLocks noGrp="1"/>
+          </p:cNvSpPr>
+          <p:nvPr>
+            <p:ph type="title"/>
+          </p:nvPr>
+        </p:nvSpPr>
+        <p:spPr/>
+        <p:txBody>
+          <a:bodyPr/>
+          <a:lstStyle/>
+          <a:p>
+            <a:r>
+              <a:rPr lang="en-US" dirty="0" err="1" smtClean="0"/>
+              <a:t>awk</a:t>
+            </a:r>
+            <a:endParaRPr lang="en-US" dirty="0"/>
+          </a:p>
+        </p:txBody>
+      </p:sp>
+      <p:sp>
+        <p:nvSpPr>
+          <p:cNvPr id="3" name="Content Placeholder 2"/>
+          <p:cNvSpPr>
+            <a:spLocks noGrp="1"/>
+          </p:cNvSpPr>
+          <p:nvPr>
+            <p:ph idx="1"/>
+          </p:nvPr>
+        </p:nvSpPr>
+        <p:spPr/>
+        <p:txBody>
+          <a:bodyPr/>
+          <a:lstStyle/>
+          <a:p>
+            <a:r>
+              <a:rPr lang="en-US" dirty="0" smtClean="0"/>
+              <a:t>Something more interesting</a:t>
+            </a:r>
+          </a:p>
+          <a:p>
+            <a:r>
+              <a:rPr lang="en-US" dirty="0" smtClean="0"/>
+              <a:t>Where did things map?</a:t>
+            </a:r>
+          </a:p>
+          <a:p>
+            <a:r>
+              <a:rPr lang="en-US" dirty="0" smtClean="0"/>
+              <a:t>Chromosome or </a:t>
+            </a:r>
+            <a:r>
+              <a:rPr lang="en-US" dirty="0" err="1" smtClean="0"/>
+              <a:t>contig</a:t>
+            </a:r>
+            <a:r>
+              <a:rPr lang="en-US" dirty="0" smtClean="0"/>
+              <a:t> stored in column 3 in </a:t>
+            </a:r>
+            <a:r>
+              <a:rPr lang="en-US" dirty="0" err="1" smtClean="0"/>
+              <a:t>sam</a:t>
+            </a:r>
+            <a:r>
+              <a:rPr lang="en-US" dirty="0" smtClean="0"/>
+              <a:t> files</a:t>
+            </a:r>
+          </a:p>
+          <a:p>
+            <a:pPr marL="0" indent="0">
+              <a:buNone/>
+            </a:pPr>
+            <a:endParaRPr lang="en-US" dirty="0" smtClean="0"/>
+          </a:p>
+          <a:p>
+            <a:pPr marL="0" indent="0">
+              <a:buNone/>
+            </a:pPr>
+            <a:r>
+              <a:rPr lang="en-US" dirty="0" smtClean="0"/>
+              <a:t>$ </a:t>
+            </a:r>
+            <a:r>
+              <a:rPr lang="en-US" dirty="0" err="1"/>
+              <a:t>awk</a:t>
+            </a:r>
+            <a:r>
+              <a:rPr lang="en-US" dirty="0"/>
+              <a:t> '{</a:t>
+            </a:r>
+            <a:r>
+              <a:rPr lang="en-US" dirty="0" smtClean="0"/>
+              <a:t>print $3}' Chip2comb_001b.sam</a:t>
+            </a:r>
+          </a:p>
+          <a:p>
+            <a:pPr marL="0" indent="0">
+              <a:buNone/>
+            </a:pPr>
+            <a:r>
+              <a:rPr lang="en-US" dirty="0" smtClean="0"/>
+              <a:t>#not quite what I wanted</a:t>
+            </a:r>
+          </a:p>
+          <a:p>
+            <a:pPr marL="0" indent="0">
+              <a:buNone/>
+            </a:pPr>
+            <a:endParaRPr lang="en-US" dirty="0" smtClean="0"/>
+          </a:p>
+          <a:p>
+            <a:pPr marL="0" indent="0">
+              <a:buNone/>
+            </a:pPr>
+            <a:r>
+              <a:rPr lang="en-US" dirty="0"/>
+              <a:t>$ </a:t>
+            </a:r>
+            <a:r>
+              <a:rPr lang="en-US" sz="2000" dirty="0" err="1"/>
+              <a:t>awk</a:t>
+            </a:r>
+            <a:r>
+              <a:rPr lang="en-US" sz="2000" dirty="0"/>
+              <a:t> </a:t>
+            </a:r>
+            <a:r>
+              <a:rPr lang="en-US" sz="2000" dirty="0" smtClean="0"/>
+              <a:t>'$1 !~ /^@/ {print </a:t>
+            </a:r>
+            <a:r>
+              <a:rPr lang="en-US" sz="2000" dirty="0"/>
+              <a:t>$3}' </a:t>
+            </a:r>
+            <a:r>
+              <a:rPr lang="en-US" sz="2000" dirty="0" smtClean="0"/>
+              <a:t>Chip2comb_001b.sam</a:t>
+            </a:r>
+          </a:p>
+          <a:p>
+            <a:pPr marL="0" indent="0">
+              <a:buNone/>
+            </a:pPr>
+            <a:r>
+              <a:rPr lang="en-US" sz="2000" dirty="0" smtClean="0"/>
+              <a:t>#there!</a:t>
+            </a:r>
+          </a:p>
+          <a:p>
+            <a:pPr marL="0" indent="0">
+              <a:buNone/>
+            </a:pPr>
+            <a:endParaRPr lang="en-US" sz="2000" dirty="0"/>
+          </a:p>
+          <a:p>
+            <a:pPr marL="0" indent="0">
+              <a:buNone/>
+            </a:pPr>
+            <a:endParaRPr lang="en-US" dirty="0" smtClean="0"/>
+          </a:p>
+          <a:p>
+            <a:pPr marL="0" indent="0">
+              <a:buNone/>
+            </a:pPr>
+            <a:endParaRPr lang="en-US" dirty="0" smtClean="0"/>
+          </a:p>
+        </p:txBody>
+      </p:sp>
+    </p:spTree>
+    <p:extLst>
+      <p:ext uri="{BB962C8B-B14F-4D97-AF65-F5344CB8AC3E}">
+        <p14:creationId xmlns:p14="http://schemas.microsoft.com/office/powerpoint/2010/main" val="272229923"/>
       </p:ext>
     </p:extLst>
   </p:cSld>
@@ -13845,90 +13991,139 @@
           <a:lstStyle/>
           <a:p>
             <a:r>
+              <a:rPr lang="en-US" dirty="0" smtClean="0"/>
+              <a:t>Redirection</a:t>
+            </a:r>
+            <a:endParaRPr lang="en-US" dirty="0"/>
+          </a:p>
+        </p:txBody>
+      </p:sp>
+      <p:sp>
+        <p:nvSpPr>
+          <p:cNvPr id="3" name="Content Placeholder 2"/>
+          <p:cNvSpPr>
+            <a:spLocks noGrp="1"/>
+          </p:cNvSpPr>
+          <p:nvPr>
+            <p:ph idx="1"/>
+          </p:nvPr>
+        </p:nvSpPr>
+        <p:spPr>
+          <a:xfrm>
+            <a:off x="840000" y="1690689"/>
+            <a:ext cx="7675350" cy="5027826"/>
+          </a:xfrm>
+        </p:spPr>
+        <p:txBody>
+          <a:bodyPr>
+            <a:normAutofit lnSpcReduction="10000"/>
+          </a:bodyPr>
+          <a:lstStyle/>
+          <a:p>
+            <a:r>
+              <a:rPr lang="en-US" dirty="0" smtClean="0"/>
+              <a:t>I want to save this output!</a:t>
+            </a:r>
+          </a:p>
+          <a:p>
+            <a:r>
+              <a:rPr lang="en-US" dirty="0" smtClean="0"/>
+              <a:t>Think of them as arrows</a:t>
+            </a:r>
+          </a:p>
+          <a:p>
+            <a:pPr marL="0" indent="0">
+              <a:buNone/>
+            </a:pPr>
+            <a:r>
+              <a:rPr lang="en-US" dirty="0" smtClean="0"/>
+              <a:t>&gt; #redirect thing left to file right</a:t>
+            </a:r>
+          </a:p>
+          <a:p>
+            <a:pPr marL="0" indent="0">
+              <a:buNone/>
+            </a:pPr>
+            <a:r>
+              <a:rPr lang="en-US" dirty="0" smtClean="0"/>
+              <a:t>&gt;&gt; #append instead of overwriting</a:t>
+            </a:r>
+          </a:p>
+          <a:p>
+            <a:pPr marL="0" indent="0">
+              <a:buNone/>
+            </a:pPr>
+            <a:r>
+              <a:rPr lang="en-US" dirty="0" smtClean="0"/>
+              <a:t>&lt; #redirect file right to thing left</a:t>
+            </a:r>
+          </a:p>
+          <a:p>
+            <a:pPr marL="0" indent="0">
+              <a:buNone/>
+            </a:pPr>
+            <a:endParaRPr lang="en-US" dirty="0" smtClean="0"/>
+          </a:p>
+          <a:p>
+            <a:r>
+              <a:rPr lang="en-US" dirty="0" smtClean="0"/>
+              <a:t>Concatenate files</a:t>
+            </a:r>
+          </a:p>
+          <a:p>
+            <a:pPr marL="0" indent="0">
+              <a:buNone/>
+            </a:pPr>
+            <a:r>
+              <a:rPr lang="en-US" dirty="0" smtClean="0"/>
+              <a:t>$ </a:t>
+            </a:r>
+            <a:r>
+              <a:rPr lang="en-US" dirty="0"/>
+              <a:t>cat *.</a:t>
+            </a:r>
+            <a:r>
               <a:rPr lang="en-US" dirty="0" err="1" smtClean="0"/>
-              <a:t>awk</a:t>
-            </a:r>
-            <a:endParaRPr lang="en-US" dirty="0"/>
-          </a:p>
-        </p:txBody>
-      </p:sp>
-      <p:sp>
-        <p:nvSpPr>
-          <p:cNvPr id="3" name="Content Placeholder 2"/>
-          <p:cNvSpPr>
-            <a:spLocks noGrp="1"/>
-          </p:cNvSpPr>
-          <p:nvPr>
-            <p:ph idx="1"/>
-          </p:nvPr>
-        </p:nvSpPr>
-        <p:spPr/>
-        <p:txBody>
-          <a:bodyPr/>
-          <a:lstStyle/>
-          <a:p>
-            <a:r>
-              <a:rPr lang="en-US" dirty="0" smtClean="0"/>
-              <a:t>Manipulating field-separated data</a:t>
-            </a:r>
-          </a:p>
-          <a:p>
-            <a:r>
-              <a:rPr lang="en-US" dirty="0" smtClean="0"/>
-              <a:t>More advanced </a:t>
-            </a:r>
-            <a:r>
-              <a:rPr lang="en-US" dirty="0"/>
-              <a:t>features superseded </a:t>
-            </a:r>
-            <a:r>
-              <a:rPr lang="en-US" dirty="0" smtClean="0"/>
-              <a:t>by modern languages like </a:t>
+              <a:t>fa</a:t>
+            </a:r>
+            <a:r>
+              <a:rPr lang="en-US" dirty="0" smtClean="0"/>
+              <a:t> &gt; </a:t>
             </a:r>
             <a:r>
               <a:rPr lang="en-US" dirty="0" err="1" smtClean="0"/>
-              <a:t>perl</a:t>
-            </a:r>
-            <a:r>
-              <a:rPr lang="en-US" dirty="0" smtClean="0"/>
-              <a:t>/python</a:t>
-            </a:r>
-          </a:p>
-          <a:p>
-            <a:r>
-              <a:rPr lang="en-US" dirty="0" smtClean="0"/>
-              <a:t>Gives you symbols for each column</a:t>
-            </a:r>
-          </a:p>
-          <a:p>
-            <a:pPr lvl="1"/>
-            <a:r>
-              <a:rPr lang="en-US" dirty="0" smtClean="0"/>
-              <a:t>$number 0-&gt; original line</a:t>
-            </a:r>
-          </a:p>
-          <a:p>
-            <a:pPr lvl="1"/>
-            <a:r>
-              <a:rPr lang="en-US" dirty="0" smtClean="0"/>
-              <a:t>$1 -&gt; first column</a:t>
-            </a:r>
-          </a:p>
-          <a:p>
-            <a:pPr marL="0" indent="0">
-              <a:buNone/>
-            </a:pPr>
+              <a:t>all.fa</a:t>
+            </a:r>
             <a:endParaRPr lang="en-US" dirty="0" smtClean="0"/>
           </a:p>
           <a:p>
             <a:pPr marL="0" indent="0">
               <a:buNone/>
             </a:pPr>
-            <a:r>
-              <a:rPr lang="en-US" dirty="0" smtClean="0"/>
-              <a:t>#same as cat:</a:t>
-            </a:r>
-            <a:endParaRPr lang="en-US" dirty="0"/>
+            <a:endParaRPr lang="en-US" dirty="0" smtClean="0"/>
+          </a:p>
+          <a:p>
+            <a:r>
+              <a:rPr lang="en-US" dirty="0" smtClean="0"/>
+              <a:t>Generate a smaller file to play with</a:t>
+            </a:r>
+          </a:p>
+          <a:p>
+            <a:pPr marL="0" indent="0">
+              <a:buNone/>
+            </a:pPr>
+            <a:r>
+              <a:rPr lang="en-US" dirty="0" smtClean="0"/>
+              <a:t>$ </a:t>
+            </a:r>
+            <a:r>
+              <a:rPr lang="en-US" dirty="0" err="1" smtClean="0"/>
+              <a:t>shuf</a:t>
+            </a:r>
+            <a:r>
+              <a:rPr lang="en-US" dirty="0" smtClean="0"/>
+              <a:t> –n 100 big_file.txt &gt; sample.txt</a:t>
+            </a:r>
           </a:p>
           <a:p>
             <a:pPr marL="0" indent="0">
@@ -13939,17 +14134,31 @@
               <a:t>$ </a:t>
             </a:r>
             <a:r>
-              <a:rPr lang="en-US" dirty="0" err="1"/>
-              <a:t>awk</a:t>
+              <a:rPr lang="en-US" dirty="0" smtClean="0"/>
+              <a:t>head –n </a:t>
             </a:r>
             <a:r>
               <a:rPr lang="en-US" dirty="0"/>
-              <a:t> '{print}' </a:t>
-            </a:r>
-            <a:r>
-              <a:rPr lang="en-US" dirty="0" smtClean="0"/>
-              <a:t>Chip2comb_001b.sam</a:t>
-            </a:r>
+              <a:t>100 big_file.txt &gt; sample.txt</a:t>
+            </a:r>
+          </a:p>
+          <a:p>
+            <a:pPr marL="0" indent="0">
+              <a:buNone/>
+            </a:pPr>
+            <a:endParaRPr lang="en-US" dirty="0" smtClean="0"/>
+          </a:p>
+          <a:p>
+            <a:pPr marL="0" indent="0">
+              <a:buNone/>
+            </a:pPr>
+            <a:endParaRPr lang="en-US" dirty="0"/>
+          </a:p>
+          <a:p>
+            <a:pPr marL="0" indent="0">
+              <a:buNone/>
+            </a:pPr>
+            <a:endParaRPr lang="en-US" dirty="0" smtClean="0"/>
           </a:p>
           <a:p>
             <a:pPr marL="0" indent="0">
@@ -13962,7 +14171,7 @@
     </p:spTree>
     <p:extLst>
       <p:ext uri="{BB962C8B-B14F-4D97-AF65-F5344CB8AC3E}">
-        <p14:creationId xmlns:p14="http://schemas.microsoft.com/office/powerpoint/2010/main" val="793196873"/>
+        <p14:creationId xmlns:p14="http://schemas.microsoft.com/office/powerpoint/2010/main" val="2677628488"/>
       </p:ext>
     </p:extLst>
   </p:cSld>
@@ -14005,165 +14214,165 @@
           <a:lstStyle/>
           <a:p>
             <a:r>
+              <a:rPr lang="en-US" dirty="0" smtClean="0"/>
+              <a:t>Piping</a:t>
+            </a:r>
+            <a:endParaRPr lang="en-US" dirty="0"/>
+          </a:p>
+        </p:txBody>
+      </p:sp>
+      <p:sp>
+        <p:nvSpPr>
+          <p:cNvPr id="3" name="Content Placeholder 2"/>
+          <p:cNvSpPr>
+            <a:spLocks noGrp="1"/>
+          </p:cNvSpPr>
+          <p:nvPr>
+            <p:ph idx="1"/>
+          </p:nvPr>
+        </p:nvSpPr>
+        <p:spPr/>
+        <p:txBody>
+          <a:bodyPr/>
+          <a:lstStyle/>
+          <a:p>
+            <a:r>
+              <a:rPr lang="en-US" dirty="0" smtClean="0"/>
+              <a:t>Use the output of something as input for the next!</a:t>
+            </a:r>
+          </a:p>
+          <a:p>
+            <a:r>
+              <a:rPr lang="en-US" dirty="0" smtClean="0"/>
+              <a:t>Recall our </a:t>
+            </a:r>
+            <a:r>
               <a:rPr lang="en-US" dirty="0" err="1" smtClean="0"/>
               <a:t>awk</a:t>
             </a:r>
-            <a:endParaRPr lang="en-US" dirty="0"/>
-          </a:p>
-        </p:txBody>
-      </p:sp>
-      <p:sp>
-        <p:nvSpPr>
-          <p:cNvPr id="3" name="Content Placeholder 2"/>
-          <p:cNvSpPr>
-            <a:spLocks noGrp="1"/>
-          </p:cNvSpPr>
-          <p:nvPr>
-            <p:ph idx="1"/>
-          </p:nvPr>
-        </p:nvSpPr>
-        <p:spPr/>
-        <p:txBody>
-          <a:bodyPr/>
-          <a:lstStyle/>
-          <a:p>
-            <a:r>
-              <a:rPr lang="en-US" dirty="0" smtClean="0"/>
-              <a:t>Something more interesting</a:t>
-            </a:r>
-          </a:p>
-          <a:p>
-            <a:r>
-              <a:rPr lang="en-US" dirty="0" smtClean="0"/>
-              <a:t>Where did things map?</a:t>
-            </a:r>
-          </a:p>
-          <a:p>
-            <a:r>
-              <a:rPr lang="en-US" dirty="0" smtClean="0"/>
-              <a:t>Chromosome or </a:t>
+            <a:r>
+              <a:rPr lang="en-US" dirty="0" smtClean="0"/>
+              <a:t> getting </a:t>
             </a:r>
             <a:r>
               <a:rPr lang="en-US" dirty="0" err="1" smtClean="0"/>
-              <a:t>contig</a:t>
-            </a:r>
-            <a:r>
-              <a:rPr lang="en-US" dirty="0" smtClean="0"/>
-              <a:t> stored in column 3 in </a:t>
-            </a:r>
-            <a:r>
-              <a:rPr lang="en-US" dirty="0" err="1" smtClean="0"/>
-              <a:t>sam</a:t>
-            </a:r>
-            <a:r>
-              <a:rPr lang="en-US" dirty="0" smtClean="0"/>
-              <a:t> files</a:t>
-            </a:r>
-          </a:p>
-          <a:p>
-            <a:pPr marL="0" indent="0">
-              <a:buNone/>
-            </a:pPr>
-            <a:endParaRPr lang="en-US" dirty="0" smtClean="0"/>
-          </a:p>
-          <a:p>
-            <a:pPr marL="0" indent="0">
-              <a:buNone/>
-            </a:pPr>
-            <a:r>
-              <a:rPr lang="en-US" dirty="0" smtClean="0"/>
+              <a:t>contigs</a:t>
+            </a:r>
+            <a:r>
+              <a:rPr lang="en-US" dirty="0"/>
+              <a:t> </a:t>
+            </a:r>
+            <a:r>
+              <a:rPr lang="en-US" dirty="0" smtClean="0"/>
+              <a:t>mapped</a:t>
+            </a:r>
+          </a:p>
+          <a:p>
+            <a:r>
+              <a:rPr lang="en-US" dirty="0" smtClean="0"/>
+              <a:t>Try this:</a:t>
+            </a:r>
+          </a:p>
+          <a:p>
+            <a:pPr marL="0" indent="0">
+              <a:buNone/>
+            </a:pPr>
+            <a:r>
+              <a:rPr lang="en-US" sz="1400" dirty="0" smtClean="0"/>
               <a:t>$ </a:t>
             </a:r>
             <a:r>
-              <a:rPr lang="en-US" dirty="0" err="1"/>
+              <a:rPr lang="en-US" sz="1400" dirty="0" err="1"/>
               <a:t>awk</a:t>
             </a:r>
             <a:r>
-              <a:rPr lang="en-US" dirty="0"/>
-              <a:t> '{</a:t>
-            </a:r>
-            <a:r>
-              <a:rPr lang="en-US" dirty="0" smtClean="0"/>
-              <a:t>print $3}' Chip2comb_001b.sam</a:t>
-            </a:r>
-          </a:p>
-          <a:p>
-            <a:pPr marL="0" indent="0">
-              <a:buNone/>
-            </a:pPr>
-            <a:r>
-              <a:rPr lang="en-US" dirty="0" smtClean="0"/>
-              <a:t>#not quite what I wanted</a:t>
-            </a:r>
-          </a:p>
-          <a:p>
-            <a:pPr marL="0" indent="0">
-              <a:buNone/>
-            </a:pPr>
-            <a:endParaRPr lang="en-US" dirty="0" smtClean="0"/>
-          </a:p>
-          <a:p>
-            <a:pPr marL="0" indent="0">
-              <a:buNone/>
-            </a:pPr>
-            <a:r>
-              <a:rPr lang="en-US" dirty="0"/>
+              <a:rPr lang="en-US" sz="1400" dirty="0"/>
+              <a:t> '$1 !~ /^@/ {print $3}' </a:t>
+            </a:r>
+            <a:r>
+              <a:rPr lang="en-US" sz="1400" dirty="0" smtClean="0"/>
+              <a:t>Chip2comb_001b.sam | sort</a:t>
+            </a:r>
+          </a:p>
+          <a:p>
+            <a:pPr marL="0" indent="0">
+              <a:buNone/>
+            </a:pPr>
+            <a:r>
+              <a:rPr lang="en-US" sz="1400" dirty="0" smtClean="0"/>
               <a:t>$ </a:t>
             </a:r>
             <a:r>
-              <a:rPr lang="en-US" sz="2000" dirty="0" err="1"/>
+              <a:rPr lang="en-US" sz="1400" dirty="0" err="1" smtClean="0"/>
               <a:t>awk</a:t>
             </a:r>
             <a:r>
-              <a:rPr lang="en-US" sz="2000" dirty="0"/>
+              <a:rPr lang="en-US" sz="1400" dirty="0" smtClean="0"/>
               <a:t> </a:t>
             </a:r>
             <a:r>
-              <a:rPr lang="en-US" sz="2000" dirty="0" smtClean="0"/>
-              <a:t>'$1 !~ /^@/ {print </a:t>
-            </a:r>
-            <a:r>
-              <a:rPr lang="en-US" sz="2000" dirty="0"/>
-              <a:t>$3}' </a:t>
-            </a:r>
-            <a:r>
-              <a:rPr lang="en-US" sz="2000" dirty="0" smtClean="0"/>
-              <a:t>Chip2comb_001b.sam</a:t>
-            </a:r>
-          </a:p>
-          <a:p>
-            <a:pPr marL="0" indent="0">
-              <a:buNone/>
-            </a:pPr>
-            <a:r>
-              <a:rPr lang="en-US" sz="2000" dirty="0" smtClean="0"/>
-              <a:t>#there!</a:t>
-            </a:r>
-          </a:p>
-          <a:p>
-            <a:pPr marL="0" indent="0">
-              <a:buNone/>
-            </a:pPr>
-            <a:endParaRPr lang="en-US" sz="2000" dirty="0"/>
-          </a:p>
-          <a:p>
-            <a:pPr marL="0" indent="0">
-              <a:buNone/>
-            </a:pPr>
-            <a:endParaRPr lang="en-US" dirty="0" smtClean="0"/>
-          </a:p>
-          <a:p>
-            <a:pPr marL="0" indent="0">
-              <a:buNone/>
-            </a:pPr>
-            <a:endParaRPr lang="en-US" dirty="0" smtClean="0"/>
+              <a:rPr lang="en-US" sz="1400" dirty="0"/>
+              <a:t>'$1 !~ /^@/ {print $3}' </a:t>
+            </a:r>
+            <a:r>
+              <a:rPr lang="en-US" sz="1400" dirty="0" smtClean="0"/>
+              <a:t>Chip2comb_001b.sam | sort | </a:t>
+            </a:r>
+            <a:r>
+              <a:rPr lang="en-US" sz="1400" dirty="0" err="1" smtClean="0"/>
+              <a:t>uniq</a:t>
+            </a:r>
+            <a:endParaRPr lang="en-US" sz="1400" dirty="0" smtClean="0"/>
+          </a:p>
+          <a:p>
+            <a:pPr marL="0" indent="0">
+              <a:buNone/>
+            </a:pPr>
+            <a:r>
+              <a:rPr lang="en-US" sz="1400" dirty="0"/>
+              <a:t>$ </a:t>
+            </a:r>
+            <a:r>
+              <a:rPr lang="en-US" sz="1400" dirty="0" err="1"/>
+              <a:t>awk</a:t>
+            </a:r>
+            <a:r>
+              <a:rPr lang="en-US" sz="1400" dirty="0"/>
+              <a:t> '$1 !~ /^@/ {print $3}' Chip2comb_001b.sam | sort | </a:t>
+            </a:r>
+            <a:r>
+              <a:rPr lang="en-US" sz="1400" dirty="0" err="1" smtClean="0"/>
+              <a:t>uniq</a:t>
+            </a:r>
+            <a:r>
+              <a:rPr lang="en-US" sz="1400" dirty="0" smtClean="0"/>
+              <a:t> –c</a:t>
+            </a:r>
+          </a:p>
+          <a:p>
+            <a:pPr marL="0" indent="0">
+              <a:buNone/>
+            </a:pPr>
+            <a:endParaRPr lang="en-US" sz="1400" dirty="0"/>
+          </a:p>
+          <a:p>
+            <a:r>
+              <a:rPr lang="en-US" dirty="0" smtClean="0"/>
+              <a:t>What’s going on here?</a:t>
+            </a:r>
+          </a:p>
+          <a:p>
+            <a:pPr marL="0" indent="0">
+              <a:buNone/>
+            </a:pPr>
+            <a:endParaRPr lang="en-US" dirty="0"/>
           </a:p>
         </p:txBody>
       </p:sp>
     </p:spTree>
     <p:extLst>
       <p:ext uri="{BB962C8B-B14F-4D97-AF65-F5344CB8AC3E}">
-        <p14:creationId xmlns:p14="http://schemas.microsoft.com/office/powerpoint/2010/main" val="272229923"/>
+        <p14:creationId xmlns:p14="http://schemas.microsoft.com/office/powerpoint/2010/main" val="1909256038"/>
       </p:ext>
     </p:extLst>
   </p:cSld>
@@ -14207,7 +14416,23 @@
           <a:p>
             <a:r>
               <a:rPr lang="en-US" dirty="0" smtClean="0"/>
-              <a:t>Redirection</a:t>
+              <a:t>Convert a </a:t>
+            </a:r>
+            <a:r>
+              <a:rPr lang="en-US" dirty="0" err="1" smtClean="0"/>
+              <a:t>sam</a:t>
+            </a:r>
+            <a:r>
+              <a:rPr lang="en-US" dirty="0" smtClean="0"/>
+              <a:t> back into </a:t>
+            </a:r>
+            <a:r>
+              <a:rPr lang="en-US" dirty="0" err="1" smtClean="0"/>
+              <a:t>fastq</a:t>
+            </a:r>
+            <a:r>
+              <a:rPr lang="en-US" dirty="0" smtClean="0"/>
+              <a:t>?</a:t>
             </a:r>
             <a:endParaRPr lang="en-US" dirty="0"/>
           </a:p>
@@ -14225,168 +14450,211 @@
         </p:nvSpPr>
         <p:spPr>
           <a:xfrm>
-            <a:off x="840000" y="1690689"/>
-            <a:ext cx="7675350" cy="5027826"/>
+            <a:off x="364211" y="2039815"/>
+            <a:ext cx="8779789" cy="4137148"/>
           </a:xfrm>
         </p:spPr>
         <p:txBody>
           <a:bodyPr>
-            <a:normAutofit lnSpcReduction="10000"/>
+            <a:normAutofit/>
           </a:bodyPr>
           <a:lstStyle/>
           <a:p>
-            <a:r>
-              <a:rPr lang="en-US" dirty="0" smtClean="0"/>
-              <a:t>I want to save this output!</a:t>
-            </a:r>
-          </a:p>
-          <a:p>
-            <a:r>
-              <a:rPr lang="en-US" dirty="0" smtClean="0"/>
-              <a:t>Think of them as arrows</a:t>
-            </a:r>
-          </a:p>
-          <a:p>
-            <a:pPr marL="0" indent="0">
-              <a:buNone/>
-            </a:pPr>
-            <a:r>
-              <a:rPr lang="en-US" dirty="0" smtClean="0"/>
-              <a:t>&gt; #redirect thing left to file right</a:t>
-            </a:r>
-          </a:p>
-          <a:p>
-            <a:pPr marL="0" indent="0">
-              <a:buNone/>
-            </a:pPr>
-            <a:r>
-              <a:rPr lang="en-US" dirty="0" smtClean="0"/>
-              <a:t>&gt;&gt; #append instead of overwriting</a:t>
-            </a:r>
-          </a:p>
-          <a:p>
-            <a:pPr marL="0" indent="0">
-              <a:buNone/>
-            </a:pPr>
-            <a:r>
-              <a:rPr lang="en-US" dirty="0" smtClean="0"/>
-              <a:t>&lt; #redirect file right to thing left</a:t>
-            </a:r>
-          </a:p>
-          <a:p>
-            <a:pPr marL="0" indent="0">
-              <a:buNone/>
-            </a:pPr>
-            <a:endParaRPr lang="en-US" dirty="0" smtClean="0"/>
-          </a:p>
-          <a:p>
-            <a:r>
-              <a:rPr lang="en-US" dirty="0" smtClean="0"/>
-              <a:t>Concatenate files</a:t>
-            </a:r>
-          </a:p>
-          <a:p>
-            <a:pPr marL="0" indent="0">
-              <a:buNone/>
-            </a:pPr>
-            <a:r>
-              <a:rPr lang="en-US" dirty="0" smtClean="0"/>
+            <a:pPr marL="0" indent="0">
+              <a:buNone/>
+            </a:pPr>
+            <a:r>
+              <a:rPr lang="en-US" sz="1600" dirty="0" smtClean="0"/>
               <a:t>$ </a:t>
             </a:r>
             <a:r>
-              <a:rPr lang="en-US" dirty="0"/>
-              <a:t>cat *.</a:t>
-            </a:r>
-            <a:r>
-              <a:rPr lang="en-US" dirty="0" err="1" smtClean="0"/>
-              <a:t>fa</a:t>
-            </a:r>
-            <a:r>
-              <a:rPr lang="en-US" dirty="0" smtClean="0"/>
+              <a:rPr lang="en-US" sz="1600" dirty="0" err="1" smtClean="0"/>
+              <a:t>awk</a:t>
+            </a:r>
+            <a:r>
+              <a:rPr lang="en-US" sz="1600" dirty="0" smtClean="0"/>
+              <a:t> </a:t>
+            </a:r>
+            <a:r>
+              <a:rPr lang="en-US" sz="1600" dirty="0"/>
+              <a:t>'!/^@/ {print "@"$1"\n"$10"\n+\n"$11}' </a:t>
+            </a:r>
+            <a:r>
+              <a:rPr lang="en-US" sz="1600" dirty="0" err="1" smtClean="0"/>
+              <a:t>sample.sam</a:t>
+            </a:r>
+            <a:r>
+              <a:rPr lang="en-US" sz="1600" dirty="0" smtClean="0"/>
               <a:t> &gt; </a:t>
             </a:r>
             <a:r>
-              <a:rPr lang="en-US" dirty="0" err="1" smtClean="0"/>
-              <a:t>all.fa</a:t>
-            </a:r>
-            <a:endParaRPr lang="en-US" dirty="0" smtClean="0"/>
-          </a:p>
-          <a:p>
-            <a:pPr marL="0" indent="0">
-              <a:buNone/>
-            </a:pPr>
-            <a:endParaRPr lang="en-US" dirty="0" smtClean="0"/>
-          </a:p>
-          <a:p>
-            <a:r>
-              <a:rPr lang="en-US" dirty="0" smtClean="0"/>
-              <a:t>Generate a smaller file to play with</a:t>
-            </a:r>
-          </a:p>
-          <a:p>
-            <a:pPr marL="0" indent="0">
-              <a:buNone/>
-            </a:pPr>
-            <a:r>
-              <a:rPr lang="en-US" dirty="0" smtClean="0"/>
+              <a:rPr lang="en-US" sz="1600" dirty="0" err="1" smtClean="0"/>
+              <a:t>sample.fastq</a:t>
+            </a:r>
+            <a:endParaRPr lang="en-US" sz="1600" dirty="0" smtClean="0"/>
+          </a:p>
+          <a:p>
+            <a:pPr marL="0" indent="0">
+              <a:buNone/>
+            </a:pPr>
+            <a:endParaRPr lang="en-US" sz="1600" dirty="0" smtClean="0"/>
+          </a:p>
+          <a:p>
+            <a:pPr marL="0" indent="0">
+              <a:buNone/>
+            </a:pPr>
+            <a:r>
+              <a:rPr lang="en-US" sz="1600" dirty="0" smtClean="0"/>
+              <a:t>#for bam files</a:t>
+            </a:r>
+          </a:p>
+          <a:p>
+            <a:pPr marL="0" indent="0">
+              <a:buNone/>
+            </a:pPr>
+            <a:r>
+              <a:rPr lang="en-US" sz="1600" dirty="0"/>
               <a:t>$ </a:t>
             </a:r>
             <a:r>
-              <a:rPr lang="en-US" dirty="0" err="1" smtClean="0"/>
-              <a:t>shuf</a:t>
-            </a:r>
-            <a:r>
-              <a:rPr lang="en-US" dirty="0" smtClean="0"/>
-              <a:t> –n 100 big_file.txt &gt; sample.txt</a:t>
-            </a:r>
-          </a:p>
-          <a:p>
-            <a:pPr marL="0" indent="0">
-              <a:buNone/>
-            </a:pPr>
-            <a:r>
-              <a:rPr lang="en-US" dirty="0"/>
-              <a:t>$ </a:t>
-            </a:r>
-            <a:r>
-              <a:rPr lang="en-US" dirty="0" smtClean="0"/>
-              <a:t>head –n </a:t>
-            </a:r>
-            <a:r>
-              <a:rPr lang="en-US" dirty="0"/>
-              <a:t>100 big_file.txt &gt; sample.txt</a:t>
-            </a:r>
-          </a:p>
-          <a:p>
-            <a:pPr marL="0" indent="0">
-              <a:buNone/>
-            </a:pPr>
-            <a:endParaRPr lang="en-US" dirty="0" smtClean="0"/>
-          </a:p>
-          <a:p>
-            <a:pPr marL="0" indent="0">
-              <a:buNone/>
-            </a:pPr>
-            <a:endParaRPr lang="en-US" dirty="0"/>
-          </a:p>
-          <a:p>
-            <a:pPr marL="0" indent="0">
-              <a:buNone/>
-            </a:pPr>
-            <a:endParaRPr lang="en-US" dirty="0" smtClean="0"/>
-          </a:p>
-          <a:p>
-            <a:pPr marL="0" indent="0">
-              <a:buNone/>
-            </a:pPr>
-            <a:endParaRPr lang="en-US" dirty="0" smtClean="0"/>
+              <a:rPr lang="en-US" sz="1600" dirty="0" err="1" smtClean="0"/>
+              <a:t>samtools</a:t>
+            </a:r>
+            <a:r>
+              <a:rPr lang="en-US" sz="1600" dirty="0" smtClean="0"/>
+              <a:t> view </a:t>
+            </a:r>
+            <a:r>
+              <a:rPr lang="en-US" sz="1600" dirty="0" err="1" smtClean="0"/>
+              <a:t>sample.bam</a:t>
+            </a:r>
+            <a:r>
+              <a:rPr lang="en-US" sz="1600" dirty="0" smtClean="0"/>
+              <a:t> | \</a:t>
+            </a:r>
+          </a:p>
+          <a:p>
+            <a:pPr marL="0" indent="0">
+              <a:buNone/>
+            </a:pPr>
+            <a:r>
+              <a:rPr lang="en-US" sz="1600" dirty="0" err="1" smtClean="0"/>
+              <a:t>awk</a:t>
+            </a:r>
+            <a:r>
+              <a:rPr lang="en-US" sz="1600" dirty="0" smtClean="0"/>
+              <a:t> </a:t>
+            </a:r>
+            <a:r>
+              <a:rPr lang="en-US" sz="1600" dirty="0"/>
+              <a:t>'!/^@/ {print "@"$1"\n"$10"\n+\n"$11}' </a:t>
+            </a:r>
+            <a:r>
+              <a:rPr lang="en-US" sz="1600" dirty="0" smtClean="0"/>
+              <a:t>&gt; </a:t>
+            </a:r>
+            <a:r>
+              <a:rPr lang="en-US" sz="1600" dirty="0" err="1" smtClean="0"/>
+              <a:t>sample.fastq</a:t>
+            </a:r>
+            <a:endParaRPr lang="en-US" sz="1600" dirty="0" smtClean="0"/>
+          </a:p>
+          <a:p>
+            <a:pPr marL="0" indent="0">
+              <a:buNone/>
+            </a:pPr>
+            <a:endParaRPr lang="en-US" sz="1600" dirty="0"/>
+          </a:p>
+          <a:p>
+            <a:pPr marL="0" indent="0">
+              <a:buNone/>
+            </a:pPr>
+            <a:r>
+              <a:rPr lang="en-US" sz="1600" dirty="0" smtClean="0"/>
+              <a:t>#for all of them:</a:t>
+            </a:r>
+          </a:p>
+          <a:p>
+            <a:pPr marL="0" indent="0">
+              <a:buNone/>
+            </a:pPr>
+            <a:r>
+              <a:rPr lang="en-US" sz="1600" dirty="0"/>
+              <a:t>for s </a:t>
+            </a:r>
+            <a:r>
+              <a:rPr lang="en-US" sz="1600"/>
+              <a:t>in </a:t>
+            </a:r>
+            <a:r>
+              <a:rPr lang="en-US" sz="1600" smtClean="0"/>
+              <a:t>*.bam</a:t>
+            </a:r>
+            <a:endParaRPr lang="en-US" sz="1600" dirty="0"/>
+          </a:p>
+          <a:p>
+            <a:pPr marL="0" indent="0">
+              <a:buNone/>
+            </a:pPr>
+            <a:r>
+              <a:rPr lang="en-US" sz="1600" dirty="0"/>
+              <a:t>do</a:t>
+            </a:r>
+          </a:p>
+          <a:p>
+            <a:pPr marL="0" indent="0">
+              <a:buNone/>
+            </a:pPr>
+            <a:r>
+              <a:rPr lang="en-US" sz="1600" dirty="0"/>
+              <a:t>    </a:t>
+            </a:r>
+            <a:r>
+              <a:rPr lang="en-US" sz="1600" dirty="0" err="1"/>
+              <a:t>samtools</a:t>
+            </a:r>
+            <a:r>
+              <a:rPr lang="en-US" sz="1600" dirty="0"/>
+              <a:t> view $s | </a:t>
+            </a:r>
+            <a:r>
+              <a:rPr lang="en-US" sz="1600" dirty="0" err="1"/>
+              <a:t>awk</a:t>
+            </a:r>
+            <a:r>
+              <a:rPr lang="en-US" sz="1600" dirty="0"/>
+              <a:t> '!/^@/ {print "@"$1"\n"$10"\n+\n"$11}' &gt; ${s/%bam/</a:t>
+            </a:r>
+            <a:r>
+              <a:rPr lang="en-US" sz="1600" dirty="0" err="1"/>
+              <a:t>fastq</a:t>
+            </a:r>
+            <a:r>
+              <a:rPr lang="en-US" sz="1600" dirty="0"/>
+              <a:t>}</a:t>
+            </a:r>
+          </a:p>
+          <a:p>
+            <a:pPr marL="0" indent="0">
+              <a:buNone/>
+            </a:pPr>
+            <a:r>
+              <a:rPr lang="en-US" sz="1600" dirty="0"/>
+              <a:t>done</a:t>
+            </a:r>
+          </a:p>
+          <a:p>
+            <a:pPr marL="0" indent="0">
+              <a:buNone/>
+            </a:pPr>
+            <a:endParaRPr lang="en-US" sz="1600" dirty="0"/>
           </a:p>
         </p:txBody>
       </p:sp>
     </p:spTree>
     <p:extLst>
       <p:ext uri="{BB962C8B-B14F-4D97-AF65-F5344CB8AC3E}">
-        <p14:creationId xmlns:p14="http://schemas.microsoft.com/office/powerpoint/2010/main" val="2677628488"/>
+        <p14:creationId xmlns:p14="http://schemas.microsoft.com/office/powerpoint/2010/main" val="2953814565"/>
       </p:ext>
     </p:extLst>
   </p:cSld>
@@ -14574,405 +14842,6 @@
           <a:p>
             <a:r>
               <a:rPr lang="en-US" dirty="0" smtClean="0"/>
-              <a:t>Piping</a:t>
-            </a:r>
-            <a:endParaRPr lang="en-US" dirty="0"/>
-          </a:p>
-        </p:txBody>
-      </p:sp>
-      <p:sp>
-        <p:nvSpPr>
-          <p:cNvPr id="3" name="Content Placeholder 2"/>
-          <p:cNvSpPr>
-            <a:spLocks noGrp="1"/>
-          </p:cNvSpPr>
-          <p:nvPr>
-            <p:ph idx="1"/>
-          </p:nvPr>
-        </p:nvSpPr>
-        <p:spPr/>
-        <p:txBody>
-          <a:bodyPr/>
-          <a:lstStyle/>
-          <a:p>
-            <a:r>
-              <a:rPr lang="en-US" dirty="0" smtClean="0"/>
-              <a:t>Use the output of something as input for the next!</a:t>
-            </a:r>
-          </a:p>
-          <a:p>
-            <a:r>
-              <a:rPr lang="en-US" dirty="0" smtClean="0"/>
-              <a:t>Recall our </a:t>
-            </a:r>
-            <a:r>
-              <a:rPr lang="en-US" dirty="0" err="1" smtClean="0"/>
-              <a:t>awk</a:t>
-            </a:r>
-            <a:r>
-              <a:rPr lang="en-US" dirty="0" smtClean="0"/>
-              <a:t> getting </a:t>
-            </a:r>
-            <a:r>
-              <a:rPr lang="en-US" dirty="0" err="1" smtClean="0"/>
-              <a:t>contigs</a:t>
-            </a:r>
-            <a:r>
-              <a:rPr lang="en-US" dirty="0"/>
-              <a:t> </a:t>
-            </a:r>
-            <a:r>
-              <a:rPr lang="en-US" dirty="0" smtClean="0"/>
-              <a:t>mapped</a:t>
-            </a:r>
-          </a:p>
-          <a:p>
-            <a:r>
-              <a:rPr lang="en-US" dirty="0" smtClean="0"/>
-              <a:t>Try this:</a:t>
-            </a:r>
-          </a:p>
-          <a:p>
-            <a:pPr marL="0" indent="0">
-              <a:buNone/>
-            </a:pPr>
-            <a:r>
-              <a:rPr lang="en-US" sz="1400" dirty="0" smtClean="0"/>
-              <a:t>$ </a:t>
-            </a:r>
-            <a:r>
-              <a:rPr lang="en-US" sz="1400" dirty="0" err="1"/>
-              <a:t>awk</a:t>
-            </a:r>
-            <a:r>
-              <a:rPr lang="en-US" sz="1400" dirty="0"/>
-              <a:t> '$1 !~ /^@/ {print $3}' </a:t>
-            </a:r>
-            <a:r>
-              <a:rPr lang="en-US" sz="1400" dirty="0" smtClean="0"/>
-              <a:t>Chip2comb_001b.sam | sort</a:t>
-            </a:r>
-          </a:p>
-          <a:p>
-            <a:pPr marL="0" indent="0">
-              <a:buNone/>
-            </a:pPr>
-            <a:r>
-              <a:rPr lang="en-US" sz="1400" dirty="0" smtClean="0"/>
-              <a:t>$ </a:t>
-            </a:r>
-            <a:r>
-              <a:rPr lang="en-US" sz="1400" dirty="0" err="1" smtClean="0"/>
-              <a:t>awk</a:t>
-            </a:r>
-            <a:r>
-              <a:rPr lang="en-US" sz="1400" dirty="0" smtClean="0"/>
-              <a:t> </a:t>
-            </a:r>
-            <a:r>
-              <a:rPr lang="en-US" sz="1400" dirty="0"/>
-              <a:t>'$1 !~ /^@/ {print $3}' </a:t>
-            </a:r>
-            <a:r>
-              <a:rPr lang="en-US" sz="1400" dirty="0" smtClean="0"/>
-              <a:t>Chip2comb_001b.sam | sort | </a:t>
-            </a:r>
-            <a:r>
-              <a:rPr lang="en-US" sz="1400" dirty="0" err="1" smtClean="0"/>
-              <a:t>uniq</a:t>
-            </a:r>
-            <a:endParaRPr lang="en-US" sz="1400" dirty="0" smtClean="0"/>
-          </a:p>
-          <a:p>
-            <a:pPr marL="0" indent="0">
-              <a:buNone/>
-            </a:pPr>
-            <a:r>
-              <a:rPr lang="en-US" sz="1400" dirty="0"/>
-              <a:t>$ </a:t>
-            </a:r>
-            <a:r>
-              <a:rPr lang="en-US" sz="1400" dirty="0" err="1"/>
-              <a:t>awk</a:t>
-            </a:r>
-            <a:r>
-              <a:rPr lang="en-US" sz="1400" dirty="0"/>
-              <a:t> '$1 !~ /^@/ {print $3}' Chip2comb_001b.sam | sort | </a:t>
-            </a:r>
-            <a:r>
-              <a:rPr lang="en-US" sz="1400" dirty="0" err="1" smtClean="0"/>
-              <a:t>uniq</a:t>
-            </a:r>
-            <a:r>
-              <a:rPr lang="en-US" sz="1400" dirty="0" smtClean="0"/>
-              <a:t> –c</a:t>
-            </a:r>
-          </a:p>
-          <a:p>
-            <a:pPr marL="0" indent="0">
-              <a:buNone/>
-            </a:pPr>
-            <a:endParaRPr lang="en-US" sz="1400" dirty="0"/>
-          </a:p>
-          <a:p>
-            <a:r>
-              <a:rPr lang="en-US" dirty="0" smtClean="0"/>
-              <a:t>What’s going on here?</a:t>
-            </a:r>
-          </a:p>
-          <a:p>
-            <a:pPr marL="0" indent="0">
-              <a:buNone/>
-            </a:pPr>
-            <a:endParaRPr lang="en-US" dirty="0"/>
-          </a:p>
-        </p:txBody>
-      </p:sp>
-    </p:spTree>
-    <p:extLst>
-      <p:ext uri="{BB962C8B-B14F-4D97-AF65-F5344CB8AC3E}">
-        <p14:creationId xmlns:p14="http://schemas.microsoft.com/office/powerpoint/2010/main" val="1909256038"/>
-      </p:ext>
-    </p:extLst>
-  </p:cSld>
-  <p:clrMapOvr>
-    <a:masterClrMapping/>
-  </p:clrMapOvr>
-</p:sld>
-</file>
-
-<file path=ppt/slides/slide41.xml><?xml version="1.0" encoding="utf-8"?>
-<p:sld xmlns:a="http://schemas.openxmlformats.org/drawingml/2006/main" xmlns:r="http://schemas.openxmlformats.org/officeDocument/2006/relationships" xmlns:p="http://schemas.openxmlformats.org/presentationml/2006/main">
-  <p:cSld>
-    <p:spTree>
-      <p:nvGrpSpPr>
-        <p:cNvPr id="1" name=""/>
-        <p:cNvGrpSpPr/>
-        <p:nvPr/>
-      </p:nvGrpSpPr>
-      <p:grpSpPr>
-        <a:xfrm>
-          <a:off x="0" y="0"/>
-          <a:ext cx="0" cy="0"/>
-          <a:chOff x="0" y="0"/>
-          <a:chExt cx="0" cy="0"/>
-        </a:xfrm>
-      </p:grpSpPr>
-      <p:sp>
-        <p:nvSpPr>
-          <p:cNvPr id="2" name="Title 1"/>
-          <p:cNvSpPr>
-            <a:spLocks noGrp="1"/>
-          </p:cNvSpPr>
-          <p:nvPr>
-            <p:ph type="title"/>
-          </p:nvPr>
-        </p:nvSpPr>
-        <p:spPr/>
-        <p:txBody>
-          <a:bodyPr/>
-          <a:lstStyle/>
-          <a:p>
-            <a:r>
-              <a:rPr lang="en-US" dirty="0" smtClean="0"/>
-              <a:t>Convert a </a:t>
-            </a:r>
-            <a:r>
-              <a:rPr lang="en-US" dirty="0" err="1" smtClean="0"/>
-              <a:t>sam</a:t>
-            </a:r>
-            <a:r>
-              <a:rPr lang="en-US" dirty="0" smtClean="0"/>
-              <a:t> back into </a:t>
-            </a:r>
-            <a:r>
-              <a:rPr lang="en-US" dirty="0" err="1" smtClean="0"/>
-              <a:t>fastq</a:t>
-            </a:r>
-            <a:r>
-              <a:rPr lang="en-US" dirty="0" smtClean="0"/>
-              <a:t>?</a:t>
-            </a:r>
-            <a:endParaRPr lang="en-US" dirty="0"/>
-          </a:p>
-        </p:txBody>
-      </p:sp>
-      <p:sp>
-        <p:nvSpPr>
-          <p:cNvPr id="3" name="Content Placeholder 2"/>
-          <p:cNvSpPr>
-            <a:spLocks noGrp="1"/>
-          </p:cNvSpPr>
-          <p:nvPr>
-            <p:ph idx="1"/>
-          </p:nvPr>
-        </p:nvSpPr>
-        <p:spPr>
-          <a:xfrm>
-            <a:off x="364211" y="1825625"/>
-            <a:ext cx="8779789" cy="4351338"/>
-          </a:xfrm>
-        </p:spPr>
-        <p:txBody>
-          <a:bodyPr>
-            <a:normAutofit/>
-          </a:bodyPr>
-          <a:lstStyle/>
-          <a:p>
-            <a:pPr marL="0" indent="0">
-              <a:buNone/>
-            </a:pPr>
-            <a:r>
-              <a:rPr lang="en-US" sz="1600" dirty="0" smtClean="0"/>
-              <a:t>$ </a:t>
-            </a:r>
-            <a:r>
-              <a:rPr lang="en-US" sz="1600" dirty="0" err="1" smtClean="0"/>
-              <a:t>awk</a:t>
-            </a:r>
-            <a:r>
-              <a:rPr lang="en-US" sz="1600" dirty="0" smtClean="0"/>
-              <a:t> </a:t>
-            </a:r>
-            <a:r>
-              <a:rPr lang="en-US" sz="1600" dirty="0"/>
-              <a:t>'!/^@/ {print "@"$1"\n"$10"\n+\n"$11}' </a:t>
-            </a:r>
-            <a:r>
-              <a:rPr lang="en-US" sz="1600" dirty="0" err="1" smtClean="0"/>
-              <a:t>sample.sam</a:t>
-            </a:r>
-            <a:r>
-              <a:rPr lang="en-US" sz="1600" dirty="0" smtClean="0"/>
-              <a:t> &gt; </a:t>
-            </a:r>
-            <a:r>
-              <a:rPr lang="en-US" sz="1600" dirty="0" err="1" smtClean="0"/>
-              <a:t>sample.fastq</a:t>
-            </a:r>
-            <a:endParaRPr lang="en-US" sz="1600" dirty="0" smtClean="0"/>
-          </a:p>
-          <a:p>
-            <a:pPr marL="0" indent="0">
-              <a:buNone/>
-            </a:pPr>
-            <a:endParaRPr lang="en-US" sz="1600" dirty="0" smtClean="0"/>
-          </a:p>
-          <a:p>
-            <a:pPr marL="0" indent="0">
-              <a:buNone/>
-            </a:pPr>
-            <a:r>
-              <a:rPr lang="en-US" sz="1600" dirty="0" smtClean="0"/>
-              <a:t>#for bam files</a:t>
-            </a:r>
-          </a:p>
-          <a:p>
-            <a:pPr marL="0" indent="0">
-              <a:buNone/>
-            </a:pPr>
-            <a:r>
-              <a:rPr lang="en-US" sz="1600" dirty="0"/>
-              <a:t>$ </a:t>
-            </a:r>
-            <a:r>
-              <a:rPr lang="en-US" sz="1600" dirty="0" err="1" smtClean="0"/>
-              <a:t>samtools</a:t>
-            </a:r>
-            <a:r>
-              <a:rPr lang="en-US" sz="1600" dirty="0" smtClean="0"/>
-              <a:t> view </a:t>
-            </a:r>
-            <a:r>
-              <a:rPr lang="en-US" sz="1600" dirty="0" err="1" smtClean="0"/>
-              <a:t>sample.bam</a:t>
-            </a:r>
-            <a:r>
-              <a:rPr lang="en-US" sz="1600" dirty="0" smtClean="0"/>
-              <a:t> | \</a:t>
-            </a:r>
-          </a:p>
-          <a:p>
-            <a:pPr marL="0" indent="0">
-              <a:buNone/>
-            </a:pPr>
-            <a:r>
-              <a:rPr lang="en-US" sz="1600" dirty="0" err="1" smtClean="0"/>
-              <a:t>awk</a:t>
-            </a:r>
-            <a:r>
-              <a:rPr lang="en-US" sz="1600" dirty="0" smtClean="0"/>
-              <a:t> </a:t>
-            </a:r>
-            <a:r>
-              <a:rPr lang="en-US" sz="1600" dirty="0"/>
-              <a:t>'!/^@/ {print "@"$1"\n"$10"\n+\n"$11}' </a:t>
-            </a:r>
-            <a:r>
-              <a:rPr lang="en-US" sz="1600" dirty="0" smtClean="0"/>
-              <a:t>&gt; </a:t>
-            </a:r>
-            <a:r>
-              <a:rPr lang="en-US" sz="1600" dirty="0" err="1"/>
-              <a:t>sample.fastq</a:t>
-            </a:r>
-            <a:endParaRPr lang="en-US" sz="1600" dirty="0"/>
-          </a:p>
-          <a:p>
-            <a:pPr marL="0" indent="0">
-              <a:buNone/>
-            </a:pPr>
-            <a:endParaRPr lang="en-US" sz="1600" dirty="0"/>
-          </a:p>
-        </p:txBody>
-      </p:sp>
-    </p:spTree>
-    <p:extLst>
-      <p:ext uri="{BB962C8B-B14F-4D97-AF65-F5344CB8AC3E}">
-        <p14:creationId xmlns:p14="http://schemas.microsoft.com/office/powerpoint/2010/main" val="2953814565"/>
-      </p:ext>
-    </p:extLst>
-  </p:cSld>
-  <p:clrMapOvr>
-    <a:masterClrMapping/>
-  </p:clrMapOvr>
-</p:sld>
-</file>
-
-<file path=ppt/slides/slide42.xml><?xml version="1.0" encoding="utf-8"?>
-<p:sld xmlns:a="http://schemas.openxmlformats.org/drawingml/2006/main" xmlns:r="http://schemas.openxmlformats.org/officeDocument/2006/relationships" xmlns:p="http://schemas.openxmlformats.org/presentationml/2006/main">
-  <p:cSld>
-    <p:spTree>
-      <p:nvGrpSpPr>
-        <p:cNvPr id="1" name=""/>
-        <p:cNvGrpSpPr/>
-        <p:nvPr/>
-      </p:nvGrpSpPr>
-      <p:grpSpPr>
-        <a:xfrm>
-          <a:off x="0" y="0"/>
-          <a:ext cx="0" cy="0"/>
-          <a:chOff x="0" y="0"/>
-          <a:chExt cx="0" cy="0"/>
-        </a:xfrm>
-      </p:grpSpPr>
-      <p:sp>
-        <p:nvSpPr>
-          <p:cNvPr id="2" name="Title 1"/>
-          <p:cNvSpPr>
-            <a:spLocks noGrp="1"/>
-          </p:cNvSpPr>
-          <p:nvPr>
-            <p:ph type="title"/>
-          </p:nvPr>
-        </p:nvSpPr>
-        <p:spPr/>
-        <p:txBody>
-          <a:bodyPr/>
-          <a:lstStyle/>
-          <a:p>
-            <a:r>
-              <a:rPr lang="en-US" dirty="0" smtClean="0"/>
               <a:t>Questions? Brainstorms?</a:t>
             </a:r>
             <a:endParaRPr lang="en-US" dirty="0"/>
@@ -15011,7 +14880,7 @@
 </p:sld>
 </file>
 
-<file path=ppt/slides/slide43.xml><?xml version="1.0" encoding="utf-8"?>
+<file path=ppt/slides/slide41.xml><?xml version="1.0" encoding="utf-8"?>
 <p:sld xmlns:a="http://schemas.openxmlformats.org/drawingml/2006/main" xmlns:r="http://schemas.openxmlformats.org/officeDocument/2006/relationships" xmlns:p="http://schemas.openxmlformats.org/presentationml/2006/main">
   <p:cSld>
     <p:spTree>
@@ -15154,7 +15023,7 @@
 </p:sld>
 </file>
 
-<file path=ppt/slides/slide44.xml><?xml version="1.0" encoding="utf-8"?>
+<file path=ppt/slides/slide42.xml><?xml version="1.0" encoding="utf-8"?>
 <p:sld xmlns:a="http://schemas.openxmlformats.org/drawingml/2006/main" xmlns:r="http://schemas.openxmlformats.org/officeDocument/2006/relationships" xmlns:p="http://schemas.openxmlformats.org/presentationml/2006/main">
   <p:cSld>
     <p:spTree>
@@ -16321,16 +16190,23 @@
             <p:ph type="title"/>
           </p:nvPr>
         </p:nvSpPr>
-        <p:spPr/>
-        <p:txBody>
-          <a:bodyPr/>
-          <a:lstStyle/>
-          <a:p>
-            <a:r>
-              <a:rPr lang="en-US" dirty="0" smtClean="0"/>
-              <a:t>My mouse doesn’t work!</a:t>
-            </a:r>
-            <a:endParaRPr lang="en-US" dirty="0"/>
+        <p:spPr>
+          <a:xfrm>
+            <a:off x="628649" y="365126"/>
+            <a:ext cx="8433157" cy="1325563"/>
+          </a:xfrm>
+        </p:spPr>
+        <p:txBody>
+          <a:bodyPr>
+            <a:normAutofit/>
+          </a:bodyPr>
+          <a:lstStyle/>
+          <a:p>
+            <a:r>
+              <a:rPr lang="en-US" sz="4000" dirty="0" smtClean="0"/>
+              <a:t>Where’s my mouse pointer?</a:t>
+            </a:r>
+            <a:endParaRPr lang="en-US" sz="4000" dirty="0"/>
           </a:p>
         </p:txBody>
       </p:sp>
@@ -16514,29 +16390,6 @@
       </p:grpSpPr>
       <p:sp>
         <p:nvSpPr>
-          <p:cNvPr id="2" name="Title 1"/>
-          <p:cNvSpPr>
-            <a:spLocks noGrp="1"/>
-          </p:cNvSpPr>
-          <p:nvPr>
-            <p:ph type="title"/>
-          </p:nvPr>
-        </p:nvSpPr>
-        <p:spPr/>
-        <p:txBody>
-          <a:bodyPr/>
-          <a:lstStyle/>
-          <a:p>
-            <a:r>
-              <a:rPr lang="en-US" dirty="0" smtClean="0"/>
-              <a:t>My mouse doesn’t work!</a:t>
-            </a:r>
-            <a:endParaRPr lang="en-US" dirty="0"/>
-          </a:p>
-        </p:txBody>
-      </p:sp>
-      <p:sp>
-        <p:nvSpPr>
           <p:cNvPr id="3" name="Content Placeholder 2"/>
           <p:cNvSpPr>
             <a:spLocks noGrp="1"/>
@@ -16625,6 +16478,75 @@
           </a:extLst>
         </p:spPr>
       </p:pic>
+      <p:sp>
+        <p:nvSpPr>
+          <p:cNvPr id="7" name="Title 1"/>
+          <p:cNvSpPr txBox="1">
+            <a:spLocks/>
+          </p:cNvSpPr>
+          <p:nvPr/>
+        </p:nvSpPr>
+        <p:spPr>
+          <a:xfrm>
+            <a:off x="628649" y="365126"/>
+            <a:ext cx="8433157" cy="1325563"/>
+          </a:xfrm>
+          <a:prstGeom prst="rect">
+            <a:avLst/>
+          </a:prstGeom>
+        </p:spPr>
+        <p:txBody>
+          <a:bodyPr vert="horz" lIns="91440" tIns="45720" rIns="91440" bIns="45720" rtlCol="0" anchor="ctr">
+            <a:normAutofit/>
+          </a:bodyPr>
+          <a:lstStyle>
+            <a:lvl1pPr algn="l" defTabSz="685800" rtl="0" eaLnBrk="1" latinLnBrk="0" hangingPunct="1">
+              <a:lnSpc>
+                <a:spcPct val="90000"/>
+              </a:lnSpc>
+              <a:spcBef>
+                <a:spcPct val="0"/>
+              </a:spcBef>
+              <a:buNone/>
+              <a:defRPr sz="4400" b="0" kern="1200">
+                <a:gradFill flip="none" rotWithShape="1">
+                  <a:gsLst>
+                    <a:gs pos="28000">
+                      <a:schemeClr val="tx1">
+                        <a:lumMod val="93000"/>
+                      </a:schemeClr>
+                    </a:gs>
+                    <a:gs pos="0">
+                      <a:schemeClr val="bg1">
+                        <a:lumMod val="13000"/>
+                        <a:lumOff val="87000"/>
+                      </a:schemeClr>
+                    </a:gs>
+                    <a:gs pos="100000">
+                      <a:schemeClr val="tx2">
+                        <a:lumMod val="0"/>
+                        <a:lumOff val="100000"/>
+                      </a:schemeClr>
+                    </a:gs>
+                  </a:gsLst>
+                  <a:lin ang="4800000" scaled="0"/>
+                  <a:tileRect/>
+                </a:gradFill>
+                <a:latin typeface="Source Code Pro Black" panose="020B0809030403020204" pitchFamily="49" charset="0"/>
+                <a:ea typeface="+mj-ea"/>
+                <a:cs typeface="+mj-cs"/>
+              </a:defRPr>
+            </a:lvl1pPr>
+          </a:lstStyle>
+          <a:p>
+            <a:r>
+              <a:rPr lang="en-US" sz="4000" smtClean="0"/>
+              <a:t>Where’s my mouse pointer?</a:t>
+            </a:r>
+            <a:endParaRPr lang="en-US" sz="4000" dirty="0"/>
+          </a:p>
+        </p:txBody>
+      </p:sp>
     </p:spTree>
     <p:extLst>
       <p:ext uri="{BB962C8B-B14F-4D97-AF65-F5344CB8AC3E}">
@@ -16679,7 +16601,7 @@
           <a:p>
             <a:r>
               <a:rPr lang="en-US" dirty="0" smtClean="0"/>
-              <a:t>One slide about computer hardware</a:t>
+              <a:t>However…</a:t>
             </a:r>
             <a:endParaRPr lang="en-US" dirty="0"/>
           </a:p>
@@ -16702,125 +16624,25 @@
           <a:p>
             <a:r>
               <a:rPr lang="en-US" dirty="0" smtClean="0"/>
-              <a:t>CPU – </a:t>
-            </a:r>
-            <a:r>
-              <a:rPr lang="en-US" u="sng" dirty="0" smtClean="0"/>
-              <a:t>C</a:t>
-            </a:r>
-            <a:r>
-              <a:rPr lang="en-US" dirty="0" smtClean="0"/>
-              <a:t>entral </a:t>
-            </a:r>
-            <a:r>
-              <a:rPr lang="en-US" u="sng" dirty="0" smtClean="0"/>
-              <a:t>P</a:t>
-            </a:r>
-            <a:r>
-              <a:rPr lang="en-US" dirty="0" smtClean="0"/>
-              <a:t>rocessing </a:t>
-            </a:r>
-            <a:r>
-              <a:rPr lang="en-US" u="sng" dirty="0" smtClean="0"/>
-              <a:t>U</a:t>
-            </a:r>
-            <a:r>
-              <a:rPr lang="en-US" dirty="0" smtClean="0"/>
-              <a:t>nit</a:t>
-            </a:r>
-          </a:p>
-          <a:p>
-            <a:pPr lvl="1"/>
-            <a:r>
-              <a:rPr lang="en-US" dirty="0" smtClean="0"/>
-              <a:t>Usually where your numbers get crunched</a:t>
-            </a:r>
-          </a:p>
-          <a:p>
-            <a:pPr lvl="1"/>
-            <a:r>
-              <a:rPr lang="en-US" dirty="0" smtClean="0"/>
-              <a:t>Modern computers usually have several</a:t>
-            </a:r>
-          </a:p>
-          <a:p>
-            <a:pPr lvl="1"/>
+              <a:t>For certain projects, what we’re discussing is overkill</a:t>
+            </a:r>
+          </a:p>
+          <a:p>
             <a:endParaRPr lang="en-US" dirty="0" smtClean="0"/>
           </a:p>
           <a:p>
             <a:r>
               <a:rPr lang="en-US" dirty="0" smtClean="0"/>
-              <a:t>RAM – </a:t>
-            </a:r>
-            <a:r>
-              <a:rPr lang="en-US" u="sng" dirty="0" smtClean="0"/>
-              <a:t>R</a:t>
-            </a:r>
-            <a:r>
-              <a:rPr lang="en-US" dirty="0" smtClean="0"/>
-              <a:t>andom </a:t>
-            </a:r>
-            <a:r>
-              <a:rPr lang="en-US" u="sng" dirty="0" smtClean="0"/>
-              <a:t>A</a:t>
-            </a:r>
-            <a:r>
-              <a:rPr lang="en-US" dirty="0" smtClean="0"/>
-              <a:t>ccess </a:t>
-            </a:r>
-            <a:r>
-              <a:rPr lang="en-US" u="sng" dirty="0" smtClean="0"/>
-              <a:t>M</a:t>
-            </a:r>
-            <a:r>
-              <a:rPr lang="en-US" dirty="0" smtClean="0"/>
-              <a:t>emory</a:t>
-            </a:r>
-          </a:p>
-          <a:p>
-            <a:pPr lvl="1"/>
-            <a:r>
-              <a:rPr lang="en-US" dirty="0" smtClean="0"/>
-              <a:t>Fast place to work, but volatile and small</a:t>
-            </a:r>
-          </a:p>
-          <a:p>
-            <a:pPr lvl="1"/>
-            <a:r>
-              <a:rPr lang="en-US" dirty="0" smtClean="0"/>
-              <a:t>Think of this as a small desktop surface</a:t>
-            </a:r>
-          </a:p>
-          <a:p>
-            <a:pPr lvl="1"/>
+              <a:t>Use tools that you understand and that will save you time</a:t>
+            </a:r>
+          </a:p>
+          <a:p>
             <a:endParaRPr lang="en-US" dirty="0" smtClean="0"/>
           </a:p>
           <a:p>
             <a:r>
               <a:rPr lang="en-US" dirty="0" smtClean="0"/>
-              <a:t>Disk – Hard Drives, Solid State Drives</a:t>
-            </a:r>
-          </a:p>
-          <a:p>
-            <a:pPr lvl="1"/>
-            <a:r>
-              <a:rPr lang="en-US" dirty="0" smtClean="0"/>
-              <a:t>Stable, long(</a:t>
-            </a:r>
-            <a:r>
-              <a:rPr lang="en-US" dirty="0" err="1" smtClean="0"/>
-              <a:t>er</a:t>
-            </a:r>
-            <a:r>
-              <a:rPr lang="en-US" dirty="0" smtClean="0"/>
-              <a:t>) term storage</a:t>
-            </a:r>
-          </a:p>
-          <a:p>
-            <a:pPr lvl="1"/>
-            <a:r>
-              <a:rPr lang="en-US" dirty="0" smtClean="0"/>
-              <a:t>Think of this as a filing cabinet</a:t>
+              <a:t>Excel, or even a simple calculator!</a:t>
             </a:r>
             <a:endParaRPr lang="en-US" dirty="0"/>
           </a:p>
@@ -16829,7 +16651,7 @@
     </p:spTree>
     <p:extLst>
       <p:ext uri="{BB962C8B-B14F-4D97-AF65-F5344CB8AC3E}">
-        <p14:creationId xmlns:p14="http://schemas.microsoft.com/office/powerpoint/2010/main" val="1878948955"/>
+        <p14:creationId xmlns:p14="http://schemas.microsoft.com/office/powerpoint/2010/main" val="3543641339"/>
       </p:ext>
     </p:extLst>
   </p:cSld>

--- a/presentations/Modern Computing.pptx
+++ b/presentations/Modern Computing.pptx
@@ -5,51 +5,53 @@
     <p:sldMasterId id="2147483669" r:id="rId1"/>
   </p:sldMasterIdLst>
   <p:notesMasterIdLst>
-    <p:notesMasterId r:id="rId44"/>
+    <p:notesMasterId r:id="rId46"/>
   </p:notesMasterIdLst>
   <p:sldIdLst>
     <p:sldId id="256" r:id="rId2"/>
-    <p:sldId id="257" r:id="rId3"/>
-    <p:sldId id="258" r:id="rId4"/>
-    <p:sldId id="284" r:id="rId5"/>
-    <p:sldId id="259" r:id="rId6"/>
-    <p:sldId id="262" r:id="rId7"/>
-    <p:sldId id="260" r:id="rId8"/>
-    <p:sldId id="278" r:id="rId9"/>
-    <p:sldId id="304" r:id="rId10"/>
-    <p:sldId id="276" r:id="rId11"/>
-    <p:sldId id="281" r:id="rId12"/>
-    <p:sldId id="288" r:id="rId13"/>
-    <p:sldId id="289" r:id="rId14"/>
-    <p:sldId id="261" r:id="rId15"/>
-    <p:sldId id="266" r:id="rId16"/>
-    <p:sldId id="263" r:id="rId17"/>
-    <p:sldId id="264" r:id="rId18"/>
-    <p:sldId id="282" r:id="rId19"/>
-    <p:sldId id="265" r:id="rId20"/>
-    <p:sldId id="272" r:id="rId21"/>
-    <p:sldId id="283" r:id="rId22"/>
-    <p:sldId id="287" r:id="rId23"/>
-    <p:sldId id="286" r:id="rId24"/>
-    <p:sldId id="267" r:id="rId25"/>
-    <p:sldId id="285" r:id="rId26"/>
-    <p:sldId id="268" r:id="rId27"/>
-    <p:sldId id="269" r:id="rId28"/>
-    <p:sldId id="270" r:id="rId29"/>
-    <p:sldId id="290" r:id="rId30"/>
-    <p:sldId id="292" r:id="rId31"/>
-    <p:sldId id="280" r:id="rId32"/>
-    <p:sldId id="293" r:id="rId33"/>
-    <p:sldId id="295" r:id="rId34"/>
-    <p:sldId id="291" r:id="rId35"/>
-    <p:sldId id="294" r:id="rId36"/>
-    <p:sldId id="298" r:id="rId37"/>
-    <p:sldId id="299" r:id="rId38"/>
-    <p:sldId id="300" r:id="rId39"/>
-    <p:sldId id="301" r:id="rId40"/>
-    <p:sldId id="302" r:id="rId41"/>
-    <p:sldId id="303" r:id="rId42"/>
-    <p:sldId id="275" r:id="rId43"/>
+    <p:sldId id="305" r:id="rId3"/>
+    <p:sldId id="257" r:id="rId4"/>
+    <p:sldId id="258" r:id="rId5"/>
+    <p:sldId id="284" r:id="rId6"/>
+    <p:sldId id="259" r:id="rId7"/>
+    <p:sldId id="262" r:id="rId8"/>
+    <p:sldId id="260" r:id="rId9"/>
+    <p:sldId id="278" r:id="rId10"/>
+    <p:sldId id="304" r:id="rId11"/>
+    <p:sldId id="276" r:id="rId12"/>
+    <p:sldId id="281" r:id="rId13"/>
+    <p:sldId id="288" r:id="rId14"/>
+    <p:sldId id="289" r:id="rId15"/>
+    <p:sldId id="261" r:id="rId16"/>
+    <p:sldId id="266" r:id="rId17"/>
+    <p:sldId id="263" r:id="rId18"/>
+    <p:sldId id="264" r:id="rId19"/>
+    <p:sldId id="306" r:id="rId20"/>
+    <p:sldId id="282" r:id="rId21"/>
+    <p:sldId id="265" r:id="rId22"/>
+    <p:sldId id="272" r:id="rId23"/>
+    <p:sldId id="283" r:id="rId24"/>
+    <p:sldId id="287" r:id="rId25"/>
+    <p:sldId id="286" r:id="rId26"/>
+    <p:sldId id="267" r:id="rId27"/>
+    <p:sldId id="285" r:id="rId28"/>
+    <p:sldId id="268" r:id="rId29"/>
+    <p:sldId id="269" r:id="rId30"/>
+    <p:sldId id="270" r:id="rId31"/>
+    <p:sldId id="290" r:id="rId32"/>
+    <p:sldId id="292" r:id="rId33"/>
+    <p:sldId id="280" r:id="rId34"/>
+    <p:sldId id="293" r:id="rId35"/>
+    <p:sldId id="295" r:id="rId36"/>
+    <p:sldId id="291" r:id="rId37"/>
+    <p:sldId id="294" r:id="rId38"/>
+    <p:sldId id="298" r:id="rId39"/>
+    <p:sldId id="299" r:id="rId40"/>
+    <p:sldId id="300" r:id="rId41"/>
+    <p:sldId id="301" r:id="rId42"/>
+    <p:sldId id="302" r:id="rId43"/>
+    <p:sldId id="303" r:id="rId44"/>
+    <p:sldId id="275" r:id="rId45"/>
   </p:sldIdLst>
   <p:sldSz cx="9144000" cy="6858000" type="screen4x3"/>
   <p:notesSz cx="6858000" cy="9144000"/>
@@ -238,7 +240,7 @@
           <a:p>
             <a:fld id="{4DF0DEF9-CF53-407B-BB1F-ECAB7603E458}" type="datetimeFigureOut">
               <a:rPr lang="en-US" smtClean="0"/>
-              <a:t>1/4/2014</a:t>
+              <a:t>1/6/2014</a:t>
             </a:fld>
             <a:endParaRPr lang="en-US"/>
           </a:p>
@@ -575,7 +577,7 @@
           <a:p>
             <a:fld id="{BD230D4F-C3EB-4AF4-809D-43587FCC13EB}" type="slidenum">
               <a:rPr lang="en-US" smtClean="0"/>
-              <a:t>6</a:t>
+              <a:t>7</a:t>
             </a:fld>
             <a:endParaRPr lang="en-US"/>
           </a:p>
@@ -663,7 +665,7 @@
           <a:p>
             <a:fld id="{BD230D4F-C3EB-4AF4-809D-43587FCC13EB}" type="slidenum">
               <a:rPr lang="en-US" smtClean="0"/>
-              <a:t>32</a:t>
+              <a:t>34</a:t>
             </a:fld>
             <a:endParaRPr lang="en-US"/>
           </a:p>
@@ -771,7 +773,7 @@
           <a:p>
             <a:fld id="{BD230D4F-C3EB-4AF4-809D-43587FCC13EB}" type="slidenum">
               <a:rPr lang="en-US" smtClean="0"/>
-              <a:t>34</a:t>
+              <a:t>36</a:t>
             </a:fld>
             <a:endParaRPr lang="en-US"/>
           </a:p>
@@ -952,7 +954,7 @@
           <a:p>
             <a:fld id="{ECD19FB2-3AAB-4D03-B13A-2960828C78E3}" type="datetimeFigureOut">
               <a:rPr lang="en-US" smtClean="0"/>
-              <a:t>1/4/2014</a:t>
+              <a:t>1/6/2014</a:t>
             </a:fld>
             <a:endParaRPr lang="en-US" dirty="0"/>
           </a:p>
@@ -1239,7 +1241,7 @@
           <a:p>
             <a:fld id="{1B80C674-7DFC-42FE-B9CD-82963CDB1557}" type="datetimeFigureOut">
               <a:rPr lang="en-US" smtClean="0"/>
-              <a:t>1/4/2014</a:t>
+              <a:t>1/6/2014</a:t>
             </a:fld>
             <a:endParaRPr lang="en-US" dirty="0"/>
           </a:p>
@@ -1436,7 +1438,7 @@
           <a:p>
             <a:fld id="{2076456F-F47D-4F25-8053-2A695DA0CA7D}" type="datetimeFigureOut">
               <a:rPr lang="en-US" smtClean="0"/>
-              <a:t>1/4/2014</a:t>
+              <a:t>1/6/2014</a:t>
             </a:fld>
             <a:endParaRPr lang="en-US" dirty="0"/>
           </a:p>
@@ -1702,7 +1704,7 @@
           <a:p>
             <a:fld id="{5D6C7379-69CC-4837-9905-BEBA22830C8A}" type="datetimeFigureOut">
               <a:rPr lang="en-US" smtClean="0"/>
-              <a:t>1/4/2014</a:t>
+              <a:t>1/6/2014</a:t>
             </a:fld>
             <a:endParaRPr lang="en-US" dirty="0"/>
           </a:p>
@@ -2133,7 +2135,7 @@
           <a:p>
             <a:fld id="{49EB8B7E-8AEE-4F10-BFEE-C999AD004D36}" type="datetimeFigureOut">
               <a:rPr lang="en-US" smtClean="0"/>
-              <a:t>1/4/2014</a:t>
+              <a:t>1/6/2014</a:t>
             </a:fld>
             <a:endParaRPr lang="en-US" dirty="0"/>
           </a:p>
@@ -2684,7 +2686,7 @@
           <a:p>
             <a:fld id="{8668F3F9-58BC-440B-B37B-805B9055EF92}" type="datetimeFigureOut">
               <a:rPr lang="en-US" smtClean="0"/>
-              <a:t>1/4/2014</a:t>
+              <a:t>1/6/2014</a:t>
             </a:fld>
             <a:endParaRPr lang="en-US" dirty="0"/>
           </a:p>
@@ -3520,7 +3522,7 @@
           <a:p>
             <a:fld id="{0D5A53AF-48EA-489D-8260-9DCAB666386A}" type="datetimeFigureOut">
               <a:rPr lang="en-US" smtClean="0"/>
-              <a:t>1/4/2014</a:t>
+              <a:t>1/6/2014</a:t>
             </a:fld>
             <a:endParaRPr lang="en-US" dirty="0"/>
           </a:p>
@@ -3695,7 +3697,7 @@
           <a:p>
             <a:fld id="{0DED02AE-B9A4-47BD-AF8E-97E16144138B}" type="datetimeFigureOut">
               <a:rPr lang="en-US" smtClean="0"/>
-              <a:t>1/4/2014</a:t>
+              <a:t>1/6/2014</a:t>
             </a:fld>
             <a:endParaRPr lang="en-US" dirty="0"/>
           </a:p>
@@ -3880,7 +3882,7 @@
           <a:p>
             <a:fld id="{CF0FD78B-DB02-4362-BCDC-98A55456977C}" type="datetimeFigureOut">
               <a:rPr lang="en-US" smtClean="0"/>
-              <a:t>1/4/2014</a:t>
+              <a:t>1/6/2014</a:t>
             </a:fld>
             <a:endParaRPr lang="en-US" dirty="0"/>
           </a:p>
@@ -4087,7 +4089,7 @@
           <a:p>
             <a:fld id="{99916976-5D93-46E4-A98A-FAD63E4D0EA8}" type="datetimeFigureOut">
               <a:rPr lang="en-US" smtClean="0"/>
-              <a:t>1/4/2014</a:t>
+              <a:t>1/6/2014</a:t>
             </a:fld>
             <a:endParaRPr lang="en-US" dirty="0"/>
           </a:p>
@@ -4356,7 +4358,7 @@
           <a:p>
             <a:fld id="{0F39F4F5-F4D2-4D2A-AB60-88D37ADCB869}" type="datetimeFigureOut">
               <a:rPr lang="en-US" smtClean="0"/>
-              <a:t>1/4/2014</a:t>
+              <a:t>1/6/2014</a:t>
             </a:fld>
             <a:endParaRPr lang="en-US" dirty="0"/>
           </a:p>
@@ -4600,7 +4602,7 @@
           <a:p>
             <a:fld id="{D23BC6CE-6D1E-47E5-8859-F31AC5380EB2}" type="datetimeFigureOut">
               <a:rPr lang="en-US" smtClean="0"/>
-              <a:t>1/4/2014</a:t>
+              <a:t>1/6/2014</a:t>
             </a:fld>
             <a:endParaRPr lang="en-US" dirty="0"/>
           </a:p>
@@ -5007,7 +5009,7 @@
           <a:p>
             <a:fld id="{B1B4E7C4-4DA4-404D-9965-B13F2DD7D8BF}" type="datetimeFigureOut">
               <a:rPr lang="en-US" smtClean="0"/>
-              <a:t>1/4/2014</a:t>
+              <a:t>1/6/2014</a:t>
             </a:fld>
             <a:endParaRPr lang="en-US" dirty="0"/>
           </a:p>
@@ -5130,7 +5132,7 @@
           <a:p>
             <a:fld id="{476FB7AA-4A53-424F-AD41-70827B6504BA}" type="datetimeFigureOut">
               <a:rPr lang="en-US" smtClean="0"/>
-              <a:t>1/4/2014</a:t>
+              <a:t>1/6/2014</a:t>
             </a:fld>
             <a:endParaRPr lang="en-US" dirty="0"/>
           </a:p>
@@ -5230,7 +5232,7 @@
           <a:p>
             <a:fld id="{E7884882-FB12-4BC8-9960-9AD8104D7FAE}" type="datetimeFigureOut">
               <a:rPr lang="en-US" smtClean="0"/>
-              <a:t>1/4/2014</a:t>
+              <a:t>1/6/2014</a:t>
             </a:fld>
             <a:endParaRPr lang="en-US" dirty="0"/>
           </a:p>
@@ -5510,7 +5512,7 @@
           <a:p>
             <a:fld id="{F7D1BD23-6E54-4D9D-AD88-A2813C73CC25}" type="datetimeFigureOut">
               <a:rPr lang="en-US" smtClean="0"/>
-              <a:t>1/4/2014</a:t>
+              <a:t>1/6/2014</a:t>
             </a:fld>
             <a:endParaRPr lang="en-US" dirty="0"/>
           </a:p>
@@ -5798,7 +5800,7 @@
           <a:p>
             <a:fld id="{1471A834-4F3C-4AF9-9C74-05EC35A0F292}" type="datetimeFigureOut">
               <a:rPr lang="en-US" smtClean="0"/>
-              <a:t>1/4/2014</a:t>
+              <a:t>1/6/2014</a:t>
             </a:fld>
             <a:endParaRPr lang="en-US" dirty="0"/>
           </a:p>
@@ -6043,7 +6045,7 @@
           <a:p>
             <a:fld id="{51CF1133-3259-4C45-BABA-5B62D9C6F78D}" type="datetimeFigureOut">
               <a:rPr lang="en-US" smtClean="0"/>
-              <a:t>1/4/2014</a:t>
+              <a:t>1/6/2014</a:t>
             </a:fld>
             <a:endParaRPr lang="en-US" dirty="0"/>
           </a:p>
@@ -7120,7 +7122,7 @@
           <a:p>
             <a:r>
               <a:rPr lang="en-US" dirty="0" smtClean="0"/>
-              <a:t>One slide about computer hardware</a:t>
+              <a:t>However…</a:t>
             </a:r>
             <a:endParaRPr lang="en-US" dirty="0"/>
           </a:p>
@@ -7143,125 +7145,25 @@
           <a:p>
             <a:r>
               <a:rPr lang="en-US" dirty="0" smtClean="0"/>
-              <a:t>CPU – </a:t>
-            </a:r>
-            <a:r>
-              <a:rPr lang="en-US" u="sng" dirty="0" smtClean="0"/>
-              <a:t>C</a:t>
-            </a:r>
-            <a:r>
-              <a:rPr lang="en-US" dirty="0" smtClean="0"/>
-              <a:t>entral </a:t>
-            </a:r>
-            <a:r>
-              <a:rPr lang="en-US" u="sng" dirty="0" smtClean="0"/>
-              <a:t>P</a:t>
-            </a:r>
-            <a:r>
-              <a:rPr lang="en-US" dirty="0" smtClean="0"/>
-              <a:t>rocessing </a:t>
-            </a:r>
-            <a:r>
-              <a:rPr lang="en-US" u="sng" dirty="0" smtClean="0"/>
-              <a:t>U</a:t>
-            </a:r>
-            <a:r>
-              <a:rPr lang="en-US" dirty="0" smtClean="0"/>
-              <a:t>nit</a:t>
-            </a:r>
-          </a:p>
-          <a:p>
-            <a:pPr lvl="1"/>
-            <a:r>
-              <a:rPr lang="en-US" dirty="0" smtClean="0"/>
-              <a:t>Usually where your numbers get crunched</a:t>
-            </a:r>
-          </a:p>
-          <a:p>
-            <a:pPr lvl="1"/>
-            <a:r>
-              <a:rPr lang="en-US" dirty="0" smtClean="0"/>
-              <a:t>Modern computers usually have several</a:t>
-            </a:r>
-          </a:p>
-          <a:p>
-            <a:pPr lvl="1"/>
+              <a:t>For certain projects, what we’re discussing is overkill</a:t>
+            </a:r>
+          </a:p>
+          <a:p>
             <a:endParaRPr lang="en-US" dirty="0" smtClean="0"/>
           </a:p>
           <a:p>
             <a:r>
               <a:rPr lang="en-US" dirty="0" smtClean="0"/>
-              <a:t>RAM – </a:t>
-            </a:r>
-            <a:r>
-              <a:rPr lang="en-US" u="sng" dirty="0" smtClean="0"/>
-              <a:t>R</a:t>
-            </a:r>
-            <a:r>
-              <a:rPr lang="en-US" dirty="0" smtClean="0"/>
-              <a:t>andom </a:t>
-            </a:r>
-            <a:r>
-              <a:rPr lang="en-US" u="sng" dirty="0" smtClean="0"/>
-              <a:t>A</a:t>
-            </a:r>
-            <a:r>
-              <a:rPr lang="en-US" dirty="0" smtClean="0"/>
-              <a:t>ccess </a:t>
-            </a:r>
-            <a:r>
-              <a:rPr lang="en-US" u="sng" dirty="0" smtClean="0"/>
-              <a:t>M</a:t>
-            </a:r>
-            <a:r>
-              <a:rPr lang="en-US" dirty="0" smtClean="0"/>
-              <a:t>emory</a:t>
-            </a:r>
-          </a:p>
-          <a:p>
-            <a:pPr lvl="1"/>
-            <a:r>
-              <a:rPr lang="en-US" dirty="0" smtClean="0"/>
-              <a:t>Fast place to work, but volatile and small</a:t>
-            </a:r>
-          </a:p>
-          <a:p>
-            <a:pPr lvl="1"/>
-            <a:r>
-              <a:rPr lang="en-US" dirty="0" smtClean="0"/>
-              <a:t>Think of this as a small desktop surface</a:t>
-            </a:r>
-          </a:p>
-          <a:p>
-            <a:pPr lvl="1"/>
+              <a:t>Use tools that you understand and that will save you time</a:t>
+            </a:r>
+          </a:p>
+          <a:p>
             <a:endParaRPr lang="en-US" dirty="0" smtClean="0"/>
           </a:p>
           <a:p>
             <a:r>
               <a:rPr lang="en-US" dirty="0" smtClean="0"/>
-              <a:t>Disk – Hard Drives, Solid State Drives</a:t>
-            </a:r>
-          </a:p>
-          <a:p>
-            <a:pPr lvl="1"/>
-            <a:r>
-              <a:rPr lang="en-US" dirty="0" smtClean="0"/>
-              <a:t>Stable, long(</a:t>
-            </a:r>
-            <a:r>
-              <a:rPr lang="en-US" dirty="0" err="1" smtClean="0"/>
-              <a:t>er</a:t>
-            </a:r>
-            <a:r>
-              <a:rPr lang="en-US" dirty="0" smtClean="0"/>
-              <a:t>) term storage</a:t>
-            </a:r>
-          </a:p>
-          <a:p>
-            <a:pPr lvl="1"/>
-            <a:r>
-              <a:rPr lang="en-US" dirty="0" smtClean="0"/>
-              <a:t>Think of this as a filing cabinet</a:t>
+              <a:t>Excel, or even a simple calculator!</a:t>
             </a:r>
             <a:endParaRPr lang="en-US" dirty="0"/>
           </a:p>
@@ -7270,7 +7172,7 @@
     </p:spTree>
     <p:extLst>
       <p:ext uri="{BB962C8B-B14F-4D97-AF65-F5344CB8AC3E}">
-        <p14:creationId xmlns:p14="http://schemas.microsoft.com/office/powerpoint/2010/main" val="1878948955"/>
+        <p14:creationId xmlns:p14="http://schemas.microsoft.com/office/powerpoint/2010/main" val="3543641339"/>
       </p:ext>
     </p:extLst>
   </p:cSld>
@@ -7314,7 +7216,7 @@
           <a:p>
             <a:r>
               <a:rPr lang="en-US" dirty="0" smtClean="0"/>
-              <a:t>a shell</a:t>
+              <a:t>One slide about computer hardware</a:t>
             </a:r>
             <a:endParaRPr lang="en-US" dirty="0"/>
           </a:p>
@@ -7336,111 +7238,135 @@
           <a:lstStyle/>
           <a:p>
             <a:r>
-              <a:rPr lang="en-US" dirty="0"/>
-              <a:t>A program that interprets </a:t>
-            </a:r>
-            <a:r>
-              <a:rPr lang="en-US" dirty="0" smtClean="0"/>
-              <a:t>commands</a:t>
-            </a:r>
-          </a:p>
-          <a:p>
-            <a:r>
-              <a:rPr lang="en-US" dirty="0" smtClean="0"/>
-              <a:t>Not an OS</a:t>
+              <a:rPr lang="en-US" dirty="0" smtClean="0"/>
+              <a:t>CPU – </a:t>
+            </a:r>
+            <a:r>
+              <a:rPr lang="en-US" u="sng" dirty="0" smtClean="0"/>
+              <a:t>C</a:t>
+            </a:r>
+            <a:r>
+              <a:rPr lang="en-US" dirty="0" smtClean="0"/>
+              <a:t>entral </a:t>
+            </a:r>
+            <a:r>
+              <a:rPr lang="en-US" u="sng" dirty="0" smtClean="0"/>
+              <a:t>P</a:t>
+            </a:r>
+            <a:r>
+              <a:rPr lang="en-US" dirty="0" smtClean="0"/>
+              <a:t>rocessing </a:t>
+            </a:r>
+            <a:r>
+              <a:rPr lang="en-US" u="sng" dirty="0" smtClean="0"/>
+              <a:t>U</a:t>
+            </a:r>
+            <a:r>
+              <a:rPr lang="en-US" dirty="0" smtClean="0"/>
+              <a:t>nit</a:t>
             </a:r>
           </a:p>
           <a:p>
             <a:pPr lvl="1"/>
             <a:r>
               <a:rPr lang="en-US" dirty="0" smtClean="0"/>
-              <a:t>An interface to OS to run commands.</a:t>
-            </a:r>
-          </a:p>
-          <a:p>
-            <a:pPr marL="342900" lvl="1" indent="0">
-              <a:buNone/>
-            </a:pPr>
+              <a:t>Usually where your numbers get crunched</a:t>
+            </a:r>
+          </a:p>
+          <a:p>
+            <a:pPr lvl="1"/>
+            <a:r>
+              <a:rPr lang="en-US" dirty="0" smtClean="0"/>
+              <a:t>Modern computers usually have several</a:t>
+            </a:r>
+          </a:p>
+          <a:p>
+            <a:pPr lvl="1"/>
             <a:endParaRPr lang="en-US" dirty="0" smtClean="0"/>
           </a:p>
           <a:p>
             <a:r>
               <a:rPr lang="en-US" dirty="0" smtClean="0"/>
-              <a:t>bash: the </a:t>
-            </a:r>
-            <a:r>
-              <a:rPr lang="en-US" b="1" u="sng" dirty="0" smtClean="0"/>
-              <a:t>B</a:t>
-            </a:r>
-            <a:r>
-              <a:rPr lang="en-US" dirty="0" smtClean="0"/>
-              <a:t>ourne </a:t>
-            </a:r>
-            <a:r>
-              <a:rPr lang="en-US" b="1" u="sng" dirty="0" smtClean="0"/>
+              <a:t>RAM – </a:t>
+            </a:r>
+            <a:r>
+              <a:rPr lang="en-US" u="sng" dirty="0" smtClean="0"/>
+              <a:t>R</a:t>
+            </a:r>
+            <a:r>
+              <a:rPr lang="en-US" dirty="0" smtClean="0"/>
+              <a:t>andom </a:t>
+            </a:r>
+            <a:r>
+              <a:rPr lang="en-US" u="sng" dirty="0" smtClean="0"/>
               <a:t>A</a:t>
             </a:r>
             <a:r>
               <a:rPr lang="en-US" dirty="0" smtClean="0"/>
-              <a:t>gain </a:t>
-            </a:r>
-            <a:r>
-              <a:rPr lang="en-US" b="1" u="sng" dirty="0" smtClean="0"/>
-              <a:t>Sh</a:t>
-            </a:r>
-            <a:r>
-              <a:rPr lang="en-US" dirty="0" smtClean="0"/>
-              <a:t>ell</a:t>
+              <a:t>ccess </a:t>
+            </a:r>
+            <a:r>
+              <a:rPr lang="en-US" u="sng" dirty="0" smtClean="0"/>
+              <a:t>M</a:t>
+            </a:r>
+            <a:r>
+              <a:rPr lang="en-US" dirty="0" smtClean="0"/>
+              <a:t>emory</a:t>
             </a:r>
           </a:p>
           <a:p>
             <a:pPr lvl="1"/>
             <a:r>
               <a:rPr lang="en-US" dirty="0" smtClean="0"/>
-              <a:t>Free </a:t>
-            </a:r>
-            <a:r>
-              <a:rPr lang="en-US" dirty="0"/>
-              <a:t>replacement to </a:t>
-            </a:r>
-            <a:r>
-              <a:rPr lang="en-US" dirty="0" smtClean="0"/>
-              <a:t>Steve Bourne’s Shell</a:t>
-            </a:r>
-          </a:p>
-          <a:p>
-            <a:pPr marL="342900" lvl="1" indent="0">
-              <a:buNone/>
-            </a:pPr>
+              <a:t>Fast place to work, but volatile and small</a:t>
+            </a:r>
+          </a:p>
+          <a:p>
+            <a:pPr lvl="1"/>
+            <a:r>
+              <a:rPr lang="en-US" dirty="0" smtClean="0"/>
+              <a:t>Think of this as a small desktop surface</a:t>
+            </a:r>
+          </a:p>
+          <a:p>
+            <a:pPr lvl="1"/>
             <a:endParaRPr lang="en-US" dirty="0" smtClean="0"/>
           </a:p>
           <a:p>
             <a:r>
+              <a:rPr lang="en-US" dirty="0" smtClean="0"/>
+              <a:t>Disk – Hard Drives, Solid State Drives</a:t>
+            </a:r>
+          </a:p>
+          <a:p>
+            <a:pPr lvl="1"/>
+            <a:r>
+              <a:rPr lang="en-US" dirty="0" smtClean="0"/>
+              <a:t>Stable, long(</a:t>
+            </a:r>
+            <a:r>
               <a:rPr lang="en-US" dirty="0" err="1" smtClean="0"/>
-              <a:t>ssh</a:t>
-            </a:r>
-            <a:r>
-              <a:rPr lang="en-US" dirty="0" smtClean="0"/>
-              <a:t>: Secure Shell</a:t>
+              <a:t>er</a:t>
+            </a:r>
+            <a:r>
+              <a:rPr lang="en-US" dirty="0" smtClean="0"/>
+              <a:t>) term storage</a:t>
             </a:r>
           </a:p>
           <a:p>
             <a:pPr lvl="1"/>
             <a:r>
               <a:rPr lang="en-US" dirty="0" smtClean="0"/>
-              <a:t>cryptographic </a:t>
-            </a:r>
-            <a:r>
-              <a:rPr lang="en-US" dirty="0"/>
-              <a:t>network protocol for secure data communication</a:t>
-            </a:r>
+              <a:t>Think of this as a filing cabinet</a:t>
+            </a:r>
+            <a:endParaRPr lang="en-US" dirty="0"/>
           </a:p>
         </p:txBody>
       </p:sp>
     </p:spTree>
     <p:extLst>
       <p:ext uri="{BB962C8B-B14F-4D97-AF65-F5344CB8AC3E}">
-        <p14:creationId xmlns:p14="http://schemas.microsoft.com/office/powerpoint/2010/main" val="3106845283"/>
+        <p14:creationId xmlns:p14="http://schemas.microsoft.com/office/powerpoint/2010/main" val="1878948955"/>
       </p:ext>
     </p:extLst>
   </p:cSld>
@@ -7484,7 +7410,7 @@
           <a:p>
             <a:r>
               <a:rPr lang="en-US" dirty="0" smtClean="0"/>
-              <a:t>Shell tricks</a:t>
+              <a:t>a shell</a:t>
             </a:r>
             <a:endParaRPr lang="en-US" dirty="0"/>
           </a:p>
@@ -7500,34 +7426,35 @@
             <p:ph idx="1"/>
           </p:nvPr>
         </p:nvSpPr>
-        <p:spPr>
-          <a:xfrm>
-            <a:off x="628650" y="1825625"/>
-            <a:ext cx="8248650" cy="4351338"/>
-          </a:xfrm>
-        </p:spPr>
-        <p:txBody>
-          <a:bodyPr>
-            <a:normAutofit/>
-          </a:bodyPr>
-          <a:lstStyle/>
-          <a:p>
-            <a:r>
-              <a:rPr lang="en-US" dirty="0" smtClean="0"/>
-              <a:t>what was that command?</a:t>
-            </a:r>
-          </a:p>
-          <a:p>
-            <a:pPr marL="0" indent="0">
-              <a:buNone/>
-            </a:pPr>
-            <a:r>
-              <a:rPr lang="en-US" dirty="0" smtClean="0"/>
-              <a:t>$ history</a:t>
-            </a:r>
-          </a:p>
-          <a:p>
-            <a:pPr marL="0" indent="0">
+        <p:spPr/>
+        <p:txBody>
+          <a:bodyPr/>
+          <a:lstStyle/>
+          <a:p>
+            <a:r>
+              <a:rPr lang="en-US" dirty="0"/>
+              <a:t>A program that interprets </a:t>
+            </a:r>
+            <a:r>
+              <a:rPr lang="en-US" dirty="0" smtClean="0"/>
+              <a:t>commands</a:t>
+            </a:r>
+          </a:p>
+          <a:p>
+            <a:r>
+              <a:rPr lang="en-US" dirty="0" smtClean="0"/>
+              <a:t>Not an OS</a:t>
+            </a:r>
+          </a:p>
+          <a:p>
+            <a:pPr lvl="1"/>
+            <a:r>
+              <a:rPr lang="en-US" dirty="0" smtClean="0"/>
+              <a:t>An interface to OS to run commands.</a:t>
+            </a:r>
+          </a:p>
+          <a:p>
+            <a:pPr marL="342900" lvl="1" indent="0">
               <a:buNone/>
             </a:pPr>
             <a:endParaRPr lang="en-US" dirty="0" smtClean="0"/>
@@ -7535,48 +7462,81 @@
           <a:p>
             <a:r>
               <a:rPr lang="en-US" dirty="0" smtClean="0"/>
-              <a:t>last command: up/down arrows</a:t>
-            </a:r>
-          </a:p>
-          <a:p>
+              <a:t>bash: the </a:t>
+            </a:r>
+            <a:r>
+              <a:rPr lang="en-US" b="1" u="sng" dirty="0" smtClean="0"/>
+              <a:t>B</a:t>
+            </a:r>
+            <a:r>
+              <a:rPr lang="en-US" dirty="0" smtClean="0"/>
+              <a:t>ourne </a:t>
+            </a:r>
+            <a:r>
+              <a:rPr lang="en-US" b="1" u="sng" dirty="0" smtClean="0"/>
+              <a:t>A</a:t>
+            </a:r>
+            <a:r>
+              <a:rPr lang="en-US" dirty="0" smtClean="0"/>
+              <a:t>gain </a:t>
+            </a:r>
+            <a:r>
+              <a:rPr lang="en-US" b="1" u="sng" dirty="0" smtClean="0"/>
+              <a:t>Sh</a:t>
+            </a:r>
+            <a:r>
+              <a:rPr lang="en-US" dirty="0" smtClean="0"/>
+              <a:t>ell</a:t>
+            </a:r>
+          </a:p>
+          <a:p>
+            <a:pPr lvl="1"/>
+            <a:r>
+              <a:rPr lang="en-US" dirty="0" smtClean="0"/>
+              <a:t>Free </a:t>
+            </a:r>
+            <a:r>
+              <a:rPr lang="en-US" dirty="0"/>
+              <a:t>replacement to </a:t>
+            </a:r>
+            <a:r>
+              <a:rPr lang="en-US" dirty="0" smtClean="0"/>
+              <a:t>Steve Bourne’s Shell</a:t>
+            </a:r>
+          </a:p>
+          <a:p>
+            <a:pPr marL="342900" lvl="1" indent="0">
+              <a:buNone/>
+            </a:pPr>
             <a:endParaRPr lang="en-US" dirty="0" smtClean="0"/>
           </a:p>
           <a:p>
             <a:r>
-              <a:rPr lang="en-US" dirty="0" smtClean="0"/>
-              <a:t>tab completion!</a:t>
-            </a:r>
-          </a:p>
-          <a:p>
-            <a:endParaRPr lang="en-US" dirty="0" smtClean="0"/>
-          </a:p>
-          <a:p>
-            <a:r>
-              <a:rPr lang="en-US" dirty="0" smtClean="0"/>
-              <a:t>ctrl-r to search command history</a:t>
-            </a:r>
-          </a:p>
-          <a:p>
-            <a:endParaRPr lang="en-US" dirty="0"/>
-          </a:p>
-          <a:p>
-            <a:r>
-              <a:rPr lang="en-US" dirty="0" smtClean="0"/>
-              <a:t>ctrl-a/ctrl-e jump to beginning/end of line</a:t>
-            </a:r>
-          </a:p>
-          <a:p>
-            <a:pPr marL="0" indent="0">
-              <a:buNone/>
-            </a:pPr>
-            <a:endParaRPr lang="en-US" dirty="0"/>
+              <a:rPr lang="en-US" dirty="0" err="1" smtClean="0"/>
+              <a:t>ssh</a:t>
+            </a:r>
+            <a:r>
+              <a:rPr lang="en-US" dirty="0" smtClean="0"/>
+              <a:t>: Secure Shell</a:t>
+            </a:r>
+          </a:p>
+          <a:p>
+            <a:pPr lvl="1"/>
+            <a:r>
+              <a:rPr lang="en-US" dirty="0" smtClean="0"/>
+              <a:t>cryptographic </a:t>
+            </a:r>
+            <a:r>
+              <a:rPr lang="en-US" dirty="0"/>
+              <a:t>network protocol for secure data communication</a:t>
+            </a:r>
           </a:p>
         </p:txBody>
       </p:sp>
     </p:spTree>
     <p:extLst>
       <p:ext uri="{BB962C8B-B14F-4D97-AF65-F5344CB8AC3E}">
-        <p14:creationId xmlns:p14="http://schemas.microsoft.com/office/powerpoint/2010/main" val="461253557"/>
+        <p14:creationId xmlns:p14="http://schemas.microsoft.com/office/powerpoint/2010/main" val="3106845283"/>
       </p:ext>
     </p:extLst>
   </p:cSld>
@@ -7636,6 +7596,142 @@
             <p:ph idx="1"/>
           </p:nvPr>
         </p:nvSpPr>
+        <p:spPr>
+          <a:xfrm>
+            <a:off x="628650" y="1825625"/>
+            <a:ext cx="8248650" cy="4351338"/>
+          </a:xfrm>
+        </p:spPr>
+        <p:txBody>
+          <a:bodyPr>
+            <a:normAutofit/>
+          </a:bodyPr>
+          <a:lstStyle/>
+          <a:p>
+            <a:r>
+              <a:rPr lang="en-US" dirty="0" smtClean="0"/>
+              <a:t>what was that command?</a:t>
+            </a:r>
+          </a:p>
+          <a:p>
+            <a:pPr marL="0" indent="0">
+              <a:buNone/>
+            </a:pPr>
+            <a:r>
+              <a:rPr lang="en-US" dirty="0" smtClean="0"/>
+              <a:t>$ history</a:t>
+            </a:r>
+          </a:p>
+          <a:p>
+            <a:pPr marL="0" indent="0">
+              <a:buNone/>
+            </a:pPr>
+            <a:endParaRPr lang="en-US" dirty="0" smtClean="0"/>
+          </a:p>
+          <a:p>
+            <a:r>
+              <a:rPr lang="en-US" dirty="0" smtClean="0"/>
+              <a:t>last command: up/down arrows</a:t>
+            </a:r>
+          </a:p>
+          <a:p>
+            <a:endParaRPr lang="en-US" dirty="0" smtClean="0"/>
+          </a:p>
+          <a:p>
+            <a:r>
+              <a:rPr lang="en-US" dirty="0" smtClean="0"/>
+              <a:t>tab completion!</a:t>
+            </a:r>
+          </a:p>
+          <a:p>
+            <a:endParaRPr lang="en-US" dirty="0" smtClean="0"/>
+          </a:p>
+          <a:p>
+            <a:r>
+              <a:rPr lang="en-US" dirty="0" smtClean="0"/>
+              <a:t>ctrl-r to search command history</a:t>
+            </a:r>
+          </a:p>
+          <a:p>
+            <a:endParaRPr lang="en-US" dirty="0"/>
+          </a:p>
+          <a:p>
+            <a:r>
+              <a:rPr lang="en-US" dirty="0" smtClean="0"/>
+              <a:t>ctrl-a/ctrl-e jump to beginning/end of line</a:t>
+            </a:r>
+          </a:p>
+          <a:p>
+            <a:pPr marL="0" indent="0">
+              <a:buNone/>
+            </a:pPr>
+            <a:endParaRPr lang="en-US" dirty="0"/>
+          </a:p>
+        </p:txBody>
+      </p:sp>
+    </p:spTree>
+    <p:extLst>
+      <p:ext uri="{BB962C8B-B14F-4D97-AF65-F5344CB8AC3E}">
+        <p14:creationId xmlns:p14="http://schemas.microsoft.com/office/powerpoint/2010/main" val="461253557"/>
+      </p:ext>
+    </p:extLst>
+  </p:cSld>
+  <p:clrMapOvr>
+    <a:masterClrMapping/>
+  </p:clrMapOvr>
+</p:sld>
+</file>
+
+<file path=ppt/slides/slide14.xml><?xml version="1.0" encoding="utf-8"?>
+<p:sld xmlns:a="http://schemas.openxmlformats.org/drawingml/2006/main" xmlns:r="http://schemas.openxmlformats.org/officeDocument/2006/relationships" xmlns:p="http://schemas.openxmlformats.org/presentationml/2006/main">
+  <p:cSld>
+    <p:spTree>
+      <p:nvGrpSpPr>
+        <p:cNvPr id="1" name=""/>
+        <p:cNvGrpSpPr/>
+        <p:nvPr/>
+      </p:nvGrpSpPr>
+      <p:grpSpPr>
+        <a:xfrm>
+          <a:off x="0" y="0"/>
+          <a:ext cx="0" cy="0"/>
+          <a:chOff x="0" y="0"/>
+          <a:chExt cx="0" cy="0"/>
+        </a:xfrm>
+      </p:grpSpPr>
+      <p:sp>
+        <p:nvSpPr>
+          <p:cNvPr id="2" name="Title 1"/>
+          <p:cNvSpPr>
+            <a:spLocks noGrp="1"/>
+          </p:cNvSpPr>
+          <p:nvPr>
+            <p:ph type="title"/>
+          </p:nvPr>
+        </p:nvSpPr>
+        <p:spPr/>
+        <p:txBody>
+          <a:bodyPr/>
+          <a:lstStyle/>
+          <a:p>
+            <a:r>
+              <a:rPr lang="en-US" dirty="0" smtClean="0"/>
+              <a:t>Shell tricks</a:t>
+            </a:r>
+            <a:endParaRPr lang="en-US" dirty="0"/>
+          </a:p>
+        </p:txBody>
+      </p:sp>
+      <p:sp>
+        <p:nvSpPr>
+          <p:cNvPr id="3" name="Content Placeholder 2"/>
+          <p:cNvSpPr>
+            <a:spLocks noGrp="1"/>
+          </p:cNvSpPr>
+          <p:nvPr>
+            <p:ph idx="1"/>
+          </p:nvPr>
+        </p:nvSpPr>
         <p:spPr/>
         <p:txBody>
           <a:bodyPr/>
@@ -7720,7 +7816,7 @@
 </p:sld>
 </file>
 
-<file path=ppt/slides/slide14.xml><?xml version="1.0" encoding="utf-8"?>
+<file path=ppt/slides/slide15.xml><?xml version="1.0" encoding="utf-8"?>
 <p:sld xmlns:a="http://schemas.openxmlformats.org/drawingml/2006/main" xmlns:r="http://schemas.openxmlformats.org/officeDocument/2006/relationships" xmlns:p="http://schemas.openxmlformats.org/presentationml/2006/main">
   <p:cSld>
     <p:spTree>
@@ -8277,7 +8373,7 @@
 </p:sld>
 </file>
 
-<file path=ppt/slides/slide15.xml><?xml version="1.0" encoding="utf-8"?>
+<file path=ppt/slides/slide16.xml><?xml version="1.0" encoding="utf-8"?>
 <p:sld xmlns:a="http://schemas.openxmlformats.org/drawingml/2006/main" xmlns:r="http://schemas.openxmlformats.org/officeDocument/2006/relationships" xmlns:p="http://schemas.openxmlformats.org/presentationml/2006/main">
   <p:cSld>
     <p:spTree>
@@ -8493,7 +8589,7 @@
 </p:sld>
 </file>
 
-<file path=ppt/slides/slide16.xml><?xml version="1.0" encoding="utf-8"?>
+<file path=ppt/slides/slide17.xml><?xml version="1.0" encoding="utf-8"?>
 <p:sld xmlns:a="http://schemas.openxmlformats.org/drawingml/2006/main" xmlns:r="http://schemas.openxmlformats.org/officeDocument/2006/relationships" xmlns:p="http://schemas.openxmlformats.org/presentationml/2006/main">
   <p:cSld>
     <p:spTree>
@@ -8745,7 +8841,7 @@
 </p:sld>
 </file>
 
-<file path=ppt/slides/slide17.xml><?xml version="1.0" encoding="utf-8"?>
+<file path=ppt/slides/slide18.xml><?xml version="1.0" encoding="utf-8"?>
 <p:sld xmlns:a="http://schemas.openxmlformats.org/drawingml/2006/main" xmlns:r="http://schemas.openxmlformats.org/officeDocument/2006/relationships" xmlns:p="http://schemas.openxmlformats.org/presentationml/2006/main">
   <p:cSld>
     <p:spTree>
@@ -9662,7 +9758,439 @@
 </p:sld>
 </file>
 
-<file path=ppt/slides/slide18.xml><?xml version="1.0" encoding="utf-8"?>
+<file path=ppt/slides/slide19.xml><?xml version="1.0" encoding="utf-8"?>
+<p:sld xmlns:a="http://schemas.openxmlformats.org/drawingml/2006/main" xmlns:r="http://schemas.openxmlformats.org/officeDocument/2006/relationships" xmlns:p="http://schemas.openxmlformats.org/presentationml/2006/main">
+  <p:cSld>
+    <p:spTree>
+      <p:nvGrpSpPr>
+        <p:cNvPr id="1" name=""/>
+        <p:cNvGrpSpPr/>
+        <p:nvPr/>
+      </p:nvGrpSpPr>
+      <p:grpSpPr>
+        <a:xfrm>
+          <a:off x="0" y="0"/>
+          <a:ext cx="0" cy="0"/>
+          <a:chOff x="0" y="0"/>
+          <a:chExt cx="0" cy="0"/>
+        </a:xfrm>
+      </p:grpSpPr>
+      <p:sp>
+        <p:nvSpPr>
+          <p:cNvPr id="2" name="Title 1"/>
+          <p:cNvSpPr>
+            <a:spLocks noGrp="1"/>
+          </p:cNvSpPr>
+          <p:nvPr>
+            <p:ph type="title"/>
+          </p:nvPr>
+        </p:nvSpPr>
+        <p:spPr/>
+        <p:txBody>
+          <a:bodyPr/>
+          <a:lstStyle/>
+          <a:p>
+            <a:r>
+              <a:rPr lang="en-US" dirty="0" err="1"/>
+              <a:t>c</a:t>
+            </a:r>
+            <a:r>
+              <a:rPr lang="en-US" dirty="0" err="1" smtClean="0"/>
+              <a:t>hmod</a:t>
+            </a:r>
+            <a:r>
+              <a:rPr lang="en-US" dirty="0" smtClean="0"/>
+              <a:t>: permissions</a:t>
+            </a:r>
+            <a:endParaRPr lang="en-US" dirty="0"/>
+          </a:p>
+        </p:txBody>
+      </p:sp>
+      <p:sp>
+        <p:nvSpPr>
+          <p:cNvPr id="3" name="Content Placeholder 2"/>
+          <p:cNvSpPr>
+            <a:spLocks noGrp="1"/>
+          </p:cNvSpPr>
+          <p:nvPr>
+            <p:ph idx="1"/>
+          </p:nvPr>
+        </p:nvSpPr>
+        <p:spPr/>
+        <p:txBody>
+          <a:bodyPr/>
+          <a:lstStyle/>
+          <a:p>
+            <a:pPr marL="0" indent="0">
+              <a:buNone/>
+            </a:pPr>
+            <a:r>
+              <a:rPr lang="en-US" u="sng" dirty="0" smtClean="0"/>
+              <a:t>U</a:t>
+            </a:r>
+            <a:r>
+              <a:rPr lang="en-US" dirty="0" smtClean="0"/>
+              <a:t>ser, </a:t>
+            </a:r>
+            <a:r>
+              <a:rPr lang="en-US" u="sng" dirty="0" smtClean="0"/>
+              <a:t>G</a:t>
+            </a:r>
+            <a:r>
+              <a:rPr lang="en-US" dirty="0" smtClean="0"/>
+              <a:t>roup, </a:t>
+            </a:r>
+            <a:r>
+              <a:rPr lang="en-US" u="sng" dirty="0" smtClean="0"/>
+              <a:t>O</a:t>
+            </a:r>
+            <a:r>
+              <a:rPr lang="en-US" dirty="0" smtClean="0"/>
+              <a:t>thers</a:t>
+            </a:r>
+          </a:p>
+          <a:p>
+            <a:pPr marL="0" indent="0">
+              <a:buNone/>
+            </a:pPr>
+            <a:r>
+              <a:rPr lang="en-US" dirty="0" smtClean="0"/>
+              <a:t>Can use ‘octal’ but it’s unintuitive!</a:t>
+            </a:r>
+          </a:p>
+          <a:p>
+            <a:pPr marL="0" indent="0">
+              <a:buNone/>
+            </a:pPr>
+            <a:r>
+              <a:rPr lang="en-US" dirty="0" smtClean="0"/>
+              <a:t>777? 755? 765? 000?</a:t>
+            </a:r>
+          </a:p>
+          <a:p>
+            <a:pPr marL="0" indent="0">
+              <a:buNone/>
+            </a:pPr>
+            <a:endParaRPr lang="en-US" dirty="0" smtClean="0"/>
+          </a:p>
+          <a:p>
+            <a:pPr marL="0" indent="0">
+              <a:buNone/>
+            </a:pPr>
+            <a:r>
+              <a:rPr lang="en-US" dirty="0" smtClean="0"/>
+              <a:t>Example:</a:t>
+            </a:r>
+          </a:p>
+          <a:p>
+            <a:pPr marL="0" indent="0">
+              <a:buNone/>
+            </a:pPr>
+            <a:r>
+              <a:rPr lang="en-US" dirty="0" smtClean="0"/>
+              <a:t>#give me read and write access, everyone else only read access</a:t>
+            </a:r>
+          </a:p>
+          <a:p>
+            <a:pPr marL="0" indent="0">
+              <a:buNone/>
+            </a:pPr>
+            <a:r>
+              <a:rPr lang="en-US" dirty="0" smtClean="0"/>
+              <a:t>$ </a:t>
+            </a:r>
+            <a:r>
+              <a:rPr lang="en-US" dirty="0" err="1"/>
+              <a:t>chmod</a:t>
+            </a:r>
+            <a:r>
+              <a:rPr lang="en-US" dirty="0"/>
+              <a:t> u=</a:t>
+            </a:r>
+            <a:r>
+              <a:rPr lang="en-US" dirty="0" err="1"/>
+              <a:t>rw,go</a:t>
+            </a:r>
+            <a:r>
+              <a:rPr lang="en-US" dirty="0"/>
+              <a:t>=r </a:t>
+            </a:r>
+            <a:r>
+              <a:rPr lang="en-US" dirty="0" smtClean="0"/>
+              <a:t>file.txt</a:t>
+            </a:r>
+          </a:p>
+          <a:p>
+            <a:pPr marL="0" indent="0">
+              <a:buNone/>
+            </a:pPr>
+            <a:endParaRPr lang="en-US" dirty="0"/>
+          </a:p>
+        </p:txBody>
+      </p:sp>
+    </p:spTree>
+    <p:extLst>
+      <p:ext uri="{BB962C8B-B14F-4D97-AF65-F5344CB8AC3E}">
+        <p14:creationId xmlns:p14="http://schemas.microsoft.com/office/powerpoint/2010/main" val="3024930401"/>
+      </p:ext>
+    </p:extLst>
+  </p:cSld>
+  <p:clrMapOvr>
+    <a:masterClrMapping/>
+  </p:clrMapOvr>
+</p:sld>
+</file>
+
+<file path=ppt/slides/slide2.xml><?xml version="1.0" encoding="utf-8"?>
+<p:sld xmlns:a="http://schemas.openxmlformats.org/drawingml/2006/main" xmlns:r="http://schemas.openxmlformats.org/officeDocument/2006/relationships" xmlns:p="http://schemas.openxmlformats.org/presentationml/2006/main">
+  <p:cSld>
+    <p:spTree>
+      <p:nvGrpSpPr>
+        <p:cNvPr id="1" name=""/>
+        <p:cNvGrpSpPr/>
+        <p:nvPr/>
+      </p:nvGrpSpPr>
+      <p:grpSpPr>
+        <a:xfrm>
+          <a:off x="0" y="0"/>
+          <a:ext cx="0" cy="0"/>
+          <a:chOff x="0" y="0"/>
+          <a:chExt cx="0" cy="0"/>
+        </a:xfrm>
+      </p:grpSpPr>
+      <p:sp>
+        <p:nvSpPr>
+          <p:cNvPr id="2" name="Title 1"/>
+          <p:cNvSpPr>
+            <a:spLocks noGrp="1"/>
+          </p:cNvSpPr>
+          <p:nvPr>
+            <p:ph type="title"/>
+          </p:nvPr>
+        </p:nvSpPr>
+        <p:spPr/>
+        <p:txBody>
+          <a:bodyPr/>
+          <a:lstStyle/>
+          <a:p>
+            <a:r>
+              <a:rPr lang="en-US" dirty="0" smtClean="0"/>
+              <a:t>An Excellent Book</a:t>
+            </a:r>
+            <a:endParaRPr lang="en-US" dirty="0"/>
+          </a:p>
+        </p:txBody>
+      </p:sp>
+      <p:pic>
+        <p:nvPicPr>
+          <p:cNvPr id="3078" name="Picture 6" descr="Practical Computing for Biologists"/>
+          <p:cNvPicPr>
+            <a:picLocks noChangeAspect="1" noChangeArrowheads="1"/>
+          </p:cNvPicPr>
+          <p:nvPr/>
+        </p:nvPicPr>
+        <p:blipFill>
+          <a:blip r:embed="rId2">
+            <a:extLst>
+              <a:ext uri="{28A0092B-C50C-407E-A947-70E740481C1C}">
+                <a14:useLocalDpi xmlns:a14="http://schemas.microsoft.com/office/drawing/2010/main" val="0"/>
+              </a:ext>
+            </a:extLst>
+          </a:blip>
+          <a:srcRect/>
+          <a:stretch>
+            <a:fillRect/>
+          </a:stretch>
+        </p:blipFill>
+        <p:spPr bwMode="auto">
+          <a:xfrm>
+            <a:off x="317151" y="2140299"/>
+            <a:ext cx="3307570" cy="4014316"/>
+          </a:xfrm>
+          <a:prstGeom prst="rect">
+            <a:avLst/>
+          </a:prstGeom>
+          <a:noFill/>
+          <a:extLst>
+            <a:ext uri="{909E8E84-426E-40DD-AFC4-6F175D3DCCD1}">
+              <a14:hiddenFill xmlns:a14="http://schemas.microsoft.com/office/drawing/2010/main">
+                <a:solidFill>
+                  <a:srgbClr val="FFFFFF"/>
+                </a:solidFill>
+              </a14:hiddenFill>
+            </a:ext>
+          </a:extLst>
+        </p:spPr>
+      </p:pic>
+      <p:sp>
+        <p:nvSpPr>
+          <p:cNvPr id="4" name="TextBox 3"/>
+          <p:cNvSpPr txBox="1"/>
+          <p:nvPr/>
+        </p:nvSpPr>
+        <p:spPr>
+          <a:xfrm>
+            <a:off x="3808324" y="2140299"/>
+            <a:ext cx="4943790" cy="3970318"/>
+          </a:xfrm>
+          <a:prstGeom prst="rect">
+            <a:avLst/>
+          </a:prstGeom>
+          <a:noFill/>
+        </p:spPr>
+        <p:txBody>
+          <a:bodyPr wrap="square" rtlCol="0">
+            <a:spAutoFit/>
+          </a:bodyPr>
+          <a:lstStyle/>
+          <a:p>
+            <a:pPr>
+              <a:lnSpc>
+                <a:spcPct val="150000"/>
+              </a:lnSpc>
+            </a:pPr>
+            <a:r>
+              <a:rPr lang="en-US" sz="2400" dirty="0" smtClean="0"/>
+              <a:t>Reformatting </a:t>
+            </a:r>
+            <a:r>
+              <a:rPr lang="en-US" sz="2400" dirty="0"/>
+              <a:t>data with </a:t>
+            </a:r>
+            <a:r>
+              <a:rPr lang="en-US" sz="2400" dirty="0" smtClean="0"/>
+              <a:t>regex</a:t>
+            </a:r>
+            <a:endParaRPr lang="en-US" sz="2400" dirty="0"/>
+          </a:p>
+          <a:p>
+            <a:pPr>
+              <a:lnSpc>
+                <a:spcPct val="150000"/>
+              </a:lnSpc>
+            </a:pPr>
+            <a:r>
+              <a:rPr lang="en-US" sz="2400" dirty="0" smtClean="0"/>
+              <a:t>The </a:t>
+            </a:r>
+            <a:r>
+              <a:rPr lang="en-US" sz="2400" dirty="0"/>
+              <a:t>Unix command </a:t>
+            </a:r>
+            <a:r>
+              <a:rPr lang="en-US" sz="2400" dirty="0" smtClean="0"/>
+              <a:t>line</a:t>
+            </a:r>
+            <a:endParaRPr lang="en-US" sz="2400" dirty="0"/>
+          </a:p>
+          <a:p>
+            <a:pPr>
+              <a:lnSpc>
+                <a:spcPct val="150000"/>
+              </a:lnSpc>
+            </a:pPr>
+            <a:r>
+              <a:rPr lang="en-US" sz="2400" dirty="0" smtClean="0"/>
+              <a:t>Combining </a:t>
+            </a:r>
+            <a:r>
+              <a:rPr lang="en-US" sz="2400" dirty="0"/>
+              <a:t>and automating </a:t>
+            </a:r>
+            <a:r>
+              <a:rPr lang="en-US" sz="2400" dirty="0" smtClean="0"/>
+              <a:t>analyses</a:t>
+            </a:r>
+            <a:endParaRPr lang="en-US" sz="2400" dirty="0"/>
+          </a:p>
+          <a:p>
+            <a:pPr>
+              <a:lnSpc>
+                <a:spcPct val="150000"/>
+              </a:lnSpc>
+            </a:pPr>
+            <a:r>
+              <a:rPr lang="en-US" sz="2400" dirty="0" smtClean="0"/>
+              <a:t>Python </a:t>
+            </a:r>
+            <a:r>
+              <a:rPr lang="en-US" sz="2400" dirty="0"/>
+              <a:t>programming and </a:t>
+            </a:r>
+            <a:r>
+              <a:rPr lang="en-US" sz="2400" dirty="0" smtClean="0"/>
+              <a:t>debugging</a:t>
+            </a:r>
+            <a:endParaRPr lang="en-US" sz="2400" dirty="0"/>
+          </a:p>
+          <a:p>
+            <a:pPr>
+              <a:lnSpc>
+                <a:spcPct val="150000"/>
+              </a:lnSpc>
+            </a:pPr>
+            <a:r>
+              <a:rPr lang="en-US" sz="2400" dirty="0" smtClean="0"/>
+              <a:t>Creating </a:t>
+            </a:r>
+            <a:r>
+              <a:rPr lang="en-US" sz="2400" dirty="0"/>
+              <a:t>and editing </a:t>
+            </a:r>
+            <a:r>
+              <a:rPr lang="en-US" sz="2400" dirty="0" smtClean="0"/>
+              <a:t>graphics</a:t>
+            </a:r>
+            <a:endParaRPr lang="en-US" sz="2400" dirty="0"/>
+          </a:p>
+          <a:p>
+            <a:pPr>
+              <a:lnSpc>
+                <a:spcPct val="150000"/>
+              </a:lnSpc>
+            </a:pPr>
+            <a:r>
+              <a:rPr lang="en-US" sz="2400" dirty="0" smtClean="0"/>
+              <a:t>Databases</a:t>
+            </a:r>
+            <a:endParaRPr lang="en-US" sz="2400" dirty="0"/>
+          </a:p>
+          <a:p>
+            <a:pPr>
+              <a:lnSpc>
+                <a:spcPct val="150000"/>
+              </a:lnSpc>
+            </a:pPr>
+            <a:r>
+              <a:rPr lang="en-US" sz="2400" dirty="0" smtClean="0"/>
+              <a:t>Performing </a:t>
+            </a:r>
+            <a:r>
+              <a:rPr lang="en-US" sz="2400" dirty="0"/>
+              <a:t>analyses </a:t>
+            </a:r>
+            <a:r>
+              <a:rPr lang="en-US" sz="2400" dirty="0" smtClean="0"/>
+              <a:t>remotely</a:t>
+            </a:r>
+            <a:endParaRPr lang="en-US" sz="2400" dirty="0"/>
+          </a:p>
+        </p:txBody>
+      </p:sp>
+    </p:spTree>
+    <p:extLst>
+      <p:ext uri="{BB962C8B-B14F-4D97-AF65-F5344CB8AC3E}">
+        <p14:creationId xmlns:p14="http://schemas.microsoft.com/office/powerpoint/2010/main" val="317622222"/>
+      </p:ext>
+    </p:extLst>
+  </p:cSld>
+  <p:clrMapOvr>
+    <a:masterClrMapping/>
+  </p:clrMapOvr>
+</p:sld>
+</file>
+
+<file path=ppt/slides/slide20.xml><?xml version="1.0" encoding="utf-8"?>
 <p:sld xmlns:a="http://schemas.openxmlformats.org/drawingml/2006/main" xmlns:r="http://schemas.openxmlformats.org/officeDocument/2006/relationships" xmlns:p="http://schemas.openxmlformats.org/presentationml/2006/main">
   <p:cSld>
     <p:spTree>
@@ -9828,7 +10356,7 @@
 </p:sld>
 </file>
 
-<file path=ppt/slides/slide19.xml><?xml version="1.0" encoding="utf-8"?>
+<file path=ppt/slides/slide21.xml><?xml version="1.0" encoding="utf-8"?>
 <p:sld xmlns:a="http://schemas.openxmlformats.org/drawingml/2006/main" xmlns:r="http://schemas.openxmlformats.org/officeDocument/2006/relationships" xmlns:p="http://schemas.openxmlformats.org/presentationml/2006/main">
   <p:cSld>
     <p:spTree>
@@ -10154,490 +10682,6 @@
 </p:sld>
 </file>
 
-<file path=ppt/slides/slide2.xml><?xml version="1.0" encoding="utf-8"?>
-<p:sld xmlns:a="http://schemas.openxmlformats.org/drawingml/2006/main" xmlns:r="http://schemas.openxmlformats.org/officeDocument/2006/relationships" xmlns:p="http://schemas.openxmlformats.org/presentationml/2006/main">
-  <p:cSld>
-    <p:spTree>
-      <p:nvGrpSpPr>
-        <p:cNvPr id="1" name=""/>
-        <p:cNvGrpSpPr/>
-        <p:nvPr/>
-      </p:nvGrpSpPr>
-      <p:grpSpPr>
-        <a:xfrm>
-          <a:off x="0" y="0"/>
-          <a:ext cx="0" cy="0"/>
-          <a:chOff x="0" y="0"/>
-          <a:chExt cx="0" cy="0"/>
-        </a:xfrm>
-      </p:grpSpPr>
-      <p:sp>
-        <p:nvSpPr>
-          <p:cNvPr id="2" name="Title 1"/>
-          <p:cNvSpPr>
-            <a:spLocks noGrp="1"/>
-          </p:cNvSpPr>
-          <p:nvPr>
-            <p:ph type="title"/>
-          </p:nvPr>
-        </p:nvSpPr>
-        <p:spPr/>
-        <p:txBody>
-          <a:bodyPr/>
-          <a:lstStyle/>
-          <a:p>
-            <a:r>
-              <a:rPr lang="en-US" dirty="0" smtClean="0"/>
-              <a:t>Outline</a:t>
-            </a:r>
-            <a:endParaRPr lang="en-US" dirty="0"/>
-          </a:p>
-        </p:txBody>
-      </p:sp>
-      <p:sp>
-        <p:nvSpPr>
-          <p:cNvPr id="3" name="Content Placeholder 2"/>
-          <p:cNvSpPr>
-            <a:spLocks noGrp="1"/>
-          </p:cNvSpPr>
-          <p:nvPr>
-            <p:ph idx="1"/>
-          </p:nvPr>
-        </p:nvSpPr>
-        <p:spPr>
-          <a:xfrm>
-            <a:off x="840000" y="1825624"/>
-            <a:ext cx="7675350" cy="4708525"/>
-          </a:xfrm>
-        </p:spPr>
-        <p:txBody>
-          <a:bodyPr>
-            <a:normAutofit/>
-          </a:bodyPr>
-          <a:lstStyle/>
-          <a:p>
-            <a:r>
-              <a:rPr lang="en-US" dirty="0" smtClean="0"/>
-              <a:t>Intro</a:t>
-            </a:r>
-          </a:p>
-          <a:p>
-            <a:r>
-              <a:rPr lang="en-US" dirty="0" smtClean="0"/>
-              <a:t>Underlying concepts</a:t>
-            </a:r>
-          </a:p>
-          <a:p>
-            <a:r>
-              <a:rPr lang="en-US" dirty="0" smtClean="0"/>
-              <a:t>Where’s the mouse?</a:t>
-            </a:r>
-          </a:p>
-          <a:p>
-            <a:r>
-              <a:rPr lang="en-US" dirty="0" smtClean="0"/>
-              <a:t>Looking around</a:t>
-            </a:r>
-          </a:p>
-          <a:p>
-            <a:pPr lvl="1"/>
-            <a:r>
-              <a:rPr lang="en-US" dirty="0" smtClean="0"/>
-              <a:t>Permissions</a:t>
-            </a:r>
-          </a:p>
-          <a:p>
-            <a:r>
-              <a:rPr lang="en-US" dirty="0" smtClean="0"/>
-              <a:t>Getting around</a:t>
-            </a:r>
-          </a:p>
-          <a:p>
-            <a:r>
-              <a:rPr lang="en-US" dirty="0" smtClean="0"/>
-              <a:t>File commands</a:t>
-            </a:r>
-          </a:p>
-          <a:p>
-            <a:pPr lvl="1"/>
-            <a:r>
-              <a:rPr lang="en-US" dirty="0" smtClean="0"/>
-              <a:t>File I/O</a:t>
-            </a:r>
-          </a:p>
-          <a:p>
-            <a:r>
-              <a:rPr lang="en-US" dirty="0" smtClean="0"/>
-              <a:t>Redirection</a:t>
-            </a:r>
-          </a:p>
-          <a:p>
-            <a:r>
-              <a:rPr lang="en-US" dirty="0" smtClean="0"/>
-              <a:t>pipelines</a:t>
-            </a:r>
-          </a:p>
-          <a:p>
-            <a:endParaRPr lang="en-US" dirty="0"/>
-          </a:p>
-        </p:txBody>
-      </p:sp>
-    </p:spTree>
-    <p:extLst>
-      <p:ext uri="{BB962C8B-B14F-4D97-AF65-F5344CB8AC3E}">
-        <p14:creationId xmlns:p14="http://schemas.microsoft.com/office/powerpoint/2010/main" val="1877784081"/>
-      </p:ext>
-    </p:extLst>
-  </p:cSld>
-  <p:clrMapOvr>
-    <a:masterClrMapping/>
-  </p:clrMapOvr>
-  <p:timing>
-    <p:tnLst>
-      <p:par>
-        <p:cTn id="1" dur="indefinite" restart="never" nodeType="tmRoot"/>
-      </p:par>
-    </p:tnLst>
-  </p:timing>
-</p:sld>
-</file>
-
-<file path=ppt/slides/slide20.xml><?xml version="1.0" encoding="utf-8"?>
-<p:sld xmlns:a="http://schemas.openxmlformats.org/drawingml/2006/main" xmlns:r="http://schemas.openxmlformats.org/officeDocument/2006/relationships" xmlns:p="http://schemas.openxmlformats.org/presentationml/2006/main">
-  <p:cSld>
-    <p:spTree>
-      <p:nvGrpSpPr>
-        <p:cNvPr id="1" name=""/>
-        <p:cNvGrpSpPr/>
-        <p:nvPr/>
-      </p:nvGrpSpPr>
-      <p:grpSpPr>
-        <a:xfrm>
-          <a:off x="0" y="0"/>
-          <a:ext cx="0" cy="0"/>
-          <a:chOff x="0" y="0"/>
-          <a:chExt cx="0" cy="0"/>
-        </a:xfrm>
-      </p:grpSpPr>
-      <p:sp>
-        <p:nvSpPr>
-          <p:cNvPr id="2" name="Title 1"/>
-          <p:cNvSpPr>
-            <a:spLocks noGrp="1"/>
-          </p:cNvSpPr>
-          <p:nvPr>
-            <p:ph type="title"/>
-          </p:nvPr>
-        </p:nvSpPr>
-        <p:spPr/>
-        <p:txBody>
-          <a:bodyPr>
-            <a:normAutofit fontScale="90000"/>
-          </a:bodyPr>
-          <a:lstStyle/>
-          <a:p>
-            <a:r>
-              <a:rPr lang="en-US" dirty="0" smtClean="0"/>
-              <a:t>Path shortcuts:</a:t>
-            </a:r>
-            <a:br>
-              <a:rPr lang="en-US" dirty="0" smtClean="0"/>
-            </a:br>
-            <a:r>
-              <a:rPr lang="en-US" dirty="0"/>
-              <a:t>there’s no place like ~</a:t>
-            </a:r>
-          </a:p>
-        </p:txBody>
-      </p:sp>
-      <p:sp>
-        <p:nvSpPr>
-          <p:cNvPr id="3" name="Content Placeholder 2"/>
-          <p:cNvSpPr>
-            <a:spLocks noGrp="1"/>
-          </p:cNvSpPr>
-          <p:nvPr>
-            <p:ph idx="1"/>
-          </p:nvPr>
-        </p:nvSpPr>
-        <p:spPr/>
-        <p:txBody>
-          <a:bodyPr/>
-          <a:lstStyle/>
-          <a:p>
-            <a:pPr marL="0" indent="0">
-              <a:buNone/>
-            </a:pPr>
-            <a:endParaRPr lang="en-US" dirty="0" smtClean="0"/>
-          </a:p>
-          <a:p>
-            <a:pPr marL="0" indent="0">
-              <a:buNone/>
-            </a:pPr>
-            <a:r>
-              <a:rPr lang="en-US" dirty="0" smtClean="0"/>
-              <a:t>. or ./ #this directory</a:t>
-            </a:r>
-          </a:p>
-          <a:p>
-            <a:pPr marL="0" indent="0">
-              <a:buNone/>
-            </a:pPr>
-            <a:r>
-              <a:rPr lang="en-US" dirty="0" smtClean="0"/>
-              <a:t>.. or ../ #the directory “above”</a:t>
-            </a:r>
-          </a:p>
-          <a:p>
-            <a:pPr marL="0" indent="0">
-              <a:buNone/>
-            </a:pPr>
-            <a:r>
-              <a:rPr lang="en-US" dirty="0" smtClean="0"/>
-              <a:t>~ #your home</a:t>
-            </a:r>
-          </a:p>
-          <a:p>
-            <a:pPr marL="0" indent="0">
-              <a:buNone/>
-            </a:pPr>
-            <a:r>
-              <a:rPr lang="en-US" dirty="0" smtClean="0"/>
-              <a:t>~be59 #home directory for user be59</a:t>
-            </a:r>
-          </a:p>
-          <a:p>
-            <a:pPr marL="0" indent="0">
-              <a:buNone/>
-            </a:pPr>
-            <a:r>
-              <a:rPr lang="en-US" dirty="0" smtClean="0"/>
-              <a:t>cd ~ #go home</a:t>
-            </a:r>
-          </a:p>
-          <a:p>
-            <a:pPr marL="0" indent="0">
-              <a:buNone/>
-            </a:pPr>
-            <a:r>
-              <a:rPr lang="en-US" dirty="0" smtClean="0"/>
-              <a:t>cd #also takes you home</a:t>
-            </a:r>
-          </a:p>
-          <a:p>
-            <a:pPr marL="0" indent="0">
-              <a:buNone/>
-            </a:pPr>
-            <a:r>
-              <a:rPr lang="en-US" dirty="0" smtClean="0"/>
-              <a:t>cd - #go to the last directory</a:t>
-            </a:r>
-          </a:p>
-          <a:p>
-            <a:pPr marL="0" indent="0">
-              <a:buNone/>
-            </a:pPr>
-            <a:endParaRPr lang="en-US" dirty="0"/>
-          </a:p>
-        </p:txBody>
-      </p:sp>
-    </p:spTree>
-    <p:extLst>
-      <p:ext uri="{BB962C8B-B14F-4D97-AF65-F5344CB8AC3E}">
-        <p14:creationId xmlns:p14="http://schemas.microsoft.com/office/powerpoint/2010/main" val="3867067869"/>
-      </p:ext>
-    </p:extLst>
-  </p:cSld>
-  <p:clrMapOvr>
-    <a:masterClrMapping/>
-  </p:clrMapOvr>
-  <p:timing>
-    <p:tnLst>
-      <p:par>
-        <p:cTn id="1" dur="indefinite" restart="never" nodeType="tmRoot"/>
-      </p:par>
-    </p:tnLst>
-  </p:timing>
-</p:sld>
-</file>
-
-<file path=ppt/slides/slide21.xml><?xml version="1.0" encoding="utf-8"?>
-<p:sld xmlns:a="http://schemas.openxmlformats.org/drawingml/2006/main" xmlns:r="http://schemas.openxmlformats.org/officeDocument/2006/relationships" xmlns:p="http://schemas.openxmlformats.org/presentationml/2006/main">
-  <p:cSld>
-    <p:spTree>
-      <p:nvGrpSpPr>
-        <p:cNvPr id="1" name=""/>
-        <p:cNvGrpSpPr/>
-        <p:nvPr/>
-      </p:nvGrpSpPr>
-      <p:grpSpPr>
-        <a:xfrm>
-          <a:off x="0" y="0"/>
-          <a:ext cx="0" cy="0"/>
-          <a:chOff x="0" y="0"/>
-          <a:chExt cx="0" cy="0"/>
-        </a:xfrm>
-      </p:grpSpPr>
-      <p:sp>
-        <p:nvSpPr>
-          <p:cNvPr id="2" name="Title 1"/>
-          <p:cNvSpPr>
-            <a:spLocks noGrp="1"/>
-          </p:cNvSpPr>
-          <p:nvPr>
-            <p:ph type="title"/>
-          </p:nvPr>
-        </p:nvSpPr>
-        <p:spPr/>
-        <p:txBody>
-          <a:bodyPr/>
-          <a:lstStyle/>
-          <a:p>
-            <a:r>
-              <a:rPr lang="en-US" dirty="0" smtClean="0"/>
-              <a:t>Moving &amp; Copying Files</a:t>
-            </a:r>
-            <a:endParaRPr lang="en-US" dirty="0"/>
-          </a:p>
-        </p:txBody>
-      </p:sp>
-      <p:sp>
-        <p:nvSpPr>
-          <p:cNvPr id="3" name="Content Placeholder 2"/>
-          <p:cNvSpPr>
-            <a:spLocks noGrp="1"/>
-          </p:cNvSpPr>
-          <p:nvPr>
-            <p:ph idx="1"/>
-          </p:nvPr>
-        </p:nvSpPr>
-        <p:spPr>
-          <a:xfrm>
-            <a:off x="840000" y="1848485"/>
-            <a:ext cx="7675350" cy="4351338"/>
-          </a:xfrm>
-        </p:spPr>
-        <p:txBody>
-          <a:bodyPr/>
-          <a:lstStyle/>
-          <a:p>
-            <a:r>
-              <a:rPr lang="en-US" dirty="0" smtClean="0"/>
-              <a:t>Copy a file</a:t>
-            </a:r>
-          </a:p>
-          <a:p>
-            <a:pPr marL="0" indent="0">
-              <a:buNone/>
-            </a:pPr>
-            <a:r>
-              <a:rPr lang="en-US" dirty="0" smtClean="0"/>
-              <a:t>$ </a:t>
-            </a:r>
-            <a:r>
-              <a:rPr lang="en-US" dirty="0" err="1" smtClean="0"/>
-              <a:t>cp</a:t>
-            </a:r>
-            <a:r>
-              <a:rPr lang="en-US" dirty="0" smtClean="0"/>
-              <a:t> </a:t>
-            </a:r>
-            <a:r>
-              <a:rPr lang="en-US" dirty="0"/>
-              <a:t>file.txt </a:t>
-            </a:r>
-            <a:r>
-              <a:rPr lang="en-US" dirty="0" smtClean="0"/>
-              <a:t>new_file.txt</a:t>
-            </a:r>
-          </a:p>
-          <a:p>
-            <a:pPr marL="0" indent="0">
-              <a:buNone/>
-            </a:pPr>
-            <a:endParaRPr lang="en-US" dirty="0" smtClean="0"/>
-          </a:p>
-          <a:p>
-            <a:r>
-              <a:rPr lang="en-US" dirty="0" smtClean="0"/>
-              <a:t>Moving and renaming is the same thing!</a:t>
-            </a:r>
-          </a:p>
-          <a:p>
-            <a:pPr marL="0" indent="0">
-              <a:buNone/>
-            </a:pPr>
-            <a:r>
-              <a:rPr lang="en-US" dirty="0" smtClean="0"/>
-              <a:t>$ mv new_file.txt </a:t>
-            </a:r>
-            <a:r>
-              <a:rPr lang="en-US" dirty="0" err="1" smtClean="0"/>
-              <a:t>another_new_file</a:t>
-            </a:r>
-            <a:endParaRPr lang="en-US" dirty="0" smtClean="0"/>
-          </a:p>
-          <a:p>
-            <a:pPr marL="0" indent="0">
-              <a:buNone/>
-            </a:pPr>
-            <a:endParaRPr lang="en-US" dirty="0" smtClean="0"/>
-          </a:p>
-          <a:p>
-            <a:r>
-              <a:rPr lang="en-US" dirty="0" smtClean="0"/>
-              <a:t>Making a directory</a:t>
-            </a:r>
-          </a:p>
-          <a:p>
-            <a:pPr marL="0" indent="0">
-              <a:buNone/>
-            </a:pPr>
-            <a:r>
-              <a:rPr lang="en-US" dirty="0" smtClean="0"/>
-              <a:t>$ </a:t>
-            </a:r>
-            <a:r>
-              <a:rPr lang="en-US" dirty="0" err="1" smtClean="0"/>
-              <a:t>mkdir</a:t>
-            </a:r>
-            <a:r>
-              <a:rPr lang="en-US" dirty="0" smtClean="0"/>
-              <a:t> </a:t>
-            </a:r>
-            <a:r>
-              <a:rPr lang="en-US" dirty="0" err="1" smtClean="0"/>
-              <a:t>my_new_dir</a:t>
-            </a:r>
-            <a:endParaRPr lang="en-US" dirty="0" smtClean="0"/>
-          </a:p>
-          <a:p>
-            <a:pPr marL="0" indent="0">
-              <a:buNone/>
-            </a:pPr>
-            <a:endParaRPr lang="en-US" dirty="0" smtClean="0"/>
-          </a:p>
-          <a:p>
-            <a:pPr marL="0" indent="0">
-              <a:buNone/>
-            </a:pPr>
-            <a:endParaRPr lang="en-US" dirty="0"/>
-          </a:p>
-        </p:txBody>
-      </p:sp>
-    </p:spTree>
-    <p:extLst>
-      <p:ext uri="{BB962C8B-B14F-4D97-AF65-F5344CB8AC3E}">
-        <p14:creationId xmlns:p14="http://schemas.microsoft.com/office/powerpoint/2010/main" val="2077864274"/>
-      </p:ext>
-    </p:extLst>
-  </p:cSld>
-  <p:clrMapOvr>
-    <a:masterClrMapping/>
-  </p:clrMapOvr>
-</p:sld>
-</file>
-
 <file path=ppt/slides/slide22.xml><?xml version="1.0" encoding="utf-8"?>
 <p:sld xmlns:a="http://schemas.openxmlformats.org/drawingml/2006/main" xmlns:r="http://schemas.openxmlformats.org/officeDocument/2006/relationships" xmlns:p="http://schemas.openxmlformats.org/presentationml/2006/main">
   <p:cSld>
@@ -10667,76 +10711,40 @@
         </p:nvSpPr>
         <p:spPr/>
         <p:txBody>
+          <a:bodyPr>
+            <a:normAutofit fontScale="90000"/>
+          </a:bodyPr>
+          <a:lstStyle/>
+          <a:p>
+            <a:r>
+              <a:rPr lang="en-US" dirty="0" smtClean="0"/>
+              <a:t>Path shortcuts:</a:t>
+            </a:r>
+            <a:br>
+              <a:rPr lang="en-US" dirty="0" smtClean="0"/>
+            </a:br>
+            <a:r>
+              <a:rPr lang="en-US" dirty="0"/>
+              <a:t>there’s no place like ~</a:t>
+            </a:r>
+          </a:p>
+        </p:txBody>
+      </p:sp>
+      <p:sp>
+        <p:nvSpPr>
+          <p:cNvPr id="3" name="Content Placeholder 2"/>
+          <p:cNvSpPr>
+            <a:spLocks noGrp="1"/>
+          </p:cNvSpPr>
+          <p:nvPr>
+            <p:ph idx="1"/>
+          </p:nvPr>
+        </p:nvSpPr>
+        <p:spPr/>
+        <p:txBody>
           <a:bodyPr/>
           <a:lstStyle/>
           <a:p>
-            <a:r>
-              <a:rPr lang="en-US" dirty="0" smtClean="0"/>
-              <a:t>Viewing Files: cat, head and tail</a:t>
-            </a:r>
-            <a:endParaRPr lang="en-US" dirty="0"/>
-          </a:p>
-        </p:txBody>
-      </p:sp>
-      <p:sp>
-        <p:nvSpPr>
-          <p:cNvPr id="3" name="Content Placeholder 2"/>
-          <p:cNvSpPr>
-            <a:spLocks noGrp="1"/>
-          </p:cNvSpPr>
-          <p:nvPr>
-            <p:ph idx="1"/>
-          </p:nvPr>
-        </p:nvSpPr>
-        <p:spPr/>
-        <p:txBody>
-          <a:bodyPr/>
-          <a:lstStyle/>
-          <a:p>
-            <a:pPr marL="0" indent="0">
-              <a:buNone/>
-            </a:pPr>
-            <a:r>
-              <a:rPr lang="en-US" dirty="0" smtClean="0"/>
-              <a:t>#spit out the WHOLE file</a:t>
-            </a:r>
-          </a:p>
-          <a:p>
-            <a:pPr marL="0" indent="0">
-              <a:buNone/>
-            </a:pPr>
-            <a:r>
-              <a:rPr lang="en-US" dirty="0" smtClean="0"/>
-              <a:t>$ cat </a:t>
-            </a:r>
-            <a:r>
-              <a:rPr lang="en-US" dirty="0"/>
-              <a:t>file.txt </a:t>
-            </a:r>
-          </a:p>
-          <a:p>
-            <a:pPr marL="0" indent="0">
-              <a:buNone/>
-            </a:pPr>
-            <a:r>
-              <a:rPr lang="en-US" dirty="0"/>
-              <a:t>this is a file!</a:t>
-            </a:r>
-          </a:p>
-          <a:p>
-            <a:pPr marL="0" indent="0">
-              <a:buNone/>
-            </a:pPr>
-            <a:r>
-              <a:rPr lang="en-US" dirty="0"/>
-              <a:t>it contains two lines of text</a:t>
-            </a:r>
-            <a:r>
-              <a:rPr lang="en-US" dirty="0" smtClean="0"/>
-              <a:t>.</a:t>
-            </a:r>
-          </a:p>
-          <a:p>
             <a:pPr marL="0" indent="0">
               <a:buNone/>
             </a:pPr>
@@ -10748,43 +10756,75 @@
             </a:pPr>
             <a:r>
               <a:rPr lang="en-US" dirty="0" smtClean="0"/>
-              <a:t>$ cat </a:t>
-            </a:r>
-            <a:r>
-              <a:rPr lang="en-US" dirty="0"/>
-              <a:t>file2.txt </a:t>
-            </a:r>
-            <a:endParaRPr lang="en-US" dirty="0" smtClean="0"/>
-          </a:p>
-          <a:p>
-            <a:pPr marL="0" indent="0">
-              <a:buNone/>
-            </a:pPr>
-            <a:r>
-              <a:rPr lang="en-US" dirty="0" smtClean="0"/>
-              <a:t>this </a:t>
-            </a:r>
-            <a:r>
-              <a:rPr lang="en-US" dirty="0"/>
-              <a:t>is another file</a:t>
-            </a:r>
-            <a:r>
-              <a:rPr lang="en-US" dirty="0" smtClean="0"/>
-              <a:t>.</a:t>
-            </a:r>
-          </a:p>
-          <a:p>
-            <a:pPr marL="0" indent="0">
-              <a:buNone/>
-            </a:pPr>
-            <a:endParaRPr lang="en-US" dirty="0" smtClean="0"/>
+              <a:t>. or ./ #this directory</a:t>
+            </a:r>
+          </a:p>
+          <a:p>
+            <a:pPr marL="0" indent="0">
+              <a:buNone/>
+            </a:pPr>
+            <a:r>
+              <a:rPr lang="en-US" dirty="0" smtClean="0"/>
+              <a:t>.. or ../ #the directory “above”</a:t>
+            </a:r>
+          </a:p>
+          <a:p>
+            <a:pPr marL="0" indent="0">
+              <a:buNone/>
+            </a:pPr>
+            <a:r>
+              <a:rPr lang="en-US" dirty="0" smtClean="0"/>
+              <a:t>~ #your home</a:t>
+            </a:r>
+          </a:p>
+          <a:p>
+            <a:pPr marL="0" indent="0">
+              <a:buNone/>
+            </a:pPr>
+            <a:r>
+              <a:rPr lang="en-US" dirty="0" smtClean="0"/>
+              <a:t>~be59 #home directory for user be59</a:t>
+            </a:r>
+          </a:p>
+          <a:p>
+            <a:pPr marL="0" indent="0">
+              <a:buNone/>
+            </a:pPr>
+            <a:r>
+              <a:rPr lang="en-US" dirty="0" smtClean="0"/>
+              <a:t>cd ~ #go home</a:t>
+            </a:r>
+          </a:p>
+          <a:p>
+            <a:pPr marL="0" indent="0">
+              <a:buNone/>
+            </a:pPr>
+            <a:r>
+              <a:rPr lang="en-US" dirty="0" smtClean="0"/>
+              <a:t>cd #also takes you home</a:t>
+            </a:r>
+          </a:p>
+          <a:p>
+            <a:pPr marL="0" indent="0">
+              <a:buNone/>
+            </a:pPr>
+            <a:r>
+              <a:rPr lang="en-US" dirty="0" smtClean="0"/>
+              <a:t>cd - #go to the last directory</a:t>
+            </a:r>
+          </a:p>
+          <a:p>
+            <a:pPr marL="0" indent="0">
+              <a:buNone/>
+            </a:pPr>
+            <a:endParaRPr lang="en-US" dirty="0"/>
           </a:p>
         </p:txBody>
       </p:sp>
     </p:spTree>
     <p:extLst>
       <p:ext uri="{BB962C8B-B14F-4D97-AF65-F5344CB8AC3E}">
-        <p14:creationId xmlns:p14="http://schemas.microsoft.com/office/powerpoint/2010/main" val="3238301181"/>
+        <p14:creationId xmlns:p14="http://schemas.microsoft.com/office/powerpoint/2010/main" val="3867067869"/>
       </p:ext>
     </p:extLst>
   </p:cSld>
@@ -10835,7 +10875,7 @@
           <a:p>
             <a:r>
               <a:rPr lang="en-US" dirty="0" smtClean="0"/>
-              <a:t>Viewing Files: cat, head and tail</a:t>
+              <a:t>Moving &amp; Copying Files</a:t>
             </a:r>
             <a:endParaRPr lang="en-US" dirty="0"/>
           </a:p>
@@ -10851,52 +10891,44 @@
             <p:ph idx="1"/>
           </p:nvPr>
         </p:nvSpPr>
-        <p:spPr/>
+        <p:spPr>
+          <a:xfrm>
+            <a:off x="840000" y="1848485"/>
+            <a:ext cx="7675350" cy="4351338"/>
+          </a:xfrm>
+        </p:spPr>
         <p:txBody>
           <a:bodyPr/>
           <a:lstStyle/>
           <a:p>
-            <a:pPr marL="0" indent="0">
-              <a:buNone/>
-            </a:pPr>
-            <a:r>
-              <a:rPr lang="en-US" dirty="0" smtClean="0"/>
-              <a:t>#spit out the first 10 lines of file</a:t>
-            </a:r>
-          </a:p>
-          <a:p>
-            <a:pPr marL="0" indent="0">
-              <a:buNone/>
-            </a:pPr>
-            <a:r>
-              <a:rPr lang="en-US" dirty="0" smtClean="0"/>
-              <a:t>$ head </a:t>
+            <a:r>
+              <a:rPr lang="en-US" dirty="0" smtClean="0"/>
+              <a:t>Copy a file</a:t>
+            </a:r>
+          </a:p>
+          <a:p>
+            <a:pPr marL="0" indent="0">
+              <a:buNone/>
+            </a:pPr>
+            <a:r>
+              <a:rPr lang="en-US" dirty="0" smtClean="0"/>
+              <a:t>$ </a:t>
+            </a:r>
+            <a:r>
+              <a:rPr lang="en-US" dirty="0" err="1" smtClean="0"/>
+              <a:t>cp</a:t>
+            </a:r>
+            <a:r>
+              <a:rPr lang="en-US" dirty="0" smtClean="0"/>
+              <a:t> </a:t>
             </a:r>
             <a:r>
               <a:rPr lang="en-US" dirty="0"/>
               <a:t>file.txt </a:t>
             </a:r>
-          </a:p>
-          <a:p>
-            <a:pPr marL="0" indent="0">
-              <a:buNone/>
-            </a:pPr>
-            <a:r>
-              <a:rPr lang="en-US" dirty="0"/>
-              <a:t>this is a file!</a:t>
-            </a:r>
-          </a:p>
-          <a:p>
-            <a:pPr marL="0" indent="0">
-              <a:buNone/>
-            </a:pPr>
-            <a:r>
-              <a:rPr lang="en-US" dirty="0"/>
-              <a:t>it contains two lines of text</a:t>
-            </a:r>
-            <a:r>
-              <a:rPr lang="en-US" dirty="0" smtClean="0"/>
-              <a:t>.</a:t>
+            <a:r>
+              <a:rPr lang="en-US" dirty="0" smtClean="0"/>
+              <a:t>new_file.txt</a:t>
             </a:r>
           </a:p>
           <a:p>
@@ -10906,66 +10938,83 @@
             <a:endParaRPr lang="en-US" dirty="0" smtClean="0"/>
           </a:p>
           <a:p>
-            <a:pPr marL="0" indent="0">
-              <a:buNone/>
-            </a:pPr>
-            <a:r>
-              <a:rPr lang="en-US" dirty="0" smtClean="0"/>
-              <a:t>#try this!</a:t>
-            </a:r>
-          </a:p>
-          <a:p>
-            <a:pPr marL="0" indent="0">
-              <a:buNone/>
-            </a:pPr>
-            <a:r>
-              <a:rPr lang="en-US" dirty="0" smtClean="0"/>
-              <a:t>$ head sample_2.fastq</a:t>
-            </a:r>
-          </a:p>
-          <a:p>
-            <a:pPr marL="0" indent="0">
-              <a:buNone/>
-            </a:pPr>
-            <a:endParaRPr lang="en-US" dirty="0"/>
-          </a:p>
-          <a:p>
-            <a:pPr marL="0" indent="0">
-              <a:buNone/>
-            </a:pPr>
-            <a:r>
-              <a:rPr lang="en-US" dirty="0" smtClean="0"/>
-              <a:t>#first N lines</a:t>
-            </a:r>
-          </a:p>
-          <a:p>
-            <a:pPr marL="0" indent="0">
-              <a:buNone/>
-            </a:pPr>
-            <a:r>
-              <a:rPr lang="en-US" dirty="0" smtClean="0"/>
-              <a:t>$ head –n 100 sample4.fastq</a:t>
-            </a:r>
+            <a:r>
+              <a:rPr lang="en-US" dirty="0" smtClean="0"/>
+              <a:t>Moving and renaming is the same thing!</a:t>
+            </a:r>
+          </a:p>
+          <a:p>
+            <a:pPr marL="0" indent="0">
+              <a:buNone/>
+            </a:pPr>
+            <a:r>
+              <a:rPr lang="en-US" dirty="0" smtClean="0"/>
+              <a:t>$ mv new_file.txt </a:t>
+            </a:r>
+            <a:r>
+              <a:rPr lang="en-US" dirty="0" err="1" smtClean="0"/>
+              <a:t>another_new_file</a:t>
+            </a:r>
+            <a:endParaRPr lang="en-US" dirty="0" smtClean="0"/>
+          </a:p>
+          <a:p>
+            <a:pPr marL="0" indent="0">
+              <a:buNone/>
+            </a:pPr>
+            <a:endParaRPr lang="en-US" dirty="0" smtClean="0"/>
+          </a:p>
+          <a:p>
+            <a:r>
+              <a:rPr lang="en-US" dirty="0" smtClean="0"/>
+              <a:t>Making a directory</a:t>
+            </a:r>
+          </a:p>
+          <a:p>
+            <a:pPr marL="0" indent="0">
+              <a:buNone/>
+            </a:pPr>
+            <a:r>
+              <a:rPr lang="en-US" dirty="0" smtClean="0"/>
+              <a:t>$ </a:t>
+            </a:r>
+            <a:r>
+              <a:rPr lang="en-US" dirty="0" err="1" smtClean="0"/>
+              <a:t>mkdir</a:t>
+            </a:r>
+            <a:r>
+              <a:rPr lang="en-US" dirty="0" smtClean="0"/>
+              <a:t> </a:t>
+            </a:r>
+            <a:r>
+              <a:rPr lang="en-US" dirty="0" err="1" smtClean="0"/>
+              <a:t>my_new_dir</a:t>
+            </a:r>
+            <a:endParaRPr lang="en-US" dirty="0" smtClean="0"/>
+          </a:p>
+          <a:p>
+            <a:pPr marL="0" indent="0">
+              <a:buNone/>
+            </a:pPr>
+            <a:endParaRPr lang="en-US" dirty="0" smtClean="0"/>
+          </a:p>
+          <a:p>
+            <a:pPr marL="0" indent="0">
+              <a:buNone/>
+            </a:pPr>
+            <a:endParaRPr lang="en-US" dirty="0"/>
           </a:p>
         </p:txBody>
       </p:sp>
     </p:spTree>
     <p:extLst>
       <p:ext uri="{BB962C8B-B14F-4D97-AF65-F5344CB8AC3E}">
-        <p14:creationId xmlns:p14="http://schemas.microsoft.com/office/powerpoint/2010/main" val="2608552231"/>
+        <p14:creationId xmlns:p14="http://schemas.microsoft.com/office/powerpoint/2010/main" val="2077864274"/>
       </p:ext>
     </p:extLst>
   </p:cSld>
   <p:clrMapOvr>
     <a:masterClrMapping/>
   </p:clrMapOvr>
-  <p:timing>
-    <p:tnLst>
-      <p:par>
-        <p:cTn id="1" dur="indefinite" restart="never" nodeType="tmRoot"/>
-      </p:par>
-    </p:tnLst>
-  </p:timing>
 </p:sld>
 </file>
 
@@ -11029,63 +11078,93 @@
             </a:pPr>
             <a:r>
               <a:rPr lang="en-US" dirty="0" smtClean="0"/>
-              <a:t>#spit out the last 10 lines</a:t>
-            </a:r>
-          </a:p>
-          <a:p>
-            <a:pPr marL="0" indent="0">
-              <a:buNone/>
-            </a:pPr>
+              <a:t>#spit out the WHOLE file</a:t>
+            </a:r>
+          </a:p>
+          <a:p>
+            <a:pPr marL="0" indent="0">
+              <a:buNone/>
+            </a:pPr>
+            <a:r>
+              <a:rPr lang="en-US" dirty="0" smtClean="0"/>
+              <a:t>$ cat </a:t>
+            </a:r>
             <a:r>
               <a:rPr lang="en-US" dirty="0"/>
-              <a:t>#try this!</a:t>
-            </a:r>
-          </a:p>
-          <a:p>
-            <a:pPr marL="0" indent="0">
-              <a:buNone/>
-            </a:pPr>
-            <a:r>
-              <a:rPr lang="en-US" dirty="0" smtClean="0"/>
-              <a:t>tail sample_2.fastq</a:t>
-            </a:r>
-            <a:endParaRPr lang="en-US" dirty="0"/>
-          </a:p>
-          <a:p>
-            <a:pPr marL="0" indent="0">
-              <a:buNone/>
-            </a:pPr>
-            <a:endParaRPr lang="en-US" dirty="0"/>
-          </a:p>
-          <a:p>
-            <a:pPr marL="0" indent="0">
-              <a:buNone/>
-            </a:pPr>
-            <a:r>
-              <a:rPr lang="en-US" dirty="0" smtClean="0"/>
-              <a:t>#last N </a:t>
-            </a:r>
+              <a:t>file.txt </a:t>
+            </a:r>
+          </a:p>
+          <a:p>
+            <a:pPr marL="0" indent="0">
+              <a:buNone/>
+            </a:pPr>
             <a:r>
               <a:rPr lang="en-US" dirty="0"/>
-              <a:t>lines</a:t>
-            </a:r>
-          </a:p>
-          <a:p>
-            <a:pPr marL="0" indent="0">
-              <a:buNone/>
-            </a:pPr>
-            <a:r>
-              <a:rPr lang="en-US" dirty="0" smtClean="0"/>
-              <a:t>tail –n 50 sample_2.fastq</a:t>
-            </a:r>
-            <a:endParaRPr lang="en-US" dirty="0"/>
+              <a:t>this is a file!</a:t>
+            </a:r>
+          </a:p>
+          <a:p>
+            <a:pPr marL="0" indent="0">
+              <a:buNone/>
+            </a:pPr>
+            <a:r>
+              <a:rPr lang="en-US" dirty="0"/>
+              <a:t>it contains two lines of text</a:t>
+            </a:r>
+            <a:r>
+              <a:rPr lang="en-US" dirty="0" smtClean="0"/>
+              <a:t>.</a:t>
+            </a:r>
+          </a:p>
+          <a:p>
+            <a:pPr marL="0" indent="0">
+              <a:buNone/>
+            </a:pPr>
+            <a:endParaRPr lang="en-US" dirty="0" smtClean="0"/>
+          </a:p>
+          <a:p>
+            <a:pPr marL="0" indent="0">
+              <a:buNone/>
+            </a:pPr>
+            <a:r>
+              <a:rPr lang="en-US" dirty="0" smtClean="0"/>
+              <a:t>$ cat </a:t>
+            </a:r>
+            <a:r>
+              <a:rPr lang="en-US" dirty="0"/>
+              <a:t>file2.txt </a:t>
+            </a:r>
+            <a:endParaRPr lang="en-US" dirty="0" smtClean="0"/>
+          </a:p>
+          <a:p>
+            <a:pPr marL="0" indent="0">
+              <a:buNone/>
+            </a:pPr>
+            <a:r>
+              <a:rPr lang="en-US" dirty="0" smtClean="0"/>
+              <a:t>this </a:t>
+            </a:r>
+            <a:r>
+              <a:rPr lang="en-US" dirty="0"/>
+              <a:t>is another file</a:t>
+            </a:r>
+            <a:r>
+              <a:rPr lang="en-US" dirty="0" smtClean="0"/>
+              <a:t>.</a:t>
+            </a:r>
+          </a:p>
+          <a:p>
+            <a:pPr marL="0" indent="0">
+              <a:buNone/>
+            </a:pPr>
+            <a:endParaRPr lang="en-US" dirty="0" smtClean="0"/>
           </a:p>
         </p:txBody>
       </p:sp>
     </p:spTree>
     <p:extLst>
       <p:ext uri="{BB962C8B-B14F-4D97-AF65-F5344CB8AC3E}">
-        <p14:creationId xmlns:p14="http://schemas.microsoft.com/office/powerpoint/2010/main" val="1919357496"/>
+        <p14:creationId xmlns:p14="http://schemas.microsoft.com/office/powerpoint/2010/main" val="3238301181"/>
       </p:ext>
     </p:extLst>
   </p:cSld>
@@ -11136,7 +11215,7 @@
           <a:p>
             <a:r>
               <a:rPr lang="en-US" dirty="0" smtClean="0"/>
-              <a:t>less is more</a:t>
+              <a:t>Viewing Files: cat, head and tail</a:t>
             </a:r>
             <a:endParaRPr lang="en-US" dirty="0"/>
           </a:p>
@@ -11161,25 +11240,43 @@
               <a:buNone/>
             </a:pPr>
             <a:r>
+              <a:rPr lang="en-US" dirty="0" smtClean="0"/>
+              <a:t>#spit out the first 10 lines of file</a:t>
+            </a:r>
+          </a:p>
+          <a:p>
+            <a:pPr marL="0" indent="0">
+              <a:buNone/>
+            </a:pPr>
+            <a:r>
+              <a:rPr lang="en-US" dirty="0" smtClean="0"/>
+              <a:t>$ head </a:t>
+            </a:r>
+            <a:r>
               <a:rPr lang="en-US" dirty="0"/>
-              <a:t>#interactive file viewing</a:t>
-            </a:r>
-          </a:p>
-          <a:p>
-            <a:pPr marL="0" indent="0">
-              <a:buNone/>
-            </a:pPr>
-            <a:r>
-              <a:rPr lang="en-US" dirty="0" smtClean="0"/>
-              <a:t>$ </a:t>
-            </a:r>
+              <a:t>file.txt </a:t>
+            </a:r>
+          </a:p>
+          <a:p>
+            <a:pPr marL="0" indent="0">
+              <a:buNone/>
+            </a:pPr>
             <a:r>
               <a:rPr lang="en-US" dirty="0"/>
-              <a:t>less </a:t>
-            </a:r>
-            <a:r>
-              <a:rPr lang="en-US" dirty="0" smtClean="0"/>
-              <a:t>file.txt</a:t>
+              <a:t>this is a file!</a:t>
+            </a:r>
+          </a:p>
+          <a:p>
+            <a:pPr marL="0" indent="0">
+              <a:buNone/>
+            </a:pPr>
+            <a:r>
+              <a:rPr lang="en-US" dirty="0"/>
+              <a:t>it contains two lines of text</a:t>
+            </a:r>
+            <a:r>
+              <a:rPr lang="en-US" dirty="0" smtClean="0"/>
+              <a:t>.</a:t>
             </a:r>
           </a:p>
           <a:p>
@@ -11194,63 +11291,61 @@
             </a:pPr>
             <a:r>
               <a:rPr lang="en-US" dirty="0" smtClean="0"/>
-              <a:t>arrow keys to navigate</a:t>
-            </a:r>
-          </a:p>
-          <a:p>
-            <a:pPr marL="0" indent="0">
-              <a:buNone/>
-            </a:pPr>
-            <a:r>
-              <a:rPr lang="en-US" dirty="0" smtClean="0"/>
-              <a:t>-S to stop wrapping long lines</a:t>
-            </a:r>
-          </a:p>
-          <a:p>
-            <a:pPr marL="0" indent="0">
-              <a:buNone/>
-            </a:pPr>
-            <a:r>
-              <a:rPr lang="en-US" dirty="0" smtClean="0"/>
-              <a:t>g and G to go to the start/end of file</a:t>
-            </a:r>
-          </a:p>
-          <a:p>
-            <a:pPr marL="0" indent="0">
-              <a:buNone/>
-            </a:pPr>
-            <a:r>
-              <a:rPr lang="en-US" dirty="0" smtClean="0"/>
-              <a:t>%50 to go to the middle of the file</a:t>
-            </a:r>
-          </a:p>
-          <a:p>
-            <a:pPr marL="0" indent="0">
-              <a:buNone/>
-            </a:pPr>
-            <a:r>
-              <a:rPr lang="en-US" dirty="0" smtClean="0"/>
-              <a:t>q to quit</a:t>
-            </a:r>
-          </a:p>
-          <a:p>
-            <a:pPr marL="0" indent="0">
-              <a:buNone/>
-            </a:pPr>
-            <a:endParaRPr lang="en-US" dirty="0"/>
+              <a:t>#try this!</a:t>
+            </a:r>
+          </a:p>
+          <a:p>
+            <a:pPr marL="0" indent="0">
+              <a:buNone/>
+            </a:pPr>
+            <a:r>
+              <a:rPr lang="en-US" dirty="0" smtClean="0"/>
+              <a:t>$ head sample_2.fastq</a:t>
+            </a:r>
+          </a:p>
+          <a:p>
+            <a:pPr marL="0" indent="0">
+              <a:buNone/>
+            </a:pPr>
+            <a:endParaRPr lang="en-US" dirty="0"/>
+          </a:p>
+          <a:p>
+            <a:pPr marL="0" indent="0">
+              <a:buNone/>
+            </a:pPr>
+            <a:r>
+              <a:rPr lang="en-US" dirty="0" smtClean="0"/>
+              <a:t>#first N lines</a:t>
+            </a:r>
+          </a:p>
+          <a:p>
+            <a:pPr marL="0" indent="0">
+              <a:buNone/>
+            </a:pPr>
+            <a:r>
+              <a:rPr lang="en-US" dirty="0" smtClean="0"/>
+              <a:t>$ head –n 100 sample4.fastq</a:t>
+            </a:r>
           </a:p>
         </p:txBody>
       </p:sp>
     </p:spTree>
     <p:extLst>
       <p:ext uri="{BB962C8B-B14F-4D97-AF65-F5344CB8AC3E}">
-        <p14:creationId xmlns:p14="http://schemas.microsoft.com/office/powerpoint/2010/main" val="2822930211"/>
+        <p14:creationId xmlns:p14="http://schemas.microsoft.com/office/powerpoint/2010/main" val="2608552231"/>
       </p:ext>
     </p:extLst>
   </p:cSld>
   <p:clrMapOvr>
     <a:masterClrMapping/>
   </p:clrMapOvr>
+  <p:timing>
+    <p:tnLst>
+      <p:par>
+        <p:cTn id="1" dur="indefinite" restart="never" nodeType="tmRoot"/>
+      </p:par>
+    </p:tnLst>
+  </p:timing>
 </p:sld>
 </file>
 
@@ -11288,15 +11383,7 @@
           <a:p>
             <a:r>
               <a:rPr lang="en-US" dirty="0" smtClean="0"/>
-              <a:t>Files! </a:t>
-            </a:r>
-            <a:r>
-              <a:rPr lang="en-US" dirty="0" err="1" smtClean="0"/>
-              <a:t>Wildc</a:t>
-            </a:r>
-            <a:r>
-              <a:rPr lang="en-US" dirty="0" smtClean="0"/>
-              <a:t>*ds!</a:t>
+              <a:t>Viewing Files: cat, head and tail</a:t>
             </a:r>
             <a:endParaRPr lang="en-US" dirty="0"/>
           </a:p>
@@ -11312,12 +11399,7 @@
             <p:ph idx="1"/>
           </p:nvPr>
         </p:nvSpPr>
-        <p:spPr>
-          <a:xfrm>
-            <a:off x="840000" y="1825625"/>
-            <a:ext cx="8227800" cy="4351338"/>
-          </a:xfrm>
-        </p:spPr>
+        <p:spPr/>
         <p:txBody>
           <a:bodyPr/>
           <a:lstStyle/>
@@ -11327,96 +11409,63 @@
             </a:pPr>
             <a:r>
               <a:rPr lang="en-US" dirty="0" smtClean="0"/>
-              <a:t>$ </a:t>
-            </a:r>
+              <a:t>#spit out the last 10 lines</a:t>
+            </a:r>
+          </a:p>
+          <a:p>
+            <a:pPr marL="0" indent="0">
+              <a:buNone/>
+            </a:pPr>
             <a:r>
               <a:rPr lang="en-US" dirty="0"/>
-              <a:t>cat file.txt file2.txt </a:t>
-            </a:r>
-          </a:p>
-          <a:p>
-            <a:pPr marL="0" indent="0">
-              <a:buNone/>
-            </a:pPr>
+              <a:t>#try this!</a:t>
+            </a:r>
+          </a:p>
+          <a:p>
+            <a:pPr marL="0" indent="0">
+              <a:buNone/>
+            </a:pPr>
+            <a:r>
+              <a:rPr lang="en-US" dirty="0" smtClean="0"/>
+              <a:t>tail sample_2.fastq</a:t>
+            </a:r>
+            <a:endParaRPr lang="en-US" dirty="0"/>
+          </a:p>
+          <a:p>
+            <a:pPr marL="0" indent="0">
+              <a:buNone/>
+            </a:pPr>
+            <a:endParaRPr lang="en-US" dirty="0"/>
+          </a:p>
+          <a:p>
+            <a:pPr marL="0" indent="0">
+              <a:buNone/>
+            </a:pPr>
+            <a:r>
+              <a:rPr lang="en-US" dirty="0" smtClean="0"/>
+              <a:t>#last N </a:t>
+            </a:r>
             <a:r>
               <a:rPr lang="en-US" dirty="0"/>
-              <a:t>this is a file!</a:t>
-            </a:r>
-          </a:p>
-          <a:p>
-            <a:pPr marL="0" indent="0">
-              <a:buNone/>
-            </a:pPr>
-            <a:r>
-              <a:rPr lang="en-US" dirty="0"/>
-              <a:t>it contains two lines of text.</a:t>
-            </a:r>
-          </a:p>
-          <a:p>
-            <a:pPr marL="0" indent="0">
-              <a:buNone/>
-            </a:pPr>
-            <a:r>
-              <a:rPr lang="en-US" dirty="0"/>
-              <a:t>this is another file</a:t>
-            </a:r>
-            <a:r>
-              <a:rPr lang="en-US" dirty="0" smtClean="0"/>
-              <a:t>.</a:t>
-            </a:r>
-          </a:p>
-          <a:p>
-            <a:pPr marL="0" indent="0">
-              <a:buNone/>
-            </a:pPr>
-            <a:endParaRPr lang="en-US" dirty="0"/>
-          </a:p>
-          <a:p>
-            <a:pPr marL="0" indent="0">
-              <a:buNone/>
-            </a:pPr>
-            <a:r>
-              <a:rPr lang="en-US" dirty="0" smtClean="0"/>
-              <a:t>$ </a:t>
-            </a:r>
-            <a:r>
-              <a:rPr lang="en-US" dirty="0"/>
-              <a:t>cat file*</a:t>
-            </a:r>
-          </a:p>
-          <a:p>
-            <a:pPr marL="0" indent="0">
-              <a:buNone/>
-            </a:pPr>
-            <a:r>
-              <a:rPr lang="en-US" dirty="0"/>
-              <a:t>this is another file.</a:t>
-            </a:r>
-          </a:p>
-          <a:p>
-            <a:pPr marL="0" indent="0">
-              <a:buNone/>
-            </a:pPr>
-            <a:r>
-              <a:rPr lang="en-US" dirty="0"/>
-              <a:t>this is a file!</a:t>
-            </a:r>
-          </a:p>
-          <a:p>
-            <a:pPr marL="0" indent="0">
-              <a:buNone/>
-            </a:pPr>
-            <a:r>
-              <a:rPr lang="en-US" dirty="0"/>
-              <a:t>it contains two lines of text.</a:t>
-            </a:r>
+              <a:t>lines</a:t>
+            </a:r>
+          </a:p>
+          <a:p>
+            <a:pPr marL="0" indent="0">
+              <a:buNone/>
+            </a:pPr>
+            <a:r>
+              <a:rPr lang="en-US" dirty="0" smtClean="0"/>
+              <a:t>tail –n 50 sample_2.fastq</a:t>
+            </a:r>
+            <a:endParaRPr lang="en-US" dirty="0"/>
           </a:p>
         </p:txBody>
       </p:sp>
     </p:spTree>
     <p:extLst>
       <p:ext uri="{BB962C8B-B14F-4D97-AF65-F5344CB8AC3E}">
-        <p14:creationId xmlns:p14="http://schemas.microsoft.com/office/powerpoint/2010/main" val="3465365028"/>
+        <p14:creationId xmlns:p14="http://schemas.microsoft.com/office/powerpoint/2010/main" val="1919357496"/>
       </p:ext>
     </p:extLst>
   </p:cSld>
@@ -11460,6 +11509,354 @@
             <p:ph type="title"/>
           </p:nvPr>
         </p:nvSpPr>
+        <p:spPr/>
+        <p:txBody>
+          <a:bodyPr/>
+          <a:lstStyle/>
+          <a:p>
+            <a:r>
+              <a:rPr lang="en-US" dirty="0" smtClean="0"/>
+              <a:t>less is more</a:t>
+            </a:r>
+            <a:endParaRPr lang="en-US" dirty="0"/>
+          </a:p>
+        </p:txBody>
+      </p:sp>
+      <p:sp>
+        <p:nvSpPr>
+          <p:cNvPr id="3" name="Content Placeholder 2"/>
+          <p:cNvSpPr>
+            <a:spLocks noGrp="1"/>
+          </p:cNvSpPr>
+          <p:nvPr>
+            <p:ph idx="1"/>
+          </p:nvPr>
+        </p:nvSpPr>
+        <p:spPr/>
+        <p:txBody>
+          <a:bodyPr/>
+          <a:lstStyle/>
+          <a:p>
+            <a:pPr marL="0" indent="0">
+              <a:buNone/>
+            </a:pPr>
+            <a:r>
+              <a:rPr lang="en-US" dirty="0"/>
+              <a:t>#interactive file viewing</a:t>
+            </a:r>
+          </a:p>
+          <a:p>
+            <a:pPr marL="0" indent="0">
+              <a:buNone/>
+            </a:pPr>
+            <a:r>
+              <a:rPr lang="en-US" dirty="0" smtClean="0"/>
+              <a:t>$ </a:t>
+            </a:r>
+            <a:r>
+              <a:rPr lang="en-US" dirty="0"/>
+              <a:t>less </a:t>
+            </a:r>
+            <a:r>
+              <a:rPr lang="en-US" dirty="0" smtClean="0"/>
+              <a:t>file.txt</a:t>
+            </a:r>
+          </a:p>
+          <a:p>
+            <a:pPr marL="0" indent="0">
+              <a:buNone/>
+            </a:pPr>
+            <a:endParaRPr lang="en-US" dirty="0" smtClean="0"/>
+          </a:p>
+          <a:p>
+            <a:pPr marL="0" indent="0">
+              <a:buNone/>
+            </a:pPr>
+            <a:r>
+              <a:rPr lang="en-US" dirty="0" smtClean="0"/>
+              <a:t>arrow keys to navigate</a:t>
+            </a:r>
+          </a:p>
+          <a:p>
+            <a:pPr marL="0" indent="0">
+              <a:buNone/>
+            </a:pPr>
+            <a:r>
+              <a:rPr lang="en-US" dirty="0" smtClean="0"/>
+              <a:t>-S to stop wrapping long lines</a:t>
+            </a:r>
+          </a:p>
+          <a:p>
+            <a:pPr marL="0" indent="0">
+              <a:buNone/>
+            </a:pPr>
+            <a:r>
+              <a:rPr lang="en-US" dirty="0" smtClean="0"/>
+              <a:t>g and G to go to the start/end of file</a:t>
+            </a:r>
+          </a:p>
+          <a:p>
+            <a:pPr marL="0" indent="0">
+              <a:buNone/>
+            </a:pPr>
+            <a:r>
+              <a:rPr lang="en-US" dirty="0" smtClean="0"/>
+              <a:t>% or p 50 </a:t>
+            </a:r>
+            <a:r>
+              <a:rPr lang="en-US" dirty="0" smtClean="0"/>
+              <a:t>to go to the middle of the file</a:t>
+            </a:r>
+          </a:p>
+          <a:p>
+            <a:pPr marL="0" indent="0">
+              <a:buNone/>
+            </a:pPr>
+            <a:r>
+              <a:rPr lang="en-US" dirty="0" smtClean="0"/>
+              <a:t>-R to display escape characters as raw</a:t>
+            </a:r>
+          </a:p>
+          <a:p>
+            <a:pPr marL="0" indent="0">
+              <a:buNone/>
+            </a:pPr>
+            <a:r>
+              <a:rPr lang="en-US" dirty="0" smtClean="0"/>
+              <a:t>q </a:t>
+            </a:r>
+            <a:r>
+              <a:rPr lang="en-US" dirty="0" smtClean="0"/>
+              <a:t>to quit</a:t>
+            </a:r>
+          </a:p>
+          <a:p>
+            <a:pPr marL="0" indent="0">
+              <a:buNone/>
+            </a:pPr>
+            <a:endParaRPr lang="en-US" dirty="0"/>
+          </a:p>
+        </p:txBody>
+      </p:sp>
+    </p:spTree>
+    <p:extLst>
+      <p:ext uri="{BB962C8B-B14F-4D97-AF65-F5344CB8AC3E}">
+        <p14:creationId xmlns:p14="http://schemas.microsoft.com/office/powerpoint/2010/main" val="2822930211"/>
+      </p:ext>
+    </p:extLst>
+  </p:cSld>
+  <p:clrMapOvr>
+    <a:masterClrMapping/>
+  </p:clrMapOvr>
+</p:sld>
+</file>
+
+<file path=ppt/slides/slide28.xml><?xml version="1.0" encoding="utf-8"?>
+<p:sld xmlns:a="http://schemas.openxmlformats.org/drawingml/2006/main" xmlns:r="http://schemas.openxmlformats.org/officeDocument/2006/relationships" xmlns:p="http://schemas.openxmlformats.org/presentationml/2006/main">
+  <p:cSld>
+    <p:spTree>
+      <p:nvGrpSpPr>
+        <p:cNvPr id="1" name=""/>
+        <p:cNvGrpSpPr/>
+        <p:nvPr/>
+      </p:nvGrpSpPr>
+      <p:grpSpPr>
+        <a:xfrm>
+          <a:off x="0" y="0"/>
+          <a:ext cx="0" cy="0"/>
+          <a:chOff x="0" y="0"/>
+          <a:chExt cx="0" cy="0"/>
+        </a:xfrm>
+      </p:grpSpPr>
+      <p:sp>
+        <p:nvSpPr>
+          <p:cNvPr id="2" name="Title 1"/>
+          <p:cNvSpPr>
+            <a:spLocks noGrp="1"/>
+          </p:cNvSpPr>
+          <p:nvPr>
+            <p:ph type="title"/>
+          </p:nvPr>
+        </p:nvSpPr>
+        <p:spPr/>
+        <p:txBody>
+          <a:bodyPr/>
+          <a:lstStyle/>
+          <a:p>
+            <a:r>
+              <a:rPr lang="en-US" dirty="0" smtClean="0"/>
+              <a:t>Files! </a:t>
+            </a:r>
+            <a:r>
+              <a:rPr lang="en-US" dirty="0" smtClean="0"/>
+              <a:t>Wild*ds</a:t>
+            </a:r>
+            <a:r>
+              <a:rPr lang="en-US" dirty="0" smtClean="0"/>
+              <a:t>!</a:t>
+            </a:r>
+            <a:endParaRPr lang="en-US" dirty="0"/>
+          </a:p>
+        </p:txBody>
+      </p:sp>
+      <p:sp>
+        <p:nvSpPr>
+          <p:cNvPr id="3" name="Content Placeholder 2"/>
+          <p:cNvSpPr>
+            <a:spLocks noGrp="1"/>
+          </p:cNvSpPr>
+          <p:nvPr>
+            <p:ph idx="1"/>
+          </p:nvPr>
+        </p:nvSpPr>
+        <p:spPr>
+          <a:xfrm>
+            <a:off x="840000" y="1825625"/>
+            <a:ext cx="8227800" cy="4351338"/>
+          </a:xfrm>
+        </p:spPr>
+        <p:txBody>
+          <a:bodyPr/>
+          <a:lstStyle/>
+          <a:p>
+            <a:pPr marL="0" indent="0">
+              <a:buNone/>
+            </a:pPr>
+            <a:r>
+              <a:rPr lang="en-US" dirty="0" smtClean="0"/>
+              <a:t>$ </a:t>
+            </a:r>
+            <a:r>
+              <a:rPr lang="en-US" dirty="0"/>
+              <a:t>cat file.txt file2.txt </a:t>
+            </a:r>
+          </a:p>
+          <a:p>
+            <a:pPr marL="0" indent="0">
+              <a:buNone/>
+            </a:pPr>
+            <a:r>
+              <a:rPr lang="en-US" dirty="0"/>
+              <a:t>this is a file!</a:t>
+            </a:r>
+          </a:p>
+          <a:p>
+            <a:pPr marL="0" indent="0">
+              <a:buNone/>
+            </a:pPr>
+            <a:r>
+              <a:rPr lang="en-US" dirty="0"/>
+              <a:t>it contains two lines of text.</a:t>
+            </a:r>
+          </a:p>
+          <a:p>
+            <a:pPr marL="0" indent="0">
+              <a:buNone/>
+            </a:pPr>
+            <a:r>
+              <a:rPr lang="en-US" dirty="0"/>
+              <a:t>this is another file</a:t>
+            </a:r>
+            <a:r>
+              <a:rPr lang="en-US" dirty="0" smtClean="0"/>
+              <a:t>.</a:t>
+            </a:r>
+          </a:p>
+          <a:p>
+            <a:pPr marL="0" indent="0">
+              <a:buNone/>
+            </a:pPr>
+            <a:endParaRPr lang="en-US" dirty="0"/>
+          </a:p>
+          <a:p>
+            <a:pPr marL="0" indent="0">
+              <a:buNone/>
+            </a:pPr>
+            <a:r>
+              <a:rPr lang="en-US" dirty="0" smtClean="0"/>
+              <a:t>$ </a:t>
+            </a:r>
+            <a:r>
+              <a:rPr lang="en-US" dirty="0"/>
+              <a:t>cat file*</a:t>
+            </a:r>
+          </a:p>
+          <a:p>
+            <a:pPr marL="0" indent="0">
+              <a:buNone/>
+            </a:pPr>
+            <a:r>
+              <a:rPr lang="en-US" dirty="0"/>
+              <a:t>this is another file.</a:t>
+            </a:r>
+          </a:p>
+          <a:p>
+            <a:pPr marL="0" indent="0">
+              <a:buNone/>
+            </a:pPr>
+            <a:r>
+              <a:rPr lang="en-US" dirty="0"/>
+              <a:t>this is a file!</a:t>
+            </a:r>
+          </a:p>
+          <a:p>
+            <a:pPr marL="0" indent="0">
+              <a:buNone/>
+            </a:pPr>
+            <a:r>
+              <a:rPr lang="en-US" dirty="0"/>
+              <a:t>it contains two lines of text.</a:t>
+            </a:r>
+          </a:p>
+        </p:txBody>
+      </p:sp>
+    </p:spTree>
+    <p:extLst>
+      <p:ext uri="{BB962C8B-B14F-4D97-AF65-F5344CB8AC3E}">
+        <p14:creationId xmlns:p14="http://schemas.microsoft.com/office/powerpoint/2010/main" val="3465365028"/>
+      </p:ext>
+    </p:extLst>
+  </p:cSld>
+  <p:clrMapOvr>
+    <a:masterClrMapping/>
+  </p:clrMapOvr>
+  <p:timing>
+    <p:tnLst>
+      <p:par>
+        <p:cTn id="1" dur="indefinite" restart="never" nodeType="tmRoot"/>
+      </p:par>
+    </p:tnLst>
+  </p:timing>
+</p:sld>
+</file>
+
+<file path=ppt/slides/slide29.xml><?xml version="1.0" encoding="utf-8"?>
+<p:sld xmlns:a="http://schemas.openxmlformats.org/drawingml/2006/main" xmlns:r="http://schemas.openxmlformats.org/officeDocument/2006/relationships" xmlns:p="http://schemas.openxmlformats.org/presentationml/2006/main">
+  <p:cSld>
+    <p:spTree>
+      <p:nvGrpSpPr>
+        <p:cNvPr id="1" name=""/>
+        <p:cNvGrpSpPr/>
+        <p:nvPr/>
+      </p:nvGrpSpPr>
+      <p:grpSpPr>
+        <a:xfrm>
+          <a:off x="0" y="0"/>
+          <a:ext cx="0" cy="0"/>
+          <a:chOff x="0" y="0"/>
+          <a:chExt cx="0" cy="0"/>
+        </a:xfrm>
+      </p:grpSpPr>
+      <p:sp>
+        <p:nvSpPr>
+          <p:cNvPr id="2" name="Title 1"/>
+          <p:cNvSpPr>
+            <a:spLocks noGrp="1"/>
+          </p:cNvSpPr>
+          <p:nvPr>
+            <p:ph type="title"/>
+          </p:nvPr>
+        </p:nvSpPr>
         <p:spPr>
           <a:xfrm>
             <a:off x="628650" y="365126"/>
@@ -11610,7 +12007,155 @@
 </p:sld>
 </file>
 
-<file path=ppt/slides/slide28.xml><?xml version="1.0" encoding="utf-8"?>
+<file path=ppt/slides/slide3.xml><?xml version="1.0" encoding="utf-8"?>
+<p:sld xmlns:a="http://schemas.openxmlformats.org/drawingml/2006/main" xmlns:r="http://schemas.openxmlformats.org/officeDocument/2006/relationships" xmlns:p="http://schemas.openxmlformats.org/presentationml/2006/main">
+  <p:cSld>
+    <p:spTree>
+      <p:nvGrpSpPr>
+        <p:cNvPr id="1" name=""/>
+        <p:cNvGrpSpPr/>
+        <p:nvPr/>
+      </p:nvGrpSpPr>
+      <p:grpSpPr>
+        <a:xfrm>
+          <a:off x="0" y="0"/>
+          <a:ext cx="0" cy="0"/>
+          <a:chOff x="0" y="0"/>
+          <a:chExt cx="0" cy="0"/>
+        </a:xfrm>
+      </p:grpSpPr>
+      <p:sp>
+        <p:nvSpPr>
+          <p:cNvPr id="2" name="Title 1"/>
+          <p:cNvSpPr>
+            <a:spLocks noGrp="1"/>
+          </p:cNvSpPr>
+          <p:nvPr>
+            <p:ph type="title"/>
+          </p:nvPr>
+        </p:nvSpPr>
+        <p:spPr/>
+        <p:txBody>
+          <a:bodyPr/>
+          <a:lstStyle/>
+          <a:p>
+            <a:r>
+              <a:rPr lang="en-US" dirty="0" smtClean="0"/>
+              <a:t>Outline</a:t>
+            </a:r>
+            <a:endParaRPr lang="en-US" dirty="0"/>
+          </a:p>
+        </p:txBody>
+      </p:sp>
+      <p:sp>
+        <p:nvSpPr>
+          <p:cNvPr id="3" name="Content Placeholder 2"/>
+          <p:cNvSpPr>
+            <a:spLocks noGrp="1"/>
+          </p:cNvSpPr>
+          <p:nvPr>
+            <p:ph idx="1"/>
+          </p:nvPr>
+        </p:nvSpPr>
+        <p:spPr>
+          <a:xfrm>
+            <a:off x="840000" y="1825624"/>
+            <a:ext cx="7675350" cy="4708525"/>
+          </a:xfrm>
+        </p:spPr>
+        <p:txBody>
+          <a:bodyPr>
+            <a:normAutofit/>
+          </a:bodyPr>
+          <a:lstStyle/>
+          <a:p>
+            <a:r>
+              <a:rPr lang="en-US" dirty="0" smtClean="0"/>
+              <a:t>Intro</a:t>
+            </a:r>
+          </a:p>
+          <a:p>
+            <a:r>
+              <a:rPr lang="en-US" dirty="0" smtClean="0"/>
+              <a:t>Underlying concepts</a:t>
+            </a:r>
+          </a:p>
+          <a:p>
+            <a:r>
+              <a:rPr lang="en-US" dirty="0" smtClean="0"/>
+              <a:t>Where’s the mouse?</a:t>
+            </a:r>
+          </a:p>
+          <a:p>
+            <a:r>
+              <a:rPr lang="en-US" dirty="0" smtClean="0"/>
+              <a:t>Looking around</a:t>
+            </a:r>
+          </a:p>
+          <a:p>
+            <a:pPr lvl="1"/>
+            <a:r>
+              <a:rPr lang="en-US" dirty="0" smtClean="0"/>
+              <a:t>Permissions</a:t>
+            </a:r>
+          </a:p>
+          <a:p>
+            <a:r>
+              <a:rPr lang="en-US" dirty="0" smtClean="0"/>
+              <a:t>Getting around</a:t>
+            </a:r>
+          </a:p>
+          <a:p>
+            <a:r>
+              <a:rPr lang="en-US" dirty="0" smtClean="0"/>
+              <a:t>File commands</a:t>
+            </a:r>
+          </a:p>
+          <a:p>
+            <a:pPr lvl="1"/>
+            <a:r>
+              <a:rPr lang="en-US" dirty="0" smtClean="0"/>
+              <a:t>File I/O</a:t>
+            </a:r>
+          </a:p>
+          <a:p>
+            <a:r>
+              <a:rPr lang="en-US" dirty="0" smtClean="0"/>
+              <a:t>Redirection</a:t>
+            </a:r>
+          </a:p>
+          <a:p>
+            <a:r>
+              <a:rPr lang="en-US" dirty="0" smtClean="0"/>
+              <a:t>pipelines</a:t>
+            </a:r>
+          </a:p>
+          <a:p>
+            <a:endParaRPr lang="en-US" dirty="0"/>
+          </a:p>
+        </p:txBody>
+      </p:sp>
+    </p:spTree>
+    <p:extLst>
+      <p:ext uri="{BB962C8B-B14F-4D97-AF65-F5344CB8AC3E}">
+        <p14:creationId xmlns:p14="http://schemas.microsoft.com/office/powerpoint/2010/main" val="1877784081"/>
+      </p:ext>
+    </p:extLst>
+  </p:cSld>
+  <p:clrMapOvr>
+    <a:masterClrMapping/>
+  </p:clrMapOvr>
+  <p:timing>
+    <p:tnLst>
+      <p:par>
+        <p:cTn id="1" dur="indefinite" restart="never" nodeType="tmRoot"/>
+      </p:par>
+    </p:tnLst>
+  </p:timing>
+</p:sld>
+</file>
+
+<file path=ppt/slides/slide30.xml><?xml version="1.0" encoding="utf-8"?>
 <p:sld xmlns:a="http://schemas.openxmlformats.org/drawingml/2006/main" xmlns:r="http://schemas.openxmlformats.org/officeDocument/2006/relationships" xmlns:p="http://schemas.openxmlformats.org/presentationml/2006/main">
   <p:cSld>
     <p:spTree>
@@ -11934,7 +12479,7 @@
 </p:sld>
 </file>
 
-<file path=ppt/slides/slide29.xml><?xml version="1.0" encoding="utf-8"?>
+<file path=ppt/slides/slide31.xml><?xml version="1.0" encoding="utf-8"?>
 <p:sld xmlns:a="http://schemas.openxmlformats.org/drawingml/2006/main" xmlns:r="http://schemas.openxmlformats.org/officeDocument/2006/relationships" xmlns:p="http://schemas.openxmlformats.org/presentationml/2006/main">
   <p:cSld>
     <p:spTree>
@@ -12175,7 +12720,7 @@
 </p:sld>
 </file>
 
-<file path=ppt/slides/slide3.xml><?xml version="1.0" encoding="utf-8"?>
+<file path=ppt/slides/slide32.xml><?xml version="1.0" encoding="utf-8"?>
 <p:sld xmlns:a="http://schemas.openxmlformats.org/drawingml/2006/main" xmlns:r="http://schemas.openxmlformats.org/officeDocument/2006/relationships" xmlns:p="http://schemas.openxmlformats.org/presentationml/2006/main">
   <p:cSld>
     <p:spTree>
@@ -12209,7 +12754,7 @@
           <a:p>
             <a:r>
               <a:rPr lang="en-US" dirty="0" smtClean="0"/>
-              <a:t>Some Conventions</a:t>
+              <a:t>The Escape character</a:t>
             </a:r>
             <a:endParaRPr lang="en-US" dirty="0"/>
           </a:p>
@@ -12227,119 +12772,96 @@
         </p:nvSpPr>
         <p:spPr/>
         <p:txBody>
-          <a:bodyPr>
-            <a:normAutofit lnSpcReduction="10000"/>
-          </a:bodyPr>
-          <a:lstStyle/>
-          <a:p>
-            <a:r>
-              <a:rPr lang="en-US" dirty="0" smtClean="0"/>
-              <a:t>Descriptions</a:t>
-            </a:r>
-          </a:p>
-          <a:p>
-            <a:pPr marL="0" indent="0">
-              <a:buNone/>
-            </a:pPr>
-            <a:endParaRPr lang="en-US" dirty="0" smtClean="0">
-              <a:latin typeface="Source Code Pro Semibold" panose="020B0609030403020204" pitchFamily="49" charset="0"/>
-            </a:endParaRPr>
-          </a:p>
-          <a:p>
-            <a:pPr marL="0" indent="0">
-              <a:buNone/>
-            </a:pPr>
-            <a:r>
-              <a:rPr lang="en-US" dirty="0" smtClean="0">
-                <a:latin typeface="Source Code Pro Semibold" panose="020B0609030403020204" pitchFamily="49" charset="0"/>
-              </a:rPr>
-              <a:t>$ command</a:t>
-            </a:r>
-          </a:p>
-          <a:p>
-            <a:pPr marL="0" indent="0">
-              <a:buNone/>
-            </a:pPr>
-            <a:endParaRPr lang="en-US" sz="4000" dirty="0"/>
-          </a:p>
-          <a:p>
-            <a:pPr marL="0" indent="0">
-              <a:buNone/>
-            </a:pPr>
-            <a:r>
-              <a:rPr lang="en-US" sz="4000" dirty="0" smtClean="0">
-                <a:latin typeface="Source Code Pro Semibold" panose="020B0609030403020204" pitchFamily="49" charset="0"/>
-              </a:rPr>
-              <a:t>1Il|iO0oB8</a:t>
-            </a:r>
-            <a:endParaRPr lang="en-US" dirty="0" smtClean="0">
-              <a:latin typeface="Source Code Pro Semibold" panose="020B0609030403020204" pitchFamily="49" charset="0"/>
-            </a:endParaRPr>
-          </a:p>
-          <a:p>
-            <a:pPr marL="0" indent="0">
-              <a:buNone/>
-            </a:pPr>
-            <a:r>
-              <a:rPr lang="en-US" sz="4000" dirty="0" smtClean="0">
-                <a:latin typeface="Calibri" panose="020F0502020204030204" pitchFamily="34" charset="0"/>
-              </a:rPr>
-              <a:t>1Il|iO0oB8</a:t>
-            </a:r>
-          </a:p>
-          <a:p>
-            <a:pPr marL="0" indent="0">
-              <a:buNone/>
-            </a:pPr>
-            <a:endParaRPr lang="en-US" dirty="0" smtClean="0">
-              <a:latin typeface="Source Code Pro Semibold" panose="020B0609030403020204" pitchFamily="49" charset="0"/>
-            </a:endParaRPr>
-          </a:p>
-          <a:p>
-            <a:pPr marL="0" indent="0">
-              <a:buNone/>
-            </a:pPr>
-            <a:endParaRPr lang="en-US" dirty="0" smtClean="0">
-              <a:latin typeface="Source Code Pro Semibold" panose="020B0609030403020204" pitchFamily="49" charset="0"/>
-            </a:endParaRPr>
-          </a:p>
-          <a:p>
-            <a:pPr marL="0" indent="0">
-              <a:buNone/>
-            </a:pPr>
-            <a:r>
-              <a:rPr lang="en-US" dirty="0" smtClean="0">
-                <a:latin typeface="Source Code Pro Semibold" panose="020B0609030403020204" pitchFamily="49" charset="0"/>
-              </a:rPr>
-              <a:t>#comments</a:t>
-            </a:r>
-            <a:endParaRPr lang="en-US" dirty="0">
-              <a:latin typeface="Source Code Pro Semibold" panose="020B0609030403020204" pitchFamily="49" charset="0"/>
-            </a:endParaRPr>
+          <a:bodyPr/>
+          <a:lstStyle/>
+          <a:p>
+            <a:pPr marL="0" indent="0">
+              <a:buNone/>
+            </a:pPr>
+            <a:r>
+              <a:rPr lang="en-US" dirty="0" smtClean="0"/>
+              <a:t>often the “\” character</a:t>
+            </a:r>
+          </a:p>
+          <a:p>
+            <a:pPr marL="0" indent="0">
+              <a:buNone/>
+            </a:pPr>
+            <a:endParaRPr lang="en-US" dirty="0" smtClean="0"/>
+          </a:p>
+          <a:p>
+            <a:pPr marL="0" indent="0">
+              <a:buNone/>
+            </a:pPr>
+            <a:r>
+              <a:rPr lang="en-US" dirty="0" smtClean="0"/>
+              <a:t>It means ignore what meaning the next character usually has in this context</a:t>
+            </a:r>
+          </a:p>
+          <a:p>
+            <a:pPr marL="0" indent="0">
+              <a:buNone/>
+            </a:pPr>
+            <a:endParaRPr lang="en-US" dirty="0"/>
+          </a:p>
+          <a:p>
+            <a:pPr marL="0" indent="0">
+              <a:buNone/>
+            </a:pPr>
+            <a:r>
+              <a:rPr lang="en-US" dirty="0" smtClean="0"/>
+              <a:t>\t, \n, \*, \., \</a:t>
+            </a:r>
+          </a:p>
+          <a:p>
+            <a:pPr marL="0" indent="0">
+              <a:buNone/>
+            </a:pPr>
+            <a:r>
+              <a:rPr lang="en-US" dirty="0" smtClean="0"/>
+              <a:t>\</a:t>
+            </a:r>
+          </a:p>
+          <a:p>
+            <a:pPr marL="0" indent="0">
+              <a:buNone/>
+            </a:pPr>
+            <a:r>
+              <a:rPr lang="en-US" dirty="0" smtClean="0"/>
+              <a:t>\</a:t>
+            </a:r>
+          </a:p>
+          <a:p>
+            <a:pPr marL="0" indent="0">
+              <a:buNone/>
+            </a:pPr>
+            <a:r>
+              <a:rPr lang="en-US" smtClean="0"/>
+              <a:t>\</a:t>
+            </a:r>
+          </a:p>
+          <a:p>
+            <a:pPr marL="0" indent="0">
+              <a:buNone/>
+            </a:pPr>
+            <a:endParaRPr lang="en-US" dirty="0"/>
           </a:p>
         </p:txBody>
       </p:sp>
     </p:spTree>
     <p:extLst>
       <p:ext uri="{BB962C8B-B14F-4D97-AF65-F5344CB8AC3E}">
-        <p14:creationId xmlns:p14="http://schemas.microsoft.com/office/powerpoint/2010/main" val="1607220874"/>
+        <p14:creationId xmlns:p14="http://schemas.microsoft.com/office/powerpoint/2010/main" val="933242205"/>
       </p:ext>
     </p:extLst>
   </p:cSld>
   <p:clrMapOvr>
     <a:masterClrMapping/>
   </p:clrMapOvr>
-  <p:timing>
-    <p:tnLst>
-      <p:par>
-        <p:cTn id="1" dur="indefinite" restart="never" nodeType="tmRoot"/>
-      </p:par>
-    </p:tnLst>
-  </p:timing>
 </p:sld>
 </file>
 
-<file path=ppt/slides/slide30.xml><?xml version="1.0" encoding="utf-8"?>
+<file path=ppt/slides/slide33.xml><?xml version="1.0" encoding="utf-8"?>
 <p:sld xmlns:a="http://schemas.openxmlformats.org/drawingml/2006/main" xmlns:r="http://schemas.openxmlformats.org/officeDocument/2006/relationships" xmlns:p="http://schemas.openxmlformats.org/presentationml/2006/main">
   <p:cSld>
     <p:spTree>
@@ -12373,147 +12895,6 @@
           <a:p>
             <a:r>
               <a:rPr lang="en-US" dirty="0" smtClean="0"/>
-              <a:t>The Escape character</a:t>
-            </a:r>
-            <a:endParaRPr lang="en-US" dirty="0"/>
-          </a:p>
-        </p:txBody>
-      </p:sp>
-      <p:sp>
-        <p:nvSpPr>
-          <p:cNvPr id="3" name="Content Placeholder 2"/>
-          <p:cNvSpPr>
-            <a:spLocks noGrp="1"/>
-          </p:cNvSpPr>
-          <p:nvPr>
-            <p:ph idx="1"/>
-          </p:nvPr>
-        </p:nvSpPr>
-        <p:spPr/>
-        <p:txBody>
-          <a:bodyPr/>
-          <a:lstStyle/>
-          <a:p>
-            <a:pPr marL="0" indent="0">
-              <a:buNone/>
-            </a:pPr>
-            <a:r>
-              <a:rPr lang="en-US" dirty="0" smtClean="0"/>
-              <a:t>often the “\” character</a:t>
-            </a:r>
-          </a:p>
-          <a:p>
-            <a:pPr marL="0" indent="0">
-              <a:buNone/>
-            </a:pPr>
-            <a:endParaRPr lang="en-US" dirty="0" smtClean="0"/>
-          </a:p>
-          <a:p>
-            <a:pPr marL="0" indent="0">
-              <a:buNone/>
-            </a:pPr>
-            <a:r>
-              <a:rPr lang="en-US" dirty="0" smtClean="0"/>
-              <a:t>It means ignore what meaning the next character usually has in this context</a:t>
-            </a:r>
-          </a:p>
-          <a:p>
-            <a:pPr marL="0" indent="0">
-              <a:buNone/>
-            </a:pPr>
-            <a:endParaRPr lang="en-US" dirty="0"/>
-          </a:p>
-          <a:p>
-            <a:pPr marL="0" indent="0">
-              <a:buNone/>
-            </a:pPr>
-            <a:r>
-              <a:rPr lang="en-US" dirty="0" smtClean="0"/>
-              <a:t>\t, \n, \*, \., \</a:t>
-            </a:r>
-          </a:p>
-          <a:p>
-            <a:pPr marL="0" indent="0">
-              <a:buNone/>
-            </a:pPr>
-            <a:r>
-              <a:rPr lang="en-US" dirty="0" smtClean="0"/>
-              <a:t>\</a:t>
-            </a:r>
-          </a:p>
-          <a:p>
-            <a:pPr marL="0" indent="0">
-              <a:buNone/>
-            </a:pPr>
-            <a:r>
-              <a:rPr lang="en-US" dirty="0" smtClean="0"/>
-              <a:t>\</a:t>
-            </a:r>
-          </a:p>
-          <a:p>
-            <a:pPr marL="0" indent="0">
-              <a:buNone/>
-            </a:pPr>
-            <a:r>
-              <a:rPr lang="en-US" smtClean="0"/>
-              <a:t>\</a:t>
-            </a:r>
-          </a:p>
-          <a:p>
-            <a:pPr marL="0" indent="0">
-              <a:buNone/>
-            </a:pPr>
-            <a:endParaRPr lang="en-US" dirty="0"/>
-          </a:p>
-        </p:txBody>
-      </p:sp>
-    </p:spTree>
-    <p:extLst>
-      <p:ext uri="{BB962C8B-B14F-4D97-AF65-F5344CB8AC3E}">
-        <p14:creationId xmlns:p14="http://schemas.microsoft.com/office/powerpoint/2010/main" val="933242205"/>
-      </p:ext>
-    </p:extLst>
-  </p:cSld>
-  <p:clrMapOvr>
-    <a:masterClrMapping/>
-  </p:clrMapOvr>
-</p:sld>
-</file>
-
-<file path=ppt/slides/slide31.xml><?xml version="1.0" encoding="utf-8"?>
-<p:sld xmlns:a="http://schemas.openxmlformats.org/drawingml/2006/main" xmlns:r="http://schemas.openxmlformats.org/officeDocument/2006/relationships" xmlns:p="http://schemas.openxmlformats.org/presentationml/2006/main">
-  <p:cSld>
-    <p:spTree>
-      <p:nvGrpSpPr>
-        <p:cNvPr id="1" name=""/>
-        <p:cNvGrpSpPr/>
-        <p:nvPr/>
-      </p:nvGrpSpPr>
-      <p:grpSpPr>
-        <a:xfrm>
-          <a:off x="0" y="0"/>
-          <a:ext cx="0" cy="0"/>
-          <a:chOff x="0" y="0"/>
-          <a:chExt cx="0" cy="0"/>
-        </a:xfrm>
-      </p:grpSpPr>
-      <p:sp>
-        <p:nvSpPr>
-          <p:cNvPr id="2" name="Title 1"/>
-          <p:cNvSpPr>
-            <a:spLocks noGrp="1"/>
-          </p:cNvSpPr>
-          <p:nvPr>
-            <p:ph type="title"/>
-          </p:nvPr>
-        </p:nvSpPr>
-        <p:spPr/>
-        <p:txBody>
-          <a:bodyPr/>
-          <a:lstStyle/>
-          <a:p>
-            <a:r>
-              <a:rPr lang="en-US" dirty="0" smtClean="0"/>
               <a:t>File Editing</a:t>
             </a:r>
             <a:endParaRPr lang="en-US" dirty="0"/>
@@ -12785,7 +13166,7 @@
 </p:sld>
 </file>
 
-<file path=ppt/slides/slide32.xml><?xml version="1.0" encoding="utf-8"?>
+<file path=ppt/slides/slide34.xml><?xml version="1.0" encoding="utf-8"?>
 <p:sld xmlns:a="http://schemas.openxmlformats.org/drawingml/2006/main" xmlns:r="http://schemas.openxmlformats.org/officeDocument/2006/relationships" xmlns:p="http://schemas.openxmlformats.org/presentationml/2006/main">
   <p:cSld>
     <p:spTree>
@@ -12862,7 +13243,7 @@
 </p:sld>
 </file>
 
-<file path=ppt/slides/slide33.xml><?xml version="1.0" encoding="utf-8"?>
+<file path=ppt/slides/slide35.xml><?xml version="1.0" encoding="utf-8"?>
 <p:sld xmlns:a="http://schemas.openxmlformats.org/drawingml/2006/main" xmlns:r="http://schemas.openxmlformats.org/officeDocument/2006/relationships" xmlns:p="http://schemas.openxmlformats.org/presentationml/2006/main">
   <p:cSld>
     <p:spTree>
@@ -13017,7 +13398,7 @@
 </p:sld>
 </file>
 
-<file path=ppt/slides/slide34.xml><?xml version="1.0" encoding="utf-8"?>
+<file path=ppt/slides/slide36.xml><?xml version="1.0" encoding="utf-8"?>
 <p:sld xmlns:a="http://schemas.openxmlformats.org/drawingml/2006/main" xmlns:r="http://schemas.openxmlformats.org/officeDocument/2006/relationships" xmlns:p="http://schemas.openxmlformats.org/presentationml/2006/main">
   <p:cSld>
     <p:spTree>
@@ -13588,367 +13969,6 @@
     <p:extLst>
       <p:ext uri="{BB962C8B-B14F-4D97-AF65-F5344CB8AC3E}">
         <p14:creationId xmlns:p14="http://schemas.microsoft.com/office/powerpoint/2010/main" val="646018153"/>
-      </p:ext>
-    </p:extLst>
-  </p:cSld>
-  <p:clrMapOvr>
-    <a:masterClrMapping/>
-  </p:clrMapOvr>
-</p:sld>
-</file>
-
-<file path=ppt/slides/slide35.xml><?xml version="1.0" encoding="utf-8"?>
-<p:sld xmlns:a="http://schemas.openxmlformats.org/drawingml/2006/main" xmlns:r="http://schemas.openxmlformats.org/officeDocument/2006/relationships" xmlns:p="http://schemas.openxmlformats.org/presentationml/2006/main">
-  <p:cSld>
-    <p:spTree>
-      <p:nvGrpSpPr>
-        <p:cNvPr id="1" name=""/>
-        <p:cNvGrpSpPr/>
-        <p:nvPr/>
-      </p:nvGrpSpPr>
-      <p:grpSpPr>
-        <a:xfrm>
-          <a:off x="0" y="0"/>
-          <a:ext cx="0" cy="0"/>
-          <a:chOff x="0" y="0"/>
-          <a:chExt cx="0" cy="0"/>
-        </a:xfrm>
-      </p:grpSpPr>
-      <p:sp>
-        <p:nvSpPr>
-          <p:cNvPr id="2" name="Title 1"/>
-          <p:cNvSpPr>
-            <a:spLocks noGrp="1"/>
-          </p:cNvSpPr>
-          <p:nvPr>
-            <p:ph type="title"/>
-          </p:nvPr>
-        </p:nvSpPr>
-        <p:spPr/>
-        <p:txBody>
-          <a:bodyPr/>
-          <a:lstStyle/>
-          <a:p>
-            <a:r>
-              <a:rPr lang="en-US" dirty="0" err="1" smtClean="0"/>
-              <a:t>awk</a:t>
-            </a:r>
-            <a:endParaRPr lang="en-US" dirty="0"/>
-          </a:p>
-        </p:txBody>
-      </p:sp>
-      <p:sp>
-        <p:nvSpPr>
-          <p:cNvPr id="3" name="Content Placeholder 2"/>
-          <p:cNvSpPr>
-            <a:spLocks noGrp="1"/>
-          </p:cNvSpPr>
-          <p:nvPr>
-            <p:ph idx="1"/>
-          </p:nvPr>
-        </p:nvSpPr>
-        <p:spPr/>
-        <p:txBody>
-          <a:bodyPr/>
-          <a:lstStyle/>
-          <a:p>
-            <a:r>
-              <a:rPr lang="en-US" dirty="0" smtClean="0"/>
-              <a:t>Manipulating field-separated data</a:t>
-            </a:r>
-          </a:p>
-          <a:p>
-            <a:r>
-              <a:rPr lang="en-US" dirty="0" smtClean="0"/>
-              <a:t>More advanced </a:t>
-            </a:r>
-            <a:r>
-              <a:rPr lang="en-US" dirty="0"/>
-              <a:t>features superseded </a:t>
-            </a:r>
-            <a:r>
-              <a:rPr lang="en-US" dirty="0" smtClean="0"/>
-              <a:t>by modern languages like </a:t>
-            </a:r>
-            <a:r>
-              <a:rPr lang="en-US" dirty="0" err="1" smtClean="0"/>
-              <a:t>perl</a:t>
-            </a:r>
-            <a:r>
-              <a:rPr lang="en-US" dirty="0" smtClean="0"/>
-              <a:t>/python</a:t>
-            </a:r>
-          </a:p>
-          <a:p>
-            <a:r>
-              <a:rPr lang="en-US" dirty="0" smtClean="0"/>
-              <a:t>Gives you symbols for each column</a:t>
-            </a:r>
-          </a:p>
-          <a:p>
-            <a:pPr lvl="1"/>
-            <a:r>
-              <a:rPr lang="en-US" dirty="0" smtClean="0"/>
-              <a:t>$number 0-&gt; original line</a:t>
-            </a:r>
-          </a:p>
-          <a:p>
-            <a:pPr lvl="1"/>
-            <a:r>
-              <a:rPr lang="en-US" dirty="0" smtClean="0"/>
-              <a:t>$1 -&gt; first column</a:t>
-            </a:r>
-          </a:p>
-          <a:p>
-            <a:pPr marL="0" indent="0">
-              <a:buNone/>
-            </a:pPr>
-            <a:endParaRPr lang="en-US" dirty="0" smtClean="0"/>
-          </a:p>
-          <a:p>
-            <a:pPr marL="0" indent="0">
-              <a:buNone/>
-            </a:pPr>
-            <a:r>
-              <a:rPr lang="en-US" dirty="0" smtClean="0"/>
-              <a:t>#same as cat:</a:t>
-            </a:r>
-            <a:endParaRPr lang="en-US" dirty="0"/>
-          </a:p>
-          <a:p>
-            <a:pPr marL="0" indent="0">
-              <a:buNone/>
-            </a:pPr>
-            <a:r>
-              <a:rPr lang="en-US" dirty="0"/>
-              <a:t>$ </a:t>
-            </a:r>
-            <a:r>
-              <a:rPr lang="en-US" dirty="0" err="1"/>
-              <a:t>awk</a:t>
-            </a:r>
-            <a:r>
-              <a:rPr lang="en-US" dirty="0"/>
-              <a:t> '{print}' </a:t>
-            </a:r>
-            <a:r>
-              <a:rPr lang="en-US" dirty="0" smtClean="0"/>
-              <a:t>Chip2comb_001b.sam</a:t>
-            </a:r>
-          </a:p>
-          <a:p>
-            <a:pPr marL="0" indent="0">
-              <a:buNone/>
-            </a:pPr>
-            <a:endParaRPr lang="en-US" dirty="0" smtClean="0"/>
-          </a:p>
-        </p:txBody>
-      </p:sp>
-    </p:spTree>
-    <p:extLst>
-      <p:ext uri="{BB962C8B-B14F-4D97-AF65-F5344CB8AC3E}">
-        <p14:creationId xmlns:p14="http://schemas.microsoft.com/office/powerpoint/2010/main" val="793196873"/>
-      </p:ext>
-    </p:extLst>
-  </p:cSld>
-  <p:clrMapOvr>
-    <a:masterClrMapping/>
-  </p:clrMapOvr>
-</p:sld>
-</file>
-
-<file path=ppt/slides/slide36.xml><?xml version="1.0" encoding="utf-8"?>
-<p:sld xmlns:a="http://schemas.openxmlformats.org/drawingml/2006/main" xmlns:r="http://schemas.openxmlformats.org/officeDocument/2006/relationships" xmlns:p="http://schemas.openxmlformats.org/presentationml/2006/main">
-  <p:cSld>
-    <p:spTree>
-      <p:nvGrpSpPr>
-        <p:cNvPr id="1" name=""/>
-        <p:cNvGrpSpPr/>
-        <p:nvPr/>
-      </p:nvGrpSpPr>
-      <p:grpSpPr>
-        <a:xfrm>
-          <a:off x="0" y="0"/>
-          <a:ext cx="0" cy="0"/>
-          <a:chOff x="0" y="0"/>
-          <a:chExt cx="0" cy="0"/>
-        </a:xfrm>
-      </p:grpSpPr>
-      <p:sp>
-        <p:nvSpPr>
-          <p:cNvPr id="2" name="Title 1"/>
-          <p:cNvSpPr>
-            <a:spLocks noGrp="1"/>
-          </p:cNvSpPr>
-          <p:nvPr>
-            <p:ph type="title"/>
-          </p:nvPr>
-        </p:nvSpPr>
-        <p:spPr/>
-        <p:txBody>
-          <a:bodyPr/>
-          <a:lstStyle/>
-          <a:p>
-            <a:r>
-              <a:rPr lang="en-US" dirty="0" err="1" smtClean="0"/>
-              <a:t>awk</a:t>
-            </a:r>
-            <a:endParaRPr lang="en-US" dirty="0"/>
-          </a:p>
-        </p:txBody>
-      </p:sp>
-      <p:sp>
-        <p:nvSpPr>
-          <p:cNvPr id="3" name="Content Placeholder 2"/>
-          <p:cNvSpPr>
-            <a:spLocks noGrp="1"/>
-          </p:cNvSpPr>
-          <p:nvPr>
-            <p:ph idx="1"/>
-          </p:nvPr>
-        </p:nvSpPr>
-        <p:spPr/>
-        <p:txBody>
-          <a:bodyPr/>
-          <a:lstStyle/>
-          <a:p>
-            <a:r>
-              <a:rPr lang="en-US" dirty="0" smtClean="0"/>
-              <a:t>Something more interesting</a:t>
-            </a:r>
-          </a:p>
-          <a:p>
-            <a:r>
-              <a:rPr lang="en-US" dirty="0" smtClean="0"/>
-              <a:t>Where did things map?</a:t>
-            </a:r>
-          </a:p>
-          <a:p>
-            <a:r>
-              <a:rPr lang="en-US" dirty="0" smtClean="0"/>
-              <a:t>Chromosome or </a:t>
-            </a:r>
-            <a:r>
-              <a:rPr lang="en-US" dirty="0" err="1" smtClean="0"/>
-              <a:t>contig</a:t>
-            </a:r>
-            <a:r>
-              <a:rPr lang="en-US" dirty="0" smtClean="0"/>
-              <a:t> stored in column 3 in </a:t>
-            </a:r>
-            <a:r>
-              <a:rPr lang="en-US" dirty="0" err="1" smtClean="0"/>
-              <a:t>sam</a:t>
-            </a:r>
-            <a:r>
-              <a:rPr lang="en-US" dirty="0" smtClean="0"/>
-              <a:t> files</a:t>
-            </a:r>
-          </a:p>
-          <a:p>
-            <a:pPr marL="0" indent="0">
-              <a:buNone/>
-            </a:pPr>
-            <a:endParaRPr lang="en-US" dirty="0" smtClean="0"/>
-          </a:p>
-          <a:p>
-            <a:pPr marL="0" indent="0">
-              <a:buNone/>
-            </a:pPr>
-            <a:r>
-              <a:rPr lang="en-US" dirty="0" smtClean="0"/>
-              <a:t>$ </a:t>
-            </a:r>
-            <a:r>
-              <a:rPr lang="en-US" dirty="0" err="1"/>
-              <a:t>awk</a:t>
-            </a:r>
-            <a:r>
-              <a:rPr lang="en-US" dirty="0"/>
-              <a:t> '{</a:t>
-            </a:r>
-            <a:r>
-              <a:rPr lang="en-US" dirty="0" smtClean="0"/>
-              <a:t>print $3}' Chip2comb_001b.sam</a:t>
-            </a:r>
-          </a:p>
-          <a:p>
-            <a:pPr marL="0" indent="0">
-              <a:buNone/>
-            </a:pPr>
-            <a:r>
-              <a:rPr lang="en-US" dirty="0" smtClean="0"/>
-              <a:t>#not quite what I wanted</a:t>
-            </a:r>
-          </a:p>
-          <a:p>
-            <a:pPr marL="0" indent="0">
-              <a:buNone/>
-            </a:pPr>
-            <a:endParaRPr lang="en-US" dirty="0" smtClean="0"/>
-          </a:p>
-          <a:p>
-            <a:pPr marL="0" indent="0">
-              <a:buNone/>
-            </a:pPr>
-            <a:r>
-              <a:rPr lang="en-US" dirty="0"/>
-              <a:t>$ </a:t>
-            </a:r>
-            <a:r>
-              <a:rPr lang="en-US" sz="2000" dirty="0" err="1"/>
-              <a:t>awk</a:t>
-            </a:r>
-            <a:r>
-              <a:rPr lang="en-US" sz="2000" dirty="0"/>
-              <a:t> </a:t>
-            </a:r>
-            <a:r>
-              <a:rPr lang="en-US" sz="2000" dirty="0" smtClean="0"/>
-              <a:t>'$1 !~ /^@/ {print </a:t>
-            </a:r>
-            <a:r>
-              <a:rPr lang="en-US" sz="2000" dirty="0"/>
-              <a:t>$3}' </a:t>
-            </a:r>
-            <a:r>
-              <a:rPr lang="en-US" sz="2000" dirty="0" smtClean="0"/>
-              <a:t>Chip2comb_001b.sam</a:t>
-            </a:r>
-          </a:p>
-          <a:p>
-            <a:pPr marL="0" indent="0">
-              <a:buNone/>
-            </a:pPr>
-            <a:r>
-              <a:rPr lang="en-US" sz="2000" dirty="0" smtClean="0"/>
-              <a:t>#there!</a:t>
-            </a:r>
-          </a:p>
-          <a:p>
-            <a:pPr marL="0" indent="0">
-              <a:buNone/>
-            </a:pPr>
-            <a:endParaRPr lang="en-US" sz="2000" dirty="0"/>
-          </a:p>
-          <a:p>
-            <a:pPr marL="0" indent="0">
-              <a:buNone/>
-            </a:pPr>
-            <a:endParaRPr lang="en-US" dirty="0" smtClean="0"/>
-          </a:p>
-          <a:p>
-            <a:pPr marL="0" indent="0">
-              <a:buNone/>
-            </a:pPr>
-            <a:endParaRPr lang="en-US" dirty="0" smtClean="0"/>
-          </a:p>
-        </p:txBody>
-      </p:sp>
-    </p:spTree>
-    <p:extLst>
-      <p:ext uri="{BB962C8B-B14F-4D97-AF65-F5344CB8AC3E}">
-        <p14:creationId xmlns:p14="http://schemas.microsoft.com/office/powerpoint/2010/main" val="272229923"/>
       </p:ext>
     </p:extLst>
   </p:cSld>
@@ -13991,8 +14011,8 @@
           <a:lstStyle/>
           <a:p>
             <a:r>
-              <a:rPr lang="en-US" dirty="0" smtClean="0"/>
-              <a:t>Redirection</a:t>
+              <a:rPr lang="en-US" dirty="0" err="1" smtClean="0"/>
+              <a:t>awk</a:t>
             </a:r>
             <a:endParaRPr lang="en-US" dirty="0"/>
           </a:p>
@@ -14008,54 +14028,56 @@
             <p:ph idx="1"/>
           </p:nvPr>
         </p:nvSpPr>
-        <p:spPr>
-          <a:xfrm>
-            <a:off x="840000" y="1690689"/>
-            <a:ext cx="7675350" cy="5027826"/>
-          </a:xfrm>
-        </p:spPr>
-        <p:txBody>
-          <a:bodyPr>
-            <a:normAutofit lnSpcReduction="10000"/>
-          </a:bodyPr>
-          <a:lstStyle/>
-          <a:p>
-            <a:r>
-              <a:rPr lang="en-US" dirty="0" smtClean="0"/>
-              <a:t>I want to save this output!</a:t>
-            </a:r>
-          </a:p>
-          <a:p>
-            <a:r>
-              <a:rPr lang="en-US" dirty="0" smtClean="0"/>
-              <a:t>Think of them as arrows</a:t>
-            </a:r>
-          </a:p>
-          <a:p>
-            <a:pPr marL="0" indent="0">
-              <a:buNone/>
-            </a:pPr>
-            <a:r>
-              <a:rPr lang="en-US" dirty="0" smtClean="0"/>
-              <a:t>&gt; #redirect thing left to file right</a:t>
-            </a:r>
-          </a:p>
-          <a:p>
-            <a:pPr marL="0" indent="0">
-              <a:buNone/>
-            </a:pPr>
-            <a:r>
-              <a:rPr lang="en-US" dirty="0" smtClean="0"/>
-              <a:t>&gt;&gt; #append instead of overwriting</a:t>
-            </a:r>
-          </a:p>
-          <a:p>
-            <a:pPr marL="0" indent="0">
-              <a:buNone/>
-            </a:pPr>
-            <a:r>
-              <a:rPr lang="en-US" dirty="0" smtClean="0"/>
-              <a:t>&lt; #redirect file right to thing left</a:t>
+        <p:spPr/>
+        <p:txBody>
+          <a:bodyPr/>
+          <a:lstStyle/>
+          <a:p>
+            <a:r>
+              <a:rPr lang="en-US" dirty="0" smtClean="0"/>
+              <a:t>Manipulating field-separated data</a:t>
+            </a:r>
+          </a:p>
+          <a:p>
+            <a:r>
+              <a:rPr lang="en-US" dirty="0" smtClean="0"/>
+              <a:t>More advanced </a:t>
+            </a:r>
+            <a:r>
+              <a:rPr lang="en-US" dirty="0"/>
+              <a:t>features superseded </a:t>
+            </a:r>
+            <a:r>
+              <a:rPr lang="en-US" dirty="0" smtClean="0"/>
+              <a:t>by modern languages like </a:t>
+            </a:r>
+            <a:r>
+              <a:rPr lang="en-US" dirty="0" err="1" smtClean="0"/>
+              <a:t>perl</a:t>
+            </a:r>
+            <a:r>
+              <a:rPr lang="en-US" dirty="0" smtClean="0"/>
+              <a:t>/python</a:t>
+            </a:r>
+          </a:p>
+          <a:p>
+            <a:r>
+              <a:rPr lang="en-US" dirty="0" smtClean="0"/>
+              <a:t>Gives you symbols for each column</a:t>
+            </a:r>
+          </a:p>
+          <a:p>
+            <a:pPr lvl="1"/>
+            <a:r>
+              <a:rPr lang="en-US" dirty="0" smtClean="0"/>
+              <a:t>$number 0-&gt; original line</a:t>
+            </a:r>
+          </a:p>
+          <a:p>
+            <a:pPr lvl="1"/>
+            <a:r>
+              <a:rPr lang="en-US" dirty="0" smtClean="0"/>
+              <a:t>$1 -&gt; first column</a:t>
             </a:r>
           </a:p>
           <a:p>
@@ -14065,65 +14087,14 @@
             <a:endParaRPr lang="en-US" dirty="0" smtClean="0"/>
           </a:p>
           <a:p>
-            <a:r>
-              <a:rPr lang="en-US" dirty="0" smtClean="0"/>
-              <a:t>Concatenate files</a:t>
-            </a:r>
-          </a:p>
-          <a:p>
-            <a:pPr marL="0" indent="0">
-              <a:buNone/>
-            </a:pPr>
-            <a:r>
-              <a:rPr lang="en-US" dirty="0" smtClean="0"/>
-              <a:t>$ </a:t>
-            </a:r>
-            <a:r>
-              <a:rPr lang="en-US" dirty="0"/>
-              <a:t>cat *.</a:t>
-            </a:r>
-            <a:r>
-              <a:rPr lang="en-US" dirty="0" err="1" smtClean="0"/>
-              <a:t>fa</a:t>
-            </a:r>
-            <a:r>
-              <a:rPr lang="en-US" dirty="0" smtClean="0"/>
-              <a:t> &gt; </a:t>
-            </a:r>
-            <a:r>
-              <a:rPr lang="en-US" dirty="0" err="1" smtClean="0"/>
-              <a:t>all.fa</a:t>
-            </a:r>
-            <a:endParaRPr lang="en-US" dirty="0" smtClean="0"/>
-          </a:p>
-          <a:p>
-            <a:pPr marL="0" indent="0">
-              <a:buNone/>
-            </a:pPr>
-            <a:endParaRPr lang="en-US" dirty="0" smtClean="0"/>
-          </a:p>
-          <a:p>
-            <a:r>
-              <a:rPr lang="en-US" dirty="0" smtClean="0"/>
-              <a:t>Generate a smaller file to play with</a:t>
-            </a:r>
-          </a:p>
-          <a:p>
-            <a:pPr marL="0" indent="0">
-              <a:buNone/>
-            </a:pPr>
-            <a:r>
-              <a:rPr lang="en-US" dirty="0" smtClean="0"/>
-              <a:t>$ </a:t>
-            </a:r>
-            <a:r>
-              <a:rPr lang="en-US" dirty="0" err="1" smtClean="0"/>
-              <a:t>shuf</a:t>
-            </a:r>
-            <a:r>
-              <a:rPr lang="en-US" dirty="0" smtClean="0"/>
-              <a:t> –n 100 big_file.txt &gt; sample.txt</a:t>
-            </a:r>
+            <a:pPr marL="0" indent="0">
+              <a:buNone/>
+            </a:pPr>
+            <a:r>
+              <a:rPr lang="en-US" dirty="0" smtClean="0"/>
+              <a:t>#same as cat:</a:t>
+            </a:r>
+            <a:endParaRPr lang="en-US" dirty="0"/>
           </a:p>
           <a:p>
             <a:pPr marL="0" indent="0">
@@ -14134,31 +14105,17 @@
               <a:t>$ </a:t>
             </a:r>
             <a:r>
-              <a:rPr lang="en-US" dirty="0" smtClean="0"/>
-              <a:t>head –n </a:t>
+              <a:rPr lang="en-US" dirty="0" err="1"/>
+              <a:t>awk</a:t>
             </a:r>
             <a:r>
               <a:rPr lang="en-US" dirty="0"/>
-              <a:t>100 big_file.txt &gt; sample.txt</a:t>
-            </a:r>
-          </a:p>
-          <a:p>
-            <a:pPr marL="0" indent="0">
-              <a:buNone/>
-            </a:pPr>
-            <a:endParaRPr lang="en-US" dirty="0" smtClean="0"/>
-          </a:p>
-          <a:p>
-            <a:pPr marL="0" indent="0">
-              <a:buNone/>
-            </a:pPr>
-            <a:endParaRPr lang="en-US" dirty="0"/>
-          </a:p>
-          <a:p>
-            <a:pPr marL="0" indent="0">
-              <a:buNone/>
-            </a:pPr>
-            <a:endParaRPr lang="en-US" dirty="0" smtClean="0"/>
+              <a:t> '{print}' </a:t>
+            </a:r>
+            <a:r>
+              <a:rPr lang="en-US" dirty="0" smtClean="0"/>
+              <a:t>Chip2comb_001b.sam</a:t>
+            </a:r>
           </a:p>
           <a:p>
             <a:pPr marL="0" indent="0">
@@ -14171,7 +14128,7 @@
     </p:spTree>
     <p:extLst>
       <p:ext uri="{BB962C8B-B14F-4D97-AF65-F5344CB8AC3E}">
-        <p14:creationId xmlns:p14="http://schemas.microsoft.com/office/powerpoint/2010/main" val="2677628488"/>
+        <p14:creationId xmlns:p14="http://schemas.microsoft.com/office/powerpoint/2010/main" val="793196873"/>
       </p:ext>
     </p:extLst>
   </p:cSld>
@@ -14214,165 +14171,165 @@
           <a:lstStyle/>
           <a:p>
             <a:r>
-              <a:rPr lang="en-US" dirty="0" smtClean="0"/>
-              <a:t>Piping</a:t>
-            </a:r>
-            <a:endParaRPr lang="en-US" dirty="0"/>
-          </a:p>
-        </p:txBody>
-      </p:sp>
-      <p:sp>
-        <p:nvSpPr>
-          <p:cNvPr id="3" name="Content Placeholder 2"/>
-          <p:cNvSpPr>
-            <a:spLocks noGrp="1"/>
-          </p:cNvSpPr>
-          <p:nvPr>
-            <p:ph idx="1"/>
-          </p:nvPr>
-        </p:nvSpPr>
-        <p:spPr/>
-        <p:txBody>
-          <a:bodyPr/>
-          <a:lstStyle/>
-          <a:p>
-            <a:r>
-              <a:rPr lang="en-US" dirty="0" smtClean="0"/>
-              <a:t>Use the output of something as input for the next!</a:t>
-            </a:r>
-          </a:p>
-          <a:p>
-            <a:r>
-              <a:rPr lang="en-US" dirty="0" smtClean="0"/>
-              <a:t>Recall our </a:t>
-            </a:r>
-            <a:r>
               <a:rPr lang="en-US" dirty="0" err="1" smtClean="0"/>
               <a:t>awk</a:t>
             </a:r>
-            <a:r>
-              <a:rPr lang="en-US" dirty="0" smtClean="0"/>
-              <a:t> getting </a:t>
+            <a:endParaRPr lang="en-US" dirty="0"/>
+          </a:p>
+        </p:txBody>
+      </p:sp>
+      <p:sp>
+        <p:nvSpPr>
+          <p:cNvPr id="3" name="Content Placeholder 2"/>
+          <p:cNvSpPr>
+            <a:spLocks noGrp="1"/>
+          </p:cNvSpPr>
+          <p:nvPr>
+            <p:ph idx="1"/>
+          </p:nvPr>
+        </p:nvSpPr>
+        <p:spPr/>
+        <p:txBody>
+          <a:bodyPr/>
+          <a:lstStyle/>
+          <a:p>
+            <a:r>
+              <a:rPr lang="en-US" dirty="0" smtClean="0"/>
+              <a:t>Something more interesting</a:t>
+            </a:r>
+          </a:p>
+          <a:p>
+            <a:r>
+              <a:rPr lang="en-US" dirty="0" smtClean="0"/>
+              <a:t>Where did things map?</a:t>
+            </a:r>
+          </a:p>
+          <a:p>
+            <a:r>
+              <a:rPr lang="en-US" dirty="0" smtClean="0"/>
+              <a:t>Chromosome or </a:t>
             </a:r>
             <a:r>
               <a:rPr lang="en-US" dirty="0" err="1" smtClean="0"/>
-              <a:t>contigs</a:t>
+              <a:t>contig</a:t>
+            </a:r>
+            <a:r>
+              <a:rPr lang="en-US" dirty="0" smtClean="0"/>
+              <a:t> stored in column 3 in </a:t>
+            </a:r>
+            <a:r>
+              <a:rPr lang="en-US" dirty="0" err="1" smtClean="0"/>
+              <a:t>sam</a:t>
+            </a:r>
+            <a:r>
+              <a:rPr lang="en-US" dirty="0" smtClean="0"/>
+              <a:t> files</a:t>
+            </a:r>
+          </a:p>
+          <a:p>
+            <a:pPr marL="0" indent="0">
+              <a:buNone/>
+            </a:pPr>
+            <a:endParaRPr lang="en-US" dirty="0" smtClean="0"/>
+          </a:p>
+          <a:p>
+            <a:pPr marL="0" indent="0">
+              <a:buNone/>
+            </a:pPr>
+            <a:r>
+              <a:rPr lang="en-US" dirty="0" smtClean="0"/>
+              <a:t>$ </a:t>
+            </a:r>
+            <a:r>
+              <a:rPr lang="en-US" dirty="0" err="1"/>
+              <a:t>awk</a:t>
             </a:r>
             <a:r>
               <a:rPr lang="en-US" dirty="0"/>
+              <a:t> '{</a:t>
+            </a:r>
+            <a:r>
+              <a:rPr lang="en-US" dirty="0" smtClean="0"/>
+              <a:t>print $3}' Chip2comb_001b.sam</a:t>
+            </a:r>
+          </a:p>
+          <a:p>
+            <a:pPr marL="0" indent="0">
+              <a:buNone/>
+            </a:pPr>
+            <a:r>
+              <a:rPr lang="en-US" dirty="0" smtClean="0"/>
+              <a:t>#not quite what I wanted</a:t>
+            </a:r>
+          </a:p>
+          <a:p>
+            <a:pPr marL="0" indent="0">
+              <a:buNone/>
+            </a:pPr>
+            <a:endParaRPr lang="en-US" dirty="0" smtClean="0"/>
+          </a:p>
+          <a:p>
+            <a:pPr marL="0" indent="0">
+              <a:buNone/>
+            </a:pPr>
+            <a:r>
+              <a:rPr lang="en-US" dirty="0"/>
+              <a:t>$ </a:t>
+            </a:r>
+            <a:r>
+              <a:rPr lang="en-US" sz="2000" dirty="0" err="1"/>
+              <a:t>awk</a:t>
+            </a:r>
+            <a:r>
+              <a:rPr lang="en-US" sz="2000" dirty="0"/>
               <a:t> </a:t>
             </a:r>
             <a:r>
-              <a:rPr lang="en-US" dirty="0" smtClean="0"/>
-              <a:t>mapped</a:t>
-            </a:r>
-          </a:p>
-          <a:p>
-            <a:r>
-              <a:rPr lang="en-US" dirty="0" smtClean="0"/>
-              <a:t>Try this:</a:t>
-            </a:r>
-          </a:p>
-          <a:p>
-            <a:pPr marL="0" indent="0">
-              <a:buNone/>
-            </a:pPr>
-            <a:r>
-              <a:rPr lang="en-US" sz="1400" dirty="0" smtClean="0"/>
-              <a:t>$ </a:t>
-            </a:r>
-            <a:r>
-              <a:rPr lang="en-US" sz="1400" dirty="0" err="1"/>
-              <a:t>awk</a:t>
-            </a:r>
-            <a:r>
-              <a:rPr lang="en-US" sz="1400" dirty="0"/>
-              <a:t> '$1 !~ /^@/ {print $3}' </a:t>
-            </a:r>
-            <a:r>
-              <a:rPr lang="en-US" sz="1400" dirty="0" smtClean="0"/>
-              <a:t>Chip2comb_001b.sam | sort</a:t>
-            </a:r>
-          </a:p>
-          <a:p>
-            <a:pPr marL="0" indent="0">
-              <a:buNone/>
-            </a:pPr>
-            <a:r>
-              <a:rPr lang="en-US" sz="1400" dirty="0" smtClean="0"/>
-              <a:t>$ </a:t>
-            </a:r>
-            <a:r>
-              <a:rPr lang="en-US" sz="1400" dirty="0" err="1" smtClean="0"/>
-              <a:t>awk</a:t>
-            </a:r>
-            <a:r>
-              <a:rPr lang="en-US" sz="1400" dirty="0" smtClean="0"/>
-              <a:t> </a:t>
-            </a:r>
-            <a:r>
-              <a:rPr lang="en-US" sz="1400" dirty="0"/>
-              <a:t>'$1 !~ /^@/ {print $3}' </a:t>
-            </a:r>
-            <a:r>
-              <a:rPr lang="en-US" sz="1400" dirty="0" smtClean="0"/>
-              <a:t>Chip2comb_001b.sam | sort | </a:t>
-            </a:r>
-            <a:r>
-              <a:rPr lang="en-US" sz="1400" dirty="0" err="1" smtClean="0"/>
-              <a:t>uniq</a:t>
-            </a:r>
-            <a:endParaRPr lang="en-US" sz="1400" dirty="0" smtClean="0"/>
-          </a:p>
-          <a:p>
-            <a:pPr marL="0" indent="0">
-              <a:buNone/>
-            </a:pPr>
-            <a:r>
-              <a:rPr lang="en-US" sz="1400" dirty="0"/>
-              <a:t>$ </a:t>
-            </a:r>
-            <a:r>
-              <a:rPr lang="en-US" sz="1400" dirty="0" err="1"/>
-              <a:t>awk</a:t>
-            </a:r>
-            <a:r>
-              <a:rPr lang="en-US" sz="1400" dirty="0"/>
-              <a:t> '$1 !~ /^@/ {print $3}' Chip2comb_001b.sam | sort | </a:t>
-            </a:r>
-            <a:r>
-              <a:rPr lang="en-US" sz="1400" dirty="0" err="1" smtClean="0"/>
-              <a:t>uniq</a:t>
-            </a:r>
-            <a:r>
-              <a:rPr lang="en-US" sz="1400" dirty="0" smtClean="0"/>
-              <a:t> –c</a:t>
-            </a:r>
-          </a:p>
-          <a:p>
-            <a:pPr marL="0" indent="0">
-              <a:buNone/>
-            </a:pPr>
-            <a:endParaRPr lang="en-US" sz="1400" dirty="0"/>
-          </a:p>
-          <a:p>
-            <a:r>
-              <a:rPr lang="en-US" dirty="0" smtClean="0"/>
-              <a:t>What’s going on here?</a:t>
-            </a:r>
-          </a:p>
-          <a:p>
-            <a:pPr marL="0" indent="0">
-              <a:buNone/>
-            </a:pPr>
-            <a:endParaRPr lang="en-US" dirty="0"/>
+              <a:rPr lang="en-US" sz="2000" dirty="0" smtClean="0"/>
+              <a:t>'$1 !~ /^@/ {print </a:t>
+            </a:r>
+            <a:r>
+              <a:rPr lang="en-US" sz="2000" dirty="0"/>
+              <a:t>$3}' </a:t>
+            </a:r>
+            <a:r>
+              <a:rPr lang="en-US" sz="2000" dirty="0" smtClean="0"/>
+              <a:t>Chip2comb_001b.sam</a:t>
+            </a:r>
+          </a:p>
+          <a:p>
+            <a:pPr marL="0" indent="0">
+              <a:buNone/>
+            </a:pPr>
+            <a:r>
+              <a:rPr lang="en-US" sz="2000" dirty="0" smtClean="0"/>
+              <a:t>#there!</a:t>
+            </a:r>
+          </a:p>
+          <a:p>
+            <a:pPr marL="0" indent="0">
+              <a:buNone/>
+            </a:pPr>
+            <a:endParaRPr lang="en-US" sz="2000" dirty="0"/>
+          </a:p>
+          <a:p>
+            <a:pPr marL="0" indent="0">
+              <a:buNone/>
+            </a:pPr>
+            <a:endParaRPr lang="en-US" dirty="0" smtClean="0"/>
+          </a:p>
+          <a:p>
+            <a:pPr marL="0" indent="0">
+              <a:buNone/>
+            </a:pPr>
+            <a:endParaRPr lang="en-US" dirty="0" smtClean="0"/>
           </a:p>
         </p:txBody>
       </p:sp>
     </p:spTree>
     <p:extLst>
       <p:ext uri="{BB962C8B-B14F-4D97-AF65-F5344CB8AC3E}">
-        <p14:creationId xmlns:p14="http://schemas.microsoft.com/office/powerpoint/2010/main" val="1909256038"/>
+        <p14:creationId xmlns:p14="http://schemas.microsoft.com/office/powerpoint/2010/main" val="272229923"/>
       </p:ext>
     </p:extLst>
   </p:cSld>
@@ -14416,23 +14373,7 @@
           <a:p>
             <a:r>
               <a:rPr lang="en-US" dirty="0" smtClean="0"/>
-              <a:t>Convert a </a:t>
-            </a:r>
-            <a:r>
-              <a:rPr lang="en-US" dirty="0" err="1" smtClean="0"/>
-              <a:t>sam</a:t>
-            </a:r>
-            <a:r>
-              <a:rPr lang="en-US" dirty="0" smtClean="0"/>
-              <a:t> back into </a:t>
-            </a:r>
-            <a:r>
-              <a:rPr lang="en-US" dirty="0" err="1" smtClean="0"/>
-              <a:t>fastq</a:t>
-            </a:r>
-            <a:r>
-              <a:rPr lang="en-US" dirty="0" smtClean="0"/>
-              <a:t>?</a:t>
+              <a:t>Redirection</a:t>
             </a:r>
             <a:endParaRPr lang="en-US" dirty="0"/>
           </a:p>
@@ -14450,211 +14391,168 @@
         </p:nvSpPr>
         <p:spPr>
           <a:xfrm>
-            <a:off x="364211" y="2039815"/>
-            <a:ext cx="8779789" cy="4137148"/>
+            <a:off x="840000" y="1690689"/>
+            <a:ext cx="7675350" cy="5027826"/>
           </a:xfrm>
         </p:spPr>
         <p:txBody>
           <a:bodyPr>
-            <a:normAutofit/>
+            <a:normAutofit lnSpcReduction="10000"/>
           </a:bodyPr>
           <a:lstStyle/>
           <a:p>
-            <a:pPr marL="0" indent="0">
-              <a:buNone/>
-            </a:pPr>
-            <a:r>
-              <a:rPr lang="en-US" sz="1600" dirty="0" smtClean="0"/>
+            <a:r>
+              <a:rPr lang="en-US" dirty="0" smtClean="0"/>
+              <a:t>I want to save this output!</a:t>
+            </a:r>
+          </a:p>
+          <a:p>
+            <a:r>
+              <a:rPr lang="en-US" dirty="0" smtClean="0"/>
+              <a:t>Think of them as arrows</a:t>
+            </a:r>
+          </a:p>
+          <a:p>
+            <a:pPr marL="0" indent="0">
+              <a:buNone/>
+            </a:pPr>
+            <a:r>
+              <a:rPr lang="en-US" dirty="0" smtClean="0"/>
+              <a:t>&gt; #redirect thing left to file right</a:t>
+            </a:r>
+          </a:p>
+          <a:p>
+            <a:pPr marL="0" indent="0">
+              <a:buNone/>
+            </a:pPr>
+            <a:r>
+              <a:rPr lang="en-US" dirty="0" smtClean="0"/>
+              <a:t>&gt;&gt; #append instead of overwriting</a:t>
+            </a:r>
+          </a:p>
+          <a:p>
+            <a:pPr marL="0" indent="0">
+              <a:buNone/>
+            </a:pPr>
+            <a:r>
+              <a:rPr lang="en-US" dirty="0" smtClean="0"/>
+              <a:t>&lt; #redirect file right to thing left</a:t>
+            </a:r>
+          </a:p>
+          <a:p>
+            <a:pPr marL="0" indent="0">
+              <a:buNone/>
+            </a:pPr>
+            <a:endParaRPr lang="en-US" dirty="0" smtClean="0"/>
+          </a:p>
+          <a:p>
+            <a:r>
+              <a:rPr lang="en-US" dirty="0" smtClean="0"/>
+              <a:t>Concatenate files</a:t>
+            </a:r>
+          </a:p>
+          <a:p>
+            <a:pPr marL="0" indent="0">
+              <a:buNone/>
+            </a:pPr>
+            <a:r>
+              <a:rPr lang="en-US" dirty="0" smtClean="0"/>
               <a:t>$ </a:t>
             </a:r>
             <a:r>
-              <a:rPr lang="en-US" sz="1600" dirty="0" err="1" smtClean="0"/>
-              <a:t>awk</a:t>
-            </a:r>
-            <a:r>
-              <a:rPr lang="en-US" sz="1600" dirty="0" smtClean="0"/>
-              <a:t> </a:t>
-            </a:r>
-            <a:r>
-              <a:rPr lang="en-US" sz="1600" dirty="0"/>
-              <a:t>'!/^@/ {print "@"$1"\n"$10"\n+\n"$11}' </a:t>
-            </a:r>
-            <a:r>
-              <a:rPr lang="en-US" sz="1600" dirty="0" err="1" smtClean="0"/>
-              <a:t>sample.sam</a:t>
-            </a:r>
-            <a:r>
-              <a:rPr lang="en-US" sz="1600" dirty="0" smtClean="0"/>
+              <a:rPr lang="en-US" dirty="0"/>
+              <a:t>cat *.</a:t>
+            </a:r>
+            <a:r>
+              <a:rPr lang="en-US" dirty="0" err="1" smtClean="0"/>
+              <a:t>fa</a:t>
+            </a:r>
+            <a:r>
+              <a:rPr lang="en-US" dirty="0" smtClean="0"/>
               <a:t> &gt; </a:t>
             </a:r>
             <a:r>
-              <a:rPr lang="en-US" sz="1600" dirty="0" err="1" smtClean="0"/>
-              <a:t>sample.fastq</a:t>
-            </a:r>
-            <a:endParaRPr lang="en-US" sz="1600" dirty="0" smtClean="0"/>
-          </a:p>
-          <a:p>
-            <a:pPr marL="0" indent="0">
-              <a:buNone/>
-            </a:pPr>
-            <a:endParaRPr lang="en-US" sz="1600" dirty="0" smtClean="0"/>
-          </a:p>
-          <a:p>
-            <a:pPr marL="0" indent="0">
-              <a:buNone/>
-            </a:pPr>
-            <a:r>
-              <a:rPr lang="en-US" sz="1600" dirty="0" smtClean="0"/>
-              <a:t>#for bam files</a:t>
-            </a:r>
-          </a:p>
-          <a:p>
-            <a:pPr marL="0" indent="0">
-              <a:buNone/>
-            </a:pPr>
-            <a:r>
-              <a:rPr lang="en-US" sz="1600" dirty="0"/>
+              <a:rPr lang="en-US" dirty="0" err="1" smtClean="0"/>
+              <a:t>all.fa</a:t>
+            </a:r>
+            <a:endParaRPr lang="en-US" dirty="0" smtClean="0"/>
+          </a:p>
+          <a:p>
+            <a:pPr marL="0" indent="0">
+              <a:buNone/>
+            </a:pPr>
+            <a:endParaRPr lang="en-US" dirty="0" smtClean="0"/>
+          </a:p>
+          <a:p>
+            <a:r>
+              <a:rPr lang="en-US" dirty="0" smtClean="0"/>
+              <a:t>Generate a smaller file to play with</a:t>
+            </a:r>
+          </a:p>
+          <a:p>
+            <a:pPr marL="0" indent="0">
+              <a:buNone/>
+            </a:pPr>
+            <a:r>
+              <a:rPr lang="en-US" dirty="0" smtClean="0"/>
               <a:t>$ </a:t>
             </a:r>
             <a:r>
-              <a:rPr lang="en-US" sz="1600" dirty="0" err="1" smtClean="0"/>
-              <a:t>samtools</a:t>
-            </a:r>
-            <a:r>
-              <a:rPr lang="en-US" sz="1600" dirty="0" smtClean="0"/>
-              <a:t> view </a:t>
-            </a:r>
-            <a:r>
-              <a:rPr lang="en-US" sz="1600" dirty="0" err="1" smtClean="0"/>
-              <a:t>sample.bam</a:t>
-            </a:r>
-            <a:r>
-              <a:rPr lang="en-US" sz="1600" dirty="0" smtClean="0"/>
-              <a:t> | \</a:t>
-            </a:r>
-          </a:p>
-          <a:p>
-            <a:pPr marL="0" indent="0">
-              <a:buNone/>
-            </a:pPr>
-            <a:r>
-              <a:rPr lang="en-US" sz="1600" dirty="0" err="1" smtClean="0"/>
-              <a:t>awk</a:t>
-            </a:r>
-            <a:r>
-              <a:rPr lang="en-US" sz="1600" dirty="0" smtClean="0"/>
-              <a:t> </a:t>
-            </a:r>
-            <a:r>
-              <a:rPr lang="en-US" sz="1600" dirty="0"/>
-              <a:t>'!/^@/ {print "@"$1"\n"$10"\n+\n"$11}' </a:t>
-            </a:r>
-            <a:r>
-              <a:rPr lang="en-US" sz="1600" dirty="0" smtClean="0"/>
-              <a:t>&gt; </a:t>
-            </a:r>
-            <a:r>
-              <a:rPr lang="en-US" sz="1600" dirty="0" err="1" smtClean="0"/>
-              <a:t>sample.fastq</a:t>
-            </a:r>
-            <a:endParaRPr lang="en-US" sz="1600" dirty="0" smtClean="0"/>
-          </a:p>
-          <a:p>
-            <a:pPr marL="0" indent="0">
-              <a:buNone/>
-            </a:pPr>
-            <a:endParaRPr lang="en-US" sz="1600" dirty="0"/>
-          </a:p>
-          <a:p>
-            <a:pPr marL="0" indent="0">
-              <a:buNone/>
-            </a:pPr>
-            <a:r>
-              <a:rPr lang="en-US" sz="1600" dirty="0" smtClean="0"/>
-              <a:t>#for all of them:</a:t>
-            </a:r>
-          </a:p>
-          <a:p>
-            <a:pPr marL="0" indent="0">
-              <a:buNone/>
-            </a:pPr>
-            <a:r>
-              <a:rPr lang="en-US" sz="1600" dirty="0"/>
-              <a:t>for s </a:t>
-            </a:r>
-            <a:r>
-              <a:rPr lang="en-US" sz="1600"/>
-              <a:t>in </a:t>
-            </a:r>
-            <a:r>
-              <a:rPr lang="en-US" sz="1600" smtClean="0"/>
-              <a:t>*.bam</a:t>
-            </a:r>
-            <a:endParaRPr lang="en-US" sz="1600" dirty="0"/>
-          </a:p>
-          <a:p>
-            <a:pPr marL="0" indent="0">
-              <a:buNone/>
-            </a:pPr>
-            <a:r>
-              <a:rPr lang="en-US" sz="1600" dirty="0"/>
-              <a:t>do</a:t>
-            </a:r>
-          </a:p>
-          <a:p>
-            <a:pPr marL="0" indent="0">
-              <a:buNone/>
-            </a:pPr>
-            <a:r>
-              <a:rPr lang="en-US" sz="1600" dirty="0"/>
-              <a:t>    </a:t>
-            </a:r>
-            <a:r>
-              <a:rPr lang="en-US" sz="1600" dirty="0" err="1"/>
-              <a:t>samtools</a:t>
-            </a:r>
-            <a:r>
-              <a:rPr lang="en-US" sz="1600" dirty="0"/>
-              <a:t> view $s | </a:t>
-            </a:r>
-            <a:r>
-              <a:rPr lang="en-US" sz="1600" dirty="0" err="1"/>
-              <a:t>awk</a:t>
-            </a:r>
-            <a:r>
-              <a:rPr lang="en-US" sz="1600" dirty="0"/>
-              <a:t> '!/^@/ {print "@"$1"\n"$10"\n+\n"$11}' &gt; ${s/%bam/</a:t>
-            </a:r>
-            <a:r>
-              <a:rPr lang="en-US" sz="1600" dirty="0" err="1"/>
-              <a:t>fastq</a:t>
-            </a:r>
-            <a:r>
-              <a:rPr lang="en-US" sz="1600" dirty="0"/>
-              <a:t>}</a:t>
-            </a:r>
-          </a:p>
-          <a:p>
-            <a:pPr marL="0" indent="0">
-              <a:buNone/>
-            </a:pPr>
-            <a:r>
-              <a:rPr lang="en-US" sz="1600" dirty="0"/>
-              <a:t>done</a:t>
-            </a:r>
-          </a:p>
-          <a:p>
-            <a:pPr marL="0" indent="0">
-              <a:buNone/>
-            </a:pPr>
-            <a:endParaRPr lang="en-US" sz="1600" dirty="0"/>
+              <a:rPr lang="en-US" dirty="0" err="1" smtClean="0"/>
+              <a:t>shuf</a:t>
+            </a:r>
+            <a:r>
+              <a:rPr lang="en-US" dirty="0" smtClean="0"/>
+              <a:t> –n 100 big_file.txt &gt; sample.txt</a:t>
+            </a:r>
+          </a:p>
+          <a:p>
+            <a:pPr marL="0" indent="0">
+              <a:buNone/>
+            </a:pPr>
+            <a:r>
+              <a:rPr lang="en-US" dirty="0"/>
+              <a:t>$ </a:t>
+            </a:r>
+            <a:r>
+              <a:rPr lang="en-US" dirty="0" smtClean="0"/>
+              <a:t>head –n </a:t>
+            </a:r>
+            <a:r>
+              <a:rPr lang="en-US" dirty="0"/>
+              <a:t>100 big_file.txt &gt; sample.txt</a:t>
+            </a:r>
+          </a:p>
+          <a:p>
+            <a:pPr marL="0" indent="0">
+              <a:buNone/>
+            </a:pPr>
+            <a:endParaRPr lang="en-US" dirty="0" smtClean="0"/>
+          </a:p>
+          <a:p>
+            <a:pPr marL="0" indent="0">
+              <a:buNone/>
+            </a:pPr>
+            <a:endParaRPr lang="en-US" dirty="0"/>
+          </a:p>
+          <a:p>
+            <a:pPr marL="0" indent="0">
+              <a:buNone/>
+            </a:pPr>
+            <a:endParaRPr lang="en-US" dirty="0" smtClean="0"/>
+          </a:p>
+          <a:p>
+            <a:pPr marL="0" indent="0">
+              <a:buNone/>
+            </a:pPr>
+            <a:endParaRPr lang="en-US" dirty="0" smtClean="0"/>
           </a:p>
         </p:txBody>
       </p:sp>
     </p:spTree>
     <p:extLst>
       <p:ext uri="{BB962C8B-B14F-4D97-AF65-F5344CB8AC3E}">
-        <p14:creationId xmlns:p14="http://schemas.microsoft.com/office/powerpoint/2010/main" val="2953814565"/>
+        <p14:creationId xmlns:p14="http://schemas.microsoft.com/office/powerpoint/2010/main" val="2677628488"/>
       </p:ext>
     </p:extLst>
   </p:cSld>
@@ -14698,7 +14596,7 @@
           <a:p>
             <a:r>
               <a:rPr lang="en-US" dirty="0" smtClean="0"/>
-              <a:t>General Guidance</a:t>
+              <a:t>Some Conventions</a:t>
             </a:r>
             <a:endParaRPr lang="en-US" dirty="0"/>
           </a:p>
@@ -14714,97 +14612,117 @@
             <p:ph idx="1"/>
           </p:nvPr>
         </p:nvSpPr>
-        <p:spPr>
-          <a:xfrm>
-            <a:off x="840000" y="2209799"/>
-            <a:ext cx="7923000" cy="3967163"/>
-          </a:xfrm>
-        </p:spPr>
+        <p:spPr/>
         <p:txBody>
           <a:bodyPr>
-            <a:normAutofit/>
+            <a:normAutofit lnSpcReduction="10000"/>
           </a:bodyPr>
           <a:lstStyle/>
           <a:p>
-            <a:pPr marL="0" indent="0">
-              <a:buNone/>
-            </a:pPr>
-            <a:r>
-              <a:rPr lang="en-US" dirty="0" smtClean="0"/>
-              <a:t>1. Google/Bing/Yahoo are your friends.</a:t>
-            </a:r>
-          </a:p>
-          <a:p>
-            <a:pPr marL="342900" lvl="1" indent="0">
-              <a:buNone/>
-            </a:pPr>
-            <a:r>
-              <a:rPr lang="en-US" dirty="0" smtClean="0"/>
-              <a:t>   Also, don’t forget to read documentation</a:t>
-            </a:r>
-          </a:p>
-          <a:p>
-            <a:pPr marL="457200" indent="-457200">
-              <a:buAutoNum type="arabicPeriod"/>
-            </a:pPr>
-            <a:endParaRPr lang="en-US" dirty="0" smtClean="0"/>
-          </a:p>
-          <a:p>
-            <a:pPr marL="0" indent="0">
-              <a:buNone/>
-            </a:pPr>
-            <a:r>
-              <a:rPr lang="en-US" dirty="0" smtClean="0"/>
-              <a:t>2. Keep backups of everything you can.</a:t>
-            </a:r>
-          </a:p>
-          <a:p>
-            <a:pPr marL="0" indent="0">
-              <a:buNone/>
-            </a:pPr>
-            <a:endParaRPr lang="en-US" dirty="0"/>
-          </a:p>
-          <a:p>
-            <a:pPr marL="0" indent="0">
-              <a:buNone/>
-            </a:pPr>
-            <a:r>
-              <a:rPr lang="en-US" dirty="0" smtClean="0"/>
-              <a:t>3. Use workflows that are non-destructive.</a:t>
-            </a:r>
-          </a:p>
-          <a:p>
-            <a:pPr marL="0" indent="0">
-              <a:buNone/>
-            </a:pPr>
-            <a:endParaRPr lang="en-US" dirty="0" smtClean="0"/>
-          </a:p>
-          <a:p>
-            <a:pPr marL="0" indent="0">
-              <a:buNone/>
-            </a:pPr>
-            <a:r>
-              <a:rPr lang="en-US" dirty="0"/>
-              <a:t>4</a:t>
-            </a:r>
-            <a:r>
-              <a:rPr lang="en-US" dirty="0" smtClean="0"/>
-              <a:t>. Don’t be afraid to break stuff.</a:t>
-            </a:r>
-            <a:endParaRPr lang="en-US" dirty="0"/>
+            <a:r>
+              <a:rPr lang="en-US" dirty="0" smtClean="0"/>
+              <a:t>Descriptions</a:t>
+            </a:r>
+          </a:p>
+          <a:p>
+            <a:pPr marL="0" indent="0">
+              <a:buNone/>
+            </a:pPr>
+            <a:endParaRPr lang="en-US" dirty="0" smtClean="0">
+              <a:latin typeface="Source Code Pro Semibold" panose="020B0609030403020204" pitchFamily="49" charset="0"/>
+            </a:endParaRPr>
+          </a:p>
+          <a:p>
+            <a:pPr marL="0" indent="0">
+              <a:buNone/>
+            </a:pPr>
+            <a:r>
+              <a:rPr lang="en-US" dirty="0" smtClean="0">
+                <a:latin typeface="Source Code Pro Semibold" panose="020B0609030403020204" pitchFamily="49" charset="0"/>
+              </a:rPr>
+              <a:t>$ command</a:t>
+            </a:r>
+          </a:p>
+          <a:p>
+            <a:pPr marL="0" indent="0">
+              <a:buNone/>
+            </a:pPr>
+            <a:endParaRPr lang="en-US" sz="4000" dirty="0"/>
+          </a:p>
+          <a:p>
+            <a:pPr marL="0" indent="0">
+              <a:buNone/>
+            </a:pPr>
+            <a:r>
+              <a:rPr lang="en-US" sz="4000" dirty="0" smtClean="0">
+                <a:latin typeface="Source Code Pro Semibold" panose="020B0609030403020204" pitchFamily="49" charset="0"/>
+              </a:rPr>
+              <a:t>1Il|iO0oB8</a:t>
+            </a:r>
+            <a:endParaRPr lang="en-US" dirty="0" smtClean="0">
+              <a:latin typeface="Source Code Pro Semibold" panose="020B0609030403020204" pitchFamily="49" charset="0"/>
+            </a:endParaRPr>
+          </a:p>
+          <a:p>
+            <a:pPr marL="0" indent="0">
+              <a:buNone/>
+            </a:pPr>
+            <a:r>
+              <a:rPr lang="en-US" sz="4000" dirty="0" smtClean="0">
+                <a:latin typeface="Calibri" panose="020F0502020204030204" pitchFamily="34" charset="0"/>
+              </a:rPr>
+              <a:t>1Il|iO0oB8</a:t>
+            </a:r>
+          </a:p>
+          <a:p>
+            <a:pPr marL="0" indent="0">
+              <a:buNone/>
+            </a:pPr>
+            <a:endParaRPr lang="en-US" dirty="0" smtClean="0">
+              <a:latin typeface="Source Code Pro Semibold" panose="020B0609030403020204" pitchFamily="49" charset="0"/>
+            </a:endParaRPr>
+          </a:p>
+          <a:p>
+            <a:pPr marL="0" indent="0">
+              <a:buNone/>
+            </a:pPr>
+            <a:endParaRPr lang="en-US" dirty="0" smtClean="0">
+              <a:latin typeface="Source Code Pro Semibold" panose="020B0609030403020204" pitchFamily="49" charset="0"/>
+            </a:endParaRPr>
+          </a:p>
+          <a:p>
+            <a:pPr marL="0" indent="0">
+              <a:buNone/>
+            </a:pPr>
+            <a:r>
+              <a:rPr lang="en-US" dirty="0" smtClean="0">
+                <a:latin typeface="Source Code Pro Semibold" panose="020B0609030403020204" pitchFamily="49" charset="0"/>
+              </a:rPr>
+              <a:t>#comments</a:t>
+            </a:r>
+            <a:endParaRPr lang="en-US" dirty="0">
+              <a:latin typeface="Source Code Pro Semibold" panose="020B0609030403020204" pitchFamily="49" charset="0"/>
+            </a:endParaRPr>
           </a:p>
         </p:txBody>
       </p:sp>
     </p:spTree>
     <p:extLst>
       <p:ext uri="{BB962C8B-B14F-4D97-AF65-F5344CB8AC3E}">
-        <p14:creationId xmlns:p14="http://schemas.microsoft.com/office/powerpoint/2010/main" val="3385634279"/>
+        <p14:creationId xmlns:p14="http://schemas.microsoft.com/office/powerpoint/2010/main" val="1607220874"/>
       </p:ext>
     </p:extLst>
   </p:cSld>
   <p:clrMapOvr>
     <a:masterClrMapping/>
   </p:clrMapOvr>
+  <p:timing>
+    <p:tnLst>
+      <p:par>
+        <p:cTn id="1" dur="indefinite" restart="never" nodeType="tmRoot"/>
+      </p:par>
+    </p:tnLst>
+  </p:timing>
 </p:sld>
 </file>
 
@@ -14842,6 +14760,489 @@
           <a:p>
             <a:r>
               <a:rPr lang="en-US" dirty="0" smtClean="0"/>
+              <a:t>Piping</a:t>
+            </a:r>
+            <a:endParaRPr lang="en-US" dirty="0"/>
+          </a:p>
+        </p:txBody>
+      </p:sp>
+      <p:sp>
+        <p:nvSpPr>
+          <p:cNvPr id="3" name="Content Placeholder 2"/>
+          <p:cNvSpPr>
+            <a:spLocks noGrp="1"/>
+          </p:cNvSpPr>
+          <p:nvPr>
+            <p:ph idx="1"/>
+          </p:nvPr>
+        </p:nvSpPr>
+        <p:spPr/>
+        <p:txBody>
+          <a:bodyPr/>
+          <a:lstStyle/>
+          <a:p>
+            <a:r>
+              <a:rPr lang="en-US" dirty="0" smtClean="0"/>
+              <a:t>Use the output of something as input for the next!</a:t>
+            </a:r>
+          </a:p>
+          <a:p>
+            <a:r>
+              <a:rPr lang="en-US" dirty="0" smtClean="0"/>
+              <a:t>Recall our </a:t>
+            </a:r>
+            <a:r>
+              <a:rPr lang="en-US" dirty="0" err="1" smtClean="0"/>
+              <a:t>awk</a:t>
+            </a:r>
+            <a:r>
+              <a:rPr lang="en-US" dirty="0" smtClean="0"/>
+              <a:t> getting </a:t>
+            </a:r>
+            <a:r>
+              <a:rPr lang="en-US" dirty="0" err="1" smtClean="0"/>
+              <a:t>contigs</a:t>
+            </a:r>
+            <a:r>
+              <a:rPr lang="en-US" dirty="0"/>
+              <a:t> </a:t>
+            </a:r>
+            <a:r>
+              <a:rPr lang="en-US" dirty="0" smtClean="0"/>
+              <a:t>mapped</a:t>
+            </a:r>
+          </a:p>
+          <a:p>
+            <a:r>
+              <a:rPr lang="en-US" dirty="0" smtClean="0"/>
+              <a:t>Try this:</a:t>
+            </a:r>
+          </a:p>
+          <a:p>
+            <a:pPr marL="0" indent="0">
+              <a:buNone/>
+            </a:pPr>
+            <a:r>
+              <a:rPr lang="en-US" sz="1400" dirty="0" smtClean="0"/>
+              <a:t>$ </a:t>
+            </a:r>
+            <a:r>
+              <a:rPr lang="en-US" sz="1400" dirty="0" err="1"/>
+              <a:t>awk</a:t>
+            </a:r>
+            <a:r>
+              <a:rPr lang="en-US" sz="1400" dirty="0"/>
+              <a:t> '$1 !~ /^@/ {print $3}' </a:t>
+            </a:r>
+            <a:r>
+              <a:rPr lang="en-US" sz="1400" dirty="0" smtClean="0"/>
+              <a:t>Chip2comb_001b.sam | sort</a:t>
+            </a:r>
+          </a:p>
+          <a:p>
+            <a:pPr marL="0" indent="0">
+              <a:buNone/>
+            </a:pPr>
+            <a:r>
+              <a:rPr lang="en-US" sz="1400" dirty="0" smtClean="0"/>
+              <a:t>$ </a:t>
+            </a:r>
+            <a:r>
+              <a:rPr lang="en-US" sz="1400" dirty="0" err="1" smtClean="0"/>
+              <a:t>awk</a:t>
+            </a:r>
+            <a:r>
+              <a:rPr lang="en-US" sz="1400" dirty="0" smtClean="0"/>
+              <a:t> </a:t>
+            </a:r>
+            <a:r>
+              <a:rPr lang="en-US" sz="1400" dirty="0"/>
+              <a:t>'$1 !~ /^@/ {print $3}' </a:t>
+            </a:r>
+            <a:r>
+              <a:rPr lang="en-US" sz="1400" dirty="0" smtClean="0"/>
+              <a:t>Chip2comb_001b.sam | sort | </a:t>
+            </a:r>
+            <a:r>
+              <a:rPr lang="en-US" sz="1400" dirty="0" err="1" smtClean="0"/>
+              <a:t>uniq</a:t>
+            </a:r>
+            <a:endParaRPr lang="en-US" sz="1400" dirty="0" smtClean="0"/>
+          </a:p>
+          <a:p>
+            <a:pPr marL="0" indent="0">
+              <a:buNone/>
+            </a:pPr>
+            <a:r>
+              <a:rPr lang="en-US" sz="1400" dirty="0"/>
+              <a:t>$ </a:t>
+            </a:r>
+            <a:r>
+              <a:rPr lang="en-US" sz="1400" dirty="0" err="1"/>
+              <a:t>awk</a:t>
+            </a:r>
+            <a:r>
+              <a:rPr lang="en-US" sz="1400" dirty="0"/>
+              <a:t> '$1 !~ /^@/ {print $3}' Chip2comb_001b.sam | sort | </a:t>
+            </a:r>
+            <a:r>
+              <a:rPr lang="en-US" sz="1400" dirty="0" err="1" smtClean="0"/>
+              <a:t>uniq</a:t>
+            </a:r>
+            <a:r>
+              <a:rPr lang="en-US" sz="1400" dirty="0" smtClean="0"/>
+              <a:t> –c</a:t>
+            </a:r>
+          </a:p>
+          <a:p>
+            <a:pPr marL="0" indent="0">
+              <a:buNone/>
+            </a:pPr>
+            <a:endParaRPr lang="en-US" sz="1400" dirty="0"/>
+          </a:p>
+          <a:p>
+            <a:r>
+              <a:rPr lang="en-US" dirty="0" smtClean="0"/>
+              <a:t>What’s going on here?</a:t>
+            </a:r>
+          </a:p>
+          <a:p>
+            <a:pPr marL="0" indent="0">
+              <a:buNone/>
+            </a:pPr>
+            <a:endParaRPr lang="en-US" dirty="0"/>
+          </a:p>
+        </p:txBody>
+      </p:sp>
+    </p:spTree>
+    <p:extLst>
+      <p:ext uri="{BB962C8B-B14F-4D97-AF65-F5344CB8AC3E}">
+        <p14:creationId xmlns:p14="http://schemas.microsoft.com/office/powerpoint/2010/main" val="1909256038"/>
+      </p:ext>
+    </p:extLst>
+  </p:cSld>
+  <p:clrMapOvr>
+    <a:masterClrMapping/>
+  </p:clrMapOvr>
+</p:sld>
+</file>
+
+<file path=ppt/slides/slide41.xml><?xml version="1.0" encoding="utf-8"?>
+<p:sld xmlns:a="http://schemas.openxmlformats.org/drawingml/2006/main" xmlns:r="http://schemas.openxmlformats.org/officeDocument/2006/relationships" xmlns:p="http://schemas.openxmlformats.org/presentationml/2006/main">
+  <p:cSld>
+    <p:spTree>
+      <p:nvGrpSpPr>
+        <p:cNvPr id="1" name=""/>
+        <p:cNvGrpSpPr/>
+        <p:nvPr/>
+      </p:nvGrpSpPr>
+      <p:grpSpPr>
+        <a:xfrm>
+          <a:off x="0" y="0"/>
+          <a:ext cx="0" cy="0"/>
+          <a:chOff x="0" y="0"/>
+          <a:chExt cx="0" cy="0"/>
+        </a:xfrm>
+      </p:grpSpPr>
+      <p:sp>
+        <p:nvSpPr>
+          <p:cNvPr id="2" name="Title 1"/>
+          <p:cNvSpPr>
+            <a:spLocks noGrp="1"/>
+          </p:cNvSpPr>
+          <p:nvPr>
+            <p:ph type="title"/>
+          </p:nvPr>
+        </p:nvSpPr>
+        <p:spPr/>
+        <p:txBody>
+          <a:bodyPr/>
+          <a:lstStyle/>
+          <a:p>
+            <a:r>
+              <a:rPr lang="en-US" dirty="0" smtClean="0"/>
+              <a:t>Convert a </a:t>
+            </a:r>
+            <a:r>
+              <a:rPr lang="en-US" dirty="0" err="1" smtClean="0"/>
+              <a:t>sam</a:t>
+            </a:r>
+            <a:r>
+              <a:rPr lang="en-US" dirty="0" smtClean="0"/>
+              <a:t> back into </a:t>
+            </a:r>
+            <a:r>
+              <a:rPr lang="en-US" dirty="0" err="1" smtClean="0"/>
+              <a:t>fastq</a:t>
+            </a:r>
+            <a:r>
+              <a:rPr lang="en-US" dirty="0" smtClean="0"/>
+              <a:t>?</a:t>
+            </a:r>
+            <a:endParaRPr lang="en-US" dirty="0"/>
+          </a:p>
+        </p:txBody>
+      </p:sp>
+      <p:sp>
+        <p:nvSpPr>
+          <p:cNvPr id="3" name="Content Placeholder 2"/>
+          <p:cNvSpPr>
+            <a:spLocks noGrp="1"/>
+          </p:cNvSpPr>
+          <p:nvPr>
+            <p:ph idx="1"/>
+          </p:nvPr>
+        </p:nvSpPr>
+        <p:spPr>
+          <a:xfrm>
+            <a:off x="364211" y="2039815"/>
+            <a:ext cx="8779789" cy="4137148"/>
+          </a:xfrm>
+        </p:spPr>
+        <p:txBody>
+          <a:bodyPr>
+            <a:normAutofit/>
+          </a:bodyPr>
+          <a:lstStyle/>
+          <a:p>
+            <a:pPr marL="0" indent="0">
+              <a:buNone/>
+            </a:pPr>
+            <a:r>
+              <a:rPr lang="en-US" sz="1600" dirty="0" smtClean="0"/>
+              <a:t>$ </a:t>
+            </a:r>
+            <a:r>
+              <a:rPr lang="en-US" sz="1600" dirty="0" err="1" smtClean="0"/>
+              <a:t>awk</a:t>
+            </a:r>
+            <a:r>
+              <a:rPr lang="en-US" sz="1600" dirty="0" smtClean="0"/>
+              <a:t> </a:t>
+            </a:r>
+            <a:r>
+              <a:rPr lang="en-US" sz="1600" dirty="0"/>
+              <a:t>'!/^@/ {print "@"$1"\n"$10"\n+\n"$11}' </a:t>
+            </a:r>
+            <a:r>
+              <a:rPr lang="en-US" sz="1600" dirty="0" err="1" smtClean="0"/>
+              <a:t>sample.sam</a:t>
+            </a:r>
+            <a:r>
+              <a:rPr lang="en-US" sz="1600" dirty="0" smtClean="0"/>
+              <a:t> &gt; </a:t>
+            </a:r>
+            <a:r>
+              <a:rPr lang="en-US" sz="1600" dirty="0" err="1" smtClean="0"/>
+              <a:t>sample.fastq</a:t>
+            </a:r>
+            <a:endParaRPr lang="en-US" sz="1600" dirty="0" smtClean="0"/>
+          </a:p>
+          <a:p>
+            <a:pPr marL="0" indent="0">
+              <a:buNone/>
+            </a:pPr>
+            <a:endParaRPr lang="en-US" sz="1600" dirty="0" smtClean="0"/>
+          </a:p>
+          <a:p>
+            <a:pPr marL="0" indent="0">
+              <a:buNone/>
+            </a:pPr>
+            <a:r>
+              <a:rPr lang="en-US" sz="1600" dirty="0" smtClean="0"/>
+              <a:t>#for bam files</a:t>
+            </a:r>
+          </a:p>
+          <a:p>
+            <a:pPr marL="0" indent="0">
+              <a:buNone/>
+            </a:pPr>
+            <a:r>
+              <a:rPr lang="en-US" sz="1600" dirty="0"/>
+              <a:t>$ </a:t>
+            </a:r>
+            <a:r>
+              <a:rPr lang="en-US" sz="1600" dirty="0" err="1" smtClean="0"/>
+              <a:t>samtools</a:t>
+            </a:r>
+            <a:r>
+              <a:rPr lang="en-US" sz="1600" dirty="0" smtClean="0"/>
+              <a:t> view </a:t>
+            </a:r>
+            <a:r>
+              <a:rPr lang="en-US" sz="1600" dirty="0" err="1" smtClean="0"/>
+              <a:t>sample.bam</a:t>
+            </a:r>
+            <a:r>
+              <a:rPr lang="en-US" sz="1600" dirty="0" smtClean="0"/>
+              <a:t> | \</a:t>
+            </a:r>
+          </a:p>
+          <a:p>
+            <a:pPr marL="0" indent="0">
+              <a:buNone/>
+            </a:pPr>
+            <a:r>
+              <a:rPr lang="en-US" sz="1600" dirty="0" err="1" smtClean="0"/>
+              <a:t>awk</a:t>
+            </a:r>
+            <a:r>
+              <a:rPr lang="en-US" sz="1600" dirty="0" smtClean="0"/>
+              <a:t> </a:t>
+            </a:r>
+            <a:r>
+              <a:rPr lang="en-US" sz="1600" dirty="0"/>
+              <a:t>'!/^@/ {print "@"$1"\n"$10"\n+\n"$11}' </a:t>
+            </a:r>
+            <a:r>
+              <a:rPr lang="en-US" sz="1600" dirty="0" smtClean="0"/>
+              <a:t>&gt; </a:t>
+            </a:r>
+            <a:r>
+              <a:rPr lang="en-US" sz="1600" dirty="0" err="1" smtClean="0"/>
+              <a:t>sample.fastq</a:t>
+            </a:r>
+            <a:endParaRPr lang="en-US" sz="1600" dirty="0" smtClean="0"/>
+          </a:p>
+          <a:p>
+            <a:pPr marL="0" indent="0">
+              <a:buNone/>
+            </a:pPr>
+            <a:endParaRPr lang="en-US" sz="1600" dirty="0"/>
+          </a:p>
+          <a:p>
+            <a:pPr marL="0" indent="0">
+              <a:buNone/>
+            </a:pPr>
+            <a:r>
+              <a:rPr lang="en-US" sz="1600" dirty="0" smtClean="0"/>
+              <a:t>#for all of them:</a:t>
+            </a:r>
+          </a:p>
+          <a:p>
+            <a:pPr marL="0" indent="0">
+              <a:buNone/>
+            </a:pPr>
+            <a:r>
+              <a:rPr lang="en-US" sz="1600" dirty="0"/>
+              <a:t>for s </a:t>
+            </a:r>
+            <a:r>
+              <a:rPr lang="en-US" sz="1600"/>
+              <a:t>in </a:t>
+            </a:r>
+            <a:r>
+              <a:rPr lang="en-US" sz="1600" smtClean="0"/>
+              <a:t>*.bam</a:t>
+            </a:r>
+            <a:endParaRPr lang="en-US" sz="1600" dirty="0"/>
+          </a:p>
+          <a:p>
+            <a:pPr marL="0" indent="0">
+              <a:buNone/>
+            </a:pPr>
+            <a:r>
+              <a:rPr lang="en-US" sz="1600" dirty="0"/>
+              <a:t>do</a:t>
+            </a:r>
+          </a:p>
+          <a:p>
+            <a:pPr marL="0" indent="0">
+              <a:buNone/>
+            </a:pPr>
+            <a:r>
+              <a:rPr lang="en-US" sz="1600" dirty="0"/>
+              <a:t>    </a:t>
+            </a:r>
+            <a:r>
+              <a:rPr lang="en-US" sz="1600" dirty="0" err="1"/>
+              <a:t>samtools</a:t>
+            </a:r>
+            <a:r>
+              <a:rPr lang="en-US" sz="1600" dirty="0"/>
+              <a:t> view $s | </a:t>
+            </a:r>
+            <a:r>
+              <a:rPr lang="en-US" sz="1600" dirty="0" err="1"/>
+              <a:t>awk</a:t>
+            </a:r>
+            <a:r>
+              <a:rPr lang="en-US" sz="1600" dirty="0"/>
+              <a:t> '!/^@/ {print "@"$1"\n"$10"\n+\n"$11}' &gt; ${s/%bam/</a:t>
+            </a:r>
+            <a:r>
+              <a:rPr lang="en-US" sz="1600" dirty="0" err="1"/>
+              <a:t>fastq</a:t>
+            </a:r>
+            <a:r>
+              <a:rPr lang="en-US" sz="1600" dirty="0"/>
+              <a:t>}</a:t>
+            </a:r>
+          </a:p>
+          <a:p>
+            <a:pPr marL="0" indent="0">
+              <a:buNone/>
+            </a:pPr>
+            <a:r>
+              <a:rPr lang="en-US" sz="1600" dirty="0"/>
+              <a:t>done</a:t>
+            </a:r>
+          </a:p>
+          <a:p>
+            <a:pPr marL="0" indent="0">
+              <a:buNone/>
+            </a:pPr>
+            <a:endParaRPr lang="en-US" sz="1600" dirty="0"/>
+          </a:p>
+        </p:txBody>
+      </p:sp>
+    </p:spTree>
+    <p:extLst>
+      <p:ext uri="{BB962C8B-B14F-4D97-AF65-F5344CB8AC3E}">
+        <p14:creationId xmlns:p14="http://schemas.microsoft.com/office/powerpoint/2010/main" val="2953814565"/>
+      </p:ext>
+    </p:extLst>
+  </p:cSld>
+  <p:clrMapOvr>
+    <a:masterClrMapping/>
+  </p:clrMapOvr>
+</p:sld>
+</file>
+
+<file path=ppt/slides/slide42.xml><?xml version="1.0" encoding="utf-8"?>
+<p:sld xmlns:a="http://schemas.openxmlformats.org/drawingml/2006/main" xmlns:r="http://schemas.openxmlformats.org/officeDocument/2006/relationships" xmlns:p="http://schemas.openxmlformats.org/presentationml/2006/main">
+  <p:cSld>
+    <p:spTree>
+      <p:nvGrpSpPr>
+        <p:cNvPr id="1" name=""/>
+        <p:cNvGrpSpPr/>
+        <p:nvPr/>
+      </p:nvGrpSpPr>
+      <p:grpSpPr>
+        <a:xfrm>
+          <a:off x="0" y="0"/>
+          <a:ext cx="0" cy="0"/>
+          <a:chOff x="0" y="0"/>
+          <a:chExt cx="0" cy="0"/>
+        </a:xfrm>
+      </p:grpSpPr>
+      <p:sp>
+        <p:nvSpPr>
+          <p:cNvPr id="2" name="Title 1"/>
+          <p:cNvSpPr>
+            <a:spLocks noGrp="1"/>
+          </p:cNvSpPr>
+          <p:nvPr>
+            <p:ph type="title"/>
+          </p:nvPr>
+        </p:nvSpPr>
+        <p:spPr/>
+        <p:txBody>
+          <a:bodyPr/>
+          <a:lstStyle/>
+          <a:p>
+            <a:r>
+              <a:rPr lang="en-US" dirty="0" smtClean="0"/>
               <a:t>Questions? Brainstorms?</a:t>
             </a:r>
             <a:endParaRPr lang="en-US" dirty="0"/>
@@ -14880,7 +15281,7 @@
 </p:sld>
 </file>
 
-<file path=ppt/slides/slide41.xml><?xml version="1.0" encoding="utf-8"?>
+<file path=ppt/slides/slide43.xml><?xml version="1.0" encoding="utf-8"?>
 <p:sld xmlns:a="http://schemas.openxmlformats.org/drawingml/2006/main" xmlns:r="http://schemas.openxmlformats.org/officeDocument/2006/relationships" xmlns:p="http://schemas.openxmlformats.org/presentationml/2006/main">
   <p:cSld>
     <p:spTree>
@@ -15023,7 +15424,7 @@
 </p:sld>
 </file>
 
-<file path=ppt/slides/slide42.xml><?xml version="1.0" encoding="utf-8"?>
+<file path=ppt/slides/slide44.xml><?xml version="1.0" encoding="utf-8"?>
 <p:sld xmlns:a="http://schemas.openxmlformats.org/drawingml/2006/main" xmlns:r="http://schemas.openxmlformats.org/officeDocument/2006/relationships" xmlns:p="http://schemas.openxmlformats.org/presentationml/2006/main">
   <p:cSld>
     <p:spTree>
@@ -15781,6 +16182,150 @@
 </file>
 
 <file path=ppt/slides/slide5.xml><?xml version="1.0" encoding="utf-8"?>
+<p:sld xmlns:a="http://schemas.openxmlformats.org/drawingml/2006/main" xmlns:r="http://schemas.openxmlformats.org/officeDocument/2006/relationships" xmlns:p="http://schemas.openxmlformats.org/presentationml/2006/main">
+  <p:cSld>
+    <p:spTree>
+      <p:nvGrpSpPr>
+        <p:cNvPr id="1" name=""/>
+        <p:cNvGrpSpPr/>
+        <p:nvPr/>
+      </p:nvGrpSpPr>
+      <p:grpSpPr>
+        <a:xfrm>
+          <a:off x="0" y="0"/>
+          <a:ext cx="0" cy="0"/>
+          <a:chOff x="0" y="0"/>
+          <a:chExt cx="0" cy="0"/>
+        </a:xfrm>
+      </p:grpSpPr>
+      <p:sp>
+        <p:nvSpPr>
+          <p:cNvPr id="2" name="Title 1"/>
+          <p:cNvSpPr>
+            <a:spLocks noGrp="1"/>
+          </p:cNvSpPr>
+          <p:nvPr>
+            <p:ph type="title"/>
+          </p:nvPr>
+        </p:nvSpPr>
+        <p:spPr/>
+        <p:txBody>
+          <a:bodyPr/>
+          <a:lstStyle/>
+          <a:p>
+            <a:r>
+              <a:rPr lang="en-US" dirty="0" smtClean="0"/>
+              <a:t>General Guidance</a:t>
+            </a:r>
+            <a:endParaRPr lang="en-US" dirty="0"/>
+          </a:p>
+        </p:txBody>
+      </p:sp>
+      <p:sp>
+        <p:nvSpPr>
+          <p:cNvPr id="3" name="Content Placeholder 2"/>
+          <p:cNvSpPr>
+            <a:spLocks noGrp="1"/>
+          </p:cNvSpPr>
+          <p:nvPr>
+            <p:ph idx="1"/>
+          </p:nvPr>
+        </p:nvSpPr>
+        <p:spPr>
+          <a:xfrm>
+            <a:off x="840000" y="2209799"/>
+            <a:ext cx="7923000" cy="3967163"/>
+          </a:xfrm>
+        </p:spPr>
+        <p:txBody>
+          <a:bodyPr>
+            <a:normAutofit/>
+          </a:bodyPr>
+          <a:lstStyle/>
+          <a:p>
+            <a:pPr marL="0" indent="0">
+              <a:buNone/>
+            </a:pPr>
+            <a:r>
+              <a:rPr lang="en-US" dirty="0" smtClean="0"/>
+              <a:t>1. Google/Bing/Yahoo are your friends.</a:t>
+            </a:r>
+          </a:p>
+          <a:p>
+            <a:pPr marL="342900" lvl="1" indent="0">
+              <a:buNone/>
+            </a:pPr>
+            <a:r>
+              <a:rPr lang="en-US" dirty="0" smtClean="0"/>
+              <a:t>   Also, don’t forget to read documentation</a:t>
+            </a:r>
+          </a:p>
+          <a:p>
+            <a:pPr marL="457200" indent="-457200">
+              <a:buAutoNum type="arabicPeriod"/>
+            </a:pPr>
+            <a:endParaRPr lang="en-US" dirty="0" smtClean="0"/>
+          </a:p>
+          <a:p>
+            <a:pPr marL="0" indent="0">
+              <a:buNone/>
+            </a:pPr>
+            <a:r>
+              <a:rPr lang="en-US" dirty="0" smtClean="0"/>
+              <a:t>2. Keep backups of everything you can.</a:t>
+            </a:r>
+          </a:p>
+          <a:p>
+            <a:pPr marL="0" indent="0">
+              <a:buNone/>
+            </a:pPr>
+            <a:endParaRPr lang="en-US" dirty="0"/>
+          </a:p>
+          <a:p>
+            <a:pPr marL="0" indent="0">
+              <a:buNone/>
+            </a:pPr>
+            <a:r>
+              <a:rPr lang="en-US" dirty="0" smtClean="0"/>
+              <a:t>3. Use workflows that are non-destructive.</a:t>
+            </a:r>
+          </a:p>
+          <a:p>
+            <a:pPr marL="0" indent="0">
+              <a:buNone/>
+            </a:pPr>
+            <a:endParaRPr lang="en-US" dirty="0" smtClean="0"/>
+          </a:p>
+          <a:p>
+            <a:pPr marL="0" indent="0">
+              <a:buNone/>
+            </a:pPr>
+            <a:r>
+              <a:rPr lang="en-US" dirty="0"/>
+              <a:t>4</a:t>
+            </a:r>
+            <a:r>
+              <a:rPr lang="en-US" dirty="0" smtClean="0"/>
+              <a:t>. Don’t be afraid to break stuff.</a:t>
+            </a:r>
+            <a:endParaRPr lang="en-US" dirty="0"/>
+          </a:p>
+        </p:txBody>
+      </p:sp>
+    </p:spTree>
+    <p:extLst>
+      <p:ext uri="{BB962C8B-B14F-4D97-AF65-F5344CB8AC3E}">
+        <p14:creationId xmlns:p14="http://schemas.microsoft.com/office/powerpoint/2010/main" val="3385634279"/>
+      </p:ext>
+    </p:extLst>
+  </p:cSld>
+  <p:clrMapOvr>
+    <a:masterClrMapping/>
+  </p:clrMapOvr>
+</p:sld>
+</file>
+
+<file path=ppt/slides/slide6.xml><?xml version="1.0" encoding="utf-8"?>
 <p:sld xmlns:a="http://schemas.openxmlformats.org/drawingml/2006/main" xmlns:r="http://schemas.openxmlformats.org/officeDocument/2006/relationships" xmlns:p="http://schemas.openxmlformats.org/presentationml/2006/main">
   <p:cSld>
     <p:spTree>
@@ -16006,7 +16551,7 @@
 </p:sld>
 </file>
 
-<file path=ppt/slides/slide6.xml><?xml version="1.0" encoding="utf-8"?>
+<file path=ppt/slides/slide7.xml><?xml version="1.0" encoding="utf-8"?>
 <p:sld xmlns:a="http://schemas.openxmlformats.org/drawingml/2006/main" xmlns:r="http://schemas.openxmlformats.org/officeDocument/2006/relationships" xmlns:p="http://schemas.openxmlformats.org/presentationml/2006/main">
   <p:cSld>
     <p:spTree>
@@ -16163,7 +16708,7 @@
 </p:sld>
 </file>
 
-<file path=ppt/slides/slide7.xml><?xml version="1.0" encoding="utf-8"?>
+<file path=ppt/slides/slide8.xml><?xml version="1.0" encoding="utf-8"?>
 <p:sld xmlns:a="http://schemas.openxmlformats.org/drawingml/2006/main" xmlns:r="http://schemas.openxmlformats.org/officeDocument/2006/relationships" xmlns:p="http://schemas.openxmlformats.org/presentationml/2006/main">
   <p:cSld>
     <p:spTree>
@@ -16371,7 +16916,7 @@
 </p:sld>
 </file>
 
-<file path=ppt/slides/slide8.xml><?xml version="1.0" encoding="utf-8"?>
+<file path=ppt/slides/slide9.xml><?xml version="1.0" encoding="utf-8"?>
 <p:sld xmlns:a="http://schemas.openxmlformats.org/drawingml/2006/main" xmlns:r="http://schemas.openxmlformats.org/officeDocument/2006/relationships" xmlns:p="http://schemas.openxmlformats.org/presentationml/2006/main">
   <p:cSld>
     <p:spTree>
@@ -16564,100 +17109,6 @@
       </p:par>
     </p:tnLst>
   </p:timing>
-</p:sld>
-</file>
-
-<file path=ppt/slides/slide9.xml><?xml version="1.0" encoding="utf-8"?>
-<p:sld xmlns:a="http://schemas.openxmlformats.org/drawingml/2006/main" xmlns:r="http://schemas.openxmlformats.org/officeDocument/2006/relationships" xmlns:p="http://schemas.openxmlformats.org/presentationml/2006/main">
-  <p:cSld>
-    <p:spTree>
-      <p:nvGrpSpPr>
-        <p:cNvPr id="1" name=""/>
-        <p:cNvGrpSpPr/>
-        <p:nvPr/>
-      </p:nvGrpSpPr>
-      <p:grpSpPr>
-        <a:xfrm>
-          <a:off x="0" y="0"/>
-          <a:ext cx="0" cy="0"/>
-          <a:chOff x="0" y="0"/>
-          <a:chExt cx="0" cy="0"/>
-        </a:xfrm>
-      </p:grpSpPr>
-      <p:sp>
-        <p:nvSpPr>
-          <p:cNvPr id="2" name="Title 1"/>
-          <p:cNvSpPr>
-            <a:spLocks noGrp="1"/>
-          </p:cNvSpPr>
-          <p:nvPr>
-            <p:ph type="title"/>
-          </p:nvPr>
-        </p:nvSpPr>
-        <p:spPr/>
-        <p:txBody>
-          <a:bodyPr/>
-          <a:lstStyle/>
-          <a:p>
-            <a:r>
-              <a:rPr lang="en-US" dirty="0" smtClean="0"/>
-              <a:t>However…</a:t>
-            </a:r>
-            <a:endParaRPr lang="en-US" dirty="0"/>
-          </a:p>
-        </p:txBody>
-      </p:sp>
-      <p:sp>
-        <p:nvSpPr>
-          <p:cNvPr id="3" name="Content Placeholder 2"/>
-          <p:cNvSpPr>
-            <a:spLocks noGrp="1"/>
-          </p:cNvSpPr>
-          <p:nvPr>
-            <p:ph idx="1"/>
-          </p:nvPr>
-        </p:nvSpPr>
-        <p:spPr/>
-        <p:txBody>
-          <a:bodyPr/>
-          <a:lstStyle/>
-          <a:p>
-            <a:r>
-              <a:rPr lang="en-US" dirty="0" smtClean="0"/>
-              <a:t>For certain projects, what we’re discussing is overkill</a:t>
-            </a:r>
-          </a:p>
-          <a:p>
-            <a:endParaRPr lang="en-US" dirty="0" smtClean="0"/>
-          </a:p>
-          <a:p>
-            <a:r>
-              <a:rPr lang="en-US" dirty="0" smtClean="0"/>
-              <a:t>Use tools that you understand and that will save you time</a:t>
-            </a:r>
-          </a:p>
-          <a:p>
-            <a:endParaRPr lang="en-US" dirty="0" smtClean="0"/>
-          </a:p>
-          <a:p>
-            <a:r>
-              <a:rPr lang="en-US" dirty="0" smtClean="0"/>
-              <a:t>Excel, or even a simple calculator!</a:t>
-            </a:r>
-            <a:endParaRPr lang="en-US" dirty="0"/>
-          </a:p>
-        </p:txBody>
-      </p:sp>
-    </p:spTree>
-    <p:extLst>
-      <p:ext uri="{BB962C8B-B14F-4D97-AF65-F5344CB8AC3E}">
-        <p14:creationId xmlns:p14="http://schemas.microsoft.com/office/powerpoint/2010/main" val="3543641339"/>
-      </p:ext>
-    </p:extLst>
-  </p:cSld>
-  <p:clrMapOvr>
-    <a:masterClrMapping/>
-  </p:clrMapOvr>
 </p:sld>
 </file>
 

--- a/presentations/Modern Computing.pptx
+++ b/presentations/Modern Computing.pptx
@@ -5,53 +5,55 @@
     <p:sldMasterId id="2147483669" r:id="rId1"/>
   </p:sldMasterIdLst>
   <p:notesMasterIdLst>
-    <p:notesMasterId r:id="rId46"/>
+    <p:notesMasterId r:id="rId48"/>
   </p:notesMasterIdLst>
   <p:sldIdLst>
     <p:sldId id="256" r:id="rId2"/>
     <p:sldId id="305" r:id="rId3"/>
-    <p:sldId id="257" r:id="rId4"/>
-    <p:sldId id="258" r:id="rId5"/>
-    <p:sldId id="284" r:id="rId6"/>
-    <p:sldId id="259" r:id="rId7"/>
-    <p:sldId id="262" r:id="rId8"/>
-    <p:sldId id="260" r:id="rId9"/>
-    <p:sldId id="278" r:id="rId10"/>
-    <p:sldId id="304" r:id="rId11"/>
-    <p:sldId id="276" r:id="rId12"/>
-    <p:sldId id="281" r:id="rId13"/>
-    <p:sldId id="288" r:id="rId14"/>
-    <p:sldId id="289" r:id="rId15"/>
-    <p:sldId id="261" r:id="rId16"/>
-    <p:sldId id="266" r:id="rId17"/>
-    <p:sldId id="263" r:id="rId18"/>
-    <p:sldId id="264" r:id="rId19"/>
-    <p:sldId id="306" r:id="rId20"/>
-    <p:sldId id="282" r:id="rId21"/>
-    <p:sldId id="265" r:id="rId22"/>
-    <p:sldId id="272" r:id="rId23"/>
-    <p:sldId id="283" r:id="rId24"/>
-    <p:sldId id="287" r:id="rId25"/>
-    <p:sldId id="286" r:id="rId26"/>
-    <p:sldId id="267" r:id="rId27"/>
-    <p:sldId id="285" r:id="rId28"/>
-    <p:sldId id="268" r:id="rId29"/>
-    <p:sldId id="269" r:id="rId30"/>
-    <p:sldId id="270" r:id="rId31"/>
-    <p:sldId id="290" r:id="rId32"/>
-    <p:sldId id="292" r:id="rId33"/>
-    <p:sldId id="280" r:id="rId34"/>
-    <p:sldId id="293" r:id="rId35"/>
-    <p:sldId id="295" r:id="rId36"/>
-    <p:sldId id="291" r:id="rId37"/>
-    <p:sldId id="294" r:id="rId38"/>
-    <p:sldId id="298" r:id="rId39"/>
-    <p:sldId id="299" r:id="rId40"/>
-    <p:sldId id="300" r:id="rId41"/>
-    <p:sldId id="301" r:id="rId42"/>
-    <p:sldId id="302" r:id="rId43"/>
-    <p:sldId id="303" r:id="rId44"/>
-    <p:sldId id="275" r:id="rId45"/>
+    <p:sldId id="307" r:id="rId4"/>
+    <p:sldId id="257" r:id="rId5"/>
+    <p:sldId id="258" r:id="rId6"/>
+    <p:sldId id="284" r:id="rId7"/>
+    <p:sldId id="259" r:id="rId8"/>
+    <p:sldId id="262" r:id="rId9"/>
+    <p:sldId id="260" r:id="rId10"/>
+    <p:sldId id="278" r:id="rId11"/>
+    <p:sldId id="304" r:id="rId12"/>
+    <p:sldId id="276" r:id="rId13"/>
+    <p:sldId id="281" r:id="rId14"/>
+    <p:sldId id="288" r:id="rId15"/>
+    <p:sldId id="289" r:id="rId16"/>
+    <p:sldId id="261" r:id="rId17"/>
+    <p:sldId id="266" r:id="rId18"/>
+    <p:sldId id="263" r:id="rId19"/>
+    <p:sldId id="264" r:id="rId20"/>
+    <p:sldId id="306" r:id="rId21"/>
+    <p:sldId id="282" r:id="rId22"/>
+    <p:sldId id="265" r:id="rId23"/>
+    <p:sldId id="272" r:id="rId24"/>
+    <p:sldId id="283" r:id="rId25"/>
+    <p:sldId id="308" r:id="rId26"/>
+    <p:sldId id="287" r:id="rId27"/>
+    <p:sldId id="286" r:id="rId28"/>
+    <p:sldId id="267" r:id="rId29"/>
+    <p:sldId id="285" r:id="rId30"/>
+    <p:sldId id="268" r:id="rId31"/>
+    <p:sldId id="269" r:id="rId32"/>
+    <p:sldId id="270" r:id="rId33"/>
+    <p:sldId id="290" r:id="rId34"/>
+    <p:sldId id="292" r:id="rId35"/>
+    <p:sldId id="280" r:id="rId36"/>
+    <p:sldId id="293" r:id="rId37"/>
+    <p:sldId id="295" r:id="rId38"/>
+    <p:sldId id="291" r:id="rId39"/>
+    <p:sldId id="294" r:id="rId40"/>
+    <p:sldId id="298" r:id="rId41"/>
+    <p:sldId id="299" r:id="rId42"/>
+    <p:sldId id="300" r:id="rId43"/>
+    <p:sldId id="301" r:id="rId44"/>
+    <p:sldId id="302" r:id="rId45"/>
+    <p:sldId id="303" r:id="rId46"/>
+    <p:sldId id="275" r:id="rId47"/>
   </p:sldIdLst>
   <p:sldSz cx="9144000" cy="6858000" type="screen4x3"/>
   <p:notesSz cx="6858000" cy="9144000"/>
@@ -240,7 +242,7 @@
           <a:p>
             <a:fld id="{4DF0DEF9-CF53-407B-BB1F-ECAB7603E458}" type="datetimeFigureOut">
               <a:rPr lang="en-US" smtClean="0"/>
-              <a:t>1/6/2014</a:t>
+              <a:t>1/8/2014</a:t>
             </a:fld>
             <a:endParaRPr lang="en-US"/>
           </a:p>
@@ -577,7 +579,7 @@
           <a:p>
             <a:fld id="{BD230D4F-C3EB-4AF4-809D-43587FCC13EB}" type="slidenum">
               <a:rPr lang="en-US" smtClean="0"/>
-              <a:t>7</a:t>
+              <a:t>8</a:t>
             </a:fld>
             <a:endParaRPr lang="en-US"/>
           </a:p>
@@ -665,7 +667,7 @@
           <a:p>
             <a:fld id="{BD230D4F-C3EB-4AF4-809D-43587FCC13EB}" type="slidenum">
               <a:rPr lang="en-US" smtClean="0"/>
-              <a:t>34</a:t>
+              <a:t>36</a:t>
             </a:fld>
             <a:endParaRPr lang="en-US"/>
           </a:p>
@@ -773,7 +775,7 @@
           <a:p>
             <a:fld id="{BD230D4F-C3EB-4AF4-809D-43587FCC13EB}" type="slidenum">
               <a:rPr lang="en-US" smtClean="0"/>
-              <a:t>36</a:t>
+              <a:t>38</a:t>
             </a:fld>
             <a:endParaRPr lang="en-US"/>
           </a:p>
@@ -954,7 +956,7 @@
           <a:p>
             <a:fld id="{ECD19FB2-3AAB-4D03-B13A-2960828C78E3}" type="datetimeFigureOut">
               <a:rPr lang="en-US" smtClean="0"/>
-              <a:t>1/6/2014</a:t>
+              <a:t>1/8/2014</a:t>
             </a:fld>
             <a:endParaRPr lang="en-US" dirty="0"/>
           </a:p>
@@ -1241,7 +1243,7 @@
           <a:p>
             <a:fld id="{1B80C674-7DFC-42FE-B9CD-82963CDB1557}" type="datetimeFigureOut">
               <a:rPr lang="en-US" smtClean="0"/>
-              <a:t>1/6/2014</a:t>
+              <a:t>1/8/2014</a:t>
             </a:fld>
             <a:endParaRPr lang="en-US" dirty="0"/>
           </a:p>
@@ -1438,7 +1440,7 @@
           <a:p>
             <a:fld id="{2076456F-F47D-4F25-8053-2A695DA0CA7D}" type="datetimeFigureOut">
               <a:rPr lang="en-US" smtClean="0"/>
-              <a:t>1/6/2014</a:t>
+              <a:t>1/8/2014</a:t>
             </a:fld>
             <a:endParaRPr lang="en-US" dirty="0"/>
           </a:p>
@@ -1704,7 +1706,7 @@
           <a:p>
             <a:fld id="{5D6C7379-69CC-4837-9905-BEBA22830C8A}" type="datetimeFigureOut">
               <a:rPr lang="en-US" smtClean="0"/>
-              <a:t>1/6/2014</a:t>
+              <a:t>1/8/2014</a:t>
             </a:fld>
             <a:endParaRPr lang="en-US" dirty="0"/>
           </a:p>
@@ -2135,7 +2137,7 @@
           <a:p>
             <a:fld id="{49EB8B7E-8AEE-4F10-BFEE-C999AD004D36}" type="datetimeFigureOut">
               <a:rPr lang="en-US" smtClean="0"/>
-              <a:t>1/6/2014</a:t>
+              <a:t>1/8/2014</a:t>
             </a:fld>
             <a:endParaRPr lang="en-US" dirty="0"/>
           </a:p>
@@ -2686,7 +2688,7 @@
           <a:p>
             <a:fld id="{8668F3F9-58BC-440B-B37B-805B9055EF92}" type="datetimeFigureOut">
               <a:rPr lang="en-US" smtClean="0"/>
-              <a:t>1/6/2014</a:t>
+              <a:t>1/8/2014</a:t>
             </a:fld>
             <a:endParaRPr lang="en-US" dirty="0"/>
           </a:p>
@@ -3522,7 +3524,7 @@
           <a:p>
             <a:fld id="{0D5A53AF-48EA-489D-8260-9DCAB666386A}" type="datetimeFigureOut">
               <a:rPr lang="en-US" smtClean="0"/>
-              <a:t>1/6/2014</a:t>
+              <a:t>1/8/2014</a:t>
             </a:fld>
             <a:endParaRPr lang="en-US" dirty="0"/>
           </a:p>
@@ -3697,7 +3699,7 @@
           <a:p>
             <a:fld id="{0DED02AE-B9A4-47BD-AF8E-97E16144138B}" type="datetimeFigureOut">
               <a:rPr lang="en-US" smtClean="0"/>
-              <a:t>1/6/2014</a:t>
+              <a:t>1/8/2014</a:t>
             </a:fld>
             <a:endParaRPr lang="en-US" dirty="0"/>
           </a:p>
@@ -3882,7 +3884,7 @@
           <a:p>
             <a:fld id="{CF0FD78B-DB02-4362-BCDC-98A55456977C}" type="datetimeFigureOut">
               <a:rPr lang="en-US" smtClean="0"/>
-              <a:t>1/6/2014</a:t>
+              <a:t>1/8/2014</a:t>
             </a:fld>
             <a:endParaRPr lang="en-US" dirty="0"/>
           </a:p>
@@ -4089,7 +4091,7 @@
           <a:p>
             <a:fld id="{99916976-5D93-46E4-A98A-FAD63E4D0EA8}" type="datetimeFigureOut">
               <a:rPr lang="en-US" smtClean="0"/>
-              <a:t>1/6/2014</a:t>
+              <a:t>1/8/2014</a:t>
             </a:fld>
             <a:endParaRPr lang="en-US" dirty="0"/>
           </a:p>
@@ -4358,7 +4360,7 @@
           <a:p>
             <a:fld id="{0F39F4F5-F4D2-4D2A-AB60-88D37ADCB869}" type="datetimeFigureOut">
               <a:rPr lang="en-US" smtClean="0"/>
-              <a:t>1/6/2014</a:t>
+              <a:t>1/8/2014</a:t>
             </a:fld>
             <a:endParaRPr lang="en-US" dirty="0"/>
           </a:p>
@@ -4602,7 +4604,7 @@
           <a:p>
             <a:fld id="{D23BC6CE-6D1E-47E5-8859-F31AC5380EB2}" type="datetimeFigureOut">
               <a:rPr lang="en-US" smtClean="0"/>
-              <a:t>1/6/2014</a:t>
+              <a:t>1/8/2014</a:t>
             </a:fld>
             <a:endParaRPr lang="en-US" dirty="0"/>
           </a:p>
@@ -5009,7 +5011,7 @@
           <a:p>
             <a:fld id="{B1B4E7C4-4DA4-404D-9965-B13F2DD7D8BF}" type="datetimeFigureOut">
               <a:rPr lang="en-US" smtClean="0"/>
-              <a:t>1/6/2014</a:t>
+              <a:t>1/8/2014</a:t>
             </a:fld>
             <a:endParaRPr lang="en-US" dirty="0"/>
           </a:p>
@@ -5132,7 +5134,7 @@
           <a:p>
             <a:fld id="{476FB7AA-4A53-424F-AD41-70827B6504BA}" type="datetimeFigureOut">
               <a:rPr lang="en-US" smtClean="0"/>
-              <a:t>1/6/2014</a:t>
+              <a:t>1/8/2014</a:t>
             </a:fld>
             <a:endParaRPr lang="en-US" dirty="0"/>
           </a:p>
@@ -5232,7 +5234,7 @@
           <a:p>
             <a:fld id="{E7884882-FB12-4BC8-9960-9AD8104D7FAE}" type="datetimeFigureOut">
               <a:rPr lang="en-US" smtClean="0"/>
-              <a:t>1/6/2014</a:t>
+              <a:t>1/8/2014</a:t>
             </a:fld>
             <a:endParaRPr lang="en-US" dirty="0"/>
           </a:p>
@@ -5512,7 +5514,7 @@
           <a:p>
             <a:fld id="{F7D1BD23-6E54-4D9D-AD88-A2813C73CC25}" type="datetimeFigureOut">
               <a:rPr lang="en-US" smtClean="0"/>
-              <a:t>1/6/2014</a:t>
+              <a:t>1/8/2014</a:t>
             </a:fld>
             <a:endParaRPr lang="en-US" dirty="0"/>
           </a:p>
@@ -5800,7 +5802,7 @@
           <a:p>
             <a:fld id="{1471A834-4F3C-4AF9-9C74-05EC35A0F292}" type="datetimeFigureOut">
               <a:rPr lang="en-US" smtClean="0"/>
-              <a:t>1/6/2014</a:t>
+              <a:t>1/8/2014</a:t>
             </a:fld>
             <a:endParaRPr lang="en-US" dirty="0"/>
           </a:p>
@@ -6045,7 +6047,7 @@
           <a:p>
             <a:fld id="{51CF1133-3259-4C45-BABA-5B62D9C6F78D}" type="datetimeFigureOut">
               <a:rPr lang="en-US" smtClean="0"/>
-              <a:t>1/6/2014</a:t>
+              <a:t>1/8/2014</a:t>
             </a:fld>
             <a:endParaRPr lang="en-US" dirty="0"/>
           </a:p>
@@ -7107,78 +7109,180 @@
       </p:grpSpPr>
       <p:sp>
         <p:nvSpPr>
-          <p:cNvPr id="2" name="Title 1"/>
-          <p:cNvSpPr>
-            <a:spLocks noGrp="1"/>
-          </p:cNvSpPr>
-          <p:nvPr>
-            <p:ph type="title"/>
-          </p:nvPr>
-        </p:nvSpPr>
-        <p:spPr/>
+          <p:cNvPr id="3" name="Content Placeholder 2"/>
+          <p:cNvSpPr>
+            <a:spLocks noGrp="1"/>
+          </p:cNvSpPr>
+          <p:nvPr>
+            <p:ph idx="1"/>
+          </p:nvPr>
+        </p:nvSpPr>
+        <p:spPr>
+          <a:xfrm>
+            <a:off x="840000" y="1935480"/>
+            <a:ext cx="7675350" cy="1705557"/>
+          </a:xfrm>
+        </p:spPr>
         <p:txBody>
           <a:bodyPr/>
           <a:lstStyle/>
           <a:p>
             <a:r>
               <a:rPr lang="en-US" dirty="0" smtClean="0"/>
-              <a:t>However…</a:t>
-            </a:r>
-            <a:endParaRPr lang="en-US" dirty="0"/>
-          </a:p>
-        </p:txBody>
-      </p:sp>
-      <p:sp>
-        <p:nvSpPr>
-          <p:cNvPr id="3" name="Content Placeholder 2"/>
-          <p:cNvSpPr>
-            <a:spLocks noGrp="1"/>
-          </p:cNvSpPr>
-          <p:nvPr>
-            <p:ph idx="1"/>
-          </p:nvPr>
-        </p:nvSpPr>
-        <p:spPr/>
-        <p:txBody>
-          <a:bodyPr/>
-          <a:lstStyle/>
-          <a:p>
-            <a:r>
-              <a:rPr lang="en-US" dirty="0" smtClean="0"/>
-              <a:t>For certain projects, what we’re discussing is overkill</a:t>
-            </a:r>
-          </a:p>
-          <a:p>
-            <a:endParaRPr lang="en-US" dirty="0" smtClean="0"/>
-          </a:p>
-          <a:p>
-            <a:r>
-              <a:rPr lang="en-US" dirty="0" smtClean="0"/>
-              <a:t>Use tools that you understand and that will save you time</a:t>
-            </a:r>
-          </a:p>
-          <a:p>
-            <a:endParaRPr lang="en-US" dirty="0" smtClean="0"/>
-          </a:p>
-          <a:p>
-            <a:r>
-              <a:rPr lang="en-US" dirty="0" smtClean="0"/>
-              <a:t>Excel, or even a simple calculator!</a:t>
-            </a:r>
-            <a:endParaRPr lang="en-US" dirty="0"/>
+              <a:t>With programs &amp; scripts</a:t>
+            </a:r>
+          </a:p>
+          <a:p>
+            <a:pPr lvl="1"/>
+            <a:r>
+              <a:rPr lang="en-US" dirty="0" smtClean="0"/>
+              <a:t>Run less risk of insidious mistakes</a:t>
+            </a:r>
+          </a:p>
+          <a:p>
+            <a:pPr lvl="1"/>
+            <a:r>
+              <a:rPr lang="en-US" dirty="0" smtClean="0"/>
+              <a:t>More reproducible </a:t>
+            </a:r>
+          </a:p>
+          <a:p>
+            <a:pPr lvl="1"/>
+            <a:r>
+              <a:rPr lang="en-US" dirty="0" smtClean="0"/>
+              <a:t>Saves time if you need to repeat!</a:t>
+            </a:r>
+            <a:endParaRPr lang="en-US" dirty="0"/>
+          </a:p>
+        </p:txBody>
+      </p:sp>
+      <p:pic>
+        <p:nvPicPr>
+          <p:cNvPr id="1026" name="Picture 2" descr="http://jtnimoy.net/178/TRON_GFX_BR_08.JPG"/>
+          <p:cNvPicPr>
+            <a:picLocks noChangeAspect="1" noChangeArrowheads="1"/>
+          </p:cNvPicPr>
+          <p:nvPr/>
+        </p:nvPicPr>
+        <p:blipFill>
+          <a:blip r:embed="rId2">
+            <a:extLst>
+              <a:ext uri="{28A0092B-C50C-407E-A947-70E740481C1C}">
+                <a14:useLocalDpi xmlns:a14="http://schemas.microsoft.com/office/drawing/2010/main" val="0"/>
+              </a:ext>
+            </a:extLst>
+          </a:blip>
+          <a:srcRect/>
+          <a:stretch>
+            <a:fillRect/>
+          </a:stretch>
+        </p:blipFill>
+        <p:spPr bwMode="auto">
+          <a:xfrm>
+            <a:off x="1941195" y="3641037"/>
+            <a:ext cx="5261610" cy="2968363"/>
+          </a:xfrm>
+          <a:prstGeom prst="rect">
+            <a:avLst/>
+          </a:prstGeom>
+          <a:noFill/>
+          <a:extLst>
+            <a:ext uri="{909E8E84-426E-40DD-AFC4-6F175D3DCCD1}">
+              <a14:hiddenFill xmlns:a14="http://schemas.microsoft.com/office/drawing/2010/main">
+                <a:solidFill>
+                  <a:srgbClr val="FFFFFF"/>
+                </a:solidFill>
+              </a14:hiddenFill>
+            </a:ext>
+          </a:extLst>
+        </p:spPr>
+      </p:pic>
+      <p:sp>
+        <p:nvSpPr>
+          <p:cNvPr id="7" name="Title 1"/>
+          <p:cNvSpPr txBox="1">
+            <a:spLocks/>
+          </p:cNvSpPr>
+          <p:nvPr/>
+        </p:nvSpPr>
+        <p:spPr>
+          <a:xfrm>
+            <a:off x="628649" y="365126"/>
+            <a:ext cx="8433157" cy="1325563"/>
+          </a:xfrm>
+          <a:prstGeom prst="rect">
+            <a:avLst/>
+          </a:prstGeom>
+        </p:spPr>
+        <p:txBody>
+          <a:bodyPr vert="horz" lIns="91440" tIns="45720" rIns="91440" bIns="45720" rtlCol="0" anchor="ctr">
+            <a:normAutofit/>
+          </a:bodyPr>
+          <a:lstStyle>
+            <a:lvl1pPr algn="l" defTabSz="685800" rtl="0" eaLnBrk="1" latinLnBrk="0" hangingPunct="1">
+              <a:lnSpc>
+                <a:spcPct val="90000"/>
+              </a:lnSpc>
+              <a:spcBef>
+                <a:spcPct val="0"/>
+              </a:spcBef>
+              <a:buNone/>
+              <a:defRPr sz="4400" b="0" kern="1200">
+                <a:gradFill flip="none" rotWithShape="1">
+                  <a:gsLst>
+                    <a:gs pos="28000">
+                      <a:schemeClr val="tx1">
+                        <a:lumMod val="93000"/>
+                      </a:schemeClr>
+                    </a:gs>
+                    <a:gs pos="0">
+                      <a:schemeClr val="bg1">
+                        <a:lumMod val="13000"/>
+                        <a:lumOff val="87000"/>
+                      </a:schemeClr>
+                    </a:gs>
+                    <a:gs pos="100000">
+                      <a:schemeClr val="tx2">
+                        <a:lumMod val="0"/>
+                        <a:lumOff val="100000"/>
+                      </a:schemeClr>
+                    </a:gs>
+                  </a:gsLst>
+                  <a:lin ang="4800000" scaled="0"/>
+                  <a:tileRect/>
+                </a:gradFill>
+                <a:latin typeface="Source Code Pro Black" panose="020B0809030403020204" pitchFamily="49" charset="0"/>
+                <a:ea typeface="+mj-ea"/>
+                <a:cs typeface="+mj-cs"/>
+              </a:defRPr>
+            </a:lvl1pPr>
+          </a:lstStyle>
+          <a:p>
+            <a:r>
+              <a:rPr lang="en-US" sz="4000" smtClean="0"/>
+              <a:t>Where’s my mouse pointer?</a:t>
+            </a:r>
+            <a:endParaRPr lang="en-US" sz="4000" dirty="0"/>
           </a:p>
         </p:txBody>
       </p:sp>
     </p:spTree>
     <p:extLst>
       <p:ext uri="{BB962C8B-B14F-4D97-AF65-F5344CB8AC3E}">
-        <p14:creationId xmlns:p14="http://schemas.microsoft.com/office/powerpoint/2010/main" val="3543641339"/>
+        <p14:creationId xmlns:p14="http://schemas.microsoft.com/office/powerpoint/2010/main" val="897818324"/>
       </p:ext>
     </p:extLst>
   </p:cSld>
   <p:clrMapOvr>
     <a:masterClrMapping/>
   </p:clrMapOvr>
+  <p:timing>
+    <p:tnLst>
+      <p:par>
+        <p:cTn id="1" dur="indefinite" restart="never" nodeType="tmRoot"/>
+      </p:par>
+    </p:tnLst>
+  </p:timing>
 </p:sld>
 </file>
 
@@ -7216,7 +7320,7 @@
           <a:p>
             <a:r>
               <a:rPr lang="en-US" dirty="0" smtClean="0"/>
-              <a:t>One slide about computer hardware</a:t>
+              <a:t>However…</a:t>
             </a:r>
             <a:endParaRPr lang="en-US" dirty="0"/>
           </a:p>
@@ -7239,125 +7343,25 @@
           <a:p>
             <a:r>
               <a:rPr lang="en-US" dirty="0" smtClean="0"/>
-              <a:t>CPU – </a:t>
-            </a:r>
-            <a:r>
-              <a:rPr lang="en-US" u="sng" dirty="0" smtClean="0"/>
-              <a:t>C</a:t>
-            </a:r>
-            <a:r>
-              <a:rPr lang="en-US" dirty="0" smtClean="0"/>
-              <a:t>entral </a:t>
-            </a:r>
-            <a:r>
-              <a:rPr lang="en-US" u="sng" dirty="0" smtClean="0"/>
-              <a:t>P</a:t>
-            </a:r>
-            <a:r>
-              <a:rPr lang="en-US" dirty="0" smtClean="0"/>
-              <a:t>rocessing </a:t>
-            </a:r>
-            <a:r>
-              <a:rPr lang="en-US" u="sng" dirty="0" smtClean="0"/>
-              <a:t>U</a:t>
-            </a:r>
-            <a:r>
-              <a:rPr lang="en-US" dirty="0" smtClean="0"/>
-              <a:t>nit</a:t>
-            </a:r>
-          </a:p>
-          <a:p>
-            <a:pPr lvl="1"/>
-            <a:r>
-              <a:rPr lang="en-US" dirty="0" smtClean="0"/>
-              <a:t>Usually where your numbers get crunched</a:t>
-            </a:r>
-          </a:p>
-          <a:p>
-            <a:pPr lvl="1"/>
-            <a:r>
-              <a:rPr lang="en-US" dirty="0" smtClean="0"/>
-              <a:t>Modern computers usually have several</a:t>
-            </a:r>
-          </a:p>
-          <a:p>
-            <a:pPr lvl="1"/>
+              <a:t>For certain projects, what we’re discussing is overkill</a:t>
+            </a:r>
+          </a:p>
+          <a:p>
             <a:endParaRPr lang="en-US" dirty="0" smtClean="0"/>
           </a:p>
           <a:p>
             <a:r>
               <a:rPr lang="en-US" dirty="0" smtClean="0"/>
-              <a:t>RAM – </a:t>
-            </a:r>
-            <a:r>
-              <a:rPr lang="en-US" u="sng" dirty="0" smtClean="0"/>
-              <a:t>R</a:t>
-            </a:r>
-            <a:r>
-              <a:rPr lang="en-US" dirty="0" smtClean="0"/>
-              <a:t>andom </a:t>
-            </a:r>
-            <a:r>
-              <a:rPr lang="en-US" u="sng" dirty="0" smtClean="0"/>
-              <a:t>A</a:t>
-            </a:r>
-            <a:r>
-              <a:rPr lang="en-US" dirty="0" smtClean="0"/>
-              <a:t>ccess </a:t>
-            </a:r>
-            <a:r>
-              <a:rPr lang="en-US" u="sng" dirty="0" smtClean="0"/>
-              <a:t>M</a:t>
-            </a:r>
-            <a:r>
-              <a:rPr lang="en-US" dirty="0" smtClean="0"/>
-              <a:t>emory</a:t>
-            </a:r>
-          </a:p>
-          <a:p>
-            <a:pPr lvl="1"/>
-            <a:r>
-              <a:rPr lang="en-US" dirty="0" smtClean="0"/>
-              <a:t>Fast place to work, but volatile and small</a:t>
-            </a:r>
-          </a:p>
-          <a:p>
-            <a:pPr lvl="1"/>
-            <a:r>
-              <a:rPr lang="en-US" dirty="0" smtClean="0"/>
-              <a:t>Think of this as a small desktop surface</a:t>
-            </a:r>
-          </a:p>
-          <a:p>
-            <a:pPr lvl="1"/>
+              <a:t>Use tools that you understand and that will save you time</a:t>
+            </a:r>
+          </a:p>
+          <a:p>
             <a:endParaRPr lang="en-US" dirty="0" smtClean="0"/>
           </a:p>
           <a:p>
             <a:r>
               <a:rPr lang="en-US" dirty="0" smtClean="0"/>
-              <a:t>Disk – Hard Drives, Solid State Drives</a:t>
-            </a:r>
-          </a:p>
-          <a:p>
-            <a:pPr lvl="1"/>
-            <a:r>
-              <a:rPr lang="en-US" dirty="0" smtClean="0"/>
-              <a:t>Stable, long(</a:t>
-            </a:r>
-            <a:r>
-              <a:rPr lang="en-US" dirty="0" err="1" smtClean="0"/>
-              <a:t>er</a:t>
-            </a:r>
-            <a:r>
-              <a:rPr lang="en-US" dirty="0" smtClean="0"/>
-              <a:t>) term storage</a:t>
-            </a:r>
-          </a:p>
-          <a:p>
-            <a:pPr lvl="1"/>
-            <a:r>
-              <a:rPr lang="en-US" dirty="0" smtClean="0"/>
-              <a:t>Think of this as a filing cabinet</a:t>
+              <a:t>Excel, or even a simple calculator!</a:t>
             </a:r>
             <a:endParaRPr lang="en-US" dirty="0"/>
           </a:p>
@@ -7366,7 +7370,7 @@
     </p:spTree>
     <p:extLst>
       <p:ext uri="{BB962C8B-B14F-4D97-AF65-F5344CB8AC3E}">
-        <p14:creationId xmlns:p14="http://schemas.microsoft.com/office/powerpoint/2010/main" val="1878948955"/>
+        <p14:creationId xmlns:p14="http://schemas.microsoft.com/office/powerpoint/2010/main" val="3543641339"/>
       </p:ext>
     </p:extLst>
   </p:cSld>
@@ -7410,7 +7414,7 @@
           <a:p>
             <a:r>
               <a:rPr lang="en-US" dirty="0" smtClean="0"/>
-              <a:t>a shell</a:t>
+              <a:t>One slide about computer hardware</a:t>
             </a:r>
             <a:endParaRPr lang="en-US" dirty="0"/>
           </a:p>
@@ -7432,111 +7436,135 @@
           <a:lstStyle/>
           <a:p>
             <a:r>
-              <a:rPr lang="en-US" dirty="0"/>
-              <a:t>A program that interprets </a:t>
-            </a:r>
-            <a:r>
-              <a:rPr lang="en-US" dirty="0" smtClean="0"/>
-              <a:t>commands</a:t>
-            </a:r>
-          </a:p>
-          <a:p>
-            <a:r>
-              <a:rPr lang="en-US" dirty="0" smtClean="0"/>
-              <a:t>Not an OS</a:t>
+              <a:rPr lang="en-US" dirty="0" smtClean="0"/>
+              <a:t>CPU – </a:t>
+            </a:r>
+            <a:r>
+              <a:rPr lang="en-US" u="sng" dirty="0" smtClean="0"/>
+              <a:t>C</a:t>
+            </a:r>
+            <a:r>
+              <a:rPr lang="en-US" dirty="0" smtClean="0"/>
+              <a:t>entral </a:t>
+            </a:r>
+            <a:r>
+              <a:rPr lang="en-US" u="sng" dirty="0" smtClean="0"/>
+              <a:t>P</a:t>
+            </a:r>
+            <a:r>
+              <a:rPr lang="en-US" dirty="0" smtClean="0"/>
+              <a:t>rocessing </a:t>
+            </a:r>
+            <a:r>
+              <a:rPr lang="en-US" u="sng" dirty="0" smtClean="0"/>
+              <a:t>U</a:t>
+            </a:r>
+            <a:r>
+              <a:rPr lang="en-US" dirty="0" smtClean="0"/>
+              <a:t>nit</a:t>
             </a:r>
           </a:p>
           <a:p>
             <a:pPr lvl="1"/>
             <a:r>
               <a:rPr lang="en-US" dirty="0" smtClean="0"/>
-              <a:t>An interface to OS to run commands.</a:t>
-            </a:r>
-          </a:p>
-          <a:p>
-            <a:pPr marL="342900" lvl="1" indent="0">
-              <a:buNone/>
-            </a:pPr>
+              <a:t>Usually where your numbers get crunched</a:t>
+            </a:r>
+          </a:p>
+          <a:p>
+            <a:pPr lvl="1"/>
+            <a:r>
+              <a:rPr lang="en-US" dirty="0" smtClean="0"/>
+              <a:t>Modern computers usually have several</a:t>
+            </a:r>
+          </a:p>
+          <a:p>
+            <a:pPr lvl="1"/>
             <a:endParaRPr lang="en-US" dirty="0" smtClean="0"/>
           </a:p>
           <a:p>
             <a:r>
               <a:rPr lang="en-US" dirty="0" smtClean="0"/>
-              <a:t>bash: the </a:t>
-            </a:r>
-            <a:r>
-              <a:rPr lang="en-US" b="1" u="sng" dirty="0" smtClean="0"/>
-              <a:t>B</a:t>
-            </a:r>
-            <a:r>
-              <a:rPr lang="en-US" dirty="0" smtClean="0"/>
-              <a:t>ourne </a:t>
-            </a:r>
-            <a:r>
-              <a:rPr lang="en-US" b="1" u="sng" dirty="0" smtClean="0"/>
+              <a:t>RAM – </a:t>
+            </a:r>
+            <a:r>
+              <a:rPr lang="en-US" u="sng" dirty="0" smtClean="0"/>
+              <a:t>R</a:t>
+            </a:r>
+            <a:r>
+              <a:rPr lang="en-US" dirty="0" smtClean="0"/>
+              <a:t>andom </a:t>
+            </a:r>
+            <a:r>
+              <a:rPr lang="en-US" u="sng" dirty="0" smtClean="0"/>
               <a:t>A</a:t>
             </a:r>
             <a:r>
               <a:rPr lang="en-US" dirty="0" smtClean="0"/>
-              <a:t>gain </a:t>
-            </a:r>
-            <a:r>
-              <a:rPr lang="en-US" b="1" u="sng" dirty="0" smtClean="0"/>
-              <a:t>Sh</a:t>
-            </a:r>
-            <a:r>
-              <a:rPr lang="en-US" dirty="0" smtClean="0"/>
-              <a:t>ell</a:t>
+              <a:t>ccess </a:t>
+            </a:r>
+            <a:r>
+              <a:rPr lang="en-US" u="sng" dirty="0" smtClean="0"/>
+              <a:t>M</a:t>
+            </a:r>
+            <a:r>
+              <a:rPr lang="en-US" dirty="0" smtClean="0"/>
+              <a:t>emory</a:t>
             </a:r>
           </a:p>
           <a:p>
             <a:pPr lvl="1"/>
             <a:r>
               <a:rPr lang="en-US" dirty="0" smtClean="0"/>
-              <a:t>Free </a:t>
-            </a:r>
-            <a:r>
-              <a:rPr lang="en-US" dirty="0"/>
-              <a:t>replacement to </a:t>
-            </a:r>
-            <a:r>
-              <a:rPr lang="en-US" dirty="0" smtClean="0"/>
-              <a:t>Steve Bourne’s Shell</a:t>
-            </a:r>
-          </a:p>
-          <a:p>
-            <a:pPr marL="342900" lvl="1" indent="0">
-              <a:buNone/>
-            </a:pPr>
+              <a:t>Fast place to work, but volatile and small</a:t>
+            </a:r>
+          </a:p>
+          <a:p>
+            <a:pPr lvl="1"/>
+            <a:r>
+              <a:rPr lang="en-US" dirty="0" smtClean="0"/>
+              <a:t>Think of this as a small desktop surface</a:t>
+            </a:r>
+          </a:p>
+          <a:p>
+            <a:pPr lvl="1"/>
             <a:endParaRPr lang="en-US" dirty="0" smtClean="0"/>
           </a:p>
           <a:p>
             <a:r>
+              <a:rPr lang="en-US" dirty="0" smtClean="0"/>
+              <a:t>Disk – Hard Drives, Solid State Drives</a:t>
+            </a:r>
+          </a:p>
+          <a:p>
+            <a:pPr lvl="1"/>
+            <a:r>
+              <a:rPr lang="en-US" dirty="0" smtClean="0"/>
+              <a:t>Stable, long(</a:t>
+            </a:r>
+            <a:r>
               <a:rPr lang="en-US" dirty="0" err="1" smtClean="0"/>
-              <a:t>ssh</a:t>
-            </a:r>
-            <a:r>
-              <a:rPr lang="en-US" dirty="0" smtClean="0"/>
-              <a:t>: Secure Shell</a:t>
+              <a:t>er</a:t>
+            </a:r>
+            <a:r>
+              <a:rPr lang="en-US" dirty="0" smtClean="0"/>
+              <a:t>) term storage</a:t>
             </a:r>
           </a:p>
           <a:p>
             <a:pPr lvl="1"/>
             <a:r>
               <a:rPr lang="en-US" dirty="0" smtClean="0"/>
-              <a:t>cryptographic </a:t>
-            </a:r>
-            <a:r>
-              <a:rPr lang="en-US" dirty="0"/>
-              <a:t>network protocol for secure data communication</a:t>
-            </a:r>
+              <a:t>Think of this as a filing cabinet</a:t>
+            </a:r>
+            <a:endParaRPr lang="en-US" dirty="0"/>
           </a:p>
         </p:txBody>
       </p:sp>
     </p:spTree>
     <p:extLst>
       <p:ext uri="{BB962C8B-B14F-4D97-AF65-F5344CB8AC3E}">
-        <p14:creationId xmlns:p14="http://schemas.microsoft.com/office/powerpoint/2010/main" val="3106845283"/>
+        <p14:creationId xmlns:p14="http://schemas.microsoft.com/office/powerpoint/2010/main" val="1878948955"/>
       </p:ext>
     </p:extLst>
   </p:cSld>
@@ -7580,7 +7608,7 @@
           <a:p>
             <a:r>
               <a:rPr lang="en-US" dirty="0" smtClean="0"/>
-              <a:t>Shell tricks</a:t>
+              <a:t>a shell</a:t>
             </a:r>
             <a:endParaRPr lang="en-US" dirty="0"/>
           </a:p>
@@ -7596,34 +7624,35 @@
             <p:ph idx="1"/>
           </p:nvPr>
         </p:nvSpPr>
-        <p:spPr>
-          <a:xfrm>
-            <a:off x="628650" y="1825625"/>
-            <a:ext cx="8248650" cy="4351338"/>
-          </a:xfrm>
-        </p:spPr>
-        <p:txBody>
-          <a:bodyPr>
-            <a:normAutofit/>
-          </a:bodyPr>
-          <a:lstStyle/>
-          <a:p>
-            <a:r>
-              <a:rPr lang="en-US" dirty="0" smtClean="0"/>
-              <a:t>what was that command?</a:t>
-            </a:r>
-          </a:p>
-          <a:p>
-            <a:pPr marL="0" indent="0">
-              <a:buNone/>
-            </a:pPr>
-            <a:r>
-              <a:rPr lang="en-US" dirty="0" smtClean="0"/>
-              <a:t>$ history</a:t>
-            </a:r>
-          </a:p>
-          <a:p>
-            <a:pPr marL="0" indent="0">
+        <p:spPr/>
+        <p:txBody>
+          <a:bodyPr/>
+          <a:lstStyle/>
+          <a:p>
+            <a:r>
+              <a:rPr lang="en-US" dirty="0"/>
+              <a:t>A program that interprets </a:t>
+            </a:r>
+            <a:r>
+              <a:rPr lang="en-US" dirty="0" smtClean="0"/>
+              <a:t>commands</a:t>
+            </a:r>
+          </a:p>
+          <a:p>
+            <a:r>
+              <a:rPr lang="en-US" dirty="0" smtClean="0"/>
+              <a:t>Not an OS</a:t>
+            </a:r>
+          </a:p>
+          <a:p>
+            <a:pPr lvl="1"/>
+            <a:r>
+              <a:rPr lang="en-US" dirty="0" smtClean="0"/>
+              <a:t>An interface to OS to run commands.</a:t>
+            </a:r>
+          </a:p>
+          <a:p>
+            <a:pPr marL="342900" lvl="1" indent="0">
               <a:buNone/>
             </a:pPr>
             <a:endParaRPr lang="en-US" dirty="0" smtClean="0"/>
@@ -7631,48 +7660,81 @@
           <a:p>
             <a:r>
               <a:rPr lang="en-US" dirty="0" smtClean="0"/>
-              <a:t>last command: up/down arrows</a:t>
-            </a:r>
-          </a:p>
-          <a:p>
+              <a:t>bash: the </a:t>
+            </a:r>
+            <a:r>
+              <a:rPr lang="en-US" b="1" u="sng" dirty="0" smtClean="0"/>
+              <a:t>B</a:t>
+            </a:r>
+            <a:r>
+              <a:rPr lang="en-US" dirty="0" smtClean="0"/>
+              <a:t>ourne </a:t>
+            </a:r>
+            <a:r>
+              <a:rPr lang="en-US" b="1" u="sng" dirty="0" smtClean="0"/>
+              <a:t>A</a:t>
+            </a:r>
+            <a:r>
+              <a:rPr lang="en-US" dirty="0" smtClean="0"/>
+              <a:t>gain </a:t>
+            </a:r>
+            <a:r>
+              <a:rPr lang="en-US" b="1" u="sng" dirty="0" smtClean="0"/>
+              <a:t>Sh</a:t>
+            </a:r>
+            <a:r>
+              <a:rPr lang="en-US" dirty="0" smtClean="0"/>
+              <a:t>ell</a:t>
+            </a:r>
+          </a:p>
+          <a:p>
+            <a:pPr lvl="1"/>
+            <a:r>
+              <a:rPr lang="en-US" dirty="0" smtClean="0"/>
+              <a:t>Free </a:t>
+            </a:r>
+            <a:r>
+              <a:rPr lang="en-US" dirty="0"/>
+              <a:t>replacement to </a:t>
+            </a:r>
+            <a:r>
+              <a:rPr lang="en-US" dirty="0" smtClean="0"/>
+              <a:t>Steve Bourne’s Shell</a:t>
+            </a:r>
+          </a:p>
+          <a:p>
+            <a:pPr marL="342900" lvl="1" indent="0">
+              <a:buNone/>
+            </a:pPr>
             <a:endParaRPr lang="en-US" dirty="0" smtClean="0"/>
           </a:p>
           <a:p>
             <a:r>
-              <a:rPr lang="en-US" dirty="0" smtClean="0"/>
-              <a:t>tab completion!</a:t>
-            </a:r>
-          </a:p>
-          <a:p>
-            <a:endParaRPr lang="en-US" dirty="0" smtClean="0"/>
-          </a:p>
-          <a:p>
-            <a:r>
-              <a:rPr lang="en-US" dirty="0" smtClean="0"/>
-              <a:t>ctrl-r to search command history</a:t>
-            </a:r>
-          </a:p>
-          <a:p>
-            <a:endParaRPr lang="en-US" dirty="0"/>
-          </a:p>
-          <a:p>
-            <a:r>
-              <a:rPr lang="en-US" dirty="0" smtClean="0"/>
-              <a:t>ctrl-a/ctrl-e jump to beginning/end of line</a:t>
-            </a:r>
-          </a:p>
-          <a:p>
-            <a:pPr marL="0" indent="0">
-              <a:buNone/>
-            </a:pPr>
-            <a:endParaRPr lang="en-US" dirty="0"/>
+              <a:rPr lang="en-US" dirty="0" err="1" smtClean="0"/>
+              <a:t>ssh</a:t>
+            </a:r>
+            <a:r>
+              <a:rPr lang="en-US" dirty="0" smtClean="0"/>
+              <a:t>: Secure Shell</a:t>
+            </a:r>
+          </a:p>
+          <a:p>
+            <a:pPr lvl="1"/>
+            <a:r>
+              <a:rPr lang="en-US" dirty="0" smtClean="0"/>
+              <a:t>cryptographic </a:t>
+            </a:r>
+            <a:r>
+              <a:rPr lang="en-US" dirty="0"/>
+              <a:t>network protocol for secure data communication</a:t>
+            </a:r>
           </a:p>
         </p:txBody>
       </p:sp>
     </p:spTree>
     <p:extLst>
       <p:ext uri="{BB962C8B-B14F-4D97-AF65-F5344CB8AC3E}">
-        <p14:creationId xmlns:p14="http://schemas.microsoft.com/office/powerpoint/2010/main" val="461253557"/>
+        <p14:creationId xmlns:p14="http://schemas.microsoft.com/office/powerpoint/2010/main" val="3106845283"/>
       </p:ext>
     </p:extLst>
   </p:cSld>
@@ -7732,6 +7794,142 @@
             <p:ph idx="1"/>
           </p:nvPr>
         </p:nvSpPr>
+        <p:spPr>
+          <a:xfrm>
+            <a:off x="628650" y="1825625"/>
+            <a:ext cx="8248650" cy="4351338"/>
+          </a:xfrm>
+        </p:spPr>
+        <p:txBody>
+          <a:bodyPr>
+            <a:normAutofit/>
+          </a:bodyPr>
+          <a:lstStyle/>
+          <a:p>
+            <a:r>
+              <a:rPr lang="en-US" dirty="0" smtClean="0"/>
+              <a:t>what was that command?</a:t>
+            </a:r>
+          </a:p>
+          <a:p>
+            <a:pPr marL="0" indent="0">
+              <a:buNone/>
+            </a:pPr>
+            <a:r>
+              <a:rPr lang="en-US" dirty="0" smtClean="0"/>
+              <a:t>$ history</a:t>
+            </a:r>
+          </a:p>
+          <a:p>
+            <a:pPr marL="0" indent="0">
+              <a:buNone/>
+            </a:pPr>
+            <a:endParaRPr lang="en-US" dirty="0" smtClean="0"/>
+          </a:p>
+          <a:p>
+            <a:r>
+              <a:rPr lang="en-US" dirty="0" smtClean="0"/>
+              <a:t>last command: up/down arrows</a:t>
+            </a:r>
+          </a:p>
+          <a:p>
+            <a:endParaRPr lang="en-US" dirty="0" smtClean="0"/>
+          </a:p>
+          <a:p>
+            <a:r>
+              <a:rPr lang="en-US" dirty="0" smtClean="0"/>
+              <a:t>tab completion!</a:t>
+            </a:r>
+          </a:p>
+          <a:p>
+            <a:endParaRPr lang="en-US" dirty="0" smtClean="0"/>
+          </a:p>
+          <a:p>
+            <a:r>
+              <a:rPr lang="en-US" dirty="0" smtClean="0"/>
+              <a:t>ctrl-r to search command history</a:t>
+            </a:r>
+          </a:p>
+          <a:p>
+            <a:endParaRPr lang="en-US" dirty="0"/>
+          </a:p>
+          <a:p>
+            <a:r>
+              <a:rPr lang="en-US" dirty="0" smtClean="0"/>
+              <a:t>ctrl-a/ctrl-e jump to beginning/end of line</a:t>
+            </a:r>
+          </a:p>
+          <a:p>
+            <a:pPr marL="0" indent="0">
+              <a:buNone/>
+            </a:pPr>
+            <a:endParaRPr lang="en-US" dirty="0"/>
+          </a:p>
+        </p:txBody>
+      </p:sp>
+    </p:spTree>
+    <p:extLst>
+      <p:ext uri="{BB962C8B-B14F-4D97-AF65-F5344CB8AC3E}">
+        <p14:creationId xmlns:p14="http://schemas.microsoft.com/office/powerpoint/2010/main" val="461253557"/>
+      </p:ext>
+    </p:extLst>
+  </p:cSld>
+  <p:clrMapOvr>
+    <a:masterClrMapping/>
+  </p:clrMapOvr>
+</p:sld>
+</file>
+
+<file path=ppt/slides/slide15.xml><?xml version="1.0" encoding="utf-8"?>
+<p:sld xmlns:a="http://schemas.openxmlformats.org/drawingml/2006/main" xmlns:r="http://schemas.openxmlformats.org/officeDocument/2006/relationships" xmlns:p="http://schemas.openxmlformats.org/presentationml/2006/main">
+  <p:cSld>
+    <p:spTree>
+      <p:nvGrpSpPr>
+        <p:cNvPr id="1" name=""/>
+        <p:cNvGrpSpPr/>
+        <p:nvPr/>
+      </p:nvGrpSpPr>
+      <p:grpSpPr>
+        <a:xfrm>
+          <a:off x="0" y="0"/>
+          <a:ext cx="0" cy="0"/>
+          <a:chOff x="0" y="0"/>
+          <a:chExt cx="0" cy="0"/>
+        </a:xfrm>
+      </p:grpSpPr>
+      <p:sp>
+        <p:nvSpPr>
+          <p:cNvPr id="2" name="Title 1"/>
+          <p:cNvSpPr>
+            <a:spLocks noGrp="1"/>
+          </p:cNvSpPr>
+          <p:nvPr>
+            <p:ph type="title"/>
+          </p:nvPr>
+        </p:nvSpPr>
+        <p:spPr/>
+        <p:txBody>
+          <a:bodyPr/>
+          <a:lstStyle/>
+          <a:p>
+            <a:r>
+              <a:rPr lang="en-US" dirty="0" smtClean="0"/>
+              <a:t>Shell tricks</a:t>
+            </a:r>
+            <a:endParaRPr lang="en-US" dirty="0"/>
+          </a:p>
+        </p:txBody>
+      </p:sp>
+      <p:sp>
+        <p:nvSpPr>
+          <p:cNvPr id="3" name="Content Placeholder 2"/>
+          <p:cNvSpPr>
+            <a:spLocks noGrp="1"/>
+          </p:cNvSpPr>
+          <p:nvPr>
+            <p:ph idx="1"/>
+          </p:nvPr>
+        </p:nvSpPr>
         <p:spPr/>
         <p:txBody>
           <a:bodyPr/>
@@ -7816,7 +8014,7 @@
 </p:sld>
 </file>
 
-<file path=ppt/slides/slide15.xml><?xml version="1.0" encoding="utf-8"?>
+<file path=ppt/slides/slide16.xml><?xml version="1.0" encoding="utf-8"?>
 <p:sld xmlns:a="http://schemas.openxmlformats.org/drawingml/2006/main" xmlns:r="http://schemas.openxmlformats.org/officeDocument/2006/relationships" xmlns:p="http://schemas.openxmlformats.org/presentationml/2006/main">
   <p:cSld>
     <p:spTree>
@@ -8373,7 +8571,7 @@
 </p:sld>
 </file>
 
-<file path=ppt/slides/slide16.xml><?xml version="1.0" encoding="utf-8"?>
+<file path=ppt/slides/slide17.xml><?xml version="1.0" encoding="utf-8"?>
 <p:sld xmlns:a="http://schemas.openxmlformats.org/drawingml/2006/main" xmlns:r="http://schemas.openxmlformats.org/officeDocument/2006/relationships" xmlns:p="http://schemas.openxmlformats.org/presentationml/2006/main">
   <p:cSld>
     <p:spTree>
@@ -8589,7 +8787,7 @@
 </p:sld>
 </file>
 
-<file path=ppt/slides/slide17.xml><?xml version="1.0" encoding="utf-8"?>
+<file path=ppt/slides/slide18.xml><?xml version="1.0" encoding="utf-8"?>
 <p:sld xmlns:a="http://schemas.openxmlformats.org/drawingml/2006/main" xmlns:r="http://schemas.openxmlformats.org/officeDocument/2006/relationships" xmlns:p="http://schemas.openxmlformats.org/presentationml/2006/main">
   <p:cSld>
     <p:spTree>
@@ -8841,7 +9039,7 @@
 </p:sld>
 </file>
 
-<file path=ppt/slides/slide18.xml><?xml version="1.0" encoding="utf-8"?>
+<file path=ppt/slides/slide19.xml><?xml version="1.0" encoding="utf-8"?>
 <p:sld xmlns:a="http://schemas.openxmlformats.org/drawingml/2006/main" xmlns:r="http://schemas.openxmlformats.org/officeDocument/2006/relationships" xmlns:p="http://schemas.openxmlformats.org/presentationml/2006/main">
   <p:cSld>
     <p:spTree>
@@ -9755,189 +9953,6 @@
       </p:par>
     </p:tnLst>
   </p:timing>
-</p:sld>
-</file>
-
-<file path=ppt/slides/slide19.xml><?xml version="1.0" encoding="utf-8"?>
-<p:sld xmlns:a="http://schemas.openxmlformats.org/drawingml/2006/main" xmlns:r="http://schemas.openxmlformats.org/officeDocument/2006/relationships" xmlns:p="http://schemas.openxmlformats.org/presentationml/2006/main">
-  <p:cSld>
-    <p:spTree>
-      <p:nvGrpSpPr>
-        <p:cNvPr id="1" name=""/>
-        <p:cNvGrpSpPr/>
-        <p:nvPr/>
-      </p:nvGrpSpPr>
-      <p:grpSpPr>
-        <a:xfrm>
-          <a:off x="0" y="0"/>
-          <a:ext cx="0" cy="0"/>
-          <a:chOff x="0" y="0"/>
-          <a:chExt cx="0" cy="0"/>
-        </a:xfrm>
-      </p:grpSpPr>
-      <p:sp>
-        <p:nvSpPr>
-          <p:cNvPr id="2" name="Title 1"/>
-          <p:cNvSpPr>
-            <a:spLocks noGrp="1"/>
-          </p:cNvSpPr>
-          <p:nvPr>
-            <p:ph type="title"/>
-          </p:nvPr>
-        </p:nvSpPr>
-        <p:spPr/>
-        <p:txBody>
-          <a:bodyPr/>
-          <a:lstStyle/>
-          <a:p>
-            <a:r>
-              <a:rPr lang="en-US" dirty="0" err="1"/>
-              <a:t>c</a:t>
-            </a:r>
-            <a:r>
-              <a:rPr lang="en-US" dirty="0" err="1" smtClean="0"/>
-              <a:t>hmod</a:t>
-            </a:r>
-            <a:r>
-              <a:rPr lang="en-US" dirty="0" smtClean="0"/>
-              <a:t>: permissions</a:t>
-            </a:r>
-            <a:endParaRPr lang="en-US" dirty="0"/>
-          </a:p>
-        </p:txBody>
-      </p:sp>
-      <p:sp>
-        <p:nvSpPr>
-          <p:cNvPr id="3" name="Content Placeholder 2"/>
-          <p:cNvSpPr>
-            <a:spLocks noGrp="1"/>
-          </p:cNvSpPr>
-          <p:nvPr>
-            <p:ph idx="1"/>
-          </p:nvPr>
-        </p:nvSpPr>
-        <p:spPr/>
-        <p:txBody>
-          <a:bodyPr/>
-          <a:lstStyle/>
-          <a:p>
-            <a:pPr marL="0" indent="0">
-              <a:buNone/>
-            </a:pPr>
-            <a:r>
-              <a:rPr lang="en-US" u="sng" dirty="0" smtClean="0"/>
-              <a:t>U</a:t>
-            </a:r>
-            <a:r>
-              <a:rPr lang="en-US" dirty="0" smtClean="0"/>
-              <a:t>ser, </a:t>
-            </a:r>
-            <a:r>
-              <a:rPr lang="en-US" u="sng" dirty="0" smtClean="0"/>
-              <a:t>G</a:t>
-            </a:r>
-            <a:r>
-              <a:rPr lang="en-US" dirty="0" smtClean="0"/>
-              <a:t>roup, </a:t>
-            </a:r>
-            <a:r>
-              <a:rPr lang="en-US" u="sng" dirty="0" smtClean="0"/>
-              <a:t>O</a:t>
-            </a:r>
-            <a:r>
-              <a:rPr lang="en-US" dirty="0" smtClean="0"/>
-              <a:t>thers</a:t>
-            </a:r>
-          </a:p>
-          <a:p>
-            <a:pPr marL="0" indent="0">
-              <a:buNone/>
-            </a:pPr>
-            <a:r>
-              <a:rPr lang="en-US" dirty="0" smtClean="0"/>
-              <a:t>Can use ‘octal’ but it’s unintuitive!</a:t>
-            </a:r>
-          </a:p>
-          <a:p>
-            <a:pPr marL="0" indent="0">
-              <a:buNone/>
-            </a:pPr>
-            <a:r>
-              <a:rPr lang="en-US" dirty="0" smtClean="0"/>
-              <a:t>777? 755? 765? 000?</a:t>
-            </a:r>
-          </a:p>
-          <a:p>
-            <a:pPr marL="0" indent="0">
-              <a:buNone/>
-            </a:pPr>
-            <a:endParaRPr lang="en-US" dirty="0" smtClean="0"/>
-          </a:p>
-          <a:p>
-            <a:pPr marL="0" indent="0">
-              <a:buNone/>
-            </a:pPr>
-            <a:r>
-              <a:rPr lang="en-US" dirty="0" smtClean="0"/>
-              <a:t>Example:</a:t>
-            </a:r>
-          </a:p>
-          <a:p>
-            <a:pPr marL="0" indent="0">
-              <a:buNone/>
-            </a:pPr>
-            <a:r>
-              <a:rPr lang="en-US" dirty="0" smtClean="0"/>
-              <a:t>#give me read and write access, everyone else only read access</a:t>
-            </a:r>
-          </a:p>
-          <a:p>
-            <a:pPr marL="0" indent="0">
-              <a:buNone/>
-            </a:pPr>
-            <a:r>
-              <a:rPr lang="en-US" dirty="0" smtClean="0"/>
-              <a:t>$ </a:t>
-            </a:r>
-            <a:r>
-              <a:rPr lang="en-US" dirty="0" err="1"/>
-              <a:t>chmod</a:t>
-            </a:r>
-            <a:r>
-              <a:rPr lang="en-US" dirty="0"/>
-              <a:t> u=</a:t>
-            </a:r>
-            <a:r>
-              <a:rPr lang="en-US" dirty="0" err="1"/>
-              <a:t>rw,go</a:t>
-            </a:r>
-            <a:r>
-              <a:rPr lang="en-US" dirty="0"/>
-              <a:t>=r </a:t>
-            </a:r>
-            <a:r>
-              <a:rPr lang="en-US" dirty="0" smtClean="0"/>
-              <a:t>file.txt</a:t>
-            </a:r>
-          </a:p>
-          <a:p>
-            <a:pPr marL="0" indent="0">
-              <a:buNone/>
-            </a:pPr>
-            <a:endParaRPr lang="en-US" dirty="0"/>
-          </a:p>
-        </p:txBody>
-      </p:sp>
-    </p:spTree>
-    <p:extLst>
-      <p:ext uri="{BB962C8B-B14F-4D97-AF65-F5344CB8AC3E}">
-        <p14:creationId xmlns:p14="http://schemas.microsoft.com/office/powerpoint/2010/main" val="3024930401"/>
-      </p:ext>
-    </p:extLst>
-  </p:cSld>
-  <p:clrMapOvr>
-    <a:masterClrMapping/>
-  </p:clrMapOvr>
 </p:sld>
 </file>
 
@@ -10223,6 +10238,194 @@
           <a:lstStyle/>
           <a:p>
             <a:r>
+              <a:rPr lang="en-US" dirty="0" err="1"/>
+              <a:t>c</a:t>
+            </a:r>
+            <a:r>
+              <a:rPr lang="en-US" dirty="0" err="1" smtClean="0"/>
+              <a:t>hmod</a:t>
+            </a:r>
+            <a:r>
+              <a:rPr lang="en-US" dirty="0" smtClean="0"/>
+              <a:t>: permissions</a:t>
+            </a:r>
+            <a:endParaRPr lang="en-US" dirty="0"/>
+          </a:p>
+        </p:txBody>
+      </p:sp>
+      <p:sp>
+        <p:nvSpPr>
+          <p:cNvPr id="3" name="Content Placeholder 2"/>
+          <p:cNvSpPr>
+            <a:spLocks noGrp="1"/>
+          </p:cNvSpPr>
+          <p:nvPr>
+            <p:ph idx="1"/>
+          </p:nvPr>
+        </p:nvSpPr>
+        <p:spPr/>
+        <p:txBody>
+          <a:bodyPr/>
+          <a:lstStyle/>
+          <a:p>
+            <a:pPr marL="0" indent="0">
+              <a:buNone/>
+            </a:pPr>
+            <a:r>
+              <a:rPr lang="en-US" u="sng" dirty="0" smtClean="0"/>
+              <a:t>U</a:t>
+            </a:r>
+            <a:r>
+              <a:rPr lang="en-US" dirty="0" smtClean="0"/>
+              <a:t>ser, </a:t>
+            </a:r>
+            <a:r>
+              <a:rPr lang="en-US" u="sng" dirty="0" smtClean="0"/>
+              <a:t>G</a:t>
+            </a:r>
+            <a:r>
+              <a:rPr lang="en-US" dirty="0" smtClean="0"/>
+              <a:t>roup, </a:t>
+            </a:r>
+            <a:r>
+              <a:rPr lang="en-US" u="sng" dirty="0" smtClean="0"/>
+              <a:t>O</a:t>
+            </a:r>
+            <a:r>
+              <a:rPr lang="en-US" dirty="0" smtClean="0"/>
+              <a:t>thers</a:t>
+            </a:r>
+          </a:p>
+          <a:p>
+            <a:pPr marL="0" indent="0">
+              <a:buNone/>
+            </a:pPr>
+            <a:r>
+              <a:rPr lang="en-US" dirty="0" smtClean="0"/>
+              <a:t>Can use ‘octal’ but it’s </a:t>
+            </a:r>
+            <a:r>
+              <a:rPr lang="en-US" dirty="0" smtClean="0"/>
+              <a:t>unintuitive</a:t>
+            </a:r>
+            <a:endParaRPr lang="en-US" dirty="0" smtClean="0"/>
+          </a:p>
+          <a:p>
+            <a:pPr marL="0" indent="0">
+              <a:buNone/>
+            </a:pPr>
+            <a:r>
+              <a:rPr lang="en-US" dirty="0" smtClean="0"/>
+              <a:t>777? 755? 765? 000?</a:t>
+            </a:r>
+          </a:p>
+          <a:p>
+            <a:pPr marL="0" indent="0">
+              <a:buNone/>
+            </a:pPr>
+            <a:endParaRPr lang="en-US" dirty="0" smtClean="0"/>
+          </a:p>
+          <a:p>
+            <a:pPr marL="0" indent="0">
+              <a:buNone/>
+            </a:pPr>
+            <a:r>
+              <a:rPr lang="en-US" dirty="0" smtClean="0"/>
+              <a:t>Example:</a:t>
+            </a:r>
+          </a:p>
+          <a:p>
+            <a:pPr marL="0" indent="0">
+              <a:buNone/>
+            </a:pPr>
+            <a:r>
+              <a:rPr lang="en-US" dirty="0" smtClean="0"/>
+              <a:t>#give me read and write access, everyone else only read access</a:t>
+            </a:r>
+          </a:p>
+          <a:p>
+            <a:pPr marL="0" indent="0">
+              <a:buNone/>
+            </a:pPr>
+            <a:r>
+              <a:rPr lang="en-US" dirty="0" smtClean="0"/>
+              <a:t>$ </a:t>
+            </a:r>
+            <a:r>
+              <a:rPr lang="en-US" dirty="0" err="1"/>
+              <a:t>chmod</a:t>
+            </a:r>
+            <a:r>
+              <a:rPr lang="en-US" dirty="0"/>
+              <a:t> u=</a:t>
+            </a:r>
+            <a:r>
+              <a:rPr lang="en-US" dirty="0" err="1"/>
+              <a:t>rw,go</a:t>
+            </a:r>
+            <a:r>
+              <a:rPr lang="en-US" dirty="0"/>
+              <a:t>=r </a:t>
+            </a:r>
+            <a:r>
+              <a:rPr lang="en-US" dirty="0" smtClean="0"/>
+              <a:t>file.txt</a:t>
+            </a:r>
+          </a:p>
+          <a:p>
+            <a:pPr marL="0" indent="0">
+              <a:buNone/>
+            </a:pPr>
+            <a:endParaRPr lang="en-US" dirty="0"/>
+          </a:p>
+        </p:txBody>
+      </p:sp>
+    </p:spTree>
+    <p:extLst>
+      <p:ext uri="{BB962C8B-B14F-4D97-AF65-F5344CB8AC3E}">
+        <p14:creationId xmlns:p14="http://schemas.microsoft.com/office/powerpoint/2010/main" val="3024930401"/>
+      </p:ext>
+    </p:extLst>
+  </p:cSld>
+  <p:clrMapOvr>
+    <a:masterClrMapping/>
+  </p:clrMapOvr>
+</p:sld>
+</file>
+
+<file path=ppt/slides/slide21.xml><?xml version="1.0" encoding="utf-8"?>
+<p:sld xmlns:a="http://schemas.openxmlformats.org/drawingml/2006/main" xmlns:r="http://schemas.openxmlformats.org/officeDocument/2006/relationships" xmlns:p="http://schemas.openxmlformats.org/presentationml/2006/main">
+  <p:cSld>
+    <p:spTree>
+      <p:nvGrpSpPr>
+        <p:cNvPr id="1" name=""/>
+        <p:cNvGrpSpPr/>
+        <p:nvPr/>
+      </p:nvGrpSpPr>
+      <p:grpSpPr>
+        <a:xfrm>
+          <a:off x="0" y="0"/>
+          <a:ext cx="0" cy="0"/>
+          <a:chOff x="0" y="0"/>
+          <a:chExt cx="0" cy="0"/>
+        </a:xfrm>
+      </p:grpSpPr>
+      <p:sp>
+        <p:nvSpPr>
+          <p:cNvPr id="2" name="Title 1"/>
+          <p:cNvSpPr>
+            <a:spLocks noGrp="1"/>
+          </p:cNvSpPr>
+          <p:nvPr>
+            <p:ph type="title"/>
+          </p:nvPr>
+        </p:nvSpPr>
+        <p:spPr/>
+        <p:txBody>
+          <a:bodyPr/>
+          <a:lstStyle/>
+          <a:p>
+            <a:r>
               <a:rPr lang="en-US" dirty="0" smtClean="0"/>
               <a:t>Getting Around</a:t>
             </a:r>
@@ -10356,7 +10559,7 @@
 </p:sld>
 </file>
 
-<file path=ppt/slides/slide21.xml><?xml version="1.0" encoding="utf-8"?>
+<file path=ppt/slides/slide22.xml><?xml version="1.0" encoding="utf-8"?>
 <p:sld xmlns:a="http://schemas.openxmlformats.org/drawingml/2006/main" xmlns:r="http://schemas.openxmlformats.org/officeDocument/2006/relationships" xmlns:p="http://schemas.openxmlformats.org/presentationml/2006/main">
   <p:cSld>
     <p:spTree>
@@ -10682,7 +10885,7 @@
 </p:sld>
 </file>
 
-<file path=ppt/slides/slide22.xml><?xml version="1.0" encoding="utf-8"?>
+<file path=ppt/slides/slide23.xml><?xml version="1.0" encoding="utf-8"?>
 <p:sld xmlns:a="http://schemas.openxmlformats.org/drawingml/2006/main" xmlns:r="http://schemas.openxmlformats.org/officeDocument/2006/relationships" xmlns:p="http://schemas.openxmlformats.org/presentationml/2006/main">
   <p:cSld>
     <p:spTree>
@@ -10841,183 +11044,6 @@
 </p:sld>
 </file>
 
-<file path=ppt/slides/slide23.xml><?xml version="1.0" encoding="utf-8"?>
-<p:sld xmlns:a="http://schemas.openxmlformats.org/drawingml/2006/main" xmlns:r="http://schemas.openxmlformats.org/officeDocument/2006/relationships" xmlns:p="http://schemas.openxmlformats.org/presentationml/2006/main">
-  <p:cSld>
-    <p:spTree>
-      <p:nvGrpSpPr>
-        <p:cNvPr id="1" name=""/>
-        <p:cNvGrpSpPr/>
-        <p:nvPr/>
-      </p:nvGrpSpPr>
-      <p:grpSpPr>
-        <a:xfrm>
-          <a:off x="0" y="0"/>
-          <a:ext cx="0" cy="0"/>
-          <a:chOff x="0" y="0"/>
-          <a:chExt cx="0" cy="0"/>
-        </a:xfrm>
-      </p:grpSpPr>
-      <p:sp>
-        <p:nvSpPr>
-          <p:cNvPr id="2" name="Title 1"/>
-          <p:cNvSpPr>
-            <a:spLocks noGrp="1"/>
-          </p:cNvSpPr>
-          <p:nvPr>
-            <p:ph type="title"/>
-          </p:nvPr>
-        </p:nvSpPr>
-        <p:spPr/>
-        <p:txBody>
-          <a:bodyPr/>
-          <a:lstStyle/>
-          <a:p>
-            <a:r>
-              <a:rPr lang="en-US" dirty="0" smtClean="0"/>
-              <a:t>Moving &amp; Copying Files</a:t>
-            </a:r>
-            <a:endParaRPr lang="en-US" dirty="0"/>
-          </a:p>
-        </p:txBody>
-      </p:sp>
-      <p:sp>
-        <p:nvSpPr>
-          <p:cNvPr id="3" name="Content Placeholder 2"/>
-          <p:cNvSpPr>
-            <a:spLocks noGrp="1"/>
-          </p:cNvSpPr>
-          <p:nvPr>
-            <p:ph idx="1"/>
-          </p:nvPr>
-        </p:nvSpPr>
-        <p:spPr>
-          <a:xfrm>
-            <a:off x="840000" y="1848485"/>
-            <a:ext cx="7675350" cy="4351338"/>
-          </a:xfrm>
-        </p:spPr>
-        <p:txBody>
-          <a:bodyPr/>
-          <a:lstStyle/>
-          <a:p>
-            <a:r>
-              <a:rPr lang="en-US" dirty="0" smtClean="0"/>
-              <a:t>Copy a file</a:t>
-            </a:r>
-          </a:p>
-          <a:p>
-            <a:pPr marL="0" indent="0">
-              <a:buNone/>
-            </a:pPr>
-            <a:r>
-              <a:rPr lang="en-US" dirty="0" smtClean="0"/>
-              <a:t>$ </a:t>
-            </a:r>
-            <a:r>
-              <a:rPr lang="en-US" dirty="0" err="1" smtClean="0"/>
-              <a:t>cp</a:t>
-            </a:r>
-            <a:r>
-              <a:rPr lang="en-US" dirty="0" smtClean="0"/>
-              <a:t> </a:t>
-            </a:r>
-            <a:r>
-              <a:rPr lang="en-US" dirty="0"/>
-              <a:t>file.txt </a:t>
-            </a:r>
-            <a:r>
-              <a:rPr lang="en-US" dirty="0" smtClean="0"/>
-              <a:t>new_file.txt</a:t>
-            </a:r>
-          </a:p>
-          <a:p>
-            <a:pPr marL="0" indent="0">
-              <a:buNone/>
-            </a:pPr>
-            <a:endParaRPr lang="en-US" dirty="0" smtClean="0"/>
-          </a:p>
-          <a:p>
-            <a:r>
-              <a:rPr lang="en-US" dirty="0" smtClean="0"/>
-              <a:t>Moving and renaming is the same thing!</a:t>
-            </a:r>
-          </a:p>
-          <a:p>
-            <a:pPr marL="0" indent="0">
-              <a:buNone/>
-            </a:pPr>
-            <a:r>
-              <a:rPr lang="en-US" dirty="0" smtClean="0"/>
-              <a:t>$ mv new_file.txt </a:t>
-            </a:r>
-            <a:r>
-              <a:rPr lang="en-US" dirty="0" err="1" smtClean="0"/>
-              <a:t>another_new_file</a:t>
-            </a:r>
-            <a:endParaRPr lang="en-US" dirty="0" smtClean="0"/>
-          </a:p>
-          <a:p>
-            <a:pPr marL="0" indent="0">
-              <a:buNone/>
-            </a:pPr>
-            <a:endParaRPr lang="en-US" dirty="0" smtClean="0"/>
-          </a:p>
-          <a:p>
-            <a:r>
-              <a:rPr lang="en-US" dirty="0" smtClean="0"/>
-              <a:t>Making a directory</a:t>
-            </a:r>
-          </a:p>
-          <a:p>
-            <a:pPr marL="0" indent="0">
-              <a:buNone/>
-            </a:pPr>
-            <a:r>
-              <a:rPr lang="en-US" dirty="0" smtClean="0"/>
-              <a:t>$ </a:t>
-            </a:r>
-            <a:r>
-              <a:rPr lang="en-US" dirty="0" err="1" smtClean="0"/>
-              <a:t>mkdir</a:t>
-            </a:r>
-            <a:r>
-              <a:rPr lang="en-US" dirty="0" smtClean="0"/>
-              <a:t> </a:t>
-            </a:r>
-            <a:r>
-              <a:rPr lang="en-US" dirty="0" err="1" smtClean="0"/>
-              <a:t>my_new_dir</a:t>
-            </a:r>
-            <a:endParaRPr lang="en-US" dirty="0" smtClean="0"/>
-          </a:p>
-          <a:p>
-            <a:pPr marL="0" indent="0">
-              <a:buNone/>
-            </a:pPr>
-            <a:endParaRPr lang="en-US" dirty="0" smtClean="0"/>
-          </a:p>
-          <a:p>
-            <a:pPr marL="0" indent="0">
-              <a:buNone/>
-            </a:pPr>
-            <a:endParaRPr lang="en-US" dirty="0"/>
-          </a:p>
-        </p:txBody>
-      </p:sp>
-    </p:spTree>
-    <p:extLst>
-      <p:ext uri="{BB962C8B-B14F-4D97-AF65-F5344CB8AC3E}">
-        <p14:creationId xmlns:p14="http://schemas.microsoft.com/office/powerpoint/2010/main" val="2077864274"/>
-      </p:ext>
-    </p:extLst>
-  </p:cSld>
-  <p:clrMapOvr>
-    <a:masterClrMapping/>
-  </p:clrMapOvr>
-</p:sld>
-</file>
-
 <file path=ppt/slides/slide24.xml><?xml version="1.0" encoding="utf-8"?>
 <p:sld xmlns:a="http://schemas.openxmlformats.org/drawingml/2006/main" xmlns:r="http://schemas.openxmlformats.org/officeDocument/2006/relationships" xmlns:p="http://schemas.openxmlformats.org/presentationml/2006/main">
   <p:cSld>
@@ -11052,7 +11078,7 @@
           <a:p>
             <a:r>
               <a:rPr lang="en-US" dirty="0" smtClean="0"/>
-              <a:t>Viewing Files: cat, head and tail</a:t>
+              <a:t>Moving &amp; Copying Files</a:t>
             </a:r>
             <a:endParaRPr lang="en-US" dirty="0"/>
           </a:p>
@@ -11068,52 +11094,44 @@
             <p:ph idx="1"/>
           </p:nvPr>
         </p:nvSpPr>
-        <p:spPr/>
+        <p:spPr>
+          <a:xfrm>
+            <a:off x="840000" y="1848485"/>
+            <a:ext cx="7675350" cy="4351338"/>
+          </a:xfrm>
+        </p:spPr>
         <p:txBody>
           <a:bodyPr/>
           <a:lstStyle/>
           <a:p>
-            <a:pPr marL="0" indent="0">
-              <a:buNone/>
-            </a:pPr>
-            <a:r>
-              <a:rPr lang="en-US" dirty="0" smtClean="0"/>
-              <a:t>#spit out the WHOLE file</a:t>
-            </a:r>
-          </a:p>
-          <a:p>
-            <a:pPr marL="0" indent="0">
-              <a:buNone/>
-            </a:pPr>
-            <a:r>
-              <a:rPr lang="en-US" dirty="0" smtClean="0"/>
-              <a:t>$ cat </a:t>
+            <a:r>
+              <a:rPr lang="en-US" dirty="0" smtClean="0"/>
+              <a:t>Copy a file</a:t>
+            </a:r>
+          </a:p>
+          <a:p>
+            <a:pPr marL="0" indent="0">
+              <a:buNone/>
+            </a:pPr>
+            <a:r>
+              <a:rPr lang="en-US" dirty="0" smtClean="0"/>
+              <a:t>$ </a:t>
+            </a:r>
+            <a:r>
+              <a:rPr lang="en-US" dirty="0" err="1" smtClean="0"/>
+              <a:t>cp</a:t>
+            </a:r>
+            <a:r>
+              <a:rPr lang="en-US" dirty="0" smtClean="0"/>
+              <a:t> </a:t>
             </a:r>
             <a:r>
               <a:rPr lang="en-US" dirty="0"/>
               <a:t>file.txt </a:t>
             </a:r>
-          </a:p>
-          <a:p>
-            <a:pPr marL="0" indent="0">
-              <a:buNone/>
-            </a:pPr>
-            <a:r>
-              <a:rPr lang="en-US" dirty="0"/>
-              <a:t>this is a file!</a:t>
-            </a:r>
-          </a:p>
-          <a:p>
-            <a:pPr marL="0" indent="0">
-              <a:buNone/>
-            </a:pPr>
-            <a:r>
-              <a:rPr lang="en-US" dirty="0"/>
-              <a:t>it contains two lines of text</a:t>
-            </a:r>
-            <a:r>
-              <a:rPr lang="en-US" dirty="0" smtClean="0"/>
-              <a:t>.</a:t>
+            <a:r>
+              <a:rPr lang="en-US" dirty="0" smtClean="0"/>
+              <a:t>new_file.txt</a:t>
             </a:r>
           </a:p>
           <a:p>
@@ -11123,16 +11141,22 @@
             <a:endParaRPr lang="en-US" dirty="0" smtClean="0"/>
           </a:p>
           <a:p>
-            <a:pPr marL="0" indent="0">
-              <a:buNone/>
-            </a:pPr>
-            <a:r>
-              <a:rPr lang="en-US" dirty="0" smtClean="0"/>
-              <a:t>$ cat </a:t>
-            </a:r>
-            <a:r>
-              <a:rPr lang="en-US" dirty="0"/>
-              <a:t>file2.txt </a:t>
+            <a:r>
+              <a:rPr lang="en-US" dirty="0" smtClean="0"/>
+              <a:t>Moving and renaming is the same thing!</a:t>
+            </a:r>
+          </a:p>
+          <a:p>
+            <a:pPr marL="0" indent="0">
+              <a:buNone/>
+            </a:pPr>
+            <a:r>
+              <a:rPr lang="en-US" dirty="0" smtClean="0"/>
+              <a:t>$ mv new_file.txt </a:t>
+            </a:r>
+            <a:r>
+              <a:rPr lang="en-US" dirty="0" err="1" smtClean="0"/>
+              <a:t>another_new_file</a:t>
             </a:r>
             <a:endParaRPr lang="en-US" dirty="0" smtClean="0"/>
           </a:p>
@@ -11140,44 +11164,60 @@
             <a:pPr marL="0" indent="0">
               <a:buNone/>
             </a:pPr>
-            <a:r>
-              <a:rPr lang="en-US" dirty="0" smtClean="0"/>
-              <a:t>this </a:t>
-            </a:r>
-            <a:r>
-              <a:rPr lang="en-US" dirty="0"/>
-              <a:t>is another file</a:t>
-            </a:r>
-            <a:r>
-              <a:rPr lang="en-US" dirty="0" smtClean="0"/>
-              <a:t>.</a:t>
-            </a:r>
-          </a:p>
-          <a:p>
-            <a:pPr marL="0" indent="0">
-              <a:buNone/>
-            </a:pPr>
             <a:endParaRPr lang="en-US" dirty="0" smtClean="0"/>
+          </a:p>
+          <a:p>
+            <a:r>
+              <a:rPr lang="en-US" dirty="0" smtClean="0"/>
+              <a:t>Making a directory</a:t>
+            </a:r>
+          </a:p>
+          <a:p>
+            <a:pPr marL="0" indent="0">
+              <a:buNone/>
+            </a:pPr>
+            <a:r>
+              <a:rPr lang="en-US" dirty="0" smtClean="0"/>
+              <a:t>$ </a:t>
+            </a:r>
+            <a:r>
+              <a:rPr lang="en-US" dirty="0" err="1" smtClean="0"/>
+              <a:t>mkdir</a:t>
+            </a:r>
+            <a:r>
+              <a:rPr lang="en-US" dirty="0" smtClean="0"/>
+              <a:t> </a:t>
+            </a:r>
+            <a:r>
+              <a:rPr lang="en-US" dirty="0" err="1" smtClean="0"/>
+              <a:t>my_new_dir</a:t>
+            </a:r>
+            <a:endParaRPr lang="en-US" dirty="0" smtClean="0"/>
+          </a:p>
+          <a:p>
+            <a:pPr marL="0" indent="0">
+              <a:buNone/>
+            </a:pPr>
+            <a:endParaRPr lang="en-US" dirty="0" smtClean="0"/>
+          </a:p>
+          <a:p>
+            <a:pPr marL="0" indent="0">
+              <a:buNone/>
+            </a:pPr>
+            <a:endParaRPr lang="en-US" dirty="0"/>
           </a:p>
         </p:txBody>
       </p:sp>
     </p:spTree>
     <p:extLst>
       <p:ext uri="{BB962C8B-B14F-4D97-AF65-F5344CB8AC3E}">
-        <p14:creationId xmlns:p14="http://schemas.microsoft.com/office/powerpoint/2010/main" val="3238301181"/>
+        <p14:creationId xmlns:p14="http://schemas.microsoft.com/office/powerpoint/2010/main" val="2077864274"/>
       </p:ext>
     </p:extLst>
   </p:cSld>
   <p:clrMapOvr>
     <a:masterClrMapping/>
   </p:clrMapOvr>
-  <p:timing>
-    <p:tnLst>
-      <p:par>
-        <p:cTn id="1" dur="indefinite" restart="never" nodeType="tmRoot"/>
-      </p:par>
-    </p:tnLst>
-  </p:timing>
 </p:sld>
 </file>
 
@@ -11215,7 +11255,7 @@
           <a:p>
             <a:r>
               <a:rPr lang="en-US" dirty="0" smtClean="0"/>
-              <a:t>Viewing Files: cat, head and tail</a:t>
+              <a:t>Linking</a:t>
             </a:r>
             <a:endParaRPr lang="en-US" dirty="0"/>
           </a:p>
@@ -11241,90 +11281,55 @@
             </a:pPr>
             <a:r>
               <a:rPr lang="en-US" dirty="0" smtClean="0"/>
-              <a:t>#spit out the first 10 lines of file</a:t>
-            </a:r>
-          </a:p>
-          <a:p>
-            <a:pPr marL="0" indent="0">
-              <a:buNone/>
-            </a:pPr>
-            <a:r>
-              <a:rPr lang="en-US" dirty="0" smtClean="0"/>
-              <a:t>$ head </a:t>
-            </a:r>
-            <a:r>
-              <a:rPr lang="en-US" dirty="0"/>
-              <a:t>file.txt </a:t>
-            </a:r>
-          </a:p>
-          <a:p>
-            <a:pPr marL="0" indent="0">
-              <a:buNone/>
-            </a:pPr>
-            <a:r>
-              <a:rPr lang="en-US" dirty="0"/>
-              <a:t>this is a file!</a:t>
-            </a:r>
-          </a:p>
-          <a:p>
-            <a:pPr marL="0" indent="0">
-              <a:buNone/>
-            </a:pPr>
-            <a:r>
-              <a:rPr lang="en-US" dirty="0"/>
-              <a:t>it contains two lines of text</a:t>
-            </a:r>
-            <a:r>
-              <a:rPr lang="en-US" dirty="0" smtClean="0"/>
-              <a:t>.</a:t>
-            </a:r>
-          </a:p>
-          <a:p>
-            <a:pPr marL="0" indent="0">
-              <a:buNone/>
-            </a:pPr>
+              <a:t>Shortcuts to files</a:t>
+            </a:r>
+          </a:p>
+          <a:p>
+            <a:pPr marL="0" indent="0">
+              <a:buNone/>
+            </a:pPr>
+            <a:r>
+              <a:rPr lang="en-US" dirty="0" smtClean="0"/>
+              <a:t>Great alternative to copying large files</a:t>
+            </a:r>
+          </a:p>
+          <a:p>
+            <a:pPr marL="0" indent="0">
+              <a:buNone/>
+            </a:pPr>
+            <a:endParaRPr lang="en-US" dirty="0"/>
+          </a:p>
+          <a:p>
+            <a:pPr marL="0" indent="0">
+              <a:buNone/>
+            </a:pPr>
+            <a:r>
+              <a:rPr lang="en-US" dirty="0" err="1" smtClean="0"/>
+              <a:t>ln</a:t>
+            </a:r>
             <a:endParaRPr lang="en-US" dirty="0" smtClean="0"/>
           </a:p>
           <a:p>
             <a:pPr marL="0" indent="0">
               <a:buNone/>
             </a:pPr>
-            <a:r>
-              <a:rPr lang="en-US" dirty="0" smtClean="0"/>
-              <a:t>#try this!</a:t>
-            </a:r>
-          </a:p>
-          <a:p>
-            <a:pPr marL="0" indent="0">
-              <a:buNone/>
-            </a:pPr>
-            <a:r>
-              <a:rPr lang="en-US" dirty="0" smtClean="0"/>
-              <a:t>$ head sample_2.fastq</a:t>
-            </a:r>
-          </a:p>
-          <a:p>
-            <a:pPr marL="0" indent="0">
-              <a:buNone/>
-            </a:pPr>
-            <a:endParaRPr lang="en-US" dirty="0"/>
-          </a:p>
-          <a:p>
-            <a:pPr marL="0" indent="0">
-              <a:buNone/>
-            </a:pPr>
-            <a:r>
-              <a:rPr lang="en-US" dirty="0" smtClean="0"/>
-              <a:t>#first N lines</a:t>
-            </a:r>
-          </a:p>
-          <a:p>
-            <a:pPr marL="0" indent="0">
-              <a:buNone/>
-            </a:pPr>
-            <a:r>
-              <a:rPr lang="en-US" dirty="0" smtClean="0"/>
-              <a:t>$ head –n 100 sample4.fastq</a:t>
+            <a:endParaRPr lang="en-US" dirty="0"/>
+          </a:p>
+          <a:p>
+            <a:pPr marL="0" indent="0">
+              <a:buNone/>
+            </a:pPr>
+            <a:r>
+              <a:rPr lang="en-US" dirty="0" smtClean="0"/>
+              <a:t>$ </a:t>
+            </a:r>
+            <a:r>
+              <a:rPr lang="en-US" dirty="0" err="1" smtClean="0"/>
+              <a:t>ln</a:t>
+            </a:r>
+            <a:r>
+              <a:rPr lang="en-US" dirty="0" smtClean="0"/>
+              <a:t> –s /path/to/big.txt free_copy.txt</a:t>
             </a:r>
           </a:p>
         </p:txBody>
@@ -11332,20 +11337,13 @@
     </p:spTree>
     <p:extLst>
       <p:ext uri="{BB962C8B-B14F-4D97-AF65-F5344CB8AC3E}">
-        <p14:creationId xmlns:p14="http://schemas.microsoft.com/office/powerpoint/2010/main" val="2608552231"/>
+        <p14:creationId xmlns:p14="http://schemas.microsoft.com/office/powerpoint/2010/main" val="3911779421"/>
       </p:ext>
     </p:extLst>
   </p:cSld>
   <p:clrMapOvr>
     <a:masterClrMapping/>
   </p:clrMapOvr>
-  <p:timing>
-    <p:tnLst>
-      <p:par>
-        <p:cTn id="1" dur="indefinite" restart="never" nodeType="tmRoot"/>
-      </p:par>
-    </p:tnLst>
-  </p:timing>
 </p:sld>
 </file>
 
@@ -11409,63 +11407,93 @@
             </a:pPr>
             <a:r>
               <a:rPr lang="en-US" dirty="0" smtClean="0"/>
-              <a:t>#spit out the last 10 lines</a:t>
-            </a:r>
-          </a:p>
-          <a:p>
-            <a:pPr marL="0" indent="0">
-              <a:buNone/>
-            </a:pPr>
+              <a:t>#spit out the WHOLE file</a:t>
+            </a:r>
+          </a:p>
+          <a:p>
+            <a:pPr marL="0" indent="0">
+              <a:buNone/>
+            </a:pPr>
+            <a:r>
+              <a:rPr lang="en-US" dirty="0" smtClean="0"/>
+              <a:t>$ cat </a:t>
+            </a:r>
             <a:r>
               <a:rPr lang="en-US" dirty="0"/>
-              <a:t>#try this!</a:t>
-            </a:r>
-          </a:p>
-          <a:p>
-            <a:pPr marL="0" indent="0">
-              <a:buNone/>
-            </a:pPr>
-            <a:r>
-              <a:rPr lang="en-US" dirty="0" smtClean="0"/>
-              <a:t>tail sample_2.fastq</a:t>
-            </a:r>
-            <a:endParaRPr lang="en-US" dirty="0"/>
-          </a:p>
-          <a:p>
-            <a:pPr marL="0" indent="0">
-              <a:buNone/>
-            </a:pPr>
-            <a:endParaRPr lang="en-US" dirty="0"/>
-          </a:p>
-          <a:p>
-            <a:pPr marL="0" indent="0">
-              <a:buNone/>
-            </a:pPr>
-            <a:r>
-              <a:rPr lang="en-US" dirty="0" smtClean="0"/>
-              <a:t>#last N </a:t>
-            </a:r>
+              <a:t>file.txt </a:t>
+            </a:r>
+          </a:p>
+          <a:p>
+            <a:pPr marL="0" indent="0">
+              <a:buNone/>
+            </a:pPr>
             <a:r>
               <a:rPr lang="en-US" dirty="0"/>
-              <a:t>lines</a:t>
-            </a:r>
-          </a:p>
-          <a:p>
-            <a:pPr marL="0" indent="0">
-              <a:buNone/>
-            </a:pPr>
-            <a:r>
-              <a:rPr lang="en-US" dirty="0" smtClean="0"/>
-              <a:t>tail –n 50 sample_2.fastq</a:t>
-            </a:r>
-            <a:endParaRPr lang="en-US" dirty="0"/>
+              <a:t>this is a file!</a:t>
+            </a:r>
+          </a:p>
+          <a:p>
+            <a:pPr marL="0" indent="0">
+              <a:buNone/>
+            </a:pPr>
+            <a:r>
+              <a:rPr lang="en-US" dirty="0"/>
+              <a:t>it contains two lines of text</a:t>
+            </a:r>
+            <a:r>
+              <a:rPr lang="en-US" dirty="0" smtClean="0"/>
+              <a:t>.</a:t>
+            </a:r>
+          </a:p>
+          <a:p>
+            <a:pPr marL="0" indent="0">
+              <a:buNone/>
+            </a:pPr>
+            <a:endParaRPr lang="en-US" dirty="0" smtClean="0"/>
+          </a:p>
+          <a:p>
+            <a:pPr marL="0" indent="0">
+              <a:buNone/>
+            </a:pPr>
+            <a:r>
+              <a:rPr lang="en-US" dirty="0" smtClean="0"/>
+              <a:t>$ cat </a:t>
+            </a:r>
+            <a:r>
+              <a:rPr lang="en-US" dirty="0"/>
+              <a:t>file2.txt </a:t>
+            </a:r>
+            <a:endParaRPr lang="en-US" dirty="0" smtClean="0"/>
+          </a:p>
+          <a:p>
+            <a:pPr marL="0" indent="0">
+              <a:buNone/>
+            </a:pPr>
+            <a:r>
+              <a:rPr lang="en-US" dirty="0" smtClean="0"/>
+              <a:t>this </a:t>
+            </a:r>
+            <a:r>
+              <a:rPr lang="en-US" dirty="0"/>
+              <a:t>is another file</a:t>
+            </a:r>
+            <a:r>
+              <a:rPr lang="en-US" dirty="0" smtClean="0"/>
+              <a:t>.</a:t>
+            </a:r>
+          </a:p>
+          <a:p>
+            <a:pPr marL="0" indent="0">
+              <a:buNone/>
+            </a:pPr>
+            <a:endParaRPr lang="en-US" dirty="0" smtClean="0"/>
           </a:p>
         </p:txBody>
       </p:sp>
     </p:spTree>
     <p:extLst>
       <p:ext uri="{BB962C8B-B14F-4D97-AF65-F5344CB8AC3E}">
-        <p14:creationId xmlns:p14="http://schemas.microsoft.com/office/powerpoint/2010/main" val="1919357496"/>
+        <p14:creationId xmlns:p14="http://schemas.microsoft.com/office/powerpoint/2010/main" val="3238301181"/>
       </p:ext>
     </p:extLst>
   </p:cSld>
@@ -11516,7 +11544,7 @@
           <a:p>
             <a:r>
               <a:rPr lang="en-US" dirty="0" smtClean="0"/>
-              <a:t>less is more</a:t>
+              <a:t>Viewing Files: cat, head and tail</a:t>
             </a:r>
             <a:endParaRPr lang="en-US" dirty="0"/>
           </a:p>
@@ -11541,25 +11569,43 @@
               <a:buNone/>
             </a:pPr>
             <a:r>
+              <a:rPr lang="en-US" dirty="0" smtClean="0"/>
+              <a:t>#spit out the first 10 lines of file</a:t>
+            </a:r>
+          </a:p>
+          <a:p>
+            <a:pPr marL="0" indent="0">
+              <a:buNone/>
+            </a:pPr>
+            <a:r>
+              <a:rPr lang="en-US" dirty="0" smtClean="0"/>
+              <a:t>$ head </a:t>
+            </a:r>
+            <a:r>
               <a:rPr lang="en-US" dirty="0"/>
-              <a:t>#interactive file viewing</a:t>
-            </a:r>
-          </a:p>
-          <a:p>
-            <a:pPr marL="0" indent="0">
-              <a:buNone/>
-            </a:pPr>
-            <a:r>
-              <a:rPr lang="en-US" dirty="0" smtClean="0"/>
-              <a:t>$ </a:t>
-            </a:r>
+              <a:t>file.txt </a:t>
+            </a:r>
+          </a:p>
+          <a:p>
+            <a:pPr marL="0" indent="0">
+              <a:buNone/>
+            </a:pPr>
             <a:r>
               <a:rPr lang="en-US" dirty="0"/>
-              <a:t>less </a:t>
-            </a:r>
-            <a:r>
-              <a:rPr lang="en-US" dirty="0" smtClean="0"/>
-              <a:t>file.txt</a:t>
+              <a:t>this is a file!</a:t>
+            </a:r>
+          </a:p>
+          <a:p>
+            <a:pPr marL="0" indent="0">
+              <a:buNone/>
+            </a:pPr>
+            <a:r>
+              <a:rPr lang="en-US" dirty="0"/>
+              <a:t>it contains two lines of text</a:t>
+            </a:r>
+            <a:r>
+              <a:rPr lang="en-US" dirty="0" smtClean="0"/>
+              <a:t>.</a:t>
             </a:r>
           </a:p>
           <a:p>
@@ -11574,80 +11620,61 @@
             </a:pPr>
             <a:r>
               <a:rPr lang="en-US" dirty="0" smtClean="0"/>
-              <a:t>arrow keys to navigate</a:t>
-            </a:r>
-          </a:p>
-          <a:p>
-            <a:pPr marL="0" indent="0">
-              <a:buNone/>
-            </a:pPr>
-            <a:r>
-              <a:rPr lang="en-US" dirty="0" smtClean="0"/>
-              <a:t>-S to stop wrapping long lines</a:t>
-            </a:r>
-          </a:p>
-          <a:p>
-            <a:pPr marL="0" indent="0">
-              <a:buNone/>
-            </a:pPr>
-            <a:r>
-              <a:rPr lang="en-US" dirty="0" smtClean="0"/>
-              <a:t>g and G to go to the start/end of file</a:t>
-            </a:r>
-          </a:p>
-          <a:p>
-            <a:pPr marL="0" indent="0">
-              <a:buNone/>
-            </a:pPr>
-            <a:r>
-              <a:rPr lang="en-US" dirty="0" smtClean="0"/>
-              <a:t>% or p 50 </a:t>
-            </a:r>
-            <a:r>
-              <a:rPr lang="en-US" dirty="0" smtClean="0"/>
-              <a:t>to go to the middle of the file</a:t>
-            </a:r>
-          </a:p>
-          <a:p>
-            <a:pPr marL="0" indent="0">
-              <a:buNone/>
-            </a:pPr>
-            <a:r>
-              <a:rPr lang="en-US" dirty="0" smtClean="0"/>
-              <a:t>-R to display escape characters as raw</a:t>
-            </a:r>
-          </a:p>
-          <a:p>
-            <a:pPr marL="0" indent="0">
-              <a:buNone/>
-            </a:pPr>
-            <a:r>
-              <a:rPr lang="en-US" dirty="0" smtClean="0"/>
-              <a:t>q </a:t>
-            </a:r>
-            <a:r>
-              <a:rPr lang="en-US" dirty="0" smtClean="0"/>
-              <a:t>to quit</a:t>
-            </a:r>
-          </a:p>
-          <a:p>
-            <a:pPr marL="0" indent="0">
-              <a:buNone/>
-            </a:pPr>
-            <a:endParaRPr lang="en-US" dirty="0"/>
+              <a:t>#try this!</a:t>
+            </a:r>
+          </a:p>
+          <a:p>
+            <a:pPr marL="0" indent="0">
+              <a:buNone/>
+            </a:pPr>
+            <a:r>
+              <a:rPr lang="en-US" dirty="0" smtClean="0"/>
+              <a:t>$ head sample_2.fastq</a:t>
+            </a:r>
+          </a:p>
+          <a:p>
+            <a:pPr marL="0" indent="0">
+              <a:buNone/>
+            </a:pPr>
+            <a:endParaRPr lang="en-US" dirty="0"/>
+          </a:p>
+          <a:p>
+            <a:pPr marL="0" indent="0">
+              <a:buNone/>
+            </a:pPr>
+            <a:r>
+              <a:rPr lang="en-US" dirty="0" smtClean="0"/>
+              <a:t>#first N lines</a:t>
+            </a:r>
+          </a:p>
+          <a:p>
+            <a:pPr marL="0" indent="0">
+              <a:buNone/>
+            </a:pPr>
+            <a:r>
+              <a:rPr lang="en-US" dirty="0" smtClean="0"/>
+              <a:t>$ head –n 100 sample4.fastq</a:t>
+            </a:r>
           </a:p>
         </p:txBody>
       </p:sp>
     </p:spTree>
     <p:extLst>
       <p:ext uri="{BB962C8B-B14F-4D97-AF65-F5344CB8AC3E}">
-        <p14:creationId xmlns:p14="http://schemas.microsoft.com/office/powerpoint/2010/main" val="2822930211"/>
+        <p14:creationId xmlns:p14="http://schemas.microsoft.com/office/powerpoint/2010/main" val="2608552231"/>
       </p:ext>
     </p:extLst>
   </p:cSld>
   <p:clrMapOvr>
     <a:masterClrMapping/>
   </p:clrMapOvr>
+  <p:timing>
+    <p:tnLst>
+      <p:par>
+        <p:cTn id="1" dur="indefinite" restart="never" nodeType="tmRoot"/>
+      </p:par>
+    </p:tnLst>
+  </p:timing>
 </p:sld>
 </file>
 
@@ -11685,15 +11712,7 @@
           <a:p>
             <a:r>
               <a:rPr lang="en-US" dirty="0" smtClean="0"/>
-              <a:t>Files! </a:t>
-            </a:r>
-            <a:r>
-              <a:rPr lang="en-US" dirty="0" smtClean="0"/>
-              <a:t>Wild*ds</a:t>
-            </a:r>
-            <a:r>
-              <a:rPr lang="en-US" dirty="0" smtClean="0"/>
-              <a:t>!</a:t>
+              <a:t>Viewing Files: cat, head and tail</a:t>
             </a:r>
             <a:endParaRPr lang="en-US" dirty="0"/>
           </a:p>
@@ -11709,12 +11728,7 @@
             <p:ph idx="1"/>
           </p:nvPr>
         </p:nvSpPr>
-        <p:spPr>
-          <a:xfrm>
-            <a:off x="840000" y="1825625"/>
-            <a:ext cx="8227800" cy="4351338"/>
-          </a:xfrm>
-        </p:spPr>
+        <p:spPr/>
         <p:txBody>
           <a:bodyPr/>
           <a:lstStyle/>
@@ -11724,96 +11738,63 @@
             </a:pPr>
             <a:r>
               <a:rPr lang="en-US" dirty="0" smtClean="0"/>
-              <a:t>$ </a:t>
-            </a:r>
+              <a:t>#spit out the last 10 lines</a:t>
+            </a:r>
+          </a:p>
+          <a:p>
+            <a:pPr marL="0" indent="0">
+              <a:buNone/>
+            </a:pPr>
             <a:r>
               <a:rPr lang="en-US" dirty="0"/>
-              <a:t>cat file.txt file2.txt </a:t>
-            </a:r>
-          </a:p>
-          <a:p>
-            <a:pPr marL="0" indent="0">
-              <a:buNone/>
-            </a:pPr>
+              <a:t>#try this!</a:t>
+            </a:r>
+          </a:p>
+          <a:p>
+            <a:pPr marL="0" indent="0">
+              <a:buNone/>
+            </a:pPr>
+            <a:r>
+              <a:rPr lang="en-US" dirty="0" smtClean="0"/>
+              <a:t>tail sample_2.fastq</a:t>
+            </a:r>
+            <a:endParaRPr lang="en-US" dirty="0"/>
+          </a:p>
+          <a:p>
+            <a:pPr marL="0" indent="0">
+              <a:buNone/>
+            </a:pPr>
+            <a:endParaRPr lang="en-US" dirty="0"/>
+          </a:p>
+          <a:p>
+            <a:pPr marL="0" indent="0">
+              <a:buNone/>
+            </a:pPr>
+            <a:r>
+              <a:rPr lang="en-US" dirty="0" smtClean="0"/>
+              <a:t>#last N </a:t>
+            </a:r>
             <a:r>
               <a:rPr lang="en-US" dirty="0"/>
-              <a:t>this is a file!</a:t>
-            </a:r>
-          </a:p>
-          <a:p>
-            <a:pPr marL="0" indent="0">
-              <a:buNone/>
-            </a:pPr>
-            <a:r>
-              <a:rPr lang="en-US" dirty="0"/>
-              <a:t>it contains two lines of text.</a:t>
-            </a:r>
-          </a:p>
-          <a:p>
-            <a:pPr marL="0" indent="0">
-              <a:buNone/>
-            </a:pPr>
-            <a:r>
-              <a:rPr lang="en-US" dirty="0"/>
-              <a:t>this is another file</a:t>
-            </a:r>
-            <a:r>
-              <a:rPr lang="en-US" dirty="0" smtClean="0"/>
-              <a:t>.</a:t>
-            </a:r>
-          </a:p>
-          <a:p>
-            <a:pPr marL="0" indent="0">
-              <a:buNone/>
-            </a:pPr>
-            <a:endParaRPr lang="en-US" dirty="0"/>
-          </a:p>
-          <a:p>
-            <a:pPr marL="0" indent="0">
-              <a:buNone/>
-            </a:pPr>
-            <a:r>
-              <a:rPr lang="en-US" dirty="0" smtClean="0"/>
-              <a:t>$ </a:t>
-            </a:r>
-            <a:r>
-              <a:rPr lang="en-US" dirty="0"/>
-              <a:t>cat file*</a:t>
-            </a:r>
-          </a:p>
-          <a:p>
-            <a:pPr marL="0" indent="0">
-              <a:buNone/>
-            </a:pPr>
-            <a:r>
-              <a:rPr lang="en-US" dirty="0"/>
-              <a:t>this is another file.</a:t>
-            </a:r>
-          </a:p>
-          <a:p>
-            <a:pPr marL="0" indent="0">
-              <a:buNone/>
-            </a:pPr>
-            <a:r>
-              <a:rPr lang="en-US" dirty="0"/>
-              <a:t>this is a file!</a:t>
-            </a:r>
-          </a:p>
-          <a:p>
-            <a:pPr marL="0" indent="0">
-              <a:buNone/>
-            </a:pPr>
-            <a:r>
-              <a:rPr lang="en-US" dirty="0"/>
-              <a:t>it contains two lines of text.</a:t>
-            </a:r>
+              <a:t>lines</a:t>
+            </a:r>
+          </a:p>
+          <a:p>
+            <a:pPr marL="0" indent="0">
+              <a:buNone/>
+            </a:pPr>
+            <a:r>
+              <a:rPr lang="en-US" dirty="0" smtClean="0"/>
+              <a:t>tail –n 50 sample_2.fastq</a:t>
+            </a:r>
+            <a:endParaRPr lang="en-US" dirty="0"/>
           </a:p>
         </p:txBody>
       </p:sp>
     </p:spTree>
     <p:extLst>
       <p:ext uri="{BB962C8B-B14F-4D97-AF65-F5344CB8AC3E}">
-        <p14:creationId xmlns:p14="http://schemas.microsoft.com/office/powerpoint/2010/main" val="3465365028"/>
+        <p14:creationId xmlns:p14="http://schemas.microsoft.com/office/powerpoint/2010/main" val="1919357496"/>
       </p:ext>
     </p:extLst>
   </p:cSld>
@@ -11857,6 +11838,425 @@
             <p:ph type="title"/>
           </p:nvPr>
         </p:nvSpPr>
+        <p:spPr/>
+        <p:txBody>
+          <a:bodyPr/>
+          <a:lstStyle/>
+          <a:p>
+            <a:r>
+              <a:rPr lang="en-US" dirty="0" smtClean="0"/>
+              <a:t>less is more</a:t>
+            </a:r>
+            <a:endParaRPr lang="en-US" dirty="0"/>
+          </a:p>
+        </p:txBody>
+      </p:sp>
+      <p:sp>
+        <p:nvSpPr>
+          <p:cNvPr id="3" name="Content Placeholder 2"/>
+          <p:cNvSpPr>
+            <a:spLocks noGrp="1"/>
+          </p:cNvSpPr>
+          <p:nvPr>
+            <p:ph idx="1"/>
+          </p:nvPr>
+        </p:nvSpPr>
+        <p:spPr/>
+        <p:txBody>
+          <a:bodyPr/>
+          <a:lstStyle/>
+          <a:p>
+            <a:pPr marL="0" indent="0">
+              <a:buNone/>
+            </a:pPr>
+            <a:r>
+              <a:rPr lang="en-US" dirty="0"/>
+              <a:t>#interactive file viewing</a:t>
+            </a:r>
+          </a:p>
+          <a:p>
+            <a:pPr marL="0" indent="0">
+              <a:buNone/>
+            </a:pPr>
+            <a:r>
+              <a:rPr lang="en-US" dirty="0" smtClean="0"/>
+              <a:t>$ </a:t>
+            </a:r>
+            <a:r>
+              <a:rPr lang="en-US" dirty="0"/>
+              <a:t>less </a:t>
+            </a:r>
+            <a:r>
+              <a:rPr lang="en-US" dirty="0" smtClean="0"/>
+              <a:t>file.txt</a:t>
+            </a:r>
+          </a:p>
+          <a:p>
+            <a:pPr marL="0" indent="0">
+              <a:buNone/>
+            </a:pPr>
+            <a:endParaRPr lang="en-US" dirty="0" smtClean="0"/>
+          </a:p>
+          <a:p>
+            <a:pPr marL="0" indent="0">
+              <a:buNone/>
+            </a:pPr>
+            <a:r>
+              <a:rPr lang="en-US" dirty="0" smtClean="0"/>
+              <a:t>arrow keys to navigate</a:t>
+            </a:r>
+          </a:p>
+          <a:p>
+            <a:pPr marL="0" indent="0">
+              <a:buNone/>
+            </a:pPr>
+            <a:r>
+              <a:rPr lang="en-US" dirty="0" smtClean="0"/>
+              <a:t>-S to stop wrapping long lines</a:t>
+            </a:r>
+          </a:p>
+          <a:p>
+            <a:pPr marL="0" indent="0">
+              <a:buNone/>
+            </a:pPr>
+            <a:r>
+              <a:rPr lang="en-US" dirty="0" smtClean="0"/>
+              <a:t>g and G to go to the start/end of file</a:t>
+            </a:r>
+          </a:p>
+          <a:p>
+            <a:pPr marL="0" indent="0">
+              <a:buNone/>
+            </a:pPr>
+            <a:r>
+              <a:rPr lang="en-US" dirty="0" smtClean="0"/>
+              <a:t>% or p 50 to go to the middle of the file</a:t>
+            </a:r>
+          </a:p>
+          <a:p>
+            <a:pPr marL="0" indent="0">
+              <a:buNone/>
+            </a:pPr>
+            <a:r>
+              <a:rPr lang="en-US" dirty="0" smtClean="0"/>
+              <a:t>-R to display escape characters as raw</a:t>
+            </a:r>
+          </a:p>
+          <a:p>
+            <a:pPr marL="0" indent="0">
+              <a:buNone/>
+            </a:pPr>
+            <a:r>
+              <a:rPr lang="en-US" dirty="0" smtClean="0"/>
+              <a:t>q to quit</a:t>
+            </a:r>
+          </a:p>
+          <a:p>
+            <a:pPr marL="0" indent="0">
+              <a:buNone/>
+            </a:pPr>
+            <a:endParaRPr lang="en-US" dirty="0"/>
+          </a:p>
+        </p:txBody>
+      </p:sp>
+    </p:spTree>
+    <p:extLst>
+      <p:ext uri="{BB962C8B-B14F-4D97-AF65-F5344CB8AC3E}">
+        <p14:creationId xmlns:p14="http://schemas.microsoft.com/office/powerpoint/2010/main" val="2822930211"/>
+      </p:ext>
+    </p:extLst>
+  </p:cSld>
+  <p:clrMapOvr>
+    <a:masterClrMapping/>
+  </p:clrMapOvr>
+</p:sld>
+</file>
+
+<file path=ppt/slides/slide3.xml><?xml version="1.0" encoding="utf-8"?>
+<p:sld xmlns:a="http://schemas.openxmlformats.org/drawingml/2006/main" xmlns:r="http://schemas.openxmlformats.org/officeDocument/2006/relationships" xmlns:p="http://schemas.openxmlformats.org/presentationml/2006/main">
+  <p:cSld>
+    <p:spTree>
+      <p:nvGrpSpPr>
+        <p:cNvPr id="1" name=""/>
+        <p:cNvGrpSpPr/>
+        <p:nvPr/>
+      </p:nvGrpSpPr>
+      <p:grpSpPr>
+        <a:xfrm>
+          <a:off x="0" y="0"/>
+          <a:ext cx="0" cy="0"/>
+          <a:chOff x="0" y="0"/>
+          <a:chExt cx="0" cy="0"/>
+        </a:xfrm>
+      </p:grpSpPr>
+      <p:sp>
+        <p:nvSpPr>
+          <p:cNvPr id="2" name="Title 1"/>
+          <p:cNvSpPr>
+            <a:spLocks noGrp="1"/>
+          </p:cNvSpPr>
+          <p:nvPr>
+            <p:ph type="title"/>
+          </p:nvPr>
+        </p:nvSpPr>
+        <p:spPr/>
+        <p:txBody>
+          <a:bodyPr/>
+          <a:lstStyle/>
+          <a:p>
+            <a:r>
+              <a:rPr lang="en-US" dirty="0" smtClean="0"/>
+              <a:t>Most-everything we do</a:t>
+            </a:r>
+            <a:endParaRPr lang="en-US" dirty="0"/>
+          </a:p>
+        </p:txBody>
+      </p:sp>
+      <p:sp>
+        <p:nvSpPr>
+          <p:cNvPr id="3" name="Content Placeholder 2"/>
+          <p:cNvSpPr>
+            <a:spLocks noGrp="1"/>
+          </p:cNvSpPr>
+          <p:nvPr>
+            <p:ph idx="1"/>
+          </p:nvPr>
+        </p:nvSpPr>
+        <p:spPr/>
+        <p:txBody>
+          <a:bodyPr/>
+          <a:lstStyle/>
+          <a:p>
+            <a:pPr marL="0" indent="0">
+              <a:buNone/>
+            </a:pPr>
+            <a:r>
+              <a:rPr lang="en-US" dirty="0" smtClean="0"/>
+              <a:t>You can find:</a:t>
+            </a:r>
+          </a:p>
+          <a:p>
+            <a:pPr marL="0" indent="0">
+              <a:buNone/>
+            </a:pPr>
+            <a:r>
+              <a:rPr lang="en-US" dirty="0"/>
+              <a:t>https://github.com/brevans/MPS_Workshop</a:t>
+            </a:r>
+          </a:p>
+        </p:txBody>
+      </p:sp>
+    </p:spTree>
+    <p:extLst>
+      <p:ext uri="{BB962C8B-B14F-4D97-AF65-F5344CB8AC3E}">
+        <p14:creationId xmlns:p14="http://schemas.microsoft.com/office/powerpoint/2010/main" val="3340446503"/>
+      </p:ext>
+    </p:extLst>
+  </p:cSld>
+  <p:clrMapOvr>
+    <a:masterClrMapping/>
+  </p:clrMapOvr>
+</p:sld>
+</file>
+
+<file path=ppt/slides/slide30.xml><?xml version="1.0" encoding="utf-8"?>
+<p:sld xmlns:a="http://schemas.openxmlformats.org/drawingml/2006/main" xmlns:r="http://schemas.openxmlformats.org/officeDocument/2006/relationships" xmlns:p="http://schemas.openxmlformats.org/presentationml/2006/main">
+  <p:cSld>
+    <p:spTree>
+      <p:nvGrpSpPr>
+        <p:cNvPr id="1" name=""/>
+        <p:cNvGrpSpPr/>
+        <p:nvPr/>
+      </p:nvGrpSpPr>
+      <p:grpSpPr>
+        <a:xfrm>
+          <a:off x="0" y="0"/>
+          <a:ext cx="0" cy="0"/>
+          <a:chOff x="0" y="0"/>
+          <a:chExt cx="0" cy="0"/>
+        </a:xfrm>
+      </p:grpSpPr>
+      <p:sp>
+        <p:nvSpPr>
+          <p:cNvPr id="2" name="Title 1"/>
+          <p:cNvSpPr>
+            <a:spLocks noGrp="1"/>
+          </p:cNvSpPr>
+          <p:nvPr>
+            <p:ph type="title"/>
+          </p:nvPr>
+        </p:nvSpPr>
+        <p:spPr/>
+        <p:txBody>
+          <a:bodyPr/>
+          <a:lstStyle/>
+          <a:p>
+            <a:r>
+              <a:rPr lang="en-US" dirty="0" smtClean="0"/>
+              <a:t>Files! Wild*ds!</a:t>
+            </a:r>
+            <a:endParaRPr lang="en-US" dirty="0"/>
+          </a:p>
+        </p:txBody>
+      </p:sp>
+      <p:sp>
+        <p:nvSpPr>
+          <p:cNvPr id="3" name="Content Placeholder 2"/>
+          <p:cNvSpPr>
+            <a:spLocks noGrp="1"/>
+          </p:cNvSpPr>
+          <p:nvPr>
+            <p:ph idx="1"/>
+          </p:nvPr>
+        </p:nvSpPr>
+        <p:spPr>
+          <a:xfrm>
+            <a:off x="840000" y="1825625"/>
+            <a:ext cx="8227800" cy="4351338"/>
+          </a:xfrm>
+        </p:spPr>
+        <p:txBody>
+          <a:bodyPr/>
+          <a:lstStyle/>
+          <a:p>
+            <a:pPr marL="0" indent="0">
+              <a:buNone/>
+            </a:pPr>
+            <a:r>
+              <a:rPr lang="en-US" dirty="0" smtClean="0"/>
+              <a:t>$ </a:t>
+            </a:r>
+            <a:r>
+              <a:rPr lang="en-US" dirty="0"/>
+              <a:t>cat file.txt file2.txt </a:t>
+            </a:r>
+          </a:p>
+          <a:p>
+            <a:pPr marL="0" indent="0">
+              <a:buNone/>
+            </a:pPr>
+            <a:r>
+              <a:rPr lang="en-US" dirty="0"/>
+              <a:t>this is a file!</a:t>
+            </a:r>
+          </a:p>
+          <a:p>
+            <a:pPr marL="0" indent="0">
+              <a:buNone/>
+            </a:pPr>
+            <a:r>
+              <a:rPr lang="en-US" dirty="0"/>
+              <a:t>it contains two lines of text.</a:t>
+            </a:r>
+          </a:p>
+          <a:p>
+            <a:pPr marL="0" indent="0">
+              <a:buNone/>
+            </a:pPr>
+            <a:r>
+              <a:rPr lang="en-US" dirty="0"/>
+              <a:t>this is another file</a:t>
+            </a:r>
+            <a:r>
+              <a:rPr lang="en-US" dirty="0" smtClean="0"/>
+              <a:t>.</a:t>
+            </a:r>
+          </a:p>
+          <a:p>
+            <a:pPr marL="0" indent="0">
+              <a:buNone/>
+            </a:pPr>
+            <a:endParaRPr lang="en-US" dirty="0"/>
+          </a:p>
+          <a:p>
+            <a:pPr marL="0" indent="0">
+              <a:buNone/>
+            </a:pPr>
+            <a:r>
+              <a:rPr lang="en-US" dirty="0" smtClean="0"/>
+              <a:t>$ </a:t>
+            </a:r>
+            <a:r>
+              <a:rPr lang="en-US" dirty="0"/>
+              <a:t>cat file*</a:t>
+            </a:r>
+          </a:p>
+          <a:p>
+            <a:pPr marL="0" indent="0">
+              <a:buNone/>
+            </a:pPr>
+            <a:r>
+              <a:rPr lang="en-US" dirty="0"/>
+              <a:t>this is another file.</a:t>
+            </a:r>
+          </a:p>
+          <a:p>
+            <a:pPr marL="0" indent="0">
+              <a:buNone/>
+            </a:pPr>
+            <a:r>
+              <a:rPr lang="en-US" dirty="0"/>
+              <a:t>this is a file!</a:t>
+            </a:r>
+          </a:p>
+          <a:p>
+            <a:pPr marL="0" indent="0">
+              <a:buNone/>
+            </a:pPr>
+            <a:r>
+              <a:rPr lang="en-US" dirty="0"/>
+              <a:t>it contains two lines of text.</a:t>
+            </a:r>
+          </a:p>
+        </p:txBody>
+      </p:sp>
+    </p:spTree>
+    <p:extLst>
+      <p:ext uri="{BB962C8B-B14F-4D97-AF65-F5344CB8AC3E}">
+        <p14:creationId xmlns:p14="http://schemas.microsoft.com/office/powerpoint/2010/main" val="3465365028"/>
+      </p:ext>
+    </p:extLst>
+  </p:cSld>
+  <p:clrMapOvr>
+    <a:masterClrMapping/>
+  </p:clrMapOvr>
+  <p:timing>
+    <p:tnLst>
+      <p:par>
+        <p:cTn id="1" dur="indefinite" restart="never" nodeType="tmRoot"/>
+      </p:par>
+    </p:tnLst>
+  </p:timing>
+</p:sld>
+</file>
+
+<file path=ppt/slides/slide31.xml><?xml version="1.0" encoding="utf-8"?>
+<p:sld xmlns:a="http://schemas.openxmlformats.org/drawingml/2006/main" xmlns:r="http://schemas.openxmlformats.org/officeDocument/2006/relationships" xmlns:p="http://schemas.openxmlformats.org/presentationml/2006/main">
+  <p:cSld>
+    <p:spTree>
+      <p:nvGrpSpPr>
+        <p:cNvPr id="1" name=""/>
+        <p:cNvGrpSpPr/>
+        <p:nvPr/>
+      </p:nvGrpSpPr>
+      <p:grpSpPr>
+        <a:xfrm>
+          <a:off x="0" y="0"/>
+          <a:ext cx="0" cy="0"/>
+          <a:chOff x="0" y="0"/>
+          <a:chExt cx="0" cy="0"/>
+        </a:xfrm>
+      </p:grpSpPr>
+      <p:sp>
+        <p:nvSpPr>
+          <p:cNvPr id="2" name="Title 1"/>
+          <p:cNvSpPr>
+            <a:spLocks noGrp="1"/>
+          </p:cNvSpPr>
+          <p:nvPr>
+            <p:ph type="title"/>
+          </p:nvPr>
+        </p:nvSpPr>
         <p:spPr>
           <a:xfrm>
             <a:off x="628650" y="365126"/>
@@ -12007,155 +12407,7 @@
 </p:sld>
 </file>
 
-<file path=ppt/slides/slide3.xml><?xml version="1.0" encoding="utf-8"?>
-<p:sld xmlns:a="http://schemas.openxmlformats.org/drawingml/2006/main" xmlns:r="http://schemas.openxmlformats.org/officeDocument/2006/relationships" xmlns:p="http://schemas.openxmlformats.org/presentationml/2006/main">
-  <p:cSld>
-    <p:spTree>
-      <p:nvGrpSpPr>
-        <p:cNvPr id="1" name=""/>
-        <p:cNvGrpSpPr/>
-        <p:nvPr/>
-      </p:nvGrpSpPr>
-      <p:grpSpPr>
-        <a:xfrm>
-          <a:off x="0" y="0"/>
-          <a:ext cx="0" cy="0"/>
-          <a:chOff x="0" y="0"/>
-          <a:chExt cx="0" cy="0"/>
-        </a:xfrm>
-      </p:grpSpPr>
-      <p:sp>
-        <p:nvSpPr>
-          <p:cNvPr id="2" name="Title 1"/>
-          <p:cNvSpPr>
-            <a:spLocks noGrp="1"/>
-          </p:cNvSpPr>
-          <p:nvPr>
-            <p:ph type="title"/>
-          </p:nvPr>
-        </p:nvSpPr>
-        <p:spPr/>
-        <p:txBody>
-          <a:bodyPr/>
-          <a:lstStyle/>
-          <a:p>
-            <a:r>
-              <a:rPr lang="en-US" dirty="0" smtClean="0"/>
-              <a:t>Outline</a:t>
-            </a:r>
-            <a:endParaRPr lang="en-US" dirty="0"/>
-          </a:p>
-        </p:txBody>
-      </p:sp>
-      <p:sp>
-        <p:nvSpPr>
-          <p:cNvPr id="3" name="Content Placeholder 2"/>
-          <p:cNvSpPr>
-            <a:spLocks noGrp="1"/>
-          </p:cNvSpPr>
-          <p:nvPr>
-            <p:ph idx="1"/>
-          </p:nvPr>
-        </p:nvSpPr>
-        <p:spPr>
-          <a:xfrm>
-            <a:off x="840000" y="1825624"/>
-            <a:ext cx="7675350" cy="4708525"/>
-          </a:xfrm>
-        </p:spPr>
-        <p:txBody>
-          <a:bodyPr>
-            <a:normAutofit/>
-          </a:bodyPr>
-          <a:lstStyle/>
-          <a:p>
-            <a:r>
-              <a:rPr lang="en-US" dirty="0" smtClean="0"/>
-              <a:t>Intro</a:t>
-            </a:r>
-          </a:p>
-          <a:p>
-            <a:r>
-              <a:rPr lang="en-US" dirty="0" smtClean="0"/>
-              <a:t>Underlying concepts</a:t>
-            </a:r>
-          </a:p>
-          <a:p>
-            <a:r>
-              <a:rPr lang="en-US" dirty="0" smtClean="0"/>
-              <a:t>Where’s the mouse?</a:t>
-            </a:r>
-          </a:p>
-          <a:p>
-            <a:r>
-              <a:rPr lang="en-US" dirty="0" smtClean="0"/>
-              <a:t>Looking around</a:t>
-            </a:r>
-          </a:p>
-          <a:p>
-            <a:pPr lvl="1"/>
-            <a:r>
-              <a:rPr lang="en-US" dirty="0" smtClean="0"/>
-              <a:t>Permissions</a:t>
-            </a:r>
-          </a:p>
-          <a:p>
-            <a:r>
-              <a:rPr lang="en-US" dirty="0" smtClean="0"/>
-              <a:t>Getting around</a:t>
-            </a:r>
-          </a:p>
-          <a:p>
-            <a:r>
-              <a:rPr lang="en-US" dirty="0" smtClean="0"/>
-              <a:t>File commands</a:t>
-            </a:r>
-          </a:p>
-          <a:p>
-            <a:pPr lvl="1"/>
-            <a:r>
-              <a:rPr lang="en-US" dirty="0" smtClean="0"/>
-              <a:t>File I/O</a:t>
-            </a:r>
-          </a:p>
-          <a:p>
-            <a:r>
-              <a:rPr lang="en-US" dirty="0" smtClean="0"/>
-              <a:t>Redirection</a:t>
-            </a:r>
-          </a:p>
-          <a:p>
-            <a:r>
-              <a:rPr lang="en-US" dirty="0" smtClean="0"/>
-              <a:t>pipelines</a:t>
-            </a:r>
-          </a:p>
-          <a:p>
-            <a:endParaRPr lang="en-US" dirty="0"/>
-          </a:p>
-        </p:txBody>
-      </p:sp>
-    </p:spTree>
-    <p:extLst>
-      <p:ext uri="{BB962C8B-B14F-4D97-AF65-F5344CB8AC3E}">
-        <p14:creationId xmlns:p14="http://schemas.microsoft.com/office/powerpoint/2010/main" val="1877784081"/>
-      </p:ext>
-    </p:extLst>
-  </p:cSld>
-  <p:clrMapOvr>
-    <a:masterClrMapping/>
-  </p:clrMapOvr>
-  <p:timing>
-    <p:tnLst>
-      <p:par>
-        <p:cTn id="1" dur="indefinite" restart="never" nodeType="tmRoot"/>
-      </p:par>
-    </p:tnLst>
-  </p:timing>
-</p:sld>
-</file>
-
-<file path=ppt/slides/slide30.xml><?xml version="1.0" encoding="utf-8"?>
+<file path=ppt/slides/slide32.xml><?xml version="1.0" encoding="utf-8"?>
 <p:sld xmlns:a="http://schemas.openxmlformats.org/drawingml/2006/main" xmlns:r="http://schemas.openxmlformats.org/officeDocument/2006/relationships" xmlns:p="http://schemas.openxmlformats.org/presentationml/2006/main">
   <p:cSld>
     <p:spTree>
@@ -12479,7 +12731,7 @@
 </p:sld>
 </file>
 
-<file path=ppt/slides/slide31.xml><?xml version="1.0" encoding="utf-8"?>
+<file path=ppt/slides/slide33.xml><?xml version="1.0" encoding="utf-8"?>
 <p:sld xmlns:a="http://schemas.openxmlformats.org/drawingml/2006/main" xmlns:r="http://schemas.openxmlformats.org/officeDocument/2006/relationships" xmlns:p="http://schemas.openxmlformats.org/presentationml/2006/main">
   <p:cSld>
     <p:spTree>
@@ -12720,7 +12972,7 @@
 </p:sld>
 </file>
 
-<file path=ppt/slides/slide32.xml><?xml version="1.0" encoding="utf-8"?>
+<file path=ppt/slides/slide34.xml><?xml version="1.0" encoding="utf-8"?>
 <p:sld xmlns:a="http://schemas.openxmlformats.org/drawingml/2006/main" xmlns:r="http://schemas.openxmlformats.org/officeDocument/2006/relationships" xmlns:p="http://schemas.openxmlformats.org/presentationml/2006/main">
   <p:cSld>
     <p:spTree>
@@ -12861,7 +13113,7 @@
 </p:sld>
 </file>
 
-<file path=ppt/slides/slide33.xml><?xml version="1.0" encoding="utf-8"?>
+<file path=ppt/slides/slide35.xml><?xml version="1.0" encoding="utf-8"?>
 <p:sld xmlns:a="http://schemas.openxmlformats.org/drawingml/2006/main" xmlns:r="http://schemas.openxmlformats.org/officeDocument/2006/relationships" xmlns:p="http://schemas.openxmlformats.org/presentationml/2006/main">
   <p:cSld>
     <p:spTree>
@@ -13166,7 +13418,7 @@
 </p:sld>
 </file>
 
-<file path=ppt/slides/slide34.xml><?xml version="1.0" encoding="utf-8"?>
+<file path=ppt/slides/slide36.xml><?xml version="1.0" encoding="utf-8"?>
 <p:sld xmlns:a="http://schemas.openxmlformats.org/drawingml/2006/main" xmlns:r="http://schemas.openxmlformats.org/officeDocument/2006/relationships" xmlns:p="http://schemas.openxmlformats.org/presentationml/2006/main">
   <p:cSld>
     <p:spTree>
@@ -13243,7 +13495,7 @@
 </p:sld>
 </file>
 
-<file path=ppt/slides/slide35.xml><?xml version="1.0" encoding="utf-8"?>
+<file path=ppt/slides/slide37.xml><?xml version="1.0" encoding="utf-8"?>
 <p:sld xmlns:a="http://schemas.openxmlformats.org/drawingml/2006/main" xmlns:r="http://schemas.openxmlformats.org/officeDocument/2006/relationships" xmlns:p="http://schemas.openxmlformats.org/presentationml/2006/main">
   <p:cSld>
     <p:spTree>
@@ -13398,7 +13650,7 @@
 </p:sld>
 </file>
 
-<file path=ppt/slides/slide36.xml><?xml version="1.0" encoding="utf-8"?>
+<file path=ppt/slides/slide38.xml><?xml version="1.0" encoding="utf-8"?>
 <p:sld xmlns:a="http://schemas.openxmlformats.org/drawingml/2006/main" xmlns:r="http://schemas.openxmlformats.org/officeDocument/2006/relationships" xmlns:p="http://schemas.openxmlformats.org/presentationml/2006/main">
   <p:cSld>
     <p:spTree>
@@ -13969,367 +14221,6 @@
     <p:extLst>
       <p:ext uri="{BB962C8B-B14F-4D97-AF65-F5344CB8AC3E}">
         <p14:creationId xmlns:p14="http://schemas.microsoft.com/office/powerpoint/2010/main" val="646018153"/>
-      </p:ext>
-    </p:extLst>
-  </p:cSld>
-  <p:clrMapOvr>
-    <a:masterClrMapping/>
-  </p:clrMapOvr>
-</p:sld>
-</file>
-
-<file path=ppt/slides/slide37.xml><?xml version="1.0" encoding="utf-8"?>
-<p:sld xmlns:a="http://schemas.openxmlformats.org/drawingml/2006/main" xmlns:r="http://schemas.openxmlformats.org/officeDocument/2006/relationships" xmlns:p="http://schemas.openxmlformats.org/presentationml/2006/main">
-  <p:cSld>
-    <p:spTree>
-      <p:nvGrpSpPr>
-        <p:cNvPr id="1" name=""/>
-        <p:cNvGrpSpPr/>
-        <p:nvPr/>
-      </p:nvGrpSpPr>
-      <p:grpSpPr>
-        <a:xfrm>
-          <a:off x="0" y="0"/>
-          <a:ext cx="0" cy="0"/>
-          <a:chOff x="0" y="0"/>
-          <a:chExt cx="0" cy="0"/>
-        </a:xfrm>
-      </p:grpSpPr>
-      <p:sp>
-        <p:nvSpPr>
-          <p:cNvPr id="2" name="Title 1"/>
-          <p:cNvSpPr>
-            <a:spLocks noGrp="1"/>
-          </p:cNvSpPr>
-          <p:nvPr>
-            <p:ph type="title"/>
-          </p:nvPr>
-        </p:nvSpPr>
-        <p:spPr/>
-        <p:txBody>
-          <a:bodyPr/>
-          <a:lstStyle/>
-          <a:p>
-            <a:r>
-              <a:rPr lang="en-US" dirty="0" err="1" smtClean="0"/>
-              <a:t>awk</a:t>
-            </a:r>
-            <a:endParaRPr lang="en-US" dirty="0"/>
-          </a:p>
-        </p:txBody>
-      </p:sp>
-      <p:sp>
-        <p:nvSpPr>
-          <p:cNvPr id="3" name="Content Placeholder 2"/>
-          <p:cNvSpPr>
-            <a:spLocks noGrp="1"/>
-          </p:cNvSpPr>
-          <p:nvPr>
-            <p:ph idx="1"/>
-          </p:nvPr>
-        </p:nvSpPr>
-        <p:spPr/>
-        <p:txBody>
-          <a:bodyPr/>
-          <a:lstStyle/>
-          <a:p>
-            <a:r>
-              <a:rPr lang="en-US" dirty="0" smtClean="0"/>
-              <a:t>Manipulating field-separated data</a:t>
-            </a:r>
-          </a:p>
-          <a:p>
-            <a:r>
-              <a:rPr lang="en-US" dirty="0" smtClean="0"/>
-              <a:t>More advanced </a:t>
-            </a:r>
-            <a:r>
-              <a:rPr lang="en-US" dirty="0"/>
-              <a:t>features superseded </a:t>
-            </a:r>
-            <a:r>
-              <a:rPr lang="en-US" dirty="0" smtClean="0"/>
-              <a:t>by modern languages like </a:t>
-            </a:r>
-            <a:r>
-              <a:rPr lang="en-US" dirty="0" err="1" smtClean="0"/>
-              <a:t>perl</a:t>
-            </a:r>
-            <a:r>
-              <a:rPr lang="en-US" dirty="0" smtClean="0"/>
-              <a:t>/python</a:t>
-            </a:r>
-          </a:p>
-          <a:p>
-            <a:r>
-              <a:rPr lang="en-US" dirty="0" smtClean="0"/>
-              <a:t>Gives you symbols for each column</a:t>
-            </a:r>
-          </a:p>
-          <a:p>
-            <a:pPr lvl="1"/>
-            <a:r>
-              <a:rPr lang="en-US" dirty="0" smtClean="0"/>
-              <a:t>$number 0-&gt; original line</a:t>
-            </a:r>
-          </a:p>
-          <a:p>
-            <a:pPr lvl="1"/>
-            <a:r>
-              <a:rPr lang="en-US" dirty="0" smtClean="0"/>
-              <a:t>$1 -&gt; first column</a:t>
-            </a:r>
-          </a:p>
-          <a:p>
-            <a:pPr marL="0" indent="0">
-              <a:buNone/>
-            </a:pPr>
-            <a:endParaRPr lang="en-US" dirty="0" smtClean="0"/>
-          </a:p>
-          <a:p>
-            <a:pPr marL="0" indent="0">
-              <a:buNone/>
-            </a:pPr>
-            <a:r>
-              <a:rPr lang="en-US" dirty="0" smtClean="0"/>
-              <a:t>#same as cat:</a:t>
-            </a:r>
-            <a:endParaRPr lang="en-US" dirty="0"/>
-          </a:p>
-          <a:p>
-            <a:pPr marL="0" indent="0">
-              <a:buNone/>
-            </a:pPr>
-            <a:r>
-              <a:rPr lang="en-US" dirty="0"/>
-              <a:t>$ </a:t>
-            </a:r>
-            <a:r>
-              <a:rPr lang="en-US" dirty="0" err="1"/>
-              <a:t>awk</a:t>
-            </a:r>
-            <a:r>
-              <a:rPr lang="en-US" dirty="0"/>
-              <a:t> '{print}' </a:t>
-            </a:r>
-            <a:r>
-              <a:rPr lang="en-US" dirty="0" smtClean="0"/>
-              <a:t>Chip2comb_001b.sam</a:t>
-            </a:r>
-          </a:p>
-          <a:p>
-            <a:pPr marL="0" indent="0">
-              <a:buNone/>
-            </a:pPr>
-            <a:endParaRPr lang="en-US" dirty="0" smtClean="0"/>
-          </a:p>
-        </p:txBody>
-      </p:sp>
-    </p:spTree>
-    <p:extLst>
-      <p:ext uri="{BB962C8B-B14F-4D97-AF65-F5344CB8AC3E}">
-        <p14:creationId xmlns:p14="http://schemas.microsoft.com/office/powerpoint/2010/main" val="793196873"/>
-      </p:ext>
-    </p:extLst>
-  </p:cSld>
-  <p:clrMapOvr>
-    <a:masterClrMapping/>
-  </p:clrMapOvr>
-</p:sld>
-</file>
-
-<file path=ppt/slides/slide38.xml><?xml version="1.0" encoding="utf-8"?>
-<p:sld xmlns:a="http://schemas.openxmlformats.org/drawingml/2006/main" xmlns:r="http://schemas.openxmlformats.org/officeDocument/2006/relationships" xmlns:p="http://schemas.openxmlformats.org/presentationml/2006/main">
-  <p:cSld>
-    <p:spTree>
-      <p:nvGrpSpPr>
-        <p:cNvPr id="1" name=""/>
-        <p:cNvGrpSpPr/>
-        <p:nvPr/>
-      </p:nvGrpSpPr>
-      <p:grpSpPr>
-        <a:xfrm>
-          <a:off x="0" y="0"/>
-          <a:ext cx="0" cy="0"/>
-          <a:chOff x="0" y="0"/>
-          <a:chExt cx="0" cy="0"/>
-        </a:xfrm>
-      </p:grpSpPr>
-      <p:sp>
-        <p:nvSpPr>
-          <p:cNvPr id="2" name="Title 1"/>
-          <p:cNvSpPr>
-            <a:spLocks noGrp="1"/>
-          </p:cNvSpPr>
-          <p:nvPr>
-            <p:ph type="title"/>
-          </p:nvPr>
-        </p:nvSpPr>
-        <p:spPr/>
-        <p:txBody>
-          <a:bodyPr/>
-          <a:lstStyle/>
-          <a:p>
-            <a:r>
-              <a:rPr lang="en-US" dirty="0" err="1" smtClean="0"/>
-              <a:t>awk</a:t>
-            </a:r>
-            <a:endParaRPr lang="en-US" dirty="0"/>
-          </a:p>
-        </p:txBody>
-      </p:sp>
-      <p:sp>
-        <p:nvSpPr>
-          <p:cNvPr id="3" name="Content Placeholder 2"/>
-          <p:cNvSpPr>
-            <a:spLocks noGrp="1"/>
-          </p:cNvSpPr>
-          <p:nvPr>
-            <p:ph idx="1"/>
-          </p:nvPr>
-        </p:nvSpPr>
-        <p:spPr/>
-        <p:txBody>
-          <a:bodyPr/>
-          <a:lstStyle/>
-          <a:p>
-            <a:r>
-              <a:rPr lang="en-US" dirty="0" smtClean="0"/>
-              <a:t>Something more interesting</a:t>
-            </a:r>
-          </a:p>
-          <a:p>
-            <a:r>
-              <a:rPr lang="en-US" dirty="0" smtClean="0"/>
-              <a:t>Where did things map?</a:t>
-            </a:r>
-          </a:p>
-          <a:p>
-            <a:r>
-              <a:rPr lang="en-US" dirty="0" smtClean="0"/>
-              <a:t>Chromosome or </a:t>
-            </a:r>
-            <a:r>
-              <a:rPr lang="en-US" dirty="0" err="1" smtClean="0"/>
-              <a:t>contig</a:t>
-            </a:r>
-            <a:r>
-              <a:rPr lang="en-US" dirty="0" smtClean="0"/>
-              <a:t> stored in column 3 in </a:t>
-            </a:r>
-            <a:r>
-              <a:rPr lang="en-US" dirty="0" err="1" smtClean="0"/>
-              <a:t>sam</a:t>
-            </a:r>
-            <a:r>
-              <a:rPr lang="en-US" dirty="0" smtClean="0"/>
-              <a:t> files</a:t>
-            </a:r>
-          </a:p>
-          <a:p>
-            <a:pPr marL="0" indent="0">
-              <a:buNone/>
-            </a:pPr>
-            <a:endParaRPr lang="en-US" dirty="0" smtClean="0"/>
-          </a:p>
-          <a:p>
-            <a:pPr marL="0" indent="0">
-              <a:buNone/>
-            </a:pPr>
-            <a:r>
-              <a:rPr lang="en-US" dirty="0" smtClean="0"/>
-              <a:t>$ </a:t>
-            </a:r>
-            <a:r>
-              <a:rPr lang="en-US" dirty="0" err="1"/>
-              <a:t>awk</a:t>
-            </a:r>
-            <a:r>
-              <a:rPr lang="en-US" dirty="0"/>
-              <a:t> '{</a:t>
-            </a:r>
-            <a:r>
-              <a:rPr lang="en-US" dirty="0" smtClean="0"/>
-              <a:t>print $3}' Chip2comb_001b.sam</a:t>
-            </a:r>
-          </a:p>
-          <a:p>
-            <a:pPr marL="0" indent="0">
-              <a:buNone/>
-            </a:pPr>
-            <a:r>
-              <a:rPr lang="en-US" dirty="0" smtClean="0"/>
-              <a:t>#not quite what I wanted</a:t>
-            </a:r>
-          </a:p>
-          <a:p>
-            <a:pPr marL="0" indent="0">
-              <a:buNone/>
-            </a:pPr>
-            <a:endParaRPr lang="en-US" dirty="0" smtClean="0"/>
-          </a:p>
-          <a:p>
-            <a:pPr marL="0" indent="0">
-              <a:buNone/>
-            </a:pPr>
-            <a:r>
-              <a:rPr lang="en-US" dirty="0"/>
-              <a:t>$ </a:t>
-            </a:r>
-            <a:r>
-              <a:rPr lang="en-US" sz="2000" dirty="0" err="1"/>
-              <a:t>awk</a:t>
-            </a:r>
-            <a:r>
-              <a:rPr lang="en-US" sz="2000" dirty="0"/>
-              <a:t> </a:t>
-            </a:r>
-            <a:r>
-              <a:rPr lang="en-US" sz="2000" dirty="0" smtClean="0"/>
-              <a:t>'$1 !~ /^@/ {print </a:t>
-            </a:r>
-            <a:r>
-              <a:rPr lang="en-US" sz="2000" dirty="0"/>
-              <a:t>$3}' </a:t>
-            </a:r>
-            <a:r>
-              <a:rPr lang="en-US" sz="2000" dirty="0" smtClean="0"/>
-              <a:t>Chip2comb_001b.sam</a:t>
-            </a:r>
-          </a:p>
-          <a:p>
-            <a:pPr marL="0" indent="0">
-              <a:buNone/>
-            </a:pPr>
-            <a:r>
-              <a:rPr lang="en-US" sz="2000" dirty="0" smtClean="0"/>
-              <a:t>#there!</a:t>
-            </a:r>
-          </a:p>
-          <a:p>
-            <a:pPr marL="0" indent="0">
-              <a:buNone/>
-            </a:pPr>
-            <a:endParaRPr lang="en-US" sz="2000" dirty="0"/>
-          </a:p>
-          <a:p>
-            <a:pPr marL="0" indent="0">
-              <a:buNone/>
-            </a:pPr>
-            <a:endParaRPr lang="en-US" dirty="0" smtClean="0"/>
-          </a:p>
-          <a:p>
-            <a:pPr marL="0" indent="0">
-              <a:buNone/>
-            </a:pPr>
-            <a:endParaRPr lang="en-US" dirty="0" smtClean="0"/>
-          </a:p>
-        </p:txBody>
-      </p:sp>
-    </p:spTree>
-    <p:extLst>
-      <p:ext uri="{BB962C8B-B14F-4D97-AF65-F5344CB8AC3E}">
-        <p14:creationId xmlns:p14="http://schemas.microsoft.com/office/powerpoint/2010/main" val="272229923"/>
       </p:ext>
     </p:extLst>
   </p:cSld>
@@ -14372,8 +14263,8 @@
           <a:lstStyle/>
           <a:p>
             <a:r>
-              <a:rPr lang="en-US" dirty="0" smtClean="0"/>
-              <a:t>Redirection</a:t>
+              <a:rPr lang="en-US" dirty="0" err="1" smtClean="0"/>
+              <a:t>awk</a:t>
             </a:r>
             <a:endParaRPr lang="en-US" dirty="0"/>
           </a:p>
@@ -14389,54 +14280,56 @@
             <p:ph idx="1"/>
           </p:nvPr>
         </p:nvSpPr>
-        <p:spPr>
-          <a:xfrm>
-            <a:off x="840000" y="1690689"/>
-            <a:ext cx="7675350" cy="5027826"/>
-          </a:xfrm>
-        </p:spPr>
-        <p:txBody>
-          <a:bodyPr>
-            <a:normAutofit lnSpcReduction="10000"/>
-          </a:bodyPr>
-          <a:lstStyle/>
-          <a:p>
-            <a:r>
-              <a:rPr lang="en-US" dirty="0" smtClean="0"/>
-              <a:t>I want to save this output!</a:t>
-            </a:r>
-          </a:p>
-          <a:p>
-            <a:r>
-              <a:rPr lang="en-US" dirty="0" smtClean="0"/>
-              <a:t>Think of them as arrows</a:t>
-            </a:r>
-          </a:p>
-          <a:p>
-            <a:pPr marL="0" indent="0">
-              <a:buNone/>
-            </a:pPr>
-            <a:r>
-              <a:rPr lang="en-US" dirty="0" smtClean="0"/>
-              <a:t>&gt; #redirect thing left to file right</a:t>
-            </a:r>
-          </a:p>
-          <a:p>
-            <a:pPr marL="0" indent="0">
-              <a:buNone/>
-            </a:pPr>
-            <a:r>
-              <a:rPr lang="en-US" dirty="0" smtClean="0"/>
-              <a:t>&gt;&gt; #append instead of overwriting</a:t>
-            </a:r>
-          </a:p>
-          <a:p>
-            <a:pPr marL="0" indent="0">
-              <a:buNone/>
-            </a:pPr>
-            <a:r>
-              <a:rPr lang="en-US" dirty="0" smtClean="0"/>
-              <a:t>&lt; #redirect file right to thing left</a:t>
+        <p:spPr/>
+        <p:txBody>
+          <a:bodyPr/>
+          <a:lstStyle/>
+          <a:p>
+            <a:r>
+              <a:rPr lang="en-US" dirty="0" smtClean="0"/>
+              <a:t>Manipulating field-separated data</a:t>
+            </a:r>
+          </a:p>
+          <a:p>
+            <a:r>
+              <a:rPr lang="en-US" dirty="0" smtClean="0"/>
+              <a:t>More advanced </a:t>
+            </a:r>
+            <a:r>
+              <a:rPr lang="en-US" dirty="0"/>
+              <a:t>features superseded </a:t>
+            </a:r>
+            <a:r>
+              <a:rPr lang="en-US" dirty="0" smtClean="0"/>
+              <a:t>by modern languages like </a:t>
+            </a:r>
+            <a:r>
+              <a:rPr lang="en-US" dirty="0" err="1" smtClean="0"/>
+              <a:t>perl</a:t>
+            </a:r>
+            <a:r>
+              <a:rPr lang="en-US" dirty="0" smtClean="0"/>
+              <a:t>/python</a:t>
+            </a:r>
+          </a:p>
+          <a:p>
+            <a:r>
+              <a:rPr lang="en-US" dirty="0" smtClean="0"/>
+              <a:t>Gives you symbols for each column</a:t>
+            </a:r>
+          </a:p>
+          <a:p>
+            <a:pPr lvl="1"/>
+            <a:r>
+              <a:rPr lang="en-US" dirty="0" smtClean="0"/>
+              <a:t>$number 0-&gt; original line</a:t>
+            </a:r>
+          </a:p>
+          <a:p>
+            <a:pPr lvl="1"/>
+            <a:r>
+              <a:rPr lang="en-US" dirty="0" smtClean="0"/>
+              <a:t>$1 -&gt; first column</a:t>
             </a:r>
           </a:p>
           <a:p>
@@ -14446,65 +14339,14 @@
             <a:endParaRPr lang="en-US" dirty="0" smtClean="0"/>
           </a:p>
           <a:p>
-            <a:r>
-              <a:rPr lang="en-US" dirty="0" smtClean="0"/>
-              <a:t>Concatenate files</a:t>
-            </a:r>
-          </a:p>
-          <a:p>
-            <a:pPr marL="0" indent="0">
-              <a:buNone/>
-            </a:pPr>
-            <a:r>
-              <a:rPr lang="en-US" dirty="0" smtClean="0"/>
-              <a:t>$ </a:t>
-            </a:r>
-            <a:r>
-              <a:rPr lang="en-US" dirty="0"/>
-              <a:t>cat *.</a:t>
-            </a:r>
-            <a:r>
-              <a:rPr lang="en-US" dirty="0" err="1" smtClean="0"/>
-              <a:t>fa</a:t>
-            </a:r>
-            <a:r>
-              <a:rPr lang="en-US" dirty="0" smtClean="0"/>
-              <a:t> &gt; </a:t>
-            </a:r>
-            <a:r>
-              <a:rPr lang="en-US" dirty="0" err="1" smtClean="0"/>
-              <a:t>all.fa</a:t>
-            </a:r>
-            <a:endParaRPr lang="en-US" dirty="0" smtClean="0"/>
-          </a:p>
-          <a:p>
-            <a:pPr marL="0" indent="0">
-              <a:buNone/>
-            </a:pPr>
-            <a:endParaRPr lang="en-US" dirty="0" smtClean="0"/>
-          </a:p>
-          <a:p>
-            <a:r>
-              <a:rPr lang="en-US" dirty="0" smtClean="0"/>
-              <a:t>Generate a smaller file to play with</a:t>
-            </a:r>
-          </a:p>
-          <a:p>
-            <a:pPr marL="0" indent="0">
-              <a:buNone/>
-            </a:pPr>
-            <a:r>
-              <a:rPr lang="en-US" dirty="0" smtClean="0"/>
-              <a:t>$ </a:t>
-            </a:r>
-            <a:r>
-              <a:rPr lang="en-US" dirty="0" err="1" smtClean="0"/>
-              <a:t>shuf</a:t>
-            </a:r>
-            <a:r>
-              <a:rPr lang="en-US" dirty="0" smtClean="0"/>
-              <a:t> –n 100 big_file.txt &gt; sample.txt</a:t>
-            </a:r>
+            <a:pPr marL="0" indent="0">
+              <a:buNone/>
+            </a:pPr>
+            <a:r>
+              <a:rPr lang="en-US" dirty="0" smtClean="0"/>
+              <a:t>#same as cat:</a:t>
+            </a:r>
+            <a:endParaRPr lang="en-US" dirty="0"/>
           </a:p>
           <a:p>
             <a:pPr marL="0" indent="0">
@@ -14515,31 +14357,17 @@
               <a:t>$ </a:t>
             </a:r>
             <a:r>
-              <a:rPr lang="en-US" dirty="0" smtClean="0"/>
-              <a:t>head –n </a:t>
+              <a:rPr lang="en-US" dirty="0" err="1"/>
+              <a:t>awk</a:t>
             </a:r>
             <a:r>
               <a:rPr lang="en-US" dirty="0"/>
-              <a:t>100 big_file.txt &gt; sample.txt</a:t>
-            </a:r>
-          </a:p>
-          <a:p>
-            <a:pPr marL="0" indent="0">
-              <a:buNone/>
-            </a:pPr>
-            <a:endParaRPr lang="en-US" dirty="0" smtClean="0"/>
-          </a:p>
-          <a:p>
-            <a:pPr marL="0" indent="0">
-              <a:buNone/>
-            </a:pPr>
-            <a:endParaRPr lang="en-US" dirty="0"/>
-          </a:p>
-          <a:p>
-            <a:pPr marL="0" indent="0">
-              <a:buNone/>
-            </a:pPr>
-            <a:endParaRPr lang="en-US" dirty="0" smtClean="0"/>
+              <a:t> '{print}' </a:t>
+            </a:r>
+            <a:r>
+              <a:rPr lang="en-US" dirty="0" smtClean="0"/>
+              <a:t>Chip2comb_001b.sam</a:t>
+            </a:r>
           </a:p>
           <a:p>
             <a:pPr marL="0" indent="0">
@@ -14552,7 +14380,7 @@
     </p:spTree>
     <p:extLst>
       <p:ext uri="{BB962C8B-B14F-4D97-AF65-F5344CB8AC3E}">
-        <p14:creationId xmlns:p14="http://schemas.microsoft.com/office/powerpoint/2010/main" val="2677628488"/>
+        <p14:creationId xmlns:p14="http://schemas.microsoft.com/office/powerpoint/2010/main" val="793196873"/>
       </p:ext>
     </p:extLst>
   </p:cSld>
@@ -14596,7 +14424,7 @@
           <a:p>
             <a:r>
               <a:rPr lang="en-US" dirty="0" smtClean="0"/>
-              <a:t>Some Conventions</a:t>
+              <a:t>Outline</a:t>
             </a:r>
             <a:endParaRPr lang="en-US" dirty="0"/>
           </a:p>
@@ -14612,104 +14440,88 @@
             <p:ph idx="1"/>
           </p:nvPr>
         </p:nvSpPr>
-        <p:spPr/>
+        <p:spPr>
+          <a:xfrm>
+            <a:off x="840000" y="1825624"/>
+            <a:ext cx="7675350" cy="4708525"/>
+          </a:xfrm>
+        </p:spPr>
         <p:txBody>
           <a:bodyPr>
-            <a:normAutofit lnSpcReduction="10000"/>
+            <a:normAutofit/>
           </a:bodyPr>
           <a:lstStyle/>
           <a:p>
             <a:r>
               <a:rPr lang="en-US" dirty="0" smtClean="0"/>
-              <a:t>Descriptions</a:t>
-            </a:r>
-          </a:p>
-          <a:p>
-            <a:pPr marL="0" indent="0">
-              <a:buNone/>
-            </a:pPr>
-            <a:endParaRPr lang="en-US" dirty="0" smtClean="0">
-              <a:latin typeface="Source Code Pro Semibold" panose="020B0609030403020204" pitchFamily="49" charset="0"/>
-            </a:endParaRPr>
-          </a:p>
-          <a:p>
-            <a:pPr marL="0" indent="0">
-              <a:buNone/>
-            </a:pPr>
-            <a:r>
-              <a:rPr lang="en-US" dirty="0" smtClean="0">
-                <a:latin typeface="Source Code Pro Semibold" panose="020B0609030403020204" pitchFamily="49" charset="0"/>
-              </a:rPr>
-              <a:t>$ command</a:t>
-            </a:r>
-          </a:p>
-          <a:p>
-            <a:pPr marL="0" indent="0">
-              <a:buNone/>
-            </a:pPr>
-            <a:endParaRPr lang="en-US" sz="4000" dirty="0"/>
-          </a:p>
-          <a:p>
-            <a:pPr marL="0" indent="0">
-              <a:buNone/>
-            </a:pPr>
-            <a:r>
-              <a:rPr lang="en-US" sz="4000" dirty="0" smtClean="0">
-                <a:latin typeface="Source Code Pro Semibold" panose="020B0609030403020204" pitchFamily="49" charset="0"/>
-              </a:rPr>
-              <a:t>1Il|iO0oB8</a:t>
-            </a:r>
-            <a:endParaRPr lang="en-US" dirty="0" smtClean="0">
-              <a:latin typeface="Source Code Pro Semibold" panose="020B0609030403020204" pitchFamily="49" charset="0"/>
-            </a:endParaRPr>
-          </a:p>
-          <a:p>
-            <a:pPr marL="0" indent="0">
-              <a:buNone/>
-            </a:pPr>
-            <a:r>
-              <a:rPr lang="en-US" sz="4000" dirty="0" smtClean="0">
-                <a:latin typeface="Calibri" panose="020F0502020204030204" pitchFamily="34" charset="0"/>
-              </a:rPr>
-              <a:t>1Il|iO0oB8</a:t>
-            </a:r>
-          </a:p>
-          <a:p>
-            <a:pPr marL="0" indent="0">
-              <a:buNone/>
-            </a:pPr>
-            <a:endParaRPr lang="en-US" dirty="0" smtClean="0">
-              <a:latin typeface="Source Code Pro Semibold" panose="020B0609030403020204" pitchFamily="49" charset="0"/>
-            </a:endParaRPr>
-          </a:p>
-          <a:p>
-            <a:pPr marL="0" indent="0">
-              <a:buNone/>
-            </a:pPr>
-            <a:endParaRPr lang="en-US" dirty="0" smtClean="0">
-              <a:latin typeface="Source Code Pro Semibold" panose="020B0609030403020204" pitchFamily="49" charset="0"/>
-            </a:endParaRPr>
-          </a:p>
-          <a:p>
-            <a:pPr marL="0" indent="0">
-              <a:buNone/>
-            </a:pPr>
-            <a:r>
-              <a:rPr lang="en-US" dirty="0" smtClean="0">
-                <a:latin typeface="Source Code Pro Semibold" panose="020B0609030403020204" pitchFamily="49" charset="0"/>
-              </a:rPr>
-              <a:t>#comments</a:t>
-            </a:r>
-            <a:endParaRPr lang="en-US" dirty="0">
-              <a:latin typeface="Source Code Pro Semibold" panose="020B0609030403020204" pitchFamily="49" charset="0"/>
-            </a:endParaRPr>
+              <a:t>Intro</a:t>
+            </a:r>
+          </a:p>
+          <a:p>
+            <a:r>
+              <a:rPr lang="en-US" dirty="0" smtClean="0"/>
+              <a:t>Underlying concepts</a:t>
+            </a:r>
+          </a:p>
+          <a:p>
+            <a:r>
+              <a:rPr lang="en-US" dirty="0" smtClean="0"/>
+              <a:t>Where’s the mouse?</a:t>
+            </a:r>
+          </a:p>
+          <a:p>
+            <a:r>
+              <a:rPr lang="en-US" dirty="0" smtClean="0"/>
+              <a:t>Looking around</a:t>
+            </a:r>
+          </a:p>
+          <a:p>
+            <a:pPr lvl="1"/>
+            <a:r>
+              <a:rPr lang="en-US" dirty="0" smtClean="0"/>
+              <a:t>Permissions</a:t>
+            </a:r>
+          </a:p>
+          <a:p>
+            <a:r>
+              <a:rPr lang="en-US" dirty="0" smtClean="0"/>
+              <a:t>Getting around</a:t>
+            </a:r>
+          </a:p>
+          <a:p>
+            <a:r>
+              <a:rPr lang="en-US" dirty="0" smtClean="0"/>
+              <a:t>File commands</a:t>
+            </a:r>
+          </a:p>
+          <a:p>
+            <a:pPr lvl="1"/>
+            <a:r>
+              <a:rPr lang="en-US" dirty="0" smtClean="0"/>
+              <a:t>File I/O</a:t>
+            </a:r>
+          </a:p>
+          <a:p>
+            <a:r>
+              <a:rPr lang="en-US" dirty="0" smtClean="0"/>
+              <a:t>Redirection</a:t>
+            </a:r>
+          </a:p>
+          <a:p>
+            <a:r>
+              <a:rPr lang="en-US" dirty="0" smtClean="0"/>
+              <a:t>pipelines</a:t>
+            </a:r>
+          </a:p>
+          <a:p>
+            <a:endParaRPr lang="en-US" dirty="0"/>
           </a:p>
         </p:txBody>
       </p:sp>
     </p:spTree>
     <p:extLst>
       <p:ext uri="{BB962C8B-B14F-4D97-AF65-F5344CB8AC3E}">
-        <p14:creationId xmlns:p14="http://schemas.microsoft.com/office/powerpoint/2010/main" val="1607220874"/>
+        <p14:creationId xmlns:p14="http://schemas.microsoft.com/office/powerpoint/2010/main" val="1877784081"/>
       </p:ext>
     </p:extLst>
   </p:cSld>
@@ -14759,165 +14571,165 @@
           <a:lstStyle/>
           <a:p>
             <a:r>
-              <a:rPr lang="en-US" dirty="0" smtClean="0"/>
-              <a:t>Piping</a:t>
-            </a:r>
-            <a:endParaRPr lang="en-US" dirty="0"/>
-          </a:p>
-        </p:txBody>
-      </p:sp>
-      <p:sp>
-        <p:nvSpPr>
-          <p:cNvPr id="3" name="Content Placeholder 2"/>
-          <p:cNvSpPr>
-            <a:spLocks noGrp="1"/>
-          </p:cNvSpPr>
-          <p:nvPr>
-            <p:ph idx="1"/>
-          </p:nvPr>
-        </p:nvSpPr>
-        <p:spPr/>
-        <p:txBody>
-          <a:bodyPr/>
-          <a:lstStyle/>
-          <a:p>
-            <a:r>
-              <a:rPr lang="en-US" dirty="0" smtClean="0"/>
-              <a:t>Use the output of something as input for the next!</a:t>
-            </a:r>
-          </a:p>
-          <a:p>
-            <a:r>
-              <a:rPr lang="en-US" dirty="0" smtClean="0"/>
-              <a:t>Recall our </a:t>
-            </a:r>
-            <a:r>
               <a:rPr lang="en-US" dirty="0" err="1" smtClean="0"/>
               <a:t>awk</a:t>
             </a:r>
-            <a:r>
-              <a:rPr lang="en-US" dirty="0" smtClean="0"/>
-              <a:t> getting </a:t>
+            <a:endParaRPr lang="en-US" dirty="0"/>
+          </a:p>
+        </p:txBody>
+      </p:sp>
+      <p:sp>
+        <p:nvSpPr>
+          <p:cNvPr id="3" name="Content Placeholder 2"/>
+          <p:cNvSpPr>
+            <a:spLocks noGrp="1"/>
+          </p:cNvSpPr>
+          <p:nvPr>
+            <p:ph idx="1"/>
+          </p:nvPr>
+        </p:nvSpPr>
+        <p:spPr/>
+        <p:txBody>
+          <a:bodyPr/>
+          <a:lstStyle/>
+          <a:p>
+            <a:r>
+              <a:rPr lang="en-US" dirty="0" smtClean="0"/>
+              <a:t>Something more interesting</a:t>
+            </a:r>
+          </a:p>
+          <a:p>
+            <a:r>
+              <a:rPr lang="en-US" dirty="0" smtClean="0"/>
+              <a:t>Where did things map?</a:t>
+            </a:r>
+          </a:p>
+          <a:p>
+            <a:r>
+              <a:rPr lang="en-US" dirty="0" smtClean="0"/>
+              <a:t>Chromosome or </a:t>
             </a:r>
             <a:r>
               <a:rPr lang="en-US" dirty="0" err="1" smtClean="0"/>
-              <a:t>contigs</a:t>
+              <a:t>contig</a:t>
+            </a:r>
+            <a:r>
+              <a:rPr lang="en-US" dirty="0" smtClean="0"/>
+              <a:t> stored in column 3 in </a:t>
+            </a:r>
+            <a:r>
+              <a:rPr lang="en-US" dirty="0" err="1" smtClean="0"/>
+              <a:t>sam</a:t>
+            </a:r>
+            <a:r>
+              <a:rPr lang="en-US" dirty="0" smtClean="0"/>
+              <a:t> files</a:t>
+            </a:r>
+          </a:p>
+          <a:p>
+            <a:pPr marL="0" indent="0">
+              <a:buNone/>
+            </a:pPr>
+            <a:endParaRPr lang="en-US" dirty="0" smtClean="0"/>
+          </a:p>
+          <a:p>
+            <a:pPr marL="0" indent="0">
+              <a:buNone/>
+            </a:pPr>
+            <a:r>
+              <a:rPr lang="en-US" dirty="0" smtClean="0"/>
+              <a:t>$ </a:t>
+            </a:r>
+            <a:r>
+              <a:rPr lang="en-US" dirty="0" err="1"/>
+              <a:t>awk</a:t>
             </a:r>
             <a:r>
               <a:rPr lang="en-US" dirty="0"/>
+              <a:t> '{</a:t>
+            </a:r>
+            <a:r>
+              <a:rPr lang="en-US" dirty="0" smtClean="0"/>
+              <a:t>print $3}' Chip2comb_001b.sam</a:t>
+            </a:r>
+          </a:p>
+          <a:p>
+            <a:pPr marL="0" indent="0">
+              <a:buNone/>
+            </a:pPr>
+            <a:r>
+              <a:rPr lang="en-US" dirty="0" smtClean="0"/>
+              <a:t>#not quite what I wanted</a:t>
+            </a:r>
+          </a:p>
+          <a:p>
+            <a:pPr marL="0" indent="0">
+              <a:buNone/>
+            </a:pPr>
+            <a:endParaRPr lang="en-US" dirty="0" smtClean="0"/>
+          </a:p>
+          <a:p>
+            <a:pPr marL="0" indent="0">
+              <a:buNone/>
+            </a:pPr>
+            <a:r>
+              <a:rPr lang="en-US" dirty="0"/>
+              <a:t>$ </a:t>
+            </a:r>
+            <a:r>
+              <a:rPr lang="en-US" sz="2000" dirty="0" err="1"/>
+              <a:t>awk</a:t>
+            </a:r>
+            <a:r>
+              <a:rPr lang="en-US" sz="2000" dirty="0"/>
               <a:t> </a:t>
             </a:r>
             <a:r>
-              <a:rPr lang="en-US" dirty="0" smtClean="0"/>
-              <a:t>mapped</a:t>
-            </a:r>
-          </a:p>
-          <a:p>
-            <a:r>
-              <a:rPr lang="en-US" dirty="0" smtClean="0"/>
-              <a:t>Try this:</a:t>
-            </a:r>
-          </a:p>
-          <a:p>
-            <a:pPr marL="0" indent="0">
-              <a:buNone/>
-            </a:pPr>
-            <a:r>
-              <a:rPr lang="en-US" sz="1400" dirty="0" smtClean="0"/>
-              <a:t>$ </a:t>
-            </a:r>
-            <a:r>
-              <a:rPr lang="en-US" sz="1400" dirty="0" err="1"/>
-              <a:t>awk</a:t>
-            </a:r>
-            <a:r>
-              <a:rPr lang="en-US" sz="1400" dirty="0"/>
-              <a:t> '$1 !~ /^@/ {print $3}' </a:t>
-            </a:r>
-            <a:r>
-              <a:rPr lang="en-US" sz="1400" dirty="0" smtClean="0"/>
-              <a:t>Chip2comb_001b.sam | sort</a:t>
-            </a:r>
-          </a:p>
-          <a:p>
-            <a:pPr marL="0" indent="0">
-              <a:buNone/>
-            </a:pPr>
-            <a:r>
-              <a:rPr lang="en-US" sz="1400" dirty="0" smtClean="0"/>
-              <a:t>$ </a:t>
-            </a:r>
-            <a:r>
-              <a:rPr lang="en-US" sz="1400" dirty="0" err="1" smtClean="0"/>
-              <a:t>awk</a:t>
-            </a:r>
-            <a:r>
-              <a:rPr lang="en-US" sz="1400" dirty="0" smtClean="0"/>
-              <a:t> </a:t>
-            </a:r>
-            <a:r>
-              <a:rPr lang="en-US" sz="1400" dirty="0"/>
-              <a:t>'$1 !~ /^@/ {print $3}' </a:t>
-            </a:r>
-            <a:r>
-              <a:rPr lang="en-US" sz="1400" dirty="0" smtClean="0"/>
-              <a:t>Chip2comb_001b.sam | sort | </a:t>
-            </a:r>
-            <a:r>
-              <a:rPr lang="en-US" sz="1400" dirty="0" err="1" smtClean="0"/>
-              <a:t>uniq</a:t>
-            </a:r>
-            <a:endParaRPr lang="en-US" sz="1400" dirty="0" smtClean="0"/>
-          </a:p>
-          <a:p>
-            <a:pPr marL="0" indent="0">
-              <a:buNone/>
-            </a:pPr>
-            <a:r>
-              <a:rPr lang="en-US" sz="1400" dirty="0"/>
-              <a:t>$ </a:t>
-            </a:r>
-            <a:r>
-              <a:rPr lang="en-US" sz="1400" dirty="0" err="1"/>
-              <a:t>awk</a:t>
-            </a:r>
-            <a:r>
-              <a:rPr lang="en-US" sz="1400" dirty="0"/>
-              <a:t> '$1 !~ /^@/ {print $3}' Chip2comb_001b.sam | sort | </a:t>
-            </a:r>
-            <a:r>
-              <a:rPr lang="en-US" sz="1400" dirty="0" err="1" smtClean="0"/>
-              <a:t>uniq</a:t>
-            </a:r>
-            <a:r>
-              <a:rPr lang="en-US" sz="1400" dirty="0" smtClean="0"/>
-              <a:t> –c</a:t>
-            </a:r>
-          </a:p>
-          <a:p>
-            <a:pPr marL="0" indent="0">
-              <a:buNone/>
-            </a:pPr>
-            <a:endParaRPr lang="en-US" sz="1400" dirty="0"/>
-          </a:p>
-          <a:p>
-            <a:r>
-              <a:rPr lang="en-US" dirty="0" smtClean="0"/>
-              <a:t>What’s going on here?</a:t>
-            </a:r>
-          </a:p>
-          <a:p>
-            <a:pPr marL="0" indent="0">
-              <a:buNone/>
-            </a:pPr>
-            <a:endParaRPr lang="en-US" dirty="0"/>
+              <a:rPr lang="en-US" sz="2000" dirty="0" smtClean="0"/>
+              <a:t>'$1 !~ /^@/ {print </a:t>
+            </a:r>
+            <a:r>
+              <a:rPr lang="en-US" sz="2000" dirty="0"/>
+              <a:t>$3}' </a:t>
+            </a:r>
+            <a:r>
+              <a:rPr lang="en-US" sz="2000" dirty="0" smtClean="0"/>
+              <a:t>Chip2comb_001b.sam</a:t>
+            </a:r>
+          </a:p>
+          <a:p>
+            <a:pPr marL="0" indent="0">
+              <a:buNone/>
+            </a:pPr>
+            <a:r>
+              <a:rPr lang="en-US" sz="2000" dirty="0" smtClean="0"/>
+              <a:t>#there!</a:t>
+            </a:r>
+          </a:p>
+          <a:p>
+            <a:pPr marL="0" indent="0">
+              <a:buNone/>
+            </a:pPr>
+            <a:endParaRPr lang="en-US" sz="2000" dirty="0"/>
+          </a:p>
+          <a:p>
+            <a:pPr marL="0" indent="0">
+              <a:buNone/>
+            </a:pPr>
+            <a:endParaRPr lang="en-US" dirty="0" smtClean="0"/>
+          </a:p>
+          <a:p>
+            <a:pPr marL="0" indent="0">
+              <a:buNone/>
+            </a:pPr>
+            <a:endParaRPr lang="en-US" dirty="0" smtClean="0"/>
           </a:p>
         </p:txBody>
       </p:sp>
     </p:spTree>
     <p:extLst>
       <p:ext uri="{BB962C8B-B14F-4D97-AF65-F5344CB8AC3E}">
-        <p14:creationId xmlns:p14="http://schemas.microsoft.com/office/powerpoint/2010/main" val="1909256038"/>
+        <p14:creationId xmlns:p14="http://schemas.microsoft.com/office/powerpoint/2010/main" val="272229923"/>
       </p:ext>
     </p:extLst>
   </p:cSld>
@@ -14961,23 +14773,7 @@
           <a:p>
             <a:r>
               <a:rPr lang="en-US" dirty="0" smtClean="0"/>
-              <a:t>Convert a </a:t>
-            </a:r>
-            <a:r>
-              <a:rPr lang="en-US" dirty="0" err="1" smtClean="0"/>
-              <a:t>sam</a:t>
-            </a:r>
-            <a:r>
-              <a:rPr lang="en-US" dirty="0" smtClean="0"/>
-              <a:t> back into </a:t>
-            </a:r>
-            <a:r>
-              <a:rPr lang="en-US" dirty="0" err="1" smtClean="0"/>
-              <a:t>fastq</a:t>
-            </a:r>
-            <a:r>
-              <a:rPr lang="en-US" dirty="0" smtClean="0"/>
-              <a:t>?</a:t>
+              <a:t>Redirection</a:t>
             </a:r>
             <a:endParaRPr lang="en-US" dirty="0"/>
           </a:p>
@@ -14995,211 +14791,168 @@
         </p:nvSpPr>
         <p:spPr>
           <a:xfrm>
-            <a:off x="364211" y="2039815"/>
-            <a:ext cx="8779789" cy="4137148"/>
+            <a:off x="840000" y="1690689"/>
+            <a:ext cx="7675350" cy="5027826"/>
           </a:xfrm>
         </p:spPr>
         <p:txBody>
           <a:bodyPr>
-            <a:normAutofit/>
+            <a:normAutofit lnSpcReduction="10000"/>
           </a:bodyPr>
           <a:lstStyle/>
           <a:p>
-            <a:pPr marL="0" indent="0">
-              <a:buNone/>
-            </a:pPr>
-            <a:r>
-              <a:rPr lang="en-US" sz="1600" dirty="0" smtClean="0"/>
+            <a:r>
+              <a:rPr lang="en-US" dirty="0" smtClean="0"/>
+              <a:t>I want to save this output!</a:t>
+            </a:r>
+          </a:p>
+          <a:p>
+            <a:r>
+              <a:rPr lang="en-US" dirty="0" smtClean="0"/>
+              <a:t>Think of them as arrows</a:t>
+            </a:r>
+          </a:p>
+          <a:p>
+            <a:pPr marL="0" indent="0">
+              <a:buNone/>
+            </a:pPr>
+            <a:r>
+              <a:rPr lang="en-US" dirty="0" smtClean="0"/>
+              <a:t>&gt; #redirect thing left to file right</a:t>
+            </a:r>
+          </a:p>
+          <a:p>
+            <a:pPr marL="0" indent="0">
+              <a:buNone/>
+            </a:pPr>
+            <a:r>
+              <a:rPr lang="en-US" dirty="0" smtClean="0"/>
+              <a:t>&gt;&gt; #append instead of overwriting</a:t>
+            </a:r>
+          </a:p>
+          <a:p>
+            <a:pPr marL="0" indent="0">
+              <a:buNone/>
+            </a:pPr>
+            <a:r>
+              <a:rPr lang="en-US" dirty="0" smtClean="0"/>
+              <a:t>&lt; #redirect file right to thing left</a:t>
+            </a:r>
+          </a:p>
+          <a:p>
+            <a:pPr marL="0" indent="0">
+              <a:buNone/>
+            </a:pPr>
+            <a:endParaRPr lang="en-US" dirty="0" smtClean="0"/>
+          </a:p>
+          <a:p>
+            <a:r>
+              <a:rPr lang="en-US" dirty="0" smtClean="0"/>
+              <a:t>Concatenate files</a:t>
+            </a:r>
+          </a:p>
+          <a:p>
+            <a:pPr marL="0" indent="0">
+              <a:buNone/>
+            </a:pPr>
+            <a:r>
+              <a:rPr lang="en-US" dirty="0" smtClean="0"/>
               <a:t>$ </a:t>
             </a:r>
             <a:r>
-              <a:rPr lang="en-US" sz="1600" dirty="0" err="1" smtClean="0"/>
-              <a:t>awk</a:t>
-            </a:r>
-            <a:r>
-              <a:rPr lang="en-US" sz="1600" dirty="0" smtClean="0"/>
-              <a:t> </a:t>
-            </a:r>
-            <a:r>
-              <a:rPr lang="en-US" sz="1600" dirty="0"/>
-              <a:t>'!/^@/ {print "@"$1"\n"$10"\n+\n"$11}' </a:t>
-            </a:r>
-            <a:r>
-              <a:rPr lang="en-US" sz="1600" dirty="0" err="1" smtClean="0"/>
-              <a:t>sample.sam</a:t>
-            </a:r>
-            <a:r>
-              <a:rPr lang="en-US" sz="1600" dirty="0" smtClean="0"/>
+              <a:rPr lang="en-US" dirty="0"/>
+              <a:t>cat *.</a:t>
+            </a:r>
+            <a:r>
+              <a:rPr lang="en-US" dirty="0" err="1" smtClean="0"/>
+              <a:t>fa</a:t>
+            </a:r>
+            <a:r>
+              <a:rPr lang="en-US" dirty="0" smtClean="0"/>
               <a:t> &gt; </a:t>
             </a:r>
             <a:r>
-              <a:rPr lang="en-US" sz="1600" dirty="0" err="1" smtClean="0"/>
-              <a:t>sample.fastq</a:t>
-            </a:r>
-            <a:endParaRPr lang="en-US" sz="1600" dirty="0" smtClean="0"/>
-          </a:p>
-          <a:p>
-            <a:pPr marL="0" indent="0">
-              <a:buNone/>
-            </a:pPr>
-            <a:endParaRPr lang="en-US" sz="1600" dirty="0" smtClean="0"/>
-          </a:p>
-          <a:p>
-            <a:pPr marL="0" indent="0">
-              <a:buNone/>
-            </a:pPr>
-            <a:r>
-              <a:rPr lang="en-US" sz="1600" dirty="0" smtClean="0"/>
-              <a:t>#for bam files</a:t>
-            </a:r>
-          </a:p>
-          <a:p>
-            <a:pPr marL="0" indent="0">
-              <a:buNone/>
-            </a:pPr>
-            <a:r>
-              <a:rPr lang="en-US" sz="1600" dirty="0"/>
+              <a:rPr lang="en-US" dirty="0" err="1" smtClean="0"/>
+              <a:t>all.fa</a:t>
+            </a:r>
+            <a:endParaRPr lang="en-US" dirty="0" smtClean="0"/>
+          </a:p>
+          <a:p>
+            <a:pPr marL="0" indent="0">
+              <a:buNone/>
+            </a:pPr>
+            <a:endParaRPr lang="en-US" dirty="0" smtClean="0"/>
+          </a:p>
+          <a:p>
+            <a:r>
+              <a:rPr lang="en-US" dirty="0" smtClean="0"/>
+              <a:t>Generate a smaller file to play with</a:t>
+            </a:r>
+          </a:p>
+          <a:p>
+            <a:pPr marL="0" indent="0">
+              <a:buNone/>
+            </a:pPr>
+            <a:r>
+              <a:rPr lang="en-US" dirty="0" smtClean="0"/>
               <a:t>$ </a:t>
             </a:r>
             <a:r>
-              <a:rPr lang="en-US" sz="1600" dirty="0" err="1" smtClean="0"/>
-              <a:t>samtools</a:t>
-            </a:r>
-            <a:r>
-              <a:rPr lang="en-US" sz="1600" dirty="0" smtClean="0"/>
-              <a:t> view </a:t>
-            </a:r>
-            <a:r>
-              <a:rPr lang="en-US" sz="1600" dirty="0" err="1" smtClean="0"/>
-              <a:t>sample.bam</a:t>
-            </a:r>
-            <a:r>
-              <a:rPr lang="en-US" sz="1600" dirty="0" smtClean="0"/>
-              <a:t> | \</a:t>
-            </a:r>
-          </a:p>
-          <a:p>
-            <a:pPr marL="0" indent="0">
-              <a:buNone/>
-            </a:pPr>
-            <a:r>
-              <a:rPr lang="en-US" sz="1600" dirty="0" err="1" smtClean="0"/>
-              <a:t>awk</a:t>
-            </a:r>
-            <a:r>
-              <a:rPr lang="en-US" sz="1600" dirty="0" smtClean="0"/>
-              <a:t> </a:t>
-            </a:r>
-            <a:r>
-              <a:rPr lang="en-US" sz="1600" dirty="0"/>
-              <a:t>'!/^@/ {print "@"$1"\n"$10"\n+\n"$11}' </a:t>
-            </a:r>
-            <a:r>
-              <a:rPr lang="en-US" sz="1600" dirty="0" smtClean="0"/>
-              <a:t>&gt; </a:t>
-            </a:r>
-            <a:r>
-              <a:rPr lang="en-US" sz="1600" dirty="0" err="1" smtClean="0"/>
-              <a:t>sample.fastq</a:t>
-            </a:r>
-            <a:endParaRPr lang="en-US" sz="1600" dirty="0" smtClean="0"/>
-          </a:p>
-          <a:p>
-            <a:pPr marL="0" indent="0">
-              <a:buNone/>
-            </a:pPr>
-            <a:endParaRPr lang="en-US" sz="1600" dirty="0"/>
-          </a:p>
-          <a:p>
-            <a:pPr marL="0" indent="0">
-              <a:buNone/>
-            </a:pPr>
-            <a:r>
-              <a:rPr lang="en-US" sz="1600" dirty="0" smtClean="0"/>
-              <a:t>#for all of them:</a:t>
-            </a:r>
-          </a:p>
-          <a:p>
-            <a:pPr marL="0" indent="0">
-              <a:buNone/>
-            </a:pPr>
-            <a:r>
-              <a:rPr lang="en-US" sz="1600" dirty="0"/>
-              <a:t>for s </a:t>
-            </a:r>
-            <a:r>
-              <a:rPr lang="en-US" sz="1600"/>
-              <a:t>in </a:t>
-            </a:r>
-            <a:r>
-              <a:rPr lang="en-US" sz="1600" smtClean="0"/>
-              <a:t>*.bam</a:t>
-            </a:r>
-            <a:endParaRPr lang="en-US" sz="1600" dirty="0"/>
-          </a:p>
-          <a:p>
-            <a:pPr marL="0" indent="0">
-              <a:buNone/>
-            </a:pPr>
-            <a:r>
-              <a:rPr lang="en-US" sz="1600" dirty="0"/>
-              <a:t>do</a:t>
-            </a:r>
-          </a:p>
-          <a:p>
-            <a:pPr marL="0" indent="0">
-              <a:buNone/>
-            </a:pPr>
-            <a:r>
-              <a:rPr lang="en-US" sz="1600" dirty="0"/>
-              <a:t>    </a:t>
-            </a:r>
-            <a:r>
-              <a:rPr lang="en-US" sz="1600" dirty="0" err="1"/>
-              <a:t>samtools</a:t>
-            </a:r>
-            <a:r>
-              <a:rPr lang="en-US" sz="1600" dirty="0"/>
-              <a:t> view $s | </a:t>
-            </a:r>
-            <a:r>
-              <a:rPr lang="en-US" sz="1600" dirty="0" err="1"/>
-              <a:t>awk</a:t>
-            </a:r>
-            <a:r>
-              <a:rPr lang="en-US" sz="1600" dirty="0"/>
-              <a:t> '!/^@/ {print "@"$1"\n"$10"\n+\n"$11}' &gt; ${s/%bam/</a:t>
-            </a:r>
-            <a:r>
-              <a:rPr lang="en-US" sz="1600" dirty="0" err="1"/>
-              <a:t>fastq</a:t>
-            </a:r>
-            <a:r>
-              <a:rPr lang="en-US" sz="1600" dirty="0"/>
-              <a:t>}</a:t>
-            </a:r>
-          </a:p>
-          <a:p>
-            <a:pPr marL="0" indent="0">
-              <a:buNone/>
-            </a:pPr>
-            <a:r>
-              <a:rPr lang="en-US" sz="1600" dirty="0"/>
-              <a:t>done</a:t>
-            </a:r>
-          </a:p>
-          <a:p>
-            <a:pPr marL="0" indent="0">
-              <a:buNone/>
-            </a:pPr>
-            <a:endParaRPr lang="en-US" sz="1600" dirty="0"/>
+              <a:rPr lang="en-US" dirty="0" err="1" smtClean="0"/>
+              <a:t>shuf</a:t>
+            </a:r>
+            <a:r>
+              <a:rPr lang="en-US" dirty="0" smtClean="0"/>
+              <a:t> –n 100 big_file.txt &gt; sample.txt</a:t>
+            </a:r>
+          </a:p>
+          <a:p>
+            <a:pPr marL="0" indent="0">
+              <a:buNone/>
+            </a:pPr>
+            <a:r>
+              <a:rPr lang="en-US" dirty="0"/>
+              <a:t>$ </a:t>
+            </a:r>
+            <a:r>
+              <a:rPr lang="en-US" dirty="0" smtClean="0"/>
+              <a:t>head –n </a:t>
+            </a:r>
+            <a:r>
+              <a:rPr lang="en-US" dirty="0"/>
+              <a:t>100 big_file.txt &gt; sample.txt</a:t>
+            </a:r>
+          </a:p>
+          <a:p>
+            <a:pPr marL="0" indent="0">
+              <a:buNone/>
+            </a:pPr>
+            <a:endParaRPr lang="en-US" dirty="0" smtClean="0"/>
+          </a:p>
+          <a:p>
+            <a:pPr marL="0" indent="0">
+              <a:buNone/>
+            </a:pPr>
+            <a:endParaRPr lang="en-US" dirty="0"/>
+          </a:p>
+          <a:p>
+            <a:pPr marL="0" indent="0">
+              <a:buNone/>
+            </a:pPr>
+            <a:endParaRPr lang="en-US" dirty="0" smtClean="0"/>
+          </a:p>
+          <a:p>
+            <a:pPr marL="0" indent="0">
+              <a:buNone/>
+            </a:pPr>
+            <a:endParaRPr lang="en-US" dirty="0" smtClean="0"/>
           </a:p>
         </p:txBody>
       </p:sp>
     </p:spTree>
     <p:extLst>
       <p:ext uri="{BB962C8B-B14F-4D97-AF65-F5344CB8AC3E}">
-        <p14:creationId xmlns:p14="http://schemas.microsoft.com/office/powerpoint/2010/main" val="2953814565"/>
+        <p14:creationId xmlns:p14="http://schemas.microsoft.com/office/powerpoint/2010/main" val="2677628488"/>
       </p:ext>
     </p:extLst>
   </p:cSld>
@@ -15243,6 +14996,489 @@
           <a:p>
             <a:r>
               <a:rPr lang="en-US" dirty="0" smtClean="0"/>
+              <a:t>Piping</a:t>
+            </a:r>
+            <a:endParaRPr lang="en-US" dirty="0"/>
+          </a:p>
+        </p:txBody>
+      </p:sp>
+      <p:sp>
+        <p:nvSpPr>
+          <p:cNvPr id="3" name="Content Placeholder 2"/>
+          <p:cNvSpPr>
+            <a:spLocks noGrp="1"/>
+          </p:cNvSpPr>
+          <p:nvPr>
+            <p:ph idx="1"/>
+          </p:nvPr>
+        </p:nvSpPr>
+        <p:spPr/>
+        <p:txBody>
+          <a:bodyPr/>
+          <a:lstStyle/>
+          <a:p>
+            <a:r>
+              <a:rPr lang="en-US" dirty="0" smtClean="0"/>
+              <a:t>Use the output of something as input for the next!</a:t>
+            </a:r>
+          </a:p>
+          <a:p>
+            <a:r>
+              <a:rPr lang="en-US" dirty="0" smtClean="0"/>
+              <a:t>Recall our </a:t>
+            </a:r>
+            <a:r>
+              <a:rPr lang="en-US" dirty="0" err="1" smtClean="0"/>
+              <a:t>awk</a:t>
+            </a:r>
+            <a:r>
+              <a:rPr lang="en-US" dirty="0" smtClean="0"/>
+              <a:t> getting </a:t>
+            </a:r>
+            <a:r>
+              <a:rPr lang="en-US" dirty="0" err="1" smtClean="0"/>
+              <a:t>contigs</a:t>
+            </a:r>
+            <a:r>
+              <a:rPr lang="en-US" dirty="0"/>
+              <a:t> </a:t>
+            </a:r>
+            <a:r>
+              <a:rPr lang="en-US" dirty="0" smtClean="0"/>
+              <a:t>mapped</a:t>
+            </a:r>
+          </a:p>
+          <a:p>
+            <a:r>
+              <a:rPr lang="en-US" dirty="0" smtClean="0"/>
+              <a:t>Try this:</a:t>
+            </a:r>
+          </a:p>
+          <a:p>
+            <a:pPr marL="0" indent="0">
+              <a:buNone/>
+            </a:pPr>
+            <a:r>
+              <a:rPr lang="en-US" sz="1400" dirty="0" smtClean="0"/>
+              <a:t>$ </a:t>
+            </a:r>
+            <a:r>
+              <a:rPr lang="en-US" sz="1400" dirty="0" err="1"/>
+              <a:t>awk</a:t>
+            </a:r>
+            <a:r>
+              <a:rPr lang="en-US" sz="1400" dirty="0"/>
+              <a:t> '$1 !~ /^@/ {print $3}' </a:t>
+            </a:r>
+            <a:r>
+              <a:rPr lang="en-US" sz="1400" dirty="0" smtClean="0"/>
+              <a:t>Chip2comb_001b.sam | sort</a:t>
+            </a:r>
+          </a:p>
+          <a:p>
+            <a:pPr marL="0" indent="0">
+              <a:buNone/>
+            </a:pPr>
+            <a:r>
+              <a:rPr lang="en-US" sz="1400" dirty="0" smtClean="0"/>
+              <a:t>$ </a:t>
+            </a:r>
+            <a:r>
+              <a:rPr lang="en-US" sz="1400" dirty="0" err="1" smtClean="0"/>
+              <a:t>awk</a:t>
+            </a:r>
+            <a:r>
+              <a:rPr lang="en-US" sz="1400" dirty="0" smtClean="0"/>
+              <a:t> </a:t>
+            </a:r>
+            <a:r>
+              <a:rPr lang="en-US" sz="1400" dirty="0"/>
+              <a:t>'$1 !~ /^@/ {print $3}' </a:t>
+            </a:r>
+            <a:r>
+              <a:rPr lang="en-US" sz="1400" dirty="0" smtClean="0"/>
+              <a:t>Chip2comb_001b.sam | sort | </a:t>
+            </a:r>
+            <a:r>
+              <a:rPr lang="en-US" sz="1400" dirty="0" err="1" smtClean="0"/>
+              <a:t>uniq</a:t>
+            </a:r>
+            <a:endParaRPr lang="en-US" sz="1400" dirty="0" smtClean="0"/>
+          </a:p>
+          <a:p>
+            <a:pPr marL="0" indent="0">
+              <a:buNone/>
+            </a:pPr>
+            <a:r>
+              <a:rPr lang="en-US" sz="1400" dirty="0"/>
+              <a:t>$ </a:t>
+            </a:r>
+            <a:r>
+              <a:rPr lang="en-US" sz="1400" dirty="0" err="1"/>
+              <a:t>awk</a:t>
+            </a:r>
+            <a:r>
+              <a:rPr lang="en-US" sz="1400" dirty="0"/>
+              <a:t> '$1 !~ /^@/ {print $3}' Chip2comb_001b.sam | sort | </a:t>
+            </a:r>
+            <a:r>
+              <a:rPr lang="en-US" sz="1400" dirty="0" err="1" smtClean="0"/>
+              <a:t>uniq</a:t>
+            </a:r>
+            <a:r>
+              <a:rPr lang="en-US" sz="1400" dirty="0" smtClean="0"/>
+              <a:t> –c</a:t>
+            </a:r>
+          </a:p>
+          <a:p>
+            <a:pPr marL="0" indent="0">
+              <a:buNone/>
+            </a:pPr>
+            <a:endParaRPr lang="en-US" sz="1400" dirty="0"/>
+          </a:p>
+          <a:p>
+            <a:r>
+              <a:rPr lang="en-US" dirty="0" smtClean="0"/>
+              <a:t>What’s going on here?</a:t>
+            </a:r>
+          </a:p>
+          <a:p>
+            <a:pPr marL="0" indent="0">
+              <a:buNone/>
+            </a:pPr>
+            <a:endParaRPr lang="en-US" dirty="0"/>
+          </a:p>
+        </p:txBody>
+      </p:sp>
+    </p:spTree>
+    <p:extLst>
+      <p:ext uri="{BB962C8B-B14F-4D97-AF65-F5344CB8AC3E}">
+        <p14:creationId xmlns:p14="http://schemas.microsoft.com/office/powerpoint/2010/main" val="1909256038"/>
+      </p:ext>
+    </p:extLst>
+  </p:cSld>
+  <p:clrMapOvr>
+    <a:masterClrMapping/>
+  </p:clrMapOvr>
+</p:sld>
+</file>
+
+<file path=ppt/slides/slide43.xml><?xml version="1.0" encoding="utf-8"?>
+<p:sld xmlns:a="http://schemas.openxmlformats.org/drawingml/2006/main" xmlns:r="http://schemas.openxmlformats.org/officeDocument/2006/relationships" xmlns:p="http://schemas.openxmlformats.org/presentationml/2006/main">
+  <p:cSld>
+    <p:spTree>
+      <p:nvGrpSpPr>
+        <p:cNvPr id="1" name=""/>
+        <p:cNvGrpSpPr/>
+        <p:nvPr/>
+      </p:nvGrpSpPr>
+      <p:grpSpPr>
+        <a:xfrm>
+          <a:off x="0" y="0"/>
+          <a:ext cx="0" cy="0"/>
+          <a:chOff x="0" y="0"/>
+          <a:chExt cx="0" cy="0"/>
+        </a:xfrm>
+      </p:grpSpPr>
+      <p:sp>
+        <p:nvSpPr>
+          <p:cNvPr id="2" name="Title 1"/>
+          <p:cNvSpPr>
+            <a:spLocks noGrp="1"/>
+          </p:cNvSpPr>
+          <p:nvPr>
+            <p:ph type="title"/>
+          </p:nvPr>
+        </p:nvSpPr>
+        <p:spPr/>
+        <p:txBody>
+          <a:bodyPr/>
+          <a:lstStyle/>
+          <a:p>
+            <a:r>
+              <a:rPr lang="en-US" dirty="0" smtClean="0"/>
+              <a:t>Convert a </a:t>
+            </a:r>
+            <a:r>
+              <a:rPr lang="en-US" dirty="0" err="1" smtClean="0"/>
+              <a:t>sam</a:t>
+            </a:r>
+            <a:r>
+              <a:rPr lang="en-US" dirty="0" smtClean="0"/>
+              <a:t> back into </a:t>
+            </a:r>
+            <a:r>
+              <a:rPr lang="en-US" dirty="0" err="1" smtClean="0"/>
+              <a:t>fastq</a:t>
+            </a:r>
+            <a:r>
+              <a:rPr lang="en-US" dirty="0" smtClean="0"/>
+              <a:t>?</a:t>
+            </a:r>
+            <a:endParaRPr lang="en-US" dirty="0"/>
+          </a:p>
+        </p:txBody>
+      </p:sp>
+      <p:sp>
+        <p:nvSpPr>
+          <p:cNvPr id="3" name="Content Placeholder 2"/>
+          <p:cNvSpPr>
+            <a:spLocks noGrp="1"/>
+          </p:cNvSpPr>
+          <p:nvPr>
+            <p:ph idx="1"/>
+          </p:nvPr>
+        </p:nvSpPr>
+        <p:spPr>
+          <a:xfrm>
+            <a:off x="364211" y="2039815"/>
+            <a:ext cx="8779789" cy="4137148"/>
+          </a:xfrm>
+        </p:spPr>
+        <p:txBody>
+          <a:bodyPr>
+            <a:normAutofit/>
+          </a:bodyPr>
+          <a:lstStyle/>
+          <a:p>
+            <a:pPr marL="0" indent="0">
+              <a:buNone/>
+            </a:pPr>
+            <a:r>
+              <a:rPr lang="en-US" sz="1600" dirty="0" smtClean="0"/>
+              <a:t>$ </a:t>
+            </a:r>
+            <a:r>
+              <a:rPr lang="en-US" sz="1600" dirty="0" err="1" smtClean="0"/>
+              <a:t>awk</a:t>
+            </a:r>
+            <a:r>
+              <a:rPr lang="en-US" sz="1600" dirty="0" smtClean="0"/>
+              <a:t> </a:t>
+            </a:r>
+            <a:r>
+              <a:rPr lang="en-US" sz="1600" dirty="0"/>
+              <a:t>'!/^@/ {print "@"$1"\n"$10"\n+\n"$11}' </a:t>
+            </a:r>
+            <a:r>
+              <a:rPr lang="en-US" sz="1600" dirty="0" err="1" smtClean="0"/>
+              <a:t>sample.sam</a:t>
+            </a:r>
+            <a:r>
+              <a:rPr lang="en-US" sz="1600" dirty="0" smtClean="0"/>
+              <a:t> &gt; </a:t>
+            </a:r>
+            <a:r>
+              <a:rPr lang="en-US" sz="1600" dirty="0" err="1" smtClean="0"/>
+              <a:t>sample.fastq</a:t>
+            </a:r>
+            <a:endParaRPr lang="en-US" sz="1600" dirty="0" smtClean="0"/>
+          </a:p>
+          <a:p>
+            <a:pPr marL="0" indent="0">
+              <a:buNone/>
+            </a:pPr>
+            <a:endParaRPr lang="en-US" sz="1600" dirty="0" smtClean="0"/>
+          </a:p>
+          <a:p>
+            <a:pPr marL="0" indent="0">
+              <a:buNone/>
+            </a:pPr>
+            <a:r>
+              <a:rPr lang="en-US" sz="1600" dirty="0" smtClean="0"/>
+              <a:t>#for bam files</a:t>
+            </a:r>
+          </a:p>
+          <a:p>
+            <a:pPr marL="0" indent="0">
+              <a:buNone/>
+            </a:pPr>
+            <a:r>
+              <a:rPr lang="en-US" sz="1600" dirty="0"/>
+              <a:t>$ </a:t>
+            </a:r>
+            <a:r>
+              <a:rPr lang="en-US" sz="1600" dirty="0" err="1" smtClean="0"/>
+              <a:t>samtools</a:t>
+            </a:r>
+            <a:r>
+              <a:rPr lang="en-US" sz="1600" dirty="0" smtClean="0"/>
+              <a:t> view </a:t>
+            </a:r>
+            <a:r>
+              <a:rPr lang="en-US" sz="1600" dirty="0" err="1" smtClean="0"/>
+              <a:t>sample.bam</a:t>
+            </a:r>
+            <a:r>
+              <a:rPr lang="en-US" sz="1600" dirty="0" smtClean="0"/>
+              <a:t> | \</a:t>
+            </a:r>
+          </a:p>
+          <a:p>
+            <a:pPr marL="0" indent="0">
+              <a:buNone/>
+            </a:pPr>
+            <a:r>
+              <a:rPr lang="en-US" sz="1600" dirty="0" err="1" smtClean="0"/>
+              <a:t>awk</a:t>
+            </a:r>
+            <a:r>
+              <a:rPr lang="en-US" sz="1600" dirty="0" smtClean="0"/>
+              <a:t> </a:t>
+            </a:r>
+            <a:r>
+              <a:rPr lang="en-US" sz="1600" dirty="0"/>
+              <a:t>'!/^@/ {print "@"$1"\n"$10"\n+\n"$11}' </a:t>
+            </a:r>
+            <a:r>
+              <a:rPr lang="en-US" sz="1600" dirty="0" smtClean="0"/>
+              <a:t>&gt; </a:t>
+            </a:r>
+            <a:r>
+              <a:rPr lang="en-US" sz="1600" dirty="0" err="1" smtClean="0"/>
+              <a:t>sample.fastq</a:t>
+            </a:r>
+            <a:endParaRPr lang="en-US" sz="1600" dirty="0" smtClean="0"/>
+          </a:p>
+          <a:p>
+            <a:pPr marL="0" indent="0">
+              <a:buNone/>
+            </a:pPr>
+            <a:endParaRPr lang="en-US" sz="1600" dirty="0"/>
+          </a:p>
+          <a:p>
+            <a:pPr marL="0" indent="0">
+              <a:buNone/>
+            </a:pPr>
+            <a:r>
+              <a:rPr lang="en-US" sz="1600" dirty="0" smtClean="0"/>
+              <a:t>#for all of them:</a:t>
+            </a:r>
+          </a:p>
+          <a:p>
+            <a:pPr marL="0" indent="0">
+              <a:buNone/>
+            </a:pPr>
+            <a:r>
+              <a:rPr lang="en-US" sz="1600" dirty="0"/>
+              <a:t>for s </a:t>
+            </a:r>
+            <a:r>
+              <a:rPr lang="en-US" sz="1600"/>
+              <a:t>in </a:t>
+            </a:r>
+            <a:r>
+              <a:rPr lang="en-US" sz="1600" smtClean="0"/>
+              <a:t>*.bam</a:t>
+            </a:r>
+            <a:endParaRPr lang="en-US" sz="1600" dirty="0"/>
+          </a:p>
+          <a:p>
+            <a:pPr marL="0" indent="0">
+              <a:buNone/>
+            </a:pPr>
+            <a:r>
+              <a:rPr lang="en-US" sz="1600" dirty="0"/>
+              <a:t>do</a:t>
+            </a:r>
+          </a:p>
+          <a:p>
+            <a:pPr marL="0" indent="0">
+              <a:buNone/>
+            </a:pPr>
+            <a:r>
+              <a:rPr lang="en-US" sz="1600" dirty="0"/>
+              <a:t>    </a:t>
+            </a:r>
+            <a:r>
+              <a:rPr lang="en-US" sz="1600" dirty="0" err="1"/>
+              <a:t>samtools</a:t>
+            </a:r>
+            <a:r>
+              <a:rPr lang="en-US" sz="1600" dirty="0"/>
+              <a:t> view $s | </a:t>
+            </a:r>
+            <a:r>
+              <a:rPr lang="en-US" sz="1600" dirty="0" err="1"/>
+              <a:t>awk</a:t>
+            </a:r>
+            <a:r>
+              <a:rPr lang="en-US" sz="1600" dirty="0"/>
+              <a:t> '!/^@/ {print "@"$1"\n"$10"\n+\n"$11}' &gt; ${s/%bam/</a:t>
+            </a:r>
+            <a:r>
+              <a:rPr lang="en-US" sz="1600" dirty="0" err="1"/>
+              <a:t>fastq</a:t>
+            </a:r>
+            <a:r>
+              <a:rPr lang="en-US" sz="1600" dirty="0"/>
+              <a:t>}</a:t>
+            </a:r>
+          </a:p>
+          <a:p>
+            <a:pPr marL="0" indent="0">
+              <a:buNone/>
+            </a:pPr>
+            <a:r>
+              <a:rPr lang="en-US" sz="1600" dirty="0"/>
+              <a:t>done</a:t>
+            </a:r>
+          </a:p>
+          <a:p>
+            <a:pPr marL="0" indent="0">
+              <a:buNone/>
+            </a:pPr>
+            <a:endParaRPr lang="en-US" sz="1600" dirty="0"/>
+          </a:p>
+        </p:txBody>
+      </p:sp>
+    </p:spTree>
+    <p:extLst>
+      <p:ext uri="{BB962C8B-B14F-4D97-AF65-F5344CB8AC3E}">
+        <p14:creationId xmlns:p14="http://schemas.microsoft.com/office/powerpoint/2010/main" val="2953814565"/>
+      </p:ext>
+    </p:extLst>
+  </p:cSld>
+  <p:clrMapOvr>
+    <a:masterClrMapping/>
+  </p:clrMapOvr>
+</p:sld>
+</file>
+
+<file path=ppt/slides/slide44.xml><?xml version="1.0" encoding="utf-8"?>
+<p:sld xmlns:a="http://schemas.openxmlformats.org/drawingml/2006/main" xmlns:r="http://schemas.openxmlformats.org/officeDocument/2006/relationships" xmlns:p="http://schemas.openxmlformats.org/presentationml/2006/main">
+  <p:cSld>
+    <p:spTree>
+      <p:nvGrpSpPr>
+        <p:cNvPr id="1" name=""/>
+        <p:cNvGrpSpPr/>
+        <p:nvPr/>
+      </p:nvGrpSpPr>
+      <p:grpSpPr>
+        <a:xfrm>
+          <a:off x="0" y="0"/>
+          <a:ext cx="0" cy="0"/>
+          <a:chOff x="0" y="0"/>
+          <a:chExt cx="0" cy="0"/>
+        </a:xfrm>
+      </p:grpSpPr>
+      <p:sp>
+        <p:nvSpPr>
+          <p:cNvPr id="2" name="Title 1"/>
+          <p:cNvSpPr>
+            <a:spLocks noGrp="1"/>
+          </p:cNvSpPr>
+          <p:nvPr>
+            <p:ph type="title"/>
+          </p:nvPr>
+        </p:nvSpPr>
+        <p:spPr/>
+        <p:txBody>
+          <a:bodyPr/>
+          <a:lstStyle/>
+          <a:p>
+            <a:r>
+              <a:rPr lang="en-US" dirty="0" smtClean="0"/>
               <a:t>Questions? Brainstorms?</a:t>
             </a:r>
             <a:endParaRPr lang="en-US" dirty="0"/>
@@ -15281,7 +15517,7 @@
 </p:sld>
 </file>
 
-<file path=ppt/slides/slide43.xml><?xml version="1.0" encoding="utf-8"?>
+<file path=ppt/slides/slide45.xml><?xml version="1.0" encoding="utf-8"?>
 <p:sld xmlns:a="http://schemas.openxmlformats.org/drawingml/2006/main" xmlns:r="http://schemas.openxmlformats.org/officeDocument/2006/relationships" xmlns:p="http://schemas.openxmlformats.org/presentationml/2006/main">
   <p:cSld>
     <p:spTree>
@@ -15424,7 +15660,7 @@
 </p:sld>
 </file>
 
-<file path=ppt/slides/slide44.xml><?xml version="1.0" encoding="utf-8"?>
+<file path=ppt/slides/slide46.xml><?xml version="1.0" encoding="utf-8"?>
 <p:sld xmlns:a="http://schemas.openxmlformats.org/drawingml/2006/main" xmlns:r="http://schemas.openxmlformats.org/officeDocument/2006/relationships" xmlns:p="http://schemas.openxmlformats.org/presentationml/2006/main">
   <p:cSld>
     <p:spTree>
@@ -16215,6 +16451,170 @@
           <a:p>
             <a:r>
               <a:rPr lang="en-US" dirty="0" smtClean="0"/>
+              <a:t>Some Conventions</a:t>
+            </a:r>
+            <a:endParaRPr lang="en-US" dirty="0"/>
+          </a:p>
+        </p:txBody>
+      </p:sp>
+      <p:sp>
+        <p:nvSpPr>
+          <p:cNvPr id="3" name="Content Placeholder 2"/>
+          <p:cNvSpPr>
+            <a:spLocks noGrp="1"/>
+          </p:cNvSpPr>
+          <p:nvPr>
+            <p:ph idx="1"/>
+          </p:nvPr>
+        </p:nvSpPr>
+        <p:spPr/>
+        <p:txBody>
+          <a:bodyPr>
+            <a:normAutofit lnSpcReduction="10000"/>
+          </a:bodyPr>
+          <a:lstStyle/>
+          <a:p>
+            <a:r>
+              <a:rPr lang="en-US" dirty="0" smtClean="0"/>
+              <a:t>Descriptions</a:t>
+            </a:r>
+          </a:p>
+          <a:p>
+            <a:pPr marL="0" indent="0">
+              <a:buNone/>
+            </a:pPr>
+            <a:endParaRPr lang="en-US" dirty="0" smtClean="0">
+              <a:latin typeface="Source Code Pro Semibold" panose="020B0609030403020204" pitchFamily="49" charset="0"/>
+            </a:endParaRPr>
+          </a:p>
+          <a:p>
+            <a:pPr marL="0" indent="0">
+              <a:buNone/>
+            </a:pPr>
+            <a:r>
+              <a:rPr lang="en-US" dirty="0" smtClean="0">
+                <a:latin typeface="Source Code Pro Semibold" panose="020B0609030403020204" pitchFamily="49" charset="0"/>
+              </a:rPr>
+              <a:t>$ command</a:t>
+            </a:r>
+          </a:p>
+          <a:p>
+            <a:pPr marL="0" indent="0">
+              <a:buNone/>
+            </a:pPr>
+            <a:endParaRPr lang="en-US" sz="4000" dirty="0"/>
+          </a:p>
+          <a:p>
+            <a:pPr marL="0" indent="0">
+              <a:buNone/>
+            </a:pPr>
+            <a:r>
+              <a:rPr lang="en-US" sz="4000" dirty="0" smtClean="0">
+                <a:latin typeface="Source Code Pro Semibold" panose="020B0609030403020204" pitchFamily="49" charset="0"/>
+              </a:rPr>
+              <a:t>1Il|iO0oB8</a:t>
+            </a:r>
+            <a:endParaRPr lang="en-US" dirty="0" smtClean="0">
+              <a:latin typeface="Source Code Pro Semibold" panose="020B0609030403020204" pitchFamily="49" charset="0"/>
+            </a:endParaRPr>
+          </a:p>
+          <a:p>
+            <a:pPr marL="0" indent="0">
+              <a:buNone/>
+            </a:pPr>
+            <a:r>
+              <a:rPr lang="en-US" sz="4000" dirty="0" smtClean="0">
+                <a:latin typeface="Calibri" panose="020F0502020204030204" pitchFamily="34" charset="0"/>
+              </a:rPr>
+              <a:t>1Il|iO0oB8</a:t>
+            </a:r>
+          </a:p>
+          <a:p>
+            <a:pPr marL="0" indent="0">
+              <a:buNone/>
+            </a:pPr>
+            <a:endParaRPr lang="en-US" dirty="0" smtClean="0">
+              <a:latin typeface="Source Code Pro Semibold" panose="020B0609030403020204" pitchFamily="49" charset="0"/>
+            </a:endParaRPr>
+          </a:p>
+          <a:p>
+            <a:pPr marL="0" indent="0">
+              <a:buNone/>
+            </a:pPr>
+            <a:endParaRPr lang="en-US" dirty="0" smtClean="0">
+              <a:latin typeface="Source Code Pro Semibold" panose="020B0609030403020204" pitchFamily="49" charset="0"/>
+            </a:endParaRPr>
+          </a:p>
+          <a:p>
+            <a:pPr marL="0" indent="0">
+              <a:buNone/>
+            </a:pPr>
+            <a:r>
+              <a:rPr lang="en-US" dirty="0" smtClean="0">
+                <a:latin typeface="Source Code Pro Semibold" panose="020B0609030403020204" pitchFamily="49" charset="0"/>
+              </a:rPr>
+              <a:t>#comments</a:t>
+            </a:r>
+            <a:endParaRPr lang="en-US" dirty="0">
+              <a:latin typeface="Source Code Pro Semibold" panose="020B0609030403020204" pitchFamily="49" charset="0"/>
+            </a:endParaRPr>
+          </a:p>
+        </p:txBody>
+      </p:sp>
+    </p:spTree>
+    <p:extLst>
+      <p:ext uri="{BB962C8B-B14F-4D97-AF65-F5344CB8AC3E}">
+        <p14:creationId xmlns:p14="http://schemas.microsoft.com/office/powerpoint/2010/main" val="1607220874"/>
+      </p:ext>
+    </p:extLst>
+  </p:cSld>
+  <p:clrMapOvr>
+    <a:masterClrMapping/>
+  </p:clrMapOvr>
+  <p:timing>
+    <p:tnLst>
+      <p:par>
+        <p:cTn id="1" dur="indefinite" restart="never" nodeType="tmRoot"/>
+      </p:par>
+    </p:tnLst>
+  </p:timing>
+</p:sld>
+</file>
+
+<file path=ppt/slides/slide6.xml><?xml version="1.0" encoding="utf-8"?>
+<p:sld xmlns:a="http://schemas.openxmlformats.org/drawingml/2006/main" xmlns:r="http://schemas.openxmlformats.org/officeDocument/2006/relationships" xmlns:p="http://schemas.openxmlformats.org/presentationml/2006/main">
+  <p:cSld>
+    <p:spTree>
+      <p:nvGrpSpPr>
+        <p:cNvPr id="1" name=""/>
+        <p:cNvGrpSpPr/>
+        <p:nvPr/>
+      </p:nvGrpSpPr>
+      <p:grpSpPr>
+        <a:xfrm>
+          <a:off x="0" y="0"/>
+          <a:ext cx="0" cy="0"/>
+          <a:chOff x="0" y="0"/>
+          <a:chExt cx="0" cy="0"/>
+        </a:xfrm>
+      </p:grpSpPr>
+      <p:sp>
+        <p:nvSpPr>
+          <p:cNvPr id="2" name="Title 1"/>
+          <p:cNvSpPr>
+            <a:spLocks noGrp="1"/>
+          </p:cNvSpPr>
+          <p:nvPr>
+            <p:ph type="title"/>
+          </p:nvPr>
+        </p:nvSpPr>
+        <p:spPr/>
+        <p:txBody>
+          <a:bodyPr/>
+          <a:lstStyle/>
+          <a:p>
+            <a:r>
+              <a:rPr lang="en-US" dirty="0" smtClean="0"/>
               <a:t>General Guidance</a:t>
             </a:r>
             <a:endParaRPr lang="en-US" dirty="0"/>
@@ -16325,7 +16725,7 @@
 </p:sld>
 </file>
 
-<file path=ppt/slides/slide6.xml><?xml version="1.0" encoding="utf-8"?>
+<file path=ppt/slides/slide7.xml><?xml version="1.0" encoding="utf-8"?>
 <p:sld xmlns:a="http://schemas.openxmlformats.org/drawingml/2006/main" xmlns:r="http://schemas.openxmlformats.org/officeDocument/2006/relationships" xmlns:p="http://schemas.openxmlformats.org/presentationml/2006/main">
   <p:cSld>
     <p:spTree>
@@ -16551,7 +16951,7 @@
 </p:sld>
 </file>
 
-<file path=ppt/slides/slide7.xml><?xml version="1.0" encoding="utf-8"?>
+<file path=ppt/slides/slide8.xml><?xml version="1.0" encoding="utf-8"?>
 <p:sld xmlns:a="http://schemas.openxmlformats.org/drawingml/2006/main" xmlns:r="http://schemas.openxmlformats.org/officeDocument/2006/relationships" xmlns:p="http://schemas.openxmlformats.org/presentationml/2006/main">
   <p:cSld>
     <p:spTree>
@@ -16708,7 +17108,7 @@
 </p:sld>
 </file>
 
-<file path=ppt/slides/slide8.xml><?xml version="1.0" encoding="utf-8"?>
+<file path=ppt/slides/slide9.xml><?xml version="1.0" encoding="utf-8"?>
 <p:sld xmlns:a="http://schemas.openxmlformats.org/drawingml/2006/main" xmlns:r="http://schemas.openxmlformats.org/officeDocument/2006/relationships" xmlns:p="http://schemas.openxmlformats.org/presentationml/2006/main">
   <p:cSld>
     <p:spTree>
@@ -16900,202 +17300,6 @@
     <p:extLst>
       <p:ext uri="{BB962C8B-B14F-4D97-AF65-F5344CB8AC3E}">
         <p14:creationId xmlns:p14="http://schemas.microsoft.com/office/powerpoint/2010/main" val="3964631385"/>
-      </p:ext>
-    </p:extLst>
-  </p:cSld>
-  <p:clrMapOvr>
-    <a:masterClrMapping/>
-  </p:clrMapOvr>
-  <p:timing>
-    <p:tnLst>
-      <p:par>
-        <p:cTn id="1" dur="indefinite" restart="never" nodeType="tmRoot"/>
-      </p:par>
-    </p:tnLst>
-  </p:timing>
-</p:sld>
-</file>
-
-<file path=ppt/slides/slide9.xml><?xml version="1.0" encoding="utf-8"?>
-<p:sld xmlns:a="http://schemas.openxmlformats.org/drawingml/2006/main" xmlns:r="http://schemas.openxmlformats.org/officeDocument/2006/relationships" xmlns:p="http://schemas.openxmlformats.org/presentationml/2006/main">
-  <p:cSld>
-    <p:spTree>
-      <p:nvGrpSpPr>
-        <p:cNvPr id="1" name=""/>
-        <p:cNvGrpSpPr/>
-        <p:nvPr/>
-      </p:nvGrpSpPr>
-      <p:grpSpPr>
-        <a:xfrm>
-          <a:off x="0" y="0"/>
-          <a:ext cx="0" cy="0"/>
-          <a:chOff x="0" y="0"/>
-          <a:chExt cx="0" cy="0"/>
-        </a:xfrm>
-      </p:grpSpPr>
-      <p:sp>
-        <p:nvSpPr>
-          <p:cNvPr id="3" name="Content Placeholder 2"/>
-          <p:cNvSpPr>
-            <a:spLocks noGrp="1"/>
-          </p:cNvSpPr>
-          <p:nvPr>
-            <p:ph idx="1"/>
-          </p:nvPr>
-        </p:nvSpPr>
-        <p:spPr>
-          <a:xfrm>
-            <a:off x="840000" y="1935480"/>
-            <a:ext cx="7675350" cy="1705557"/>
-          </a:xfrm>
-        </p:spPr>
-        <p:txBody>
-          <a:bodyPr/>
-          <a:lstStyle/>
-          <a:p>
-            <a:r>
-              <a:rPr lang="en-US" dirty="0" smtClean="0"/>
-              <a:t>With programs &amp; scripts</a:t>
-            </a:r>
-          </a:p>
-          <a:p>
-            <a:pPr lvl="1"/>
-            <a:r>
-              <a:rPr lang="en-US" dirty="0" smtClean="0"/>
-              <a:t>Run less risk of insidious mistakes</a:t>
-            </a:r>
-          </a:p>
-          <a:p>
-            <a:pPr lvl="1"/>
-            <a:r>
-              <a:rPr lang="en-US" dirty="0" smtClean="0"/>
-              <a:t>More reproducible </a:t>
-            </a:r>
-          </a:p>
-          <a:p>
-            <a:pPr lvl="1"/>
-            <a:r>
-              <a:rPr lang="en-US" dirty="0" smtClean="0"/>
-              <a:t>Saves time if you need to repeat!</a:t>
-            </a:r>
-            <a:endParaRPr lang="en-US" dirty="0"/>
-          </a:p>
-        </p:txBody>
-      </p:sp>
-      <p:pic>
-        <p:nvPicPr>
-          <p:cNvPr id="1026" name="Picture 2" descr="http://jtnimoy.net/178/TRON_GFX_BR_08.JPG"/>
-          <p:cNvPicPr>
-            <a:picLocks noChangeAspect="1" noChangeArrowheads="1"/>
-          </p:cNvPicPr>
-          <p:nvPr/>
-        </p:nvPicPr>
-        <p:blipFill>
-          <a:blip r:embed="rId2">
-            <a:extLst>
-              <a:ext uri="{28A0092B-C50C-407E-A947-70E740481C1C}">
-                <a14:useLocalDpi xmlns:a14="http://schemas.microsoft.com/office/drawing/2010/main" val="0"/>
-              </a:ext>
-            </a:extLst>
-          </a:blip>
-          <a:srcRect/>
-          <a:stretch>
-            <a:fillRect/>
-          </a:stretch>
-        </p:blipFill>
-        <p:spPr bwMode="auto">
-          <a:xfrm>
-            <a:off x="1941195" y="3641037"/>
-            <a:ext cx="5261610" cy="2968363"/>
-          </a:xfrm>
-          <a:prstGeom prst="rect">
-            <a:avLst/>
-          </a:prstGeom>
-          <a:noFill/>
-          <a:extLst>
-            <a:ext uri="{909E8E84-426E-40DD-AFC4-6F175D3DCCD1}">
-              <a14:hiddenFill xmlns:a14="http://schemas.microsoft.com/office/drawing/2010/main">
-                <a:solidFill>
-                  <a:srgbClr val="FFFFFF"/>
-                </a:solidFill>
-              </a14:hiddenFill>
-            </a:ext>
-          </a:extLst>
-        </p:spPr>
-      </p:pic>
-      <p:sp>
-        <p:nvSpPr>
-          <p:cNvPr id="7" name="Title 1"/>
-          <p:cNvSpPr txBox="1">
-            <a:spLocks/>
-          </p:cNvSpPr>
-          <p:nvPr/>
-        </p:nvSpPr>
-        <p:spPr>
-          <a:xfrm>
-            <a:off x="628649" y="365126"/>
-            <a:ext cx="8433157" cy="1325563"/>
-          </a:xfrm>
-          <a:prstGeom prst="rect">
-            <a:avLst/>
-          </a:prstGeom>
-        </p:spPr>
-        <p:txBody>
-          <a:bodyPr vert="horz" lIns="91440" tIns="45720" rIns="91440" bIns="45720" rtlCol="0" anchor="ctr">
-            <a:normAutofit/>
-          </a:bodyPr>
-          <a:lstStyle>
-            <a:lvl1pPr algn="l" defTabSz="685800" rtl="0" eaLnBrk="1" latinLnBrk="0" hangingPunct="1">
-              <a:lnSpc>
-                <a:spcPct val="90000"/>
-              </a:lnSpc>
-              <a:spcBef>
-                <a:spcPct val="0"/>
-              </a:spcBef>
-              <a:buNone/>
-              <a:defRPr sz="4400" b="0" kern="1200">
-                <a:gradFill flip="none" rotWithShape="1">
-                  <a:gsLst>
-                    <a:gs pos="28000">
-                      <a:schemeClr val="tx1">
-                        <a:lumMod val="93000"/>
-                      </a:schemeClr>
-                    </a:gs>
-                    <a:gs pos="0">
-                      <a:schemeClr val="bg1">
-                        <a:lumMod val="13000"/>
-                        <a:lumOff val="87000"/>
-                      </a:schemeClr>
-                    </a:gs>
-                    <a:gs pos="100000">
-                      <a:schemeClr val="tx2">
-                        <a:lumMod val="0"/>
-                        <a:lumOff val="100000"/>
-                      </a:schemeClr>
-                    </a:gs>
-                  </a:gsLst>
-                  <a:lin ang="4800000" scaled="0"/>
-                  <a:tileRect/>
-                </a:gradFill>
-                <a:latin typeface="Source Code Pro Black" panose="020B0809030403020204" pitchFamily="49" charset="0"/>
-                <a:ea typeface="+mj-ea"/>
-                <a:cs typeface="+mj-cs"/>
-              </a:defRPr>
-            </a:lvl1pPr>
-          </a:lstStyle>
-          <a:p>
-            <a:r>
-              <a:rPr lang="en-US" sz="4000" smtClean="0"/>
-              <a:t>Where’s my mouse pointer?</a:t>
-            </a:r>
-            <a:endParaRPr lang="en-US" sz="4000" dirty="0"/>
-          </a:p>
-        </p:txBody>
-      </p:sp>
-    </p:spTree>
-    <p:extLst>
-      <p:ext uri="{BB962C8B-B14F-4D97-AF65-F5344CB8AC3E}">
-        <p14:creationId xmlns:p14="http://schemas.microsoft.com/office/powerpoint/2010/main" val="897818324"/>
       </p:ext>
     </p:extLst>
   </p:cSld>

--- a/presentations/Modern Computing.pptx
+++ b/presentations/Modern Computing.pptx
@@ -7,6 +7,9 @@
   <p:notesMasterIdLst>
     <p:notesMasterId r:id="rId48"/>
   </p:notesMasterIdLst>
+  <p:handoutMasterIdLst>
+    <p:handoutMasterId r:id="rId49"/>
+  </p:handoutMasterIdLst>
   <p:sldIdLst>
     <p:sldId id="256" r:id="rId2"/>
     <p:sldId id="305" r:id="rId3"/>
@@ -56,7 +59,7 @@
     <p:sldId id="275" r:id="rId47"/>
   </p:sldIdLst>
   <p:sldSz cx="9144000" cy="6858000" type="screen4x3"/>
-  <p:notesSz cx="6858000" cy="9144000"/>
+  <p:notesSz cx="7315200" cy="9601200"/>
   <p:defaultTextStyle>
     <a:defPPr>
       <a:defRPr lang="en-US"/>
@@ -160,6 +163,171 @@
 </p:presentation>
 </file>
 
+<file path=ppt/handoutMasters/handoutMaster1.xml><?xml version="1.0" encoding="utf-8"?>
+<p:handoutMaster xmlns:a="http://schemas.openxmlformats.org/drawingml/2006/main" xmlns:r="http://schemas.openxmlformats.org/officeDocument/2006/relationships" xmlns:p="http://schemas.openxmlformats.org/presentationml/2006/main">
+  <p:cSld>
+    <p:bg>
+      <p:bgRef idx="1001">
+        <a:schemeClr val="bg1"/>
+      </p:bgRef>
+    </p:bg>
+    <p:spTree>
+      <p:nvGrpSpPr>
+        <p:cNvPr id="1" name=""/>
+        <p:cNvGrpSpPr/>
+        <p:nvPr/>
+      </p:nvGrpSpPr>
+      <p:grpSpPr>
+        <a:xfrm>
+          <a:off x="0" y="0"/>
+          <a:ext cx="0" cy="0"/>
+          <a:chOff x="0" y="0"/>
+          <a:chExt cx="0" cy="0"/>
+        </a:xfrm>
+      </p:grpSpPr>
+      <p:sp>
+        <p:nvSpPr>
+          <p:cNvPr id="2" name="Header Placeholder 1"/>
+          <p:cNvSpPr>
+            <a:spLocks noGrp="1"/>
+          </p:cNvSpPr>
+          <p:nvPr>
+            <p:ph type="hdr" sz="quarter"/>
+          </p:nvPr>
+        </p:nvSpPr>
+        <p:spPr>
+          <a:xfrm>
+            <a:off x="0" y="0"/>
+            <a:ext cx="3170238" cy="481013"/>
+          </a:xfrm>
+          <a:prstGeom prst="rect">
+            <a:avLst/>
+          </a:prstGeom>
+        </p:spPr>
+        <p:txBody>
+          <a:bodyPr vert="horz" lIns="91440" tIns="45720" rIns="91440" bIns="45720" rtlCol="0"/>
+          <a:lstStyle>
+            <a:lvl1pPr algn="l">
+              <a:defRPr sz="1200"/>
+            </a:lvl1pPr>
+          </a:lstStyle>
+          <a:p>
+            <a:endParaRPr lang="en-US"/>
+          </a:p>
+        </p:txBody>
+      </p:sp>
+      <p:sp>
+        <p:nvSpPr>
+          <p:cNvPr id="3" name="Date Placeholder 2"/>
+          <p:cNvSpPr>
+            <a:spLocks noGrp="1"/>
+          </p:cNvSpPr>
+          <p:nvPr>
+            <p:ph type="dt" sz="quarter" idx="1"/>
+          </p:nvPr>
+        </p:nvSpPr>
+        <p:spPr>
+          <a:xfrm>
+            <a:off x="4143375" y="0"/>
+            <a:ext cx="3170238" cy="481013"/>
+          </a:xfrm>
+          <a:prstGeom prst="rect">
+            <a:avLst/>
+          </a:prstGeom>
+        </p:spPr>
+        <p:txBody>
+          <a:bodyPr vert="horz" lIns="91440" tIns="45720" rIns="91440" bIns="45720" rtlCol="0"/>
+          <a:lstStyle>
+            <a:lvl1pPr algn="r">
+              <a:defRPr sz="1200"/>
+            </a:lvl1pPr>
+          </a:lstStyle>
+          <a:p>
+            <a:fld id="{4368BE7B-610F-4B37-A1DB-CB2C4BDE57C5}" type="datetimeFigureOut">
+              <a:rPr lang="en-US" smtClean="0"/>
+              <a:t>1/8/2014</a:t>
+            </a:fld>
+            <a:endParaRPr lang="en-US"/>
+          </a:p>
+        </p:txBody>
+      </p:sp>
+      <p:sp>
+        <p:nvSpPr>
+          <p:cNvPr id="4" name="Footer Placeholder 3"/>
+          <p:cNvSpPr>
+            <a:spLocks noGrp="1"/>
+          </p:cNvSpPr>
+          <p:nvPr>
+            <p:ph type="ftr" sz="quarter" idx="2"/>
+          </p:nvPr>
+        </p:nvSpPr>
+        <p:spPr>
+          <a:xfrm>
+            <a:off x="0" y="9120188"/>
+            <a:ext cx="3170238" cy="481012"/>
+          </a:xfrm>
+          <a:prstGeom prst="rect">
+            <a:avLst/>
+          </a:prstGeom>
+        </p:spPr>
+        <p:txBody>
+          <a:bodyPr vert="horz" lIns="91440" tIns="45720" rIns="91440" bIns="45720" rtlCol="0" anchor="b"/>
+          <a:lstStyle>
+            <a:lvl1pPr algn="l">
+              <a:defRPr sz="1200"/>
+            </a:lvl1pPr>
+          </a:lstStyle>
+          <a:p>
+            <a:endParaRPr lang="en-US"/>
+          </a:p>
+        </p:txBody>
+      </p:sp>
+      <p:sp>
+        <p:nvSpPr>
+          <p:cNvPr id="5" name="Slide Number Placeholder 4"/>
+          <p:cNvSpPr>
+            <a:spLocks noGrp="1"/>
+          </p:cNvSpPr>
+          <p:nvPr>
+            <p:ph type="sldNum" sz="quarter" idx="3"/>
+          </p:nvPr>
+        </p:nvSpPr>
+        <p:spPr>
+          <a:xfrm>
+            <a:off x="4143375" y="9120188"/>
+            <a:ext cx="3170238" cy="481012"/>
+          </a:xfrm>
+          <a:prstGeom prst="rect">
+            <a:avLst/>
+          </a:prstGeom>
+        </p:spPr>
+        <p:txBody>
+          <a:bodyPr vert="horz" lIns="91440" tIns="45720" rIns="91440" bIns="45720" rtlCol="0" anchor="b"/>
+          <a:lstStyle>
+            <a:lvl1pPr algn="r">
+              <a:defRPr sz="1200"/>
+            </a:lvl1pPr>
+          </a:lstStyle>
+          <a:p>
+            <a:fld id="{A43DFC74-4B05-48DC-A884-105B6C0753C1}" type="slidenum">
+              <a:rPr lang="en-US" smtClean="0"/>
+              <a:t>‹#›</a:t>
+            </a:fld>
+            <a:endParaRPr lang="en-US"/>
+          </a:p>
+        </p:txBody>
+      </p:sp>
+    </p:spTree>
+    <p:extLst>
+      <p:ext uri="{BB962C8B-B14F-4D97-AF65-F5344CB8AC3E}">
+        <p14:creationId xmlns:p14="http://schemas.microsoft.com/office/powerpoint/2010/main" val="2035420215"/>
+      </p:ext>
+    </p:extLst>
+  </p:cSld>
+  <p:clrMap bg1="lt1" tx1="dk1" bg2="lt2" tx2="dk2" accent1="accent1" accent2="accent2" accent3="accent3" accent4="accent4" accent5="accent5" accent6="accent6" hlink="hlink" folHlink="folHlink"/>
+</p:handoutMaster>
+</file>
+
 <file path=ppt/notesMasters/notesMaster1.xml><?xml version="1.0" encoding="utf-8"?>
 <p:notesMaster xmlns:a="http://schemas.openxmlformats.org/drawingml/2006/main" xmlns:r="http://schemas.openxmlformats.org/officeDocument/2006/relationships" xmlns:p="http://schemas.openxmlformats.org/presentationml/2006/main">
   <p:cSld>
@@ -195,17 +363,17 @@
         <p:spPr>
           <a:xfrm>
             <a:off x="0" y="0"/>
-            <a:ext cx="2971800" cy="458788"/>
+            <a:ext cx="3169920" cy="481727"/>
           </a:xfrm>
           <a:prstGeom prst="rect">
             <a:avLst/>
           </a:prstGeom>
         </p:spPr>
         <p:txBody>
-          <a:bodyPr vert="horz" lIns="91440" tIns="45720" rIns="91440" bIns="45720" rtlCol="0"/>
+          <a:bodyPr vert="horz" lIns="96661" tIns="48331" rIns="96661" bIns="48331" rtlCol="0"/>
           <a:lstStyle>
             <a:lvl1pPr algn="l">
-              <a:defRPr sz="1200"/>
+              <a:defRPr sz="1300"/>
             </a:lvl1pPr>
           </a:lstStyle>
           <a:p>
@@ -225,18 +393,18 @@
         </p:nvSpPr>
         <p:spPr>
           <a:xfrm>
-            <a:off x="3884613" y="0"/>
-            <a:ext cx="2971800" cy="458788"/>
+            <a:off x="4143587" y="0"/>
+            <a:ext cx="3169920" cy="481727"/>
           </a:xfrm>
           <a:prstGeom prst="rect">
             <a:avLst/>
           </a:prstGeom>
         </p:spPr>
         <p:txBody>
-          <a:bodyPr vert="horz" lIns="91440" tIns="45720" rIns="91440" bIns="45720" rtlCol="0"/>
+          <a:bodyPr vert="horz" lIns="96661" tIns="48331" rIns="96661" bIns="48331" rtlCol="0"/>
           <a:lstStyle>
             <a:lvl1pPr algn="r">
-              <a:defRPr sz="1200"/>
+              <a:defRPr sz="1300"/>
             </a:lvl1pPr>
           </a:lstStyle>
           <a:p>
@@ -260,8 +428,8 @@
         </p:nvSpPr>
         <p:spPr>
           <a:xfrm>
-            <a:off x="1371600" y="1143000"/>
-            <a:ext cx="4114800" cy="3086100"/>
+            <a:off x="1497013" y="1200150"/>
+            <a:ext cx="4321175" cy="3240088"/>
           </a:xfrm>
           <a:prstGeom prst="rect">
             <a:avLst/>
@@ -274,7 +442,7 @@
           </a:ln>
         </p:spPr>
         <p:txBody>
-          <a:bodyPr vert="horz" lIns="91440" tIns="45720" rIns="91440" bIns="45720" rtlCol="0" anchor="ctr"/>
+          <a:bodyPr vert="horz" lIns="96661" tIns="48331" rIns="96661" bIns="48331" rtlCol="0" anchor="ctr"/>
           <a:lstStyle/>
           <a:p>
             <a:endParaRPr lang="en-US"/>
@@ -293,15 +461,15 @@
         </p:nvSpPr>
         <p:spPr>
           <a:xfrm>
-            <a:off x="685800" y="4400550"/>
-            <a:ext cx="5486400" cy="3600450"/>
+            <a:off x="731520" y="4620577"/>
+            <a:ext cx="5852160" cy="3780473"/>
           </a:xfrm>
           <a:prstGeom prst="rect">
             <a:avLst/>
           </a:prstGeom>
         </p:spPr>
         <p:txBody>
-          <a:bodyPr vert="horz" lIns="91440" tIns="45720" rIns="91440" bIns="45720" rtlCol="0"/>
+          <a:bodyPr vert="horz" lIns="96661" tIns="48331" rIns="96661" bIns="48331" rtlCol="0"/>
           <a:lstStyle/>
           <a:p>
             <a:pPr lvl="0"/>
@@ -353,18 +521,18 @@
         </p:nvSpPr>
         <p:spPr>
           <a:xfrm>
-            <a:off x="0" y="8685213"/>
-            <a:ext cx="2971800" cy="458787"/>
+            <a:off x="0" y="9119474"/>
+            <a:ext cx="3169920" cy="481726"/>
           </a:xfrm>
           <a:prstGeom prst="rect">
             <a:avLst/>
           </a:prstGeom>
         </p:spPr>
         <p:txBody>
-          <a:bodyPr vert="horz" lIns="91440" tIns="45720" rIns="91440" bIns="45720" rtlCol="0" anchor="b"/>
+          <a:bodyPr vert="horz" lIns="96661" tIns="48331" rIns="96661" bIns="48331" rtlCol="0" anchor="b"/>
           <a:lstStyle>
             <a:lvl1pPr algn="l">
-              <a:defRPr sz="1200"/>
+              <a:defRPr sz="1300"/>
             </a:lvl1pPr>
           </a:lstStyle>
           <a:p>
@@ -384,18 +552,18 @@
         </p:nvSpPr>
         <p:spPr>
           <a:xfrm>
-            <a:off x="3884613" y="8685213"/>
-            <a:ext cx="2971800" cy="458787"/>
+            <a:off x="4143587" y="9119474"/>
+            <a:ext cx="3169920" cy="481726"/>
           </a:xfrm>
           <a:prstGeom prst="rect">
             <a:avLst/>
           </a:prstGeom>
         </p:spPr>
         <p:txBody>
-          <a:bodyPr vert="horz" lIns="91440" tIns="45720" rIns="91440" bIns="45720" rtlCol="0" anchor="b"/>
+          <a:bodyPr vert="horz" lIns="96661" tIns="48331" rIns="96661" bIns="48331" rtlCol="0" anchor="b"/>
           <a:lstStyle>
             <a:lvl1pPr algn="r">
-              <a:defRPr sz="1200"/>
+              <a:defRPr sz="1300"/>
             </a:lvl1pPr>
           </a:lstStyle>
           <a:p>
@@ -16763,7 +16931,7 @@
             </a:r>
             <a:r>
               <a:rPr lang="en-US" dirty="0" err="1" smtClean="0"/>
-              <a:t>linix</a:t>
+              <a:t>linux</a:t>
             </a:r>
             <a:endParaRPr lang="en-US" dirty="0"/>
           </a:p>
@@ -17836,4 +18004,265 @@
     </a:ext>
   </a:extLst>
 </a:theme>
+</file>
+
+<file path=ppt/theme/theme3.xml><?xml version="1.0" encoding="utf-8"?>
+<a:theme xmlns:a="http://schemas.openxmlformats.org/drawingml/2006/main" name="Office Theme">
+  <a:themeElements>
+    <a:clrScheme name="Office">
+      <a:dk1>
+        <a:sysClr val="windowText" lastClr="000000"/>
+      </a:dk1>
+      <a:lt1>
+        <a:sysClr val="window" lastClr="FFFFFF"/>
+      </a:lt1>
+      <a:dk2>
+        <a:srgbClr val="44546A"/>
+      </a:dk2>
+      <a:lt2>
+        <a:srgbClr val="E7E6E6"/>
+      </a:lt2>
+      <a:accent1>
+        <a:srgbClr val="5B9BD5"/>
+      </a:accent1>
+      <a:accent2>
+        <a:srgbClr val="ED7D31"/>
+      </a:accent2>
+      <a:accent3>
+        <a:srgbClr val="A5A5A5"/>
+      </a:accent3>
+      <a:accent4>
+        <a:srgbClr val="FFC000"/>
+      </a:accent4>
+      <a:accent5>
+        <a:srgbClr val="4472C4"/>
+      </a:accent5>
+      <a:accent6>
+        <a:srgbClr val="70AD47"/>
+      </a:accent6>
+      <a:hlink>
+        <a:srgbClr val="0563C1"/>
+      </a:hlink>
+      <a:folHlink>
+        <a:srgbClr val="954F72"/>
+      </a:folHlink>
+    </a:clrScheme>
+    <a:fontScheme name="Office">
+      <a:majorFont>
+        <a:latin typeface="Calibri Light" panose="020F0302020204030204"/>
+        <a:ea typeface=""/>
+        <a:cs typeface=""/>
+        <a:font script="Jpan" typeface="ＭＳ Ｐゴシック"/>
+        <a:font script="Hang" typeface="맑은 고딕"/>
+        <a:font script="Hans" typeface="宋体"/>
+        <a:font script="Hant" typeface="新細明體"/>
+        <a:font script="Arab" typeface="Times New Roman"/>
+        <a:font script="Hebr" typeface="Times New Roman"/>
+        <a:font script="Thai" typeface="Angsana New"/>
+        <a:font script="Ethi" typeface="Nyala"/>
+        <a:font script="Beng" typeface="Vrinda"/>
+        <a:font script="Gujr" typeface="Shruti"/>
+        <a:font script="Khmr" typeface="MoolBoran"/>
+        <a:font script="Knda" typeface="Tunga"/>
+        <a:font script="Guru" typeface="Raavi"/>
+        <a:font script="Cans" typeface="Euphemia"/>
+        <a:font script="Cher" typeface="Plantagenet Cherokee"/>
+        <a:font script="Yiii" typeface="Microsoft Yi Baiti"/>
+        <a:font script="Tibt" typeface="Microsoft Himalaya"/>
+        <a:font script="Thaa" typeface="MV Boli"/>
+        <a:font script="Deva" typeface="Mangal"/>
+        <a:font script="Telu" typeface="Gautami"/>
+        <a:font script="Taml" typeface="Latha"/>
+        <a:font script="Syrc" typeface="Estrangelo Edessa"/>
+        <a:font script="Orya" typeface="Kalinga"/>
+        <a:font script="Mlym" typeface="Kartika"/>
+        <a:font script="Laoo" typeface="DokChampa"/>
+        <a:font script="Sinh" typeface="Iskoola Pota"/>
+        <a:font script="Mong" typeface="Mongolian Baiti"/>
+        <a:font script="Viet" typeface="Times New Roman"/>
+        <a:font script="Uigh" typeface="Microsoft Uighur"/>
+        <a:font script="Geor" typeface="Sylfaen"/>
+      </a:majorFont>
+      <a:minorFont>
+        <a:latin typeface="Calibri" panose="020F0502020204030204"/>
+        <a:ea typeface=""/>
+        <a:cs typeface=""/>
+        <a:font script="Jpan" typeface="ＭＳ Ｐゴシック"/>
+        <a:font script="Hang" typeface="맑은 고딕"/>
+        <a:font script="Hans" typeface="宋体"/>
+        <a:font script="Hant" typeface="新細明體"/>
+        <a:font script="Arab" typeface="Arial"/>
+        <a:font script="Hebr" typeface="Arial"/>
+        <a:font script="Thai" typeface="Cordia New"/>
+        <a:font script="Ethi" typeface="Nyala"/>
+        <a:font script="Beng" typeface="Vrinda"/>
+        <a:font script="Gujr" typeface="Shruti"/>
+        <a:font script="Khmr" typeface="DaunPenh"/>
+        <a:font script="Knda" typeface="Tunga"/>
+        <a:font script="Guru" typeface="Raavi"/>
+        <a:font script="Cans" typeface="Euphemia"/>
+        <a:font script="Cher" typeface="Plantagenet Cherokee"/>
+        <a:font script="Yiii" typeface="Microsoft Yi Baiti"/>
+        <a:font script="Tibt" typeface="Microsoft Himalaya"/>
+        <a:font script="Thaa" typeface="MV Boli"/>
+        <a:font script="Deva" typeface="Mangal"/>
+        <a:font script="Telu" typeface="Gautami"/>
+        <a:font script="Taml" typeface="Latha"/>
+        <a:font script="Syrc" typeface="Estrangelo Edessa"/>
+        <a:font script="Orya" typeface="Kalinga"/>
+        <a:font script="Mlym" typeface="Kartika"/>
+        <a:font script="Laoo" typeface="DokChampa"/>
+        <a:font script="Sinh" typeface="Iskoola Pota"/>
+        <a:font script="Mong" typeface="Mongolian Baiti"/>
+        <a:font script="Viet" typeface="Arial"/>
+        <a:font script="Uigh" typeface="Microsoft Uighur"/>
+        <a:font script="Geor" typeface="Sylfaen"/>
+      </a:minorFont>
+    </a:fontScheme>
+    <a:fmtScheme name="Office">
+      <a:fillStyleLst>
+        <a:solidFill>
+          <a:schemeClr val="phClr"/>
+        </a:solidFill>
+        <a:gradFill rotWithShape="1">
+          <a:gsLst>
+            <a:gs pos="0">
+              <a:schemeClr val="phClr">
+                <a:lumMod val="110000"/>
+                <a:satMod val="105000"/>
+                <a:tint val="67000"/>
+              </a:schemeClr>
+            </a:gs>
+            <a:gs pos="50000">
+              <a:schemeClr val="phClr">
+                <a:lumMod val="105000"/>
+                <a:satMod val="103000"/>
+                <a:tint val="73000"/>
+              </a:schemeClr>
+            </a:gs>
+            <a:gs pos="100000">
+              <a:schemeClr val="phClr">
+                <a:lumMod val="105000"/>
+                <a:satMod val="109000"/>
+                <a:tint val="81000"/>
+              </a:schemeClr>
+            </a:gs>
+          </a:gsLst>
+          <a:lin ang="5400000" scaled="0"/>
+        </a:gradFill>
+        <a:gradFill rotWithShape="1">
+          <a:gsLst>
+            <a:gs pos="0">
+              <a:schemeClr val="phClr">
+                <a:satMod val="103000"/>
+                <a:lumMod val="102000"/>
+                <a:tint val="94000"/>
+              </a:schemeClr>
+            </a:gs>
+            <a:gs pos="50000">
+              <a:schemeClr val="phClr">
+                <a:satMod val="110000"/>
+                <a:lumMod val="100000"/>
+                <a:shade val="100000"/>
+              </a:schemeClr>
+            </a:gs>
+            <a:gs pos="100000">
+              <a:schemeClr val="phClr">
+                <a:lumMod val="99000"/>
+                <a:satMod val="120000"/>
+                <a:shade val="78000"/>
+              </a:schemeClr>
+            </a:gs>
+          </a:gsLst>
+          <a:lin ang="5400000" scaled="0"/>
+        </a:gradFill>
+      </a:fillStyleLst>
+      <a:lnStyleLst>
+        <a:ln w="6350" cap="flat" cmpd="sng" algn="ctr">
+          <a:solidFill>
+            <a:schemeClr val="phClr"/>
+          </a:solidFill>
+          <a:prstDash val="solid"/>
+          <a:miter lim="800000"/>
+        </a:ln>
+        <a:ln w="12700" cap="flat" cmpd="sng" algn="ctr">
+          <a:solidFill>
+            <a:schemeClr val="phClr"/>
+          </a:solidFill>
+          <a:prstDash val="solid"/>
+          <a:miter lim="800000"/>
+        </a:ln>
+        <a:ln w="19050" cap="flat" cmpd="sng" algn="ctr">
+          <a:solidFill>
+            <a:schemeClr val="phClr"/>
+          </a:solidFill>
+          <a:prstDash val="solid"/>
+          <a:miter lim="800000"/>
+        </a:ln>
+      </a:lnStyleLst>
+      <a:effectStyleLst>
+        <a:effectStyle>
+          <a:effectLst/>
+        </a:effectStyle>
+        <a:effectStyle>
+          <a:effectLst/>
+        </a:effectStyle>
+        <a:effectStyle>
+          <a:effectLst>
+            <a:outerShdw blurRad="57150" dist="19050" dir="5400000" algn="ctr" rotWithShape="0">
+              <a:srgbClr val="000000">
+                <a:alpha val="63000"/>
+              </a:srgbClr>
+            </a:outerShdw>
+          </a:effectLst>
+        </a:effectStyle>
+      </a:effectStyleLst>
+      <a:bgFillStyleLst>
+        <a:solidFill>
+          <a:schemeClr val="phClr"/>
+        </a:solidFill>
+        <a:solidFill>
+          <a:schemeClr val="phClr">
+            <a:tint val="95000"/>
+            <a:satMod val="170000"/>
+          </a:schemeClr>
+        </a:solidFill>
+        <a:gradFill rotWithShape="1">
+          <a:gsLst>
+            <a:gs pos="0">
+              <a:schemeClr val="phClr">
+                <a:tint val="93000"/>
+                <a:satMod val="150000"/>
+                <a:shade val="98000"/>
+                <a:lumMod val="102000"/>
+              </a:schemeClr>
+            </a:gs>
+            <a:gs pos="50000">
+              <a:schemeClr val="phClr">
+                <a:tint val="98000"/>
+                <a:satMod val="130000"/>
+                <a:shade val="90000"/>
+                <a:lumMod val="103000"/>
+              </a:schemeClr>
+            </a:gs>
+            <a:gs pos="100000">
+              <a:schemeClr val="phClr">
+                <a:shade val="63000"/>
+                <a:satMod val="120000"/>
+              </a:schemeClr>
+            </a:gs>
+          </a:gsLst>
+          <a:lin ang="5400000" scaled="0"/>
+        </a:gradFill>
+      </a:bgFillStyleLst>
+    </a:fmtScheme>
+  </a:themeElements>
+  <a:objectDefaults/>
+  <a:extraClrSchemeLst/>
+  <a:extLst>
+    <a:ext uri="{05A4C25C-085E-4340-85A3-A5531E510DB2}">
+      <thm15:themeFamily xmlns:thm15="http://schemas.microsoft.com/office/thememl/2012/main" name="Office Theme" id="{62F939B6-93AF-4DB8-9C6B-D6C7DFDC589F}" vid="{4A3C46E8-61CC-4603-A589-7422A47A8E4A}"/>
+    </a:ext>
+  </a:extLst>
+</a:theme>
 </file>